--- a/files/ppt_presentations/ppt_demo.pptx
+++ b/files/ppt_presentations/ppt_demo.pptx
@@ -6,7 +6,7 @@
     <p:sldMasterId id="2147483699" r:id="rId11"/>
   </p:sldMasterIdLst>
   <p:notesMasterIdLst>
-    <p:notesMasterId r:id="rId26"/>
+    <p:notesMasterId r:id="rId28"/>
   </p:notesMasterIdLst>
   <p:sldIdLst>
     <p:sldId id="257" r:id="rId12"/>
@@ -17,12 +17,14 @@
     <p:sldId id="496" r:id="rId17"/>
     <p:sldId id="497" r:id="rId18"/>
     <p:sldId id="498" r:id="rId19"/>
-    <p:sldId id="492" r:id="rId20"/>
-    <p:sldId id="494" r:id="rId21"/>
-    <p:sldId id="495" r:id="rId22"/>
-    <p:sldId id="339" r:id="rId23"/>
-    <p:sldId id="380" r:id="rId24"/>
-    <p:sldId id="330" r:id="rId25"/>
+    <p:sldId id="501" r:id="rId20"/>
+    <p:sldId id="492" r:id="rId21"/>
+    <p:sldId id="494" r:id="rId22"/>
+    <p:sldId id="495" r:id="rId23"/>
+    <p:sldId id="502" r:id="rId24"/>
+    <p:sldId id="339" r:id="rId25"/>
+    <p:sldId id="380" r:id="rId26"/>
+    <p:sldId id="330" r:id="rId27"/>
   </p:sldIdLst>
   <p:sldSz cx="12192000" cy="6858000"/>
   <p:notesSz cx="6858000" cy="9144000"/>
@@ -134,9 +136,11 @@
             <p14:sldId id="496"/>
             <p14:sldId id="497"/>
             <p14:sldId id="498"/>
+            <p14:sldId id="501"/>
             <p14:sldId id="492"/>
             <p14:sldId id="494"/>
             <p14:sldId id="495"/>
+            <p14:sldId id="502"/>
           </p14:sldIdLst>
         </p14:section>
         <p14:section name="Context" id="{065BED4C-6380-4DDB-97EA-F07556E2D9B4}">
@@ -244,6 +248,7 @@
           </a:p>
         </c:rich>
       </c:tx>
+      <c:layout/>
       <c:overlay val="0"/>
       <c:spPr>
         <a:noFill/>
@@ -876,6 +881,7 @@
         <c:idx val="9"/>
         <c:delete val="1"/>
       </c:legendEntry>
+      <c:layout/>
       <c:overlay val="0"/>
       <c:spPr>
         <a:noFill/>
@@ -4833,7 +4839,7 @@
           <a:p>
             <a:fld id="{C53FC889-3B05-4F6A-9AB7-C2521E883D0A}" type="datetimeFigureOut">
               <a:rPr lang="en-GB" smtClean="0"/>
-              <a:t>07/04/2020</a:t>
+              <a:t>16/04/2020</a:t>
             </a:fld>
             <a:endParaRPr lang="en-GB" dirty="0"/>
           </a:p>
@@ -5615,7 +5621,7 @@
           <a:p>
             <a:fld id="{253E99D3-575E-4B33-AEE3-580024E0F63F}" type="slidenum">
               <a:rPr lang="en-GB" smtClean="0"/>
-              <a:t>12</a:t>
+              <a:t>14</a:t>
             </a:fld>
             <a:endParaRPr lang="en-GB"/>
           </a:p>
@@ -5699,7 +5705,7 @@
           <a:p>
             <a:fld id="{253E99D3-575E-4B33-AEE3-580024E0F63F}" type="slidenum">
               <a:rPr lang="en-GB" smtClean="0"/>
-              <a:t>13</a:t>
+              <a:t>15</a:t>
             </a:fld>
             <a:endParaRPr lang="en-GB"/>
           </a:p>
@@ -5869,7 +5875,7 @@
           <a:p>
             <a:fld id="{9EFE7453-B082-4124-B5AE-B87EE023CDB1}" type="datetime1">
               <a:rPr lang="sv-SE" smtClean="0"/>
-              <a:t>2020-04-07</a:t>
+              <a:t>2020-04-16</a:t>
             </a:fld>
             <a:endParaRPr lang="en-GB" dirty="0"/>
           </a:p>
@@ -6115,7 +6121,7 @@
                   <a:prstClr val="black"/>
                 </a:solidFill>
               </a:rPr>
-              <a:t>2020-04-07</a:t>
+              <a:t>2020-04-16</a:t>
             </a:fld>
             <a:endParaRPr lang="en-GB" dirty="0">
               <a:solidFill>
@@ -6483,7 +6489,7 @@
                   <a:prstClr val="black"/>
                 </a:solidFill>
               </a:rPr>
-              <a:t>2020-04-07</a:t>
+              <a:t>2020-04-16</a:t>
             </a:fld>
             <a:endParaRPr lang="en-GB" dirty="0">
               <a:solidFill>
@@ -6766,7 +6772,7 @@
                   <a:prstClr val="black"/>
                 </a:solidFill>
               </a:rPr>
-              <a:t>2020-04-07</a:t>
+              <a:t>2020-04-16</a:t>
             </a:fld>
             <a:endParaRPr lang="en-GB" dirty="0">
               <a:solidFill>
@@ -7092,7 +7098,7 @@
                   <a:prstClr val="black"/>
                 </a:solidFill>
               </a:rPr>
-              <a:t>2020-04-07</a:t>
+              <a:t>2020-04-16</a:t>
             </a:fld>
             <a:endParaRPr lang="en-GB" dirty="0">
               <a:solidFill>
@@ -7363,7 +7369,7 @@
                   <a:prstClr val="black"/>
                 </a:solidFill>
               </a:rPr>
-              <a:t>2020-04-07</a:t>
+              <a:t>2020-04-16</a:t>
             </a:fld>
             <a:endParaRPr lang="en-GB" dirty="0">
               <a:solidFill>
@@ -7549,7 +7555,7 @@
                   <a:prstClr val="black"/>
                 </a:solidFill>
               </a:rPr>
-              <a:t>2020-04-07</a:t>
+              <a:t>2020-04-16</a:t>
             </a:fld>
             <a:endParaRPr lang="en-GB" dirty="0">
               <a:solidFill>
@@ -9830,7 +9836,7 @@
                   <a:prstClr val="black"/>
                 </a:solidFill>
               </a:rPr>
-              <a:t>2020-04-07</a:t>
+              <a:t>2020-04-16</a:t>
             </a:fld>
             <a:endParaRPr lang="en-GB" dirty="0">
               <a:solidFill>
@@ -10579,7 +10585,7 @@
             </a:pPr>
             <a:fld id="{D1537DF4-BE14-43E4-9A37-FFE4AFD6E832}" type="datetime1">
               <a:rPr lang="sv-SE" smtClean="0"/>
-              <a:t>2020-04-07</a:t>
+              <a:t>2020-04-16</a:t>
             </a:fld>
             <a:endParaRPr lang="sv-SE"/>
           </a:p>
@@ -10803,7 +10809,7 @@
           <a:p>
             <a:fld id="{80F358A9-049B-44CD-82AF-D1F2A38D371E}" type="datetime1">
               <a:rPr lang="sv-SE" smtClean="0"/>
-              <a:t>2020-04-07</a:t>
+              <a:t>2020-04-16</a:t>
             </a:fld>
             <a:endParaRPr lang="sv-SE"/>
           </a:p>
@@ -10972,7 +10978,7 @@
           <a:p>
             <a:fld id="{0EFFECE1-EFDB-4ED4-A92B-EC11843FA500}" type="datetime1">
               <a:rPr lang="sv-SE" smtClean="0"/>
-              <a:t>2020-04-07</a:t>
+              <a:t>2020-04-16</a:t>
             </a:fld>
             <a:endParaRPr lang="en-US" dirty="0"/>
           </a:p>
@@ -11223,7 +11229,7 @@
           <a:p>
             <a:fld id="{3E8B38C6-DEFB-43C3-9001-532227D2C227}" type="datetime1">
               <a:rPr lang="sv-SE" smtClean="0"/>
-              <a:t>2020-04-07</a:t>
+              <a:t>2020-04-16</a:t>
             </a:fld>
             <a:endParaRPr lang="sv-SE"/>
           </a:p>
@@ -11473,7 +11479,7 @@
           <a:p>
             <a:fld id="{4D6B0352-3FAF-4997-A408-54821387E8C2}" type="datetime1">
               <a:rPr lang="sv-SE" smtClean="0"/>
-              <a:t>2020-04-07</a:t>
+              <a:t>2020-04-16</a:t>
             </a:fld>
             <a:endParaRPr lang="sv-SE"/>
           </a:p>
@@ -11709,7 +11715,7 @@
           <a:p>
             <a:fld id="{716563E9-3DC5-4469-9964-FF98F1612663}" type="datetime1">
               <a:rPr lang="sv-SE" smtClean="0"/>
-              <a:t>2020-04-07</a:t>
+              <a:t>2020-04-16</a:t>
             </a:fld>
             <a:endParaRPr lang="sv-SE"/>
           </a:p>
@@ -12080,7 +12086,7 @@
           <a:p>
             <a:fld id="{1CBF595A-354E-4185-8569-5903072BC314}" type="datetime1">
               <a:rPr lang="sv-SE" smtClean="0"/>
-              <a:t>2020-04-07</a:t>
+              <a:t>2020-04-16</a:t>
             </a:fld>
             <a:endParaRPr lang="sv-SE"/>
           </a:p>
@@ -12202,7 +12208,7 @@
           <a:p>
             <a:fld id="{BFCB468F-8F0C-4472-9C74-13DD7D928865}" type="datetime1">
               <a:rPr lang="sv-SE" smtClean="0"/>
-              <a:t>2020-04-07</a:t>
+              <a:t>2020-04-16</a:t>
             </a:fld>
             <a:endParaRPr lang="sv-SE"/>
           </a:p>
@@ -12301,7 +12307,7 @@
           <a:p>
             <a:fld id="{BC504758-5BE1-4D18-AD7B-70303133ACF8}" type="datetime1">
               <a:rPr lang="sv-SE" smtClean="0"/>
-              <a:t>2020-04-07</a:t>
+              <a:t>2020-04-16</a:t>
             </a:fld>
             <a:endParaRPr lang="sv-SE"/>
           </a:p>
@@ -12582,7 +12588,7 @@
           <a:p>
             <a:fld id="{250C9EB5-F68C-4689-94F6-49C30221888E}" type="datetime1">
               <a:rPr lang="sv-SE" smtClean="0"/>
-              <a:t>2020-04-07</a:t>
+              <a:t>2020-04-16</a:t>
             </a:fld>
             <a:endParaRPr lang="sv-SE"/>
           </a:p>
@@ -12843,7 +12849,7 @@
           <a:p>
             <a:fld id="{7DD110CA-AEED-4DF4-83DE-18633E56C29F}" type="datetime1">
               <a:rPr lang="sv-SE" smtClean="0"/>
-              <a:t>2020-04-07</a:t>
+              <a:t>2020-04-16</a:t>
             </a:fld>
             <a:endParaRPr lang="sv-SE"/>
           </a:p>
@@ -13017,7 +13023,7 @@
           <a:p>
             <a:fld id="{9B2AEE04-1216-4AB6-8CF8-50DAF2F9BED2}" type="datetime1">
               <a:rPr lang="sv-SE" smtClean="0"/>
-              <a:t>2020-04-07</a:t>
+              <a:t>2020-04-16</a:t>
             </a:fld>
             <a:endParaRPr lang="sv-SE"/>
           </a:p>
@@ -13201,7 +13207,7 @@
           <a:p>
             <a:fld id="{FA578C12-CAD3-4D2D-9DA2-12AF1DD8FC8B}" type="datetime1">
               <a:rPr lang="sv-SE" smtClean="0"/>
-              <a:t>2020-04-07</a:t>
+              <a:t>2020-04-16</a:t>
             </a:fld>
             <a:endParaRPr lang="sv-SE"/>
           </a:p>
@@ -13735,7 +13741,7 @@
                   <a:prstClr val="black"/>
                 </a:solidFill>
               </a:rPr>
-              <a:t>2020-04-07</a:t>
+              <a:t>2020-04-16</a:t>
             </a:fld>
             <a:endParaRPr lang="en-GB" dirty="0">
               <a:solidFill>
@@ -14155,7 +14161,7 @@
                   <a:prstClr val="black"/>
                 </a:solidFill>
               </a:rPr>
-              <a:t>2020-04-07</a:t>
+              <a:t>2020-04-16</a:t>
             </a:fld>
             <a:endParaRPr lang="en-GB" dirty="0">
               <a:solidFill>
@@ -14478,7 +14484,7 @@
                   <a:prstClr val="black"/>
                 </a:solidFill>
               </a:rPr>
-              <a:t>2020-04-07</a:t>
+              <a:t>2020-04-16</a:t>
             </a:fld>
             <a:endParaRPr lang="en-GB" dirty="0">
               <a:solidFill>
@@ -14778,7 +14784,7 @@
                   <a:prstClr val="black"/>
                 </a:solidFill>
               </a:rPr>
-              <a:t>2020-04-07</a:t>
+              <a:t>2020-04-16</a:t>
             </a:fld>
             <a:endParaRPr lang="en-GB" dirty="0">
               <a:solidFill>
@@ -15291,7 +15297,7 @@
                   <a:prstClr val="black"/>
                 </a:solidFill>
               </a:rPr>
-              <a:t>2020-04-07</a:t>
+              <a:t>2020-04-16</a:t>
             </a:fld>
             <a:endParaRPr lang="en-GB" dirty="0">
               <a:solidFill>
@@ -15528,7 +15534,7 @@
                   <a:prstClr val="black"/>
                 </a:solidFill>
               </a:rPr>
-              <a:t>2020-04-07</a:t>
+              <a:t>2020-04-16</a:t>
             </a:fld>
             <a:endParaRPr lang="en-GB" dirty="0">
               <a:solidFill>
@@ -16431,7 +16437,7 @@
           <a:p>
             <a:fld id="{B7BDDC76-5D53-4957-9832-0AD3879DA754}" type="datetime1">
               <a:rPr lang="sv-SE" smtClean="0"/>
-              <a:t>2020-04-07</a:t>
+              <a:t>2020-04-16</a:t>
             </a:fld>
             <a:endParaRPr lang="sv-SE"/>
           </a:p>
@@ -17050,3867 +17056,6 @@
             <p:ph idx="1"/>
             <p:extLst>
               <p:ext uri="{D42A27DB-BD31-4B8C-83A1-F6EECF244321}">
-                <p14:modId xmlns:p14="http://schemas.microsoft.com/office/powerpoint/2010/main" val="703963240"/>
-              </p:ext>
-            </p:extLst>
-          </p:nvPr>
-        </p:nvGraphicFramePr>
-        <p:xfrm>
-          <a:off x="838200" y="1616075"/>
-          <a:ext cx="10515600" cy="4551363"/>
-        </p:xfrm>
-        <a:graphic>
-          <a:graphicData uri="http://schemas.openxmlformats.org/drawingml/2006/diagram">
-            <dgm:relIds xmlns:dgm="http://schemas.openxmlformats.org/drawingml/2006/diagram" xmlns:r="http://schemas.openxmlformats.org/officeDocument/2006/relationships" r:dm="rId2" r:lo="rId3" r:qs="rId4" r:cs="rId5"/>
-          </a:graphicData>
-        </a:graphic>
-      </p:graphicFrame>
-      <p:sp>
-        <p:nvSpPr>
-          <p:cNvPr id="3" name="Footer Placeholder 2"/>
-          <p:cNvSpPr>
-            <a:spLocks noGrp="1"/>
-          </p:cNvSpPr>
-          <p:nvPr>
-            <p:ph type="ftr" sz="quarter" idx="11"/>
-          </p:nvPr>
-        </p:nvSpPr>
-        <p:spPr/>
-        <p:txBody>
-          <a:bodyPr/>
-          <a:lstStyle/>
-          <a:p>
-            <a:r>
-              <a:rPr lang="en-GB" smtClean="0"/>
-              <a:t>MJ2380-2381 2020</a:t>
-            </a:r>
-            <a:endParaRPr lang="en-GB" dirty="0"/>
-          </a:p>
-        </p:txBody>
-      </p:sp>
-      <p:sp>
-        <p:nvSpPr>
-          <p:cNvPr id="4" name="Slide Number Placeholder 3"/>
-          <p:cNvSpPr>
-            <a:spLocks noGrp="1"/>
-          </p:cNvSpPr>
-          <p:nvPr>
-            <p:ph type="sldNum" sz="quarter" idx="12"/>
-          </p:nvPr>
-        </p:nvSpPr>
-        <p:spPr/>
-        <p:txBody>
-          <a:bodyPr/>
-          <a:lstStyle/>
-          <a:p>
-            <a:fld id="{F36C87F6-986D-49E6-AF40-1B3A1EE8064D}" type="slidenum">
-              <a:rPr lang="en-GB" smtClean="0"/>
-              <a:pPr/>
-              <a:t>10</a:t>
-            </a:fld>
-            <a:endParaRPr lang="en-GB" dirty="0"/>
-          </a:p>
-        </p:txBody>
-      </p:sp>
-      <p:sp>
-        <p:nvSpPr>
-          <p:cNvPr id="5" name="Title 4"/>
-          <p:cNvSpPr>
-            <a:spLocks noGrp="1"/>
-          </p:cNvSpPr>
-          <p:nvPr>
-            <p:ph type="title"/>
-          </p:nvPr>
-        </p:nvSpPr>
-        <p:spPr/>
-        <p:txBody>
-          <a:bodyPr/>
-          <a:lstStyle/>
-          <a:p>
-            <a:r>
-              <a:rPr lang="sv-SE" dirty="0" err="1" smtClean="0"/>
-              <a:t>Slide</a:t>
-            </a:r>
-            <a:r>
-              <a:rPr lang="sv-SE" dirty="0" smtClean="0"/>
-              <a:t> </a:t>
-            </a:r>
-            <a:r>
-              <a:rPr lang="sv-SE" dirty="0" err="1" smtClean="0"/>
-              <a:t>with</a:t>
-            </a:r>
-            <a:r>
-              <a:rPr lang="sv-SE" dirty="0" smtClean="0"/>
-              <a:t> </a:t>
-            </a:r>
-            <a:r>
-              <a:rPr lang="sv-SE" dirty="0" err="1" smtClean="0"/>
-              <a:t>one</a:t>
-            </a:r>
-            <a:r>
-              <a:rPr lang="sv-SE" dirty="0" smtClean="0"/>
-              <a:t> Smart art</a:t>
-            </a:r>
-            <a:endParaRPr lang="sv-SE" dirty="0"/>
-          </a:p>
-        </p:txBody>
-      </p:sp>
-    </p:spTree>
-    <p:extLst>
-      <p:ext uri="{BB962C8B-B14F-4D97-AF65-F5344CB8AC3E}">
-        <p14:creationId xmlns:p14="http://schemas.microsoft.com/office/powerpoint/2010/main" val="798762713"/>
-      </p:ext>
-    </p:extLst>
-  </p:cSld>
-  <p:clrMapOvr>
-    <a:masterClrMapping/>
-  </p:clrMapOvr>
-  <mc:AlternateContent xmlns:mc="http://schemas.openxmlformats.org/markup-compatibility/2006" xmlns:p14="http://schemas.microsoft.com/office/powerpoint/2010/main">
-    <mc:Choice Requires="p14">
-      <p:transition spd="med" p14:dur="700">
-        <p:fade/>
-      </p:transition>
-    </mc:Choice>
-    <mc:Fallback xmlns="">
-      <p:transition spd="med">
-        <p:fade/>
-      </p:transition>
-    </mc:Fallback>
-  </mc:AlternateContent>
-</p:sld>
-</file>
-
-<file path=ppt/slides/slide11.xml><?xml version="1.0" encoding="utf-8"?>
-<p:sld xmlns:a="http://schemas.openxmlformats.org/drawingml/2006/main" xmlns:r="http://schemas.openxmlformats.org/officeDocument/2006/relationships" xmlns:p="http://schemas.openxmlformats.org/presentationml/2006/main">
-  <p:cSld>
-    <p:spTree>
-      <p:nvGrpSpPr>
-        <p:cNvPr id="1" name=""/>
-        <p:cNvGrpSpPr/>
-        <p:nvPr/>
-      </p:nvGrpSpPr>
-      <p:grpSpPr>
-        <a:xfrm>
-          <a:off x="0" y="0"/>
-          <a:ext cx="0" cy="0"/>
-          <a:chOff x="0" y="0"/>
-          <a:chExt cx="0" cy="0"/>
-        </a:xfrm>
-      </p:grpSpPr>
-      <p:sp>
-        <p:nvSpPr>
-          <p:cNvPr id="3" name="Footer Placeholder 2"/>
-          <p:cNvSpPr>
-            <a:spLocks noGrp="1"/>
-          </p:cNvSpPr>
-          <p:nvPr>
-            <p:ph type="ftr" sz="quarter" idx="11"/>
-          </p:nvPr>
-        </p:nvSpPr>
-        <p:spPr/>
-        <p:txBody>
-          <a:bodyPr/>
-          <a:lstStyle/>
-          <a:p>
-            <a:r>
-              <a:rPr lang="en-GB" smtClean="0"/>
-              <a:t>MJ2380-2381 2020</a:t>
-            </a:r>
-            <a:endParaRPr lang="en-GB" dirty="0"/>
-          </a:p>
-        </p:txBody>
-      </p:sp>
-      <p:sp>
-        <p:nvSpPr>
-          <p:cNvPr id="4" name="Slide Number Placeholder 3"/>
-          <p:cNvSpPr>
-            <a:spLocks noGrp="1"/>
-          </p:cNvSpPr>
-          <p:nvPr>
-            <p:ph type="sldNum" sz="quarter" idx="12"/>
-          </p:nvPr>
-        </p:nvSpPr>
-        <p:spPr/>
-        <p:txBody>
-          <a:bodyPr/>
-          <a:lstStyle/>
-          <a:p>
-            <a:fld id="{F36C87F6-986D-49E6-AF40-1B3A1EE8064D}" type="slidenum">
-              <a:rPr lang="en-GB" smtClean="0"/>
-              <a:pPr/>
-              <a:t>11</a:t>
-            </a:fld>
-            <a:endParaRPr lang="en-GB" dirty="0"/>
-          </a:p>
-        </p:txBody>
-      </p:sp>
-      <p:sp>
-        <p:nvSpPr>
-          <p:cNvPr id="5" name="Title 4"/>
-          <p:cNvSpPr>
-            <a:spLocks noGrp="1"/>
-          </p:cNvSpPr>
-          <p:nvPr>
-            <p:ph type="title"/>
-          </p:nvPr>
-        </p:nvSpPr>
-        <p:spPr/>
-        <p:txBody>
-          <a:bodyPr/>
-          <a:lstStyle/>
-          <a:p>
-            <a:r>
-              <a:rPr lang="sv-SE" dirty="0" err="1" smtClean="0"/>
-              <a:t>Slide</a:t>
-            </a:r>
-            <a:r>
-              <a:rPr lang="sv-SE" dirty="0" smtClean="0"/>
-              <a:t> </a:t>
-            </a:r>
-            <a:r>
-              <a:rPr lang="sv-SE" dirty="0" err="1" smtClean="0"/>
-              <a:t>with</a:t>
-            </a:r>
-            <a:r>
-              <a:rPr lang="sv-SE" dirty="0" smtClean="0"/>
-              <a:t> </a:t>
-            </a:r>
-            <a:r>
-              <a:rPr lang="sv-SE" dirty="0" err="1" smtClean="0"/>
-              <a:t>one</a:t>
-            </a:r>
-            <a:r>
-              <a:rPr lang="sv-SE" dirty="0" smtClean="0"/>
-              <a:t> </a:t>
-            </a:r>
-            <a:r>
-              <a:rPr lang="sv-SE" dirty="0" err="1" smtClean="0"/>
-              <a:t>graph</a:t>
-            </a:r>
-            <a:endParaRPr lang="sv-SE" dirty="0"/>
-          </a:p>
-        </p:txBody>
-      </p:sp>
-      <p:graphicFrame>
-        <p:nvGraphicFramePr>
-          <p:cNvPr id="6" name="Content Placeholder 5"/>
-          <p:cNvGraphicFramePr>
-            <a:graphicFrameLocks noGrp="1"/>
-          </p:cNvGraphicFramePr>
-          <p:nvPr>
-            <p:ph idx="1"/>
-            <p:extLst>
-              <p:ext uri="{D42A27DB-BD31-4B8C-83A1-F6EECF244321}">
-                <p14:modId xmlns:p14="http://schemas.microsoft.com/office/powerpoint/2010/main" val="2421602425"/>
-              </p:ext>
-            </p:extLst>
-          </p:nvPr>
-        </p:nvGraphicFramePr>
-        <p:xfrm>
-          <a:off x="838200" y="1616075"/>
-          <a:ext cx="10515600" cy="4551363"/>
-        </p:xfrm>
-        <a:graphic>
-          <a:graphicData uri="http://schemas.openxmlformats.org/drawingml/2006/chart">
-            <c:chart xmlns:c="http://schemas.openxmlformats.org/drawingml/2006/chart" xmlns:r="http://schemas.openxmlformats.org/officeDocument/2006/relationships" r:id="rId2"/>
-          </a:graphicData>
-        </a:graphic>
-      </p:graphicFrame>
-    </p:spTree>
-    <p:extLst>
-      <p:ext uri="{BB962C8B-B14F-4D97-AF65-F5344CB8AC3E}">
-        <p14:creationId xmlns:p14="http://schemas.microsoft.com/office/powerpoint/2010/main" val="2133619278"/>
-      </p:ext>
-    </p:extLst>
-  </p:cSld>
-  <p:clrMapOvr>
-    <a:masterClrMapping/>
-  </p:clrMapOvr>
-  <mc:AlternateContent xmlns:mc="http://schemas.openxmlformats.org/markup-compatibility/2006" xmlns:p14="http://schemas.microsoft.com/office/powerpoint/2010/main">
-    <mc:Choice Requires="p14">
-      <p:transition spd="med" p14:dur="700">
-        <p:fade/>
-      </p:transition>
-    </mc:Choice>
-    <mc:Fallback xmlns="">
-      <p:transition spd="med">
-        <p:fade/>
-      </p:transition>
-    </mc:Fallback>
-  </mc:AlternateContent>
-</p:sld>
-</file>
-
-<file path=ppt/slides/slide12.xml><?xml version="1.0" encoding="utf-8"?>
-<p:sld xmlns:a="http://schemas.openxmlformats.org/drawingml/2006/main" xmlns:r="http://schemas.openxmlformats.org/officeDocument/2006/relationships" xmlns:p="http://schemas.openxmlformats.org/presentationml/2006/main">
-  <p:cSld>
-    <p:spTree>
-      <p:nvGrpSpPr>
-        <p:cNvPr id="1" name=""/>
-        <p:cNvGrpSpPr/>
-        <p:nvPr/>
-      </p:nvGrpSpPr>
-      <p:grpSpPr>
-        <a:xfrm>
-          <a:off x="0" y="0"/>
-          <a:ext cx="0" cy="0"/>
-          <a:chOff x="0" y="0"/>
-          <a:chExt cx="0" cy="0"/>
-        </a:xfrm>
-      </p:grpSpPr>
-      <p:sp>
-        <p:nvSpPr>
-          <p:cNvPr id="2" name="Content Placeholder 1"/>
-          <p:cNvSpPr>
-            <a:spLocks noGrp="1"/>
-          </p:cNvSpPr>
-          <p:nvPr>
-            <p:ph idx="1"/>
-          </p:nvPr>
-        </p:nvSpPr>
-        <p:spPr/>
-        <p:txBody>
-          <a:bodyPr/>
-          <a:lstStyle/>
-          <a:p>
-            <a:pPr marL="457200" indent="-457200">
-              <a:buFont typeface="Arial" panose="020B0604020202020204" pitchFamily="34" charset="0"/>
-              <a:buChar char="•"/>
-            </a:pPr>
-            <a:r>
-              <a:rPr lang="en-US" dirty="0"/>
-              <a:t>The energy system is a complicated network of processes and flows</a:t>
-            </a:r>
-          </a:p>
-          <a:p>
-            <a:pPr marL="457200" indent="-457200">
-              <a:buFont typeface="Arial" panose="020B0604020202020204" pitchFamily="34" charset="0"/>
-              <a:buChar char="•"/>
-            </a:pPr>
-            <a:r>
-              <a:rPr lang="en-US" dirty="0"/>
-              <a:t>Models are a useful tool to understand the energy system and formulate sound energy policies</a:t>
-            </a:r>
-          </a:p>
-          <a:p>
-            <a:pPr marL="457200" indent="-457200">
-              <a:buFont typeface="Arial" panose="020B0604020202020204" pitchFamily="34" charset="0"/>
-              <a:buChar char="•"/>
-            </a:pPr>
-            <a:r>
-              <a:rPr lang="en-US" dirty="0"/>
-              <a:t>Energy models provide </a:t>
-            </a:r>
-            <a:r>
-              <a:rPr lang="en-US" b="1" dirty="0"/>
-              <a:t>insights for energy policies, not numbers</a:t>
-            </a:r>
-          </a:p>
-          <a:p>
-            <a:pPr marL="457200" indent="-457200">
-              <a:buFont typeface="Arial" panose="020B0604020202020204" pitchFamily="34" charset="0"/>
-              <a:buChar char="•"/>
-            </a:pPr>
-            <a:r>
-              <a:rPr lang="en-US" dirty="0"/>
-              <a:t>Modelling tools can be categorized into top-down and bottom-up. We will look at one type of bottom-up tools: </a:t>
-            </a:r>
-            <a:r>
-              <a:rPr lang="en-US" b="1" dirty="0"/>
-              <a:t>optimization tools</a:t>
-            </a:r>
-          </a:p>
-        </p:txBody>
-      </p:sp>
-      <p:sp>
-        <p:nvSpPr>
-          <p:cNvPr id="5" name="Slide Number Placeholder 4"/>
-          <p:cNvSpPr>
-            <a:spLocks noGrp="1"/>
-          </p:cNvSpPr>
-          <p:nvPr>
-            <p:ph type="sldNum" sz="quarter" idx="12"/>
-          </p:nvPr>
-        </p:nvSpPr>
-        <p:spPr/>
-        <p:txBody>
-          <a:bodyPr/>
-          <a:lstStyle/>
-          <a:p>
-            <a:fld id="{A0B7FA9A-6BCF-4CFA-8685-B7A43319A6CD}" type="slidenum">
-              <a:rPr lang="en-GB" smtClean="0"/>
-              <a:pPr/>
-              <a:t>12</a:t>
-            </a:fld>
-            <a:endParaRPr lang="en-GB" dirty="0"/>
-          </a:p>
-        </p:txBody>
-      </p:sp>
-      <p:sp>
-        <p:nvSpPr>
-          <p:cNvPr id="6" name="Title 5"/>
-          <p:cNvSpPr>
-            <a:spLocks noGrp="1"/>
-          </p:cNvSpPr>
-          <p:nvPr>
-            <p:ph type="title"/>
-          </p:nvPr>
-        </p:nvSpPr>
-        <p:spPr/>
-        <p:txBody>
-          <a:bodyPr/>
-          <a:lstStyle/>
-          <a:p>
-            <a:r>
-              <a:rPr lang="sv-SE" dirty="0" err="1"/>
-              <a:t>Key</a:t>
-            </a:r>
-            <a:r>
-              <a:rPr lang="sv-SE" dirty="0"/>
-              <a:t> </a:t>
-            </a:r>
-            <a:r>
-              <a:rPr lang="sv-SE" dirty="0" err="1"/>
-              <a:t>take</a:t>
-            </a:r>
-            <a:r>
-              <a:rPr lang="sv-SE" dirty="0"/>
-              <a:t> </a:t>
-            </a:r>
-            <a:r>
-              <a:rPr lang="sv-SE" dirty="0" err="1"/>
-              <a:t>away</a:t>
-            </a:r>
-            <a:r>
-              <a:rPr lang="sv-SE" dirty="0"/>
-              <a:t> </a:t>
-            </a:r>
-            <a:r>
-              <a:rPr lang="sv-SE" dirty="0" err="1"/>
-              <a:t>messages</a:t>
-            </a:r>
-            <a:endParaRPr lang="sv-SE" dirty="0"/>
-          </a:p>
-        </p:txBody>
-      </p:sp>
-      <p:sp>
-        <p:nvSpPr>
-          <p:cNvPr id="7" name="Footer Placeholder 4"/>
-          <p:cNvSpPr>
-            <a:spLocks noGrp="1"/>
-          </p:cNvSpPr>
-          <p:nvPr>
-            <p:ph type="ftr" sz="quarter" idx="11"/>
-          </p:nvPr>
-        </p:nvSpPr>
-        <p:spPr>
-          <a:xfrm>
-            <a:off x="4038600" y="6356350"/>
-            <a:ext cx="4114800" cy="365125"/>
-          </a:xfrm>
-        </p:spPr>
-        <p:txBody>
-          <a:bodyPr/>
-          <a:lstStyle/>
-          <a:p>
-            <a:r>
-              <a:rPr lang="en-GB" smtClean="0"/>
-              <a:t>MJ2380-2381 2020</a:t>
-            </a:r>
-            <a:endParaRPr lang="en-GB" dirty="0"/>
-          </a:p>
-        </p:txBody>
-      </p:sp>
-    </p:spTree>
-    <p:extLst>
-      <p:ext uri="{BB962C8B-B14F-4D97-AF65-F5344CB8AC3E}">
-        <p14:creationId xmlns:p14="http://schemas.microsoft.com/office/powerpoint/2010/main" val="2837304566"/>
-      </p:ext>
-    </p:extLst>
-  </p:cSld>
-  <p:clrMapOvr>
-    <a:masterClrMapping/>
-  </p:clrMapOvr>
-  <mc:AlternateContent xmlns:mc="http://schemas.openxmlformats.org/markup-compatibility/2006" xmlns:p14="http://schemas.microsoft.com/office/powerpoint/2010/main">
-    <mc:Choice Requires="p14">
-      <p:transition spd="med" p14:dur="700">
-        <p:fade/>
-      </p:transition>
-    </mc:Choice>
-    <mc:Fallback xmlns="">
-      <p:transition spd="med">
-        <p:fade/>
-      </p:transition>
-    </mc:Fallback>
-  </mc:AlternateContent>
-  <p:timing>
-    <p:tnLst>
-      <p:par>
-        <p:cTn id="1" dur="indefinite" restart="never" nodeType="tmRoot"/>
-      </p:par>
-    </p:tnLst>
-  </p:timing>
-</p:sld>
-</file>
-
-<file path=ppt/slides/slide13.xml><?xml version="1.0" encoding="utf-8"?>
-<p:sld xmlns:a="http://schemas.openxmlformats.org/drawingml/2006/main" xmlns:r="http://schemas.openxmlformats.org/officeDocument/2006/relationships" xmlns:p="http://schemas.openxmlformats.org/presentationml/2006/main">
-  <p:cSld>
-    <p:spTree>
-      <p:nvGrpSpPr>
-        <p:cNvPr id="1" name=""/>
-        <p:cNvGrpSpPr/>
-        <p:nvPr/>
-      </p:nvGrpSpPr>
-      <p:grpSpPr>
-        <a:xfrm>
-          <a:off x="0" y="0"/>
-          <a:ext cx="0" cy="0"/>
-          <a:chOff x="0" y="0"/>
-          <a:chExt cx="0" cy="0"/>
-        </a:xfrm>
-      </p:grpSpPr>
-      <p:sp>
-        <p:nvSpPr>
-          <p:cNvPr id="2" name="Content Placeholder 1"/>
-          <p:cNvSpPr>
-            <a:spLocks noGrp="1"/>
-          </p:cNvSpPr>
-          <p:nvPr>
-            <p:ph idx="1"/>
-          </p:nvPr>
-        </p:nvSpPr>
-        <p:spPr/>
-        <p:txBody>
-          <a:bodyPr/>
-          <a:lstStyle/>
-          <a:p>
-            <a:pPr marL="285750" lvl="1" indent="-285750">
-              <a:spcAft>
-                <a:spcPct val="50000"/>
-              </a:spcAft>
-            </a:pPr>
-            <a:r>
-              <a:rPr lang="sv-SE" dirty="0"/>
-              <a:t>Modelling for insights, not numbers - Huntington et al.  (1982): </a:t>
-            </a:r>
-            <a:r>
-              <a:rPr lang="sv-SE" dirty="0">
-                <a:hlinkClick r:id="rId3"/>
-              </a:rPr>
-              <a:t>https://www.sciencedirect.com/science/article/pii/0305048382900020</a:t>
-            </a:r>
-            <a:r>
-              <a:rPr lang="sv-SE" dirty="0"/>
-              <a:t> </a:t>
-            </a:r>
-          </a:p>
-          <a:p>
-            <a:pPr marL="285750" lvl="1" indent="-285750">
-              <a:spcAft>
-                <a:spcPct val="50000"/>
-              </a:spcAft>
-            </a:pPr>
-            <a:r>
-              <a:rPr lang="sv-SE" dirty="0"/>
-              <a:t>Categorisation of modelling tools – Herbst et al. (2012): </a:t>
-            </a:r>
-            <a:r>
-              <a:rPr lang="sv-SE" dirty="0">
-                <a:hlinkClick r:id="rId4"/>
-              </a:rPr>
-              <a:t>https://link.springer.com/content/pdf/10.1007%2FBF03399363.pdf</a:t>
-            </a:r>
-            <a:r>
-              <a:rPr lang="sv-SE" dirty="0"/>
-              <a:t> </a:t>
-            </a:r>
-          </a:p>
-          <a:p>
-            <a:pPr marL="285750" lvl="1" indent="-285750">
-              <a:spcAft>
-                <a:spcPct val="50000"/>
-              </a:spcAft>
-            </a:pPr>
-            <a:r>
-              <a:rPr lang="sv-SE" dirty="0"/>
-              <a:t>Review of different categorisation methods – Müller et al. (2018): </a:t>
-            </a:r>
-            <a:r>
-              <a:rPr lang="sv-SE" dirty="0">
-                <a:hlinkClick r:id="rId5"/>
-              </a:rPr>
-              <a:t>https://www.sciencedirect.com/science/article/pii/S2211467X18300154</a:t>
-            </a:r>
-            <a:r>
-              <a:rPr lang="sv-SE" dirty="0"/>
-              <a:t> </a:t>
-            </a:r>
-          </a:p>
-        </p:txBody>
-      </p:sp>
-      <p:sp>
-        <p:nvSpPr>
-          <p:cNvPr id="5" name="Slide Number Placeholder 4"/>
-          <p:cNvSpPr>
-            <a:spLocks noGrp="1"/>
-          </p:cNvSpPr>
-          <p:nvPr>
-            <p:ph type="sldNum" sz="quarter" idx="12"/>
-          </p:nvPr>
-        </p:nvSpPr>
-        <p:spPr/>
-        <p:txBody>
-          <a:bodyPr/>
-          <a:lstStyle/>
-          <a:p>
-            <a:fld id="{A0B7FA9A-6BCF-4CFA-8685-B7A43319A6CD}" type="slidenum">
-              <a:rPr lang="en-GB" smtClean="0"/>
-              <a:pPr/>
-              <a:t>13</a:t>
-            </a:fld>
-            <a:endParaRPr lang="en-GB" dirty="0"/>
-          </a:p>
-        </p:txBody>
-      </p:sp>
-      <p:sp>
-        <p:nvSpPr>
-          <p:cNvPr id="6" name="Title 5"/>
-          <p:cNvSpPr>
-            <a:spLocks noGrp="1"/>
-          </p:cNvSpPr>
-          <p:nvPr>
-            <p:ph type="title"/>
-          </p:nvPr>
-        </p:nvSpPr>
-        <p:spPr/>
-        <p:txBody>
-          <a:bodyPr/>
-          <a:lstStyle/>
-          <a:p>
-            <a:r>
-              <a:rPr lang="sv-SE" dirty="0"/>
-              <a:t>Reading material</a:t>
-            </a:r>
-          </a:p>
-        </p:txBody>
-      </p:sp>
-      <p:sp>
-        <p:nvSpPr>
-          <p:cNvPr id="7" name="Footer Placeholder 4"/>
-          <p:cNvSpPr>
-            <a:spLocks noGrp="1"/>
-          </p:cNvSpPr>
-          <p:nvPr>
-            <p:ph type="ftr" sz="quarter" idx="11"/>
-          </p:nvPr>
-        </p:nvSpPr>
-        <p:spPr>
-          <a:xfrm>
-            <a:off x="4038600" y="6356350"/>
-            <a:ext cx="4114800" cy="365125"/>
-          </a:xfrm>
-        </p:spPr>
-        <p:txBody>
-          <a:bodyPr/>
-          <a:lstStyle/>
-          <a:p>
-            <a:r>
-              <a:rPr lang="en-GB" smtClean="0"/>
-              <a:t>MJ2380-2381 2020</a:t>
-            </a:r>
-            <a:endParaRPr lang="en-GB" dirty="0"/>
-          </a:p>
-        </p:txBody>
-      </p:sp>
-    </p:spTree>
-    <p:extLst>
-      <p:ext uri="{BB962C8B-B14F-4D97-AF65-F5344CB8AC3E}">
-        <p14:creationId xmlns:p14="http://schemas.microsoft.com/office/powerpoint/2010/main" val="1208241015"/>
-      </p:ext>
-    </p:extLst>
-  </p:cSld>
-  <p:clrMapOvr>
-    <a:masterClrMapping/>
-  </p:clrMapOvr>
-  <mc:AlternateContent xmlns:mc="http://schemas.openxmlformats.org/markup-compatibility/2006" xmlns:p14="http://schemas.microsoft.com/office/powerpoint/2010/main">
-    <mc:Choice Requires="p14">
-      <p:transition spd="med" p14:dur="700">
-        <p:fade/>
-      </p:transition>
-    </mc:Choice>
-    <mc:Fallback xmlns="">
-      <p:transition spd="med">
-        <p:fade/>
-      </p:transition>
-    </mc:Fallback>
-  </mc:AlternateContent>
-  <p:timing>
-    <p:tnLst>
-      <p:par>
-        <p:cTn id="1" dur="indefinite" restart="never" nodeType="tmRoot"/>
-      </p:par>
-    </p:tnLst>
-  </p:timing>
-</p:sld>
-</file>
-
-<file path=ppt/slides/slide14.xml><?xml version="1.0" encoding="utf-8"?>
-<p:sld xmlns:a="http://schemas.openxmlformats.org/drawingml/2006/main" xmlns:r="http://schemas.openxmlformats.org/officeDocument/2006/relationships" xmlns:p="http://schemas.openxmlformats.org/presentationml/2006/main">
-  <p:cSld>
-    <p:spTree>
-      <p:nvGrpSpPr>
-        <p:cNvPr id="1" name=""/>
-        <p:cNvGrpSpPr/>
-        <p:nvPr/>
-      </p:nvGrpSpPr>
-      <p:grpSpPr>
-        <a:xfrm>
-          <a:off x="0" y="0"/>
-          <a:ext cx="0" cy="0"/>
-          <a:chOff x="0" y="0"/>
-          <a:chExt cx="0" cy="0"/>
-        </a:xfrm>
-      </p:grpSpPr>
-      <p:sp>
-        <p:nvSpPr>
-          <p:cNvPr id="3" name="Title 2"/>
-          <p:cNvSpPr>
-            <a:spLocks noGrp="1"/>
-          </p:cNvSpPr>
-          <p:nvPr>
-            <p:ph type="ctrTitle"/>
-          </p:nvPr>
-        </p:nvSpPr>
-        <p:spPr/>
-        <p:txBody>
-          <a:bodyPr/>
-          <a:lstStyle/>
-          <a:p>
-            <a:r>
-              <a:rPr lang="sv-SE" dirty="0" err="1" smtClean="0"/>
-              <a:t>Thank</a:t>
-            </a:r>
-            <a:r>
-              <a:rPr lang="sv-SE" dirty="0" smtClean="0"/>
-              <a:t> </a:t>
-            </a:r>
-            <a:r>
-              <a:rPr lang="sv-SE" dirty="0"/>
-              <a:t>you</a:t>
-            </a:r>
-            <a:endParaRPr lang="es-US" dirty="0"/>
-          </a:p>
-        </p:txBody>
-      </p:sp>
-      <p:sp>
-        <p:nvSpPr>
-          <p:cNvPr id="4" name="Subtitle 3"/>
-          <p:cNvSpPr>
-            <a:spLocks noGrp="1"/>
-          </p:cNvSpPr>
-          <p:nvPr>
-            <p:ph type="subTitle" idx="1"/>
-          </p:nvPr>
-        </p:nvSpPr>
-        <p:spPr>
-          <a:xfrm>
-            <a:off x="718457" y="3880884"/>
-            <a:ext cx="9949543" cy="1881963"/>
-          </a:xfrm>
-        </p:spPr>
-        <p:txBody>
-          <a:bodyPr>
-            <a:normAutofit/>
-          </a:bodyPr>
-          <a:lstStyle/>
-          <a:p>
-            <a:r>
-              <a:rPr lang="sv-SE" altLang="en-US" sz="2800" b="1" dirty="0"/>
-              <a:t>For questions: </a:t>
-            </a:r>
-            <a:r>
-              <a:rPr lang="sv-SE" altLang="en-US" sz="2800" b="1" dirty="0">
-                <a:hlinkClick r:id="rId2"/>
-              </a:rPr>
-              <a:t>gardumi@kth.se</a:t>
-            </a:r>
-            <a:r>
-              <a:rPr lang="sv-SE" altLang="en-US" sz="2800" b="1" dirty="0"/>
-              <a:t> </a:t>
-            </a:r>
-            <a:endParaRPr lang="en-US" altLang="en-US" sz="2800" b="1" dirty="0"/>
-          </a:p>
-        </p:txBody>
-      </p:sp>
-      <p:sp>
-        <p:nvSpPr>
-          <p:cNvPr id="6" name="Slide Number Placeholder 5"/>
-          <p:cNvSpPr>
-            <a:spLocks noGrp="1"/>
-          </p:cNvSpPr>
-          <p:nvPr>
-            <p:ph type="sldNum" sz="quarter" idx="12"/>
-          </p:nvPr>
-        </p:nvSpPr>
-        <p:spPr/>
-        <p:txBody>
-          <a:bodyPr/>
-          <a:lstStyle/>
-          <a:p>
-            <a:fld id="{F83796EF-F308-4D82-909E-949C5A4A03EB}" type="slidenum">
-              <a:rPr lang="en-GB" sz="1400" smtClean="0">
-                <a:solidFill>
-                  <a:prstClr val="black"/>
-                </a:solidFill>
-              </a:rPr>
-              <a:pPr/>
-              <a:t>14</a:t>
-            </a:fld>
-            <a:endParaRPr lang="en-GB" sz="1400" dirty="0">
-              <a:solidFill>
-                <a:prstClr val="black"/>
-              </a:solidFill>
-            </a:endParaRPr>
-          </a:p>
-        </p:txBody>
-      </p:sp>
-      <p:sp>
-        <p:nvSpPr>
-          <p:cNvPr id="2" name="Footer Placeholder 1">
-            <a:extLst>
-              <a:ext uri="{FF2B5EF4-FFF2-40B4-BE49-F238E27FC236}">
-                <a16:creationId xmlns:a16="http://schemas.microsoft.com/office/drawing/2014/main" id="{8A839441-B275-4E04-9806-1C06D9B6EC0E}"/>
-              </a:ext>
-            </a:extLst>
-          </p:cNvPr>
-          <p:cNvSpPr>
-            <a:spLocks noGrp="1"/>
-          </p:cNvSpPr>
-          <p:nvPr>
-            <p:ph type="ftr" sz="quarter" idx="11"/>
-          </p:nvPr>
-        </p:nvSpPr>
-        <p:spPr/>
-        <p:txBody>
-          <a:bodyPr/>
-          <a:lstStyle/>
-          <a:p>
-            <a:r>
-              <a:rPr lang="sv-SE" smtClean="0">
-                <a:solidFill>
-                  <a:prstClr val="black"/>
-                </a:solidFill>
-              </a:rPr>
-              <a:t>MJ2380-2381 2020</a:t>
-            </a:r>
-            <a:endParaRPr lang="sv-SE" dirty="0">
-              <a:solidFill>
-                <a:prstClr val="black"/>
-              </a:solidFill>
-            </a:endParaRPr>
-          </a:p>
-        </p:txBody>
-      </p:sp>
-    </p:spTree>
-    <p:extLst>
-      <p:ext uri="{BB962C8B-B14F-4D97-AF65-F5344CB8AC3E}">
-        <p14:creationId xmlns:p14="http://schemas.microsoft.com/office/powerpoint/2010/main" val="4208282430"/>
-      </p:ext>
-    </p:extLst>
-  </p:cSld>
-  <p:clrMapOvr>
-    <a:masterClrMapping/>
-  </p:clrMapOvr>
-  <mc:AlternateContent xmlns:mc="http://schemas.openxmlformats.org/markup-compatibility/2006" xmlns:p14="http://schemas.microsoft.com/office/powerpoint/2010/main">
-    <mc:Choice Requires="p14">
-      <p:transition spd="med" p14:dur="700">
-        <p:fade/>
-      </p:transition>
-    </mc:Choice>
-    <mc:Fallback xmlns="">
-      <p:transition spd="med">
-        <p:fade/>
-      </p:transition>
-    </mc:Fallback>
-  </mc:AlternateContent>
-  <p:timing>
-    <p:tnLst>
-      <p:par>
-        <p:cTn id="1" dur="indefinite" restart="never" nodeType="tmRoot"/>
-      </p:par>
-    </p:tnLst>
-  </p:timing>
-</p:sld>
-</file>
-
-<file path=ppt/slides/slide2.xml><?xml version="1.0" encoding="utf-8"?>
-<p:sld xmlns:a="http://schemas.openxmlformats.org/drawingml/2006/main" xmlns:r="http://schemas.openxmlformats.org/officeDocument/2006/relationships" xmlns:p="http://schemas.openxmlformats.org/presentationml/2006/main">
-  <p:cSld>
-    <p:spTree>
-      <p:nvGrpSpPr>
-        <p:cNvPr id="1" name=""/>
-        <p:cNvGrpSpPr/>
-        <p:nvPr/>
-      </p:nvGrpSpPr>
-      <p:grpSpPr>
-        <a:xfrm>
-          <a:off x="0" y="0"/>
-          <a:ext cx="0" cy="0"/>
-          <a:chOff x="0" y="0"/>
-          <a:chExt cx="0" cy="0"/>
-        </a:xfrm>
-      </p:grpSpPr>
-      <p:sp>
-        <p:nvSpPr>
-          <p:cNvPr id="5" name="Title 4"/>
-          <p:cNvSpPr>
-            <a:spLocks noGrp="1"/>
-          </p:cNvSpPr>
-          <p:nvPr>
-            <p:ph type="title"/>
-          </p:nvPr>
-        </p:nvSpPr>
-        <p:spPr/>
-        <p:txBody>
-          <a:bodyPr/>
-          <a:lstStyle/>
-          <a:p>
-            <a:r>
-              <a:rPr lang="sv-SE" dirty="0" smtClean="0"/>
-              <a:t>Big and small text</a:t>
-            </a:r>
-            <a:endParaRPr lang="sv-SE" dirty="0"/>
-          </a:p>
-        </p:txBody>
-      </p:sp>
-      <p:sp>
-        <p:nvSpPr>
-          <p:cNvPr id="6" name="Content Placeholder 1"/>
-          <p:cNvSpPr txBox="1">
-            <a:spLocks/>
-          </p:cNvSpPr>
-          <p:nvPr/>
-        </p:nvSpPr>
-        <p:spPr>
-          <a:xfrm>
-            <a:off x="1617233" y="2607670"/>
-            <a:ext cx="2385508" cy="707082"/>
-          </a:xfrm>
-          <a:prstGeom prst="rect">
-            <a:avLst/>
-          </a:prstGeom>
-        </p:spPr>
-        <p:txBody>
-          <a:bodyPr vert="horz" lIns="91440" tIns="45720" rIns="91440" bIns="45720" rtlCol="0">
-            <a:normAutofit/>
-          </a:bodyPr>
-          <a:lstStyle>
-            <a:lvl1pPr marL="0" indent="0" algn="l" defTabSz="914400" rtl="0" eaLnBrk="1" latinLnBrk="0" hangingPunct="1">
-              <a:lnSpc>
-                <a:spcPct val="90000"/>
-              </a:lnSpc>
-              <a:spcBef>
-                <a:spcPts val="1000"/>
-              </a:spcBef>
-              <a:buFont typeface="Arial" panose="020B0604020202020204" pitchFamily="34" charset="0"/>
-              <a:buNone/>
-              <a:defRPr sz="2800" kern="1200" spc="-150">
-                <a:solidFill>
-                  <a:schemeClr val="tx1"/>
-                </a:solidFill>
-                <a:latin typeface="+mn-lt"/>
-                <a:ea typeface="+mn-ea"/>
-                <a:cs typeface="+mn-cs"/>
-              </a:defRPr>
-            </a:lvl1pPr>
-            <a:lvl2pPr marL="685800" indent="-228600" algn="l" defTabSz="914400" rtl="0" eaLnBrk="1" latinLnBrk="0" hangingPunct="1">
-              <a:lnSpc>
-                <a:spcPct val="90000"/>
-              </a:lnSpc>
-              <a:spcBef>
-                <a:spcPts val="500"/>
-              </a:spcBef>
-              <a:buFont typeface="Arial" panose="020B0604020202020204" pitchFamily="34" charset="0"/>
-              <a:buChar char="•"/>
-              <a:defRPr sz="2400" kern="1200" spc="-150">
-                <a:solidFill>
-                  <a:schemeClr val="tx1"/>
-                </a:solidFill>
-                <a:latin typeface="+mn-lt"/>
-                <a:ea typeface="+mn-ea"/>
-                <a:cs typeface="+mn-cs"/>
-              </a:defRPr>
-            </a:lvl2pPr>
-            <a:lvl3pPr marL="1143000" indent="-228600" algn="l" defTabSz="914400" rtl="0" eaLnBrk="1" latinLnBrk="0" hangingPunct="1">
-              <a:lnSpc>
-                <a:spcPct val="90000"/>
-              </a:lnSpc>
-              <a:spcBef>
-                <a:spcPts val="500"/>
-              </a:spcBef>
-              <a:buFont typeface="Arial" panose="020B0604020202020204" pitchFamily="34" charset="0"/>
-              <a:buChar char="•"/>
-              <a:defRPr sz="2000" kern="1200" spc="-150">
-                <a:solidFill>
-                  <a:schemeClr val="tx1"/>
-                </a:solidFill>
-                <a:latin typeface="+mn-lt"/>
-                <a:ea typeface="+mn-ea"/>
-                <a:cs typeface="+mn-cs"/>
-              </a:defRPr>
-            </a:lvl3pPr>
-            <a:lvl4pPr marL="1600200" indent="-228600" algn="l" defTabSz="914400" rtl="0" eaLnBrk="1" latinLnBrk="0" hangingPunct="1">
-              <a:lnSpc>
-                <a:spcPct val="90000"/>
-              </a:lnSpc>
-              <a:spcBef>
-                <a:spcPts val="500"/>
-              </a:spcBef>
-              <a:buFont typeface="Arial" panose="020B0604020202020204" pitchFamily="34" charset="0"/>
-              <a:buChar char="•"/>
-              <a:defRPr sz="1800" kern="1200" spc="-150">
-                <a:solidFill>
-                  <a:schemeClr val="tx1"/>
-                </a:solidFill>
-                <a:latin typeface="+mn-lt"/>
-                <a:ea typeface="+mn-ea"/>
-                <a:cs typeface="+mn-cs"/>
-              </a:defRPr>
-            </a:lvl4pPr>
-            <a:lvl5pPr marL="2057400" indent="-228600" algn="l" defTabSz="914400" rtl="0" eaLnBrk="1" latinLnBrk="0" hangingPunct="1">
-              <a:lnSpc>
-                <a:spcPct val="90000"/>
-              </a:lnSpc>
-              <a:spcBef>
-                <a:spcPts val="500"/>
-              </a:spcBef>
-              <a:buFont typeface="Arial" panose="020B0604020202020204" pitchFamily="34" charset="0"/>
-              <a:buChar char="•"/>
-              <a:defRPr sz="1800" kern="1200" spc="-150">
-                <a:solidFill>
-                  <a:schemeClr val="tx1"/>
-                </a:solidFill>
-                <a:latin typeface="+mn-lt"/>
-                <a:ea typeface="+mn-ea"/>
-                <a:cs typeface="+mn-cs"/>
-              </a:defRPr>
-            </a:lvl5pPr>
-            <a:lvl6pPr marL="2514600" indent="-228600" algn="l" defTabSz="914400" rtl="0" eaLnBrk="1" latinLnBrk="0" hangingPunct="1">
-              <a:lnSpc>
-                <a:spcPct val="90000"/>
-              </a:lnSpc>
-              <a:spcBef>
-                <a:spcPts val="500"/>
-              </a:spcBef>
-              <a:buFont typeface="Arial" panose="020B0604020202020204" pitchFamily="34" charset="0"/>
-              <a:buChar char="•"/>
-              <a:defRPr sz="1800" kern="1200">
-                <a:solidFill>
-                  <a:schemeClr val="tx1"/>
-                </a:solidFill>
-                <a:latin typeface="+mn-lt"/>
-                <a:ea typeface="+mn-ea"/>
-                <a:cs typeface="+mn-cs"/>
-              </a:defRPr>
-            </a:lvl6pPr>
-            <a:lvl7pPr marL="2971800" indent="-228600" algn="l" defTabSz="914400" rtl="0" eaLnBrk="1" latinLnBrk="0" hangingPunct="1">
-              <a:lnSpc>
-                <a:spcPct val="90000"/>
-              </a:lnSpc>
-              <a:spcBef>
-                <a:spcPts val="500"/>
-              </a:spcBef>
-              <a:buFont typeface="Arial" panose="020B0604020202020204" pitchFamily="34" charset="0"/>
-              <a:buChar char="•"/>
-              <a:defRPr sz="1800" kern="1200">
-                <a:solidFill>
-                  <a:schemeClr val="tx1"/>
-                </a:solidFill>
-                <a:latin typeface="+mn-lt"/>
-                <a:ea typeface="+mn-ea"/>
-                <a:cs typeface="+mn-cs"/>
-              </a:defRPr>
-            </a:lvl7pPr>
-            <a:lvl8pPr marL="3429000" indent="-228600" algn="l" defTabSz="914400" rtl="0" eaLnBrk="1" latinLnBrk="0" hangingPunct="1">
-              <a:lnSpc>
-                <a:spcPct val="90000"/>
-              </a:lnSpc>
-              <a:spcBef>
-                <a:spcPts val="500"/>
-              </a:spcBef>
-              <a:buFont typeface="Arial" panose="020B0604020202020204" pitchFamily="34" charset="0"/>
-              <a:buChar char="•"/>
-              <a:defRPr sz="1800" kern="1200">
-                <a:solidFill>
-                  <a:schemeClr val="tx1"/>
-                </a:solidFill>
-                <a:latin typeface="+mn-lt"/>
-                <a:ea typeface="+mn-ea"/>
-                <a:cs typeface="+mn-cs"/>
-              </a:defRPr>
-            </a:lvl8pPr>
-            <a:lvl9pPr marL="3886200" indent="-228600" algn="l" defTabSz="914400" rtl="0" eaLnBrk="1" latinLnBrk="0" hangingPunct="1">
-              <a:lnSpc>
-                <a:spcPct val="90000"/>
-              </a:lnSpc>
-              <a:spcBef>
-                <a:spcPts val="500"/>
-              </a:spcBef>
-              <a:buFont typeface="Arial" panose="020B0604020202020204" pitchFamily="34" charset="0"/>
-              <a:buChar char="•"/>
-              <a:defRPr sz="1800" kern="1200">
-                <a:solidFill>
-                  <a:schemeClr val="tx1"/>
-                </a:solidFill>
-                <a:latin typeface="+mn-lt"/>
-                <a:ea typeface="+mn-ea"/>
-                <a:cs typeface="+mn-cs"/>
-              </a:defRPr>
-            </a:lvl9pPr>
-          </a:lstStyle>
-          <a:p>
-            <a:pPr>
-              <a:defRPr/>
-            </a:pPr>
-            <a:r>
-              <a:rPr lang="en-US" sz="2400" dirty="0" smtClean="0"/>
-              <a:t>Small text</a:t>
-            </a:r>
-            <a:endParaRPr lang="en-US" sz="2400" dirty="0"/>
-          </a:p>
-        </p:txBody>
-      </p:sp>
-      <p:sp>
-        <p:nvSpPr>
-          <p:cNvPr id="7" name="Content Placeholder 1"/>
-          <p:cNvSpPr txBox="1">
-            <a:spLocks/>
-          </p:cNvSpPr>
-          <p:nvPr/>
-        </p:nvSpPr>
-        <p:spPr>
-          <a:xfrm>
-            <a:off x="1617233" y="3476259"/>
-            <a:ext cx="6217920" cy="449153"/>
-          </a:xfrm>
-          <a:prstGeom prst="rect">
-            <a:avLst/>
-          </a:prstGeom>
-        </p:spPr>
-        <p:txBody>
-          <a:bodyPr vert="horz" lIns="91440" tIns="45720" rIns="91440" bIns="45720" rtlCol="0">
-            <a:noAutofit/>
-          </a:bodyPr>
-          <a:lstStyle>
-            <a:lvl1pPr marL="0" indent="0" algn="l" defTabSz="914400" rtl="0" eaLnBrk="1" latinLnBrk="0" hangingPunct="1">
-              <a:lnSpc>
-                <a:spcPct val="90000"/>
-              </a:lnSpc>
-              <a:spcBef>
-                <a:spcPts val="1000"/>
-              </a:spcBef>
-              <a:buFont typeface="Arial" panose="020B0604020202020204" pitchFamily="34" charset="0"/>
-              <a:buNone/>
-              <a:defRPr sz="2800" kern="1200" spc="-150">
-                <a:solidFill>
-                  <a:schemeClr val="tx1"/>
-                </a:solidFill>
-                <a:latin typeface="+mn-lt"/>
-                <a:ea typeface="+mn-ea"/>
-                <a:cs typeface="+mn-cs"/>
-              </a:defRPr>
-            </a:lvl1pPr>
-            <a:lvl2pPr marL="685800" indent="-228600" algn="l" defTabSz="914400" rtl="0" eaLnBrk="1" latinLnBrk="0" hangingPunct="1">
-              <a:lnSpc>
-                <a:spcPct val="90000"/>
-              </a:lnSpc>
-              <a:spcBef>
-                <a:spcPts val="500"/>
-              </a:spcBef>
-              <a:buFont typeface="Arial" panose="020B0604020202020204" pitchFamily="34" charset="0"/>
-              <a:buChar char="•"/>
-              <a:defRPr sz="2400" kern="1200" spc="-150">
-                <a:solidFill>
-                  <a:schemeClr val="tx1"/>
-                </a:solidFill>
-                <a:latin typeface="+mn-lt"/>
-                <a:ea typeface="+mn-ea"/>
-                <a:cs typeface="+mn-cs"/>
-              </a:defRPr>
-            </a:lvl2pPr>
-            <a:lvl3pPr marL="1143000" indent="-228600" algn="l" defTabSz="914400" rtl="0" eaLnBrk="1" latinLnBrk="0" hangingPunct="1">
-              <a:lnSpc>
-                <a:spcPct val="90000"/>
-              </a:lnSpc>
-              <a:spcBef>
-                <a:spcPts val="500"/>
-              </a:spcBef>
-              <a:buFont typeface="Arial" panose="020B0604020202020204" pitchFamily="34" charset="0"/>
-              <a:buChar char="•"/>
-              <a:defRPr sz="2000" kern="1200" spc="-150">
-                <a:solidFill>
-                  <a:schemeClr val="tx1"/>
-                </a:solidFill>
-                <a:latin typeface="+mn-lt"/>
-                <a:ea typeface="+mn-ea"/>
-                <a:cs typeface="+mn-cs"/>
-              </a:defRPr>
-            </a:lvl3pPr>
-            <a:lvl4pPr marL="1600200" indent="-228600" algn="l" defTabSz="914400" rtl="0" eaLnBrk="1" latinLnBrk="0" hangingPunct="1">
-              <a:lnSpc>
-                <a:spcPct val="90000"/>
-              </a:lnSpc>
-              <a:spcBef>
-                <a:spcPts val="500"/>
-              </a:spcBef>
-              <a:buFont typeface="Arial" panose="020B0604020202020204" pitchFamily="34" charset="0"/>
-              <a:buChar char="•"/>
-              <a:defRPr sz="1800" kern="1200" spc="-150">
-                <a:solidFill>
-                  <a:schemeClr val="tx1"/>
-                </a:solidFill>
-                <a:latin typeface="+mn-lt"/>
-                <a:ea typeface="+mn-ea"/>
-                <a:cs typeface="+mn-cs"/>
-              </a:defRPr>
-            </a:lvl4pPr>
-            <a:lvl5pPr marL="2057400" indent="-228600" algn="l" defTabSz="914400" rtl="0" eaLnBrk="1" latinLnBrk="0" hangingPunct="1">
-              <a:lnSpc>
-                <a:spcPct val="90000"/>
-              </a:lnSpc>
-              <a:spcBef>
-                <a:spcPts val="500"/>
-              </a:spcBef>
-              <a:buFont typeface="Arial" panose="020B0604020202020204" pitchFamily="34" charset="0"/>
-              <a:buChar char="•"/>
-              <a:defRPr sz="1800" kern="1200" spc="-150">
-                <a:solidFill>
-                  <a:schemeClr val="tx1"/>
-                </a:solidFill>
-                <a:latin typeface="+mn-lt"/>
-                <a:ea typeface="+mn-ea"/>
-                <a:cs typeface="+mn-cs"/>
-              </a:defRPr>
-            </a:lvl5pPr>
-            <a:lvl6pPr marL="2514600" indent="-228600" algn="l" defTabSz="914400" rtl="0" eaLnBrk="1" latinLnBrk="0" hangingPunct="1">
-              <a:lnSpc>
-                <a:spcPct val="90000"/>
-              </a:lnSpc>
-              <a:spcBef>
-                <a:spcPts val="500"/>
-              </a:spcBef>
-              <a:buFont typeface="Arial" panose="020B0604020202020204" pitchFamily="34" charset="0"/>
-              <a:buChar char="•"/>
-              <a:defRPr sz="1800" kern="1200">
-                <a:solidFill>
-                  <a:schemeClr val="tx1"/>
-                </a:solidFill>
-                <a:latin typeface="+mn-lt"/>
-                <a:ea typeface="+mn-ea"/>
-                <a:cs typeface="+mn-cs"/>
-              </a:defRPr>
-            </a:lvl6pPr>
-            <a:lvl7pPr marL="2971800" indent="-228600" algn="l" defTabSz="914400" rtl="0" eaLnBrk="1" latinLnBrk="0" hangingPunct="1">
-              <a:lnSpc>
-                <a:spcPct val="90000"/>
-              </a:lnSpc>
-              <a:spcBef>
-                <a:spcPts val="500"/>
-              </a:spcBef>
-              <a:buFont typeface="Arial" panose="020B0604020202020204" pitchFamily="34" charset="0"/>
-              <a:buChar char="•"/>
-              <a:defRPr sz="1800" kern="1200">
-                <a:solidFill>
-                  <a:schemeClr val="tx1"/>
-                </a:solidFill>
-                <a:latin typeface="+mn-lt"/>
-                <a:ea typeface="+mn-ea"/>
-                <a:cs typeface="+mn-cs"/>
-              </a:defRPr>
-            </a:lvl7pPr>
-            <a:lvl8pPr marL="3429000" indent="-228600" algn="l" defTabSz="914400" rtl="0" eaLnBrk="1" latinLnBrk="0" hangingPunct="1">
-              <a:lnSpc>
-                <a:spcPct val="90000"/>
-              </a:lnSpc>
-              <a:spcBef>
-                <a:spcPts val="500"/>
-              </a:spcBef>
-              <a:buFont typeface="Arial" panose="020B0604020202020204" pitchFamily="34" charset="0"/>
-              <a:buChar char="•"/>
-              <a:defRPr sz="1800" kern="1200">
-                <a:solidFill>
-                  <a:schemeClr val="tx1"/>
-                </a:solidFill>
-                <a:latin typeface="+mn-lt"/>
-                <a:ea typeface="+mn-ea"/>
-                <a:cs typeface="+mn-cs"/>
-              </a:defRPr>
-            </a:lvl8pPr>
-            <a:lvl9pPr marL="3886200" indent="-228600" algn="l" defTabSz="914400" rtl="0" eaLnBrk="1" latinLnBrk="0" hangingPunct="1">
-              <a:lnSpc>
-                <a:spcPct val="90000"/>
-              </a:lnSpc>
-              <a:spcBef>
-                <a:spcPts val="500"/>
-              </a:spcBef>
-              <a:buFont typeface="Arial" panose="020B0604020202020204" pitchFamily="34" charset="0"/>
-              <a:buChar char="•"/>
-              <a:defRPr sz="1800" kern="1200">
-                <a:solidFill>
-                  <a:schemeClr val="tx1"/>
-                </a:solidFill>
-                <a:latin typeface="+mn-lt"/>
-                <a:ea typeface="+mn-ea"/>
-                <a:cs typeface="+mn-cs"/>
-              </a:defRPr>
-            </a:lvl9pPr>
-          </a:lstStyle>
-          <a:p>
-            <a:pPr>
-              <a:defRPr/>
-            </a:pPr>
-            <a:r>
-              <a:rPr lang="en-US" sz="3200" dirty="0" smtClean="0"/>
-              <a:t>Big text</a:t>
-            </a:r>
-            <a:endParaRPr lang="en-US" sz="3200" dirty="0"/>
-          </a:p>
-        </p:txBody>
-      </p:sp>
-    </p:spTree>
-    <p:extLst>
-      <p:ext uri="{BB962C8B-B14F-4D97-AF65-F5344CB8AC3E}">
-        <p14:creationId xmlns:p14="http://schemas.microsoft.com/office/powerpoint/2010/main" val="1110618009"/>
-      </p:ext>
-    </p:extLst>
-  </p:cSld>
-  <p:clrMapOvr>
-    <a:masterClrMapping/>
-  </p:clrMapOvr>
-  <mc:AlternateContent xmlns:mc="http://schemas.openxmlformats.org/markup-compatibility/2006" xmlns:p14="http://schemas.microsoft.com/office/powerpoint/2010/main">
-    <mc:Choice Requires="p14">
-      <p:transition spd="med" p14:dur="700">
-        <p:fade/>
-      </p:transition>
-    </mc:Choice>
-    <mc:Fallback xmlns="">
-      <p:transition spd="med">
-        <p:fade/>
-      </p:transition>
-    </mc:Fallback>
-  </mc:AlternateContent>
-</p:sld>
-</file>
-
-<file path=ppt/slides/slide3.xml><?xml version="1.0" encoding="utf-8"?>
-<p:sld xmlns:a="http://schemas.openxmlformats.org/drawingml/2006/main" xmlns:r="http://schemas.openxmlformats.org/officeDocument/2006/relationships" xmlns:p="http://schemas.openxmlformats.org/presentationml/2006/main">
-  <p:cSld>
-    <p:spTree>
-      <p:nvGrpSpPr>
-        <p:cNvPr id="1" name=""/>
-        <p:cNvGrpSpPr/>
-        <p:nvPr/>
-      </p:nvGrpSpPr>
-      <p:grpSpPr>
-        <a:xfrm>
-          <a:off x="0" y="0"/>
-          <a:ext cx="0" cy="0"/>
-          <a:chOff x="0" y="0"/>
-          <a:chExt cx="0" cy="0"/>
-        </a:xfrm>
-      </p:grpSpPr>
-      <p:sp>
-        <p:nvSpPr>
-          <p:cNvPr id="6" name="Title 5"/>
-          <p:cNvSpPr>
-            <a:spLocks noGrp="1"/>
-          </p:cNvSpPr>
-          <p:nvPr>
-            <p:ph type="title"/>
-          </p:nvPr>
-        </p:nvSpPr>
-        <p:spPr/>
-        <p:txBody>
-          <a:bodyPr/>
-          <a:lstStyle/>
-          <a:p>
-            <a:r>
-              <a:rPr lang="en-US" dirty="0"/>
-              <a:t>Learning outcomes</a:t>
-            </a:r>
-            <a:endParaRPr lang="sv-SE" dirty="0"/>
-          </a:p>
-        </p:txBody>
-      </p:sp>
-      <p:sp>
-        <p:nvSpPr>
-          <p:cNvPr id="20" name="Footer Placeholder 19"/>
-          <p:cNvSpPr>
-            <a:spLocks noGrp="1"/>
-          </p:cNvSpPr>
-          <p:nvPr>
-            <p:ph type="ftr" sz="quarter" idx="11"/>
-          </p:nvPr>
-        </p:nvSpPr>
-        <p:spPr/>
-        <p:txBody>
-          <a:bodyPr/>
-          <a:lstStyle/>
-          <a:p>
-            <a:r>
-              <a:rPr lang="en-GB" smtClean="0"/>
-              <a:t>MJ2380-2381 2020</a:t>
-            </a:r>
-            <a:endParaRPr lang="en-GB" dirty="0"/>
-          </a:p>
-        </p:txBody>
-      </p:sp>
-      <p:sp>
-        <p:nvSpPr>
-          <p:cNvPr id="21" name="Slide Number Placeholder 20"/>
-          <p:cNvSpPr>
-            <a:spLocks noGrp="1"/>
-          </p:cNvSpPr>
-          <p:nvPr>
-            <p:ph type="sldNum" sz="quarter" idx="12"/>
-          </p:nvPr>
-        </p:nvSpPr>
-        <p:spPr/>
-        <p:txBody>
-          <a:bodyPr/>
-          <a:lstStyle/>
-          <a:p>
-            <a:fld id="{A0B7FA9A-6BCF-4CFA-8685-B7A43319A6CD}" type="slidenum">
-              <a:rPr lang="en-GB" smtClean="0"/>
-              <a:pPr/>
-              <a:t>3</a:t>
-            </a:fld>
-            <a:endParaRPr lang="en-GB" dirty="0"/>
-          </a:p>
-        </p:txBody>
-      </p:sp>
-      <p:sp>
-        <p:nvSpPr>
-          <p:cNvPr id="18" name="Content Placeholder 1"/>
-          <p:cNvSpPr>
-            <a:spLocks noGrp="1"/>
-          </p:cNvSpPr>
-          <p:nvPr>
-            <p:ph sz="half" idx="1"/>
-          </p:nvPr>
-        </p:nvSpPr>
-        <p:spPr>
-          <a:xfrm>
-            <a:off x="846269" y="1706628"/>
-            <a:ext cx="9715984" cy="4572000"/>
-          </a:xfrm>
-        </p:spPr>
-        <p:txBody>
-          <a:bodyPr>
-            <a:noAutofit/>
-          </a:bodyPr>
-          <a:lstStyle/>
-          <a:p>
-            <a:pPr lvl="0" algn="ctr"/>
-            <a:r>
-              <a:rPr lang="en-CA" sz="2000" b="1" dirty="0"/>
-              <a:t>By the end of this course, students will be able to:</a:t>
-            </a:r>
-          </a:p>
-          <a:p>
-            <a:pPr lvl="0" algn="ctr"/>
-            <a:endParaRPr lang="en-CA" sz="2000" dirty="0"/>
-          </a:p>
-          <a:p>
-            <a:pPr lvl="0" algn="ctr"/>
-            <a:r>
-              <a:rPr lang="en-US" sz="2000" dirty="0" smtClean="0"/>
-              <a:t>ILO </a:t>
-            </a:r>
-            <a:r>
-              <a:rPr lang="en-US" sz="2000" dirty="0"/>
-              <a:t>1: Describe </a:t>
-            </a:r>
-            <a:r>
-              <a:rPr lang="en-GB" sz="2000" i="1" dirty="0"/>
-              <a:t>common </a:t>
-            </a:r>
-            <a:r>
-              <a:rPr lang="en-GB" sz="2000" dirty="0"/>
-              <a:t>energy systems modelling and scenario analysis approaches and identify their key strengths and limitations;</a:t>
-            </a:r>
-            <a:endParaRPr lang="sv-SE" sz="2000" dirty="0"/>
-          </a:p>
-          <a:p>
-            <a:pPr lvl="0" algn="ctr"/>
-            <a:r>
-              <a:rPr lang="en-GB" sz="2000" i="1" dirty="0"/>
-              <a:t>ILO 2: Write a basic linear energy system optimization problem in GNU </a:t>
-            </a:r>
-            <a:r>
-              <a:rPr lang="en-GB" sz="2000" i="1" dirty="0" err="1"/>
-              <a:t>MathProg</a:t>
-            </a:r>
-            <a:r>
-              <a:rPr lang="en-GB" sz="2000" i="1" dirty="0"/>
-              <a:t> modelling language;</a:t>
-            </a:r>
-            <a:endParaRPr lang="sv-SE" sz="2000" i="1" dirty="0"/>
-          </a:p>
-          <a:p>
-            <a:pPr lvl="0" algn="ctr"/>
-            <a:r>
-              <a:rPr lang="en-GB" sz="2000" dirty="0"/>
-              <a:t>ILO 3</a:t>
-            </a:r>
-            <a:r>
-              <a:rPr lang="en-GB" sz="2000" b="1" dirty="0"/>
-              <a:t>: Apply a selected </a:t>
-            </a:r>
-            <a:r>
-              <a:rPr lang="en-GB" sz="2000" dirty="0"/>
-              <a:t>energy systems modelling tool in the analysis of stylized long-term energy planning problems;</a:t>
-            </a:r>
-            <a:endParaRPr lang="sv-SE" sz="2000" dirty="0"/>
-          </a:p>
-          <a:p>
-            <a:pPr lvl="0" algn="ctr"/>
-            <a:r>
-              <a:rPr lang="en-GB" sz="2000" dirty="0"/>
-              <a:t>ILO 4: </a:t>
-            </a:r>
-            <a:r>
-              <a:rPr lang="en-GB" sz="2000" dirty="0" err="1"/>
-              <a:t>Analyze</a:t>
-            </a:r>
-            <a:r>
-              <a:rPr lang="en-GB" sz="2000" dirty="0"/>
-              <a:t> various sample energy system situations and appropriately </a:t>
-            </a:r>
-            <a:r>
-              <a:rPr lang="en-GB" sz="2000" dirty="0" err="1"/>
-              <a:t>distill</a:t>
-            </a:r>
-            <a:r>
-              <a:rPr lang="en-GB" sz="2000" dirty="0"/>
-              <a:t> insights, given limited and uncertain information;</a:t>
-            </a:r>
-            <a:endParaRPr lang="sv-SE" sz="2000" dirty="0"/>
-          </a:p>
-          <a:p>
-            <a:pPr lvl="0" algn="ctr"/>
-            <a:r>
-              <a:rPr lang="en-GB" sz="2000" dirty="0"/>
-              <a:t>ILO 5: Include a basic representation of the links between climate, water, land use and energy into an energy system model;</a:t>
-            </a:r>
-            <a:endParaRPr lang="sv-SE" sz="2000" dirty="0"/>
-          </a:p>
-          <a:p>
-            <a:pPr lvl="0" algn="ctr"/>
-            <a:r>
-              <a:rPr lang="en-GB" sz="2000" dirty="0"/>
-              <a:t>ILO 6: Undertake a thorough and detailed analysis of a selected national energy system, including independent data gathering, problem definition, model choice, generation of solutions and interpretation.</a:t>
-            </a:r>
-            <a:endParaRPr lang="sv-SE" sz="2000" dirty="0"/>
-          </a:p>
-        </p:txBody>
-      </p:sp>
-    </p:spTree>
-    <p:extLst>
-      <p:ext uri="{BB962C8B-B14F-4D97-AF65-F5344CB8AC3E}">
-        <p14:creationId xmlns:p14="http://schemas.microsoft.com/office/powerpoint/2010/main" val="3175774931"/>
-      </p:ext>
-    </p:extLst>
-  </p:cSld>
-  <p:clrMapOvr>
-    <a:masterClrMapping/>
-  </p:clrMapOvr>
-  <mc:AlternateContent xmlns:mc="http://schemas.openxmlformats.org/markup-compatibility/2006" xmlns:p14="http://schemas.microsoft.com/office/powerpoint/2010/main">
-    <mc:Choice Requires="p14">
-      <p:transition spd="med" p14:dur="700">
-        <p:fade/>
-      </p:transition>
-    </mc:Choice>
-    <mc:Fallback xmlns="">
-      <p:transition spd="med">
-        <p:fade/>
-      </p:transition>
-    </mc:Fallback>
-  </mc:AlternateContent>
-  <p:timing>
-    <p:tnLst>
-      <p:par>
-        <p:cTn id="1" dur="indefinite" restart="never" nodeType="tmRoot"/>
-      </p:par>
-    </p:tnLst>
-  </p:timing>
-</p:sld>
-</file>
-
-<file path=ppt/slides/slide4.xml><?xml version="1.0" encoding="utf-8"?>
-<p:sld xmlns:a="http://schemas.openxmlformats.org/drawingml/2006/main" xmlns:r="http://schemas.openxmlformats.org/officeDocument/2006/relationships" xmlns:p="http://schemas.openxmlformats.org/presentationml/2006/main">
-  <p:cSld>
-    <p:spTree>
-      <p:nvGrpSpPr>
-        <p:cNvPr id="1" name=""/>
-        <p:cNvGrpSpPr/>
-        <p:nvPr/>
-      </p:nvGrpSpPr>
-      <p:grpSpPr>
-        <a:xfrm>
-          <a:off x="0" y="0"/>
-          <a:ext cx="0" cy="0"/>
-          <a:chOff x="0" y="0"/>
-          <a:chExt cx="0" cy="0"/>
-        </a:xfrm>
-      </p:grpSpPr>
-      <p:sp>
-        <p:nvSpPr>
-          <p:cNvPr id="6" name="Title 5"/>
-          <p:cNvSpPr>
-            <a:spLocks noGrp="1"/>
-          </p:cNvSpPr>
-          <p:nvPr>
-            <p:ph type="title"/>
-          </p:nvPr>
-        </p:nvSpPr>
-        <p:spPr/>
-        <p:txBody>
-          <a:bodyPr/>
-          <a:lstStyle/>
-          <a:p>
-            <a:r>
-              <a:rPr lang="en-US" dirty="0"/>
-              <a:t>Building on MJ2413 Energy and Environment</a:t>
-            </a:r>
-            <a:endParaRPr lang="sv-SE" dirty="0"/>
-          </a:p>
-        </p:txBody>
-      </p:sp>
-      <p:sp>
-        <p:nvSpPr>
-          <p:cNvPr id="20" name="Footer Placeholder 19"/>
-          <p:cNvSpPr>
-            <a:spLocks noGrp="1"/>
-          </p:cNvSpPr>
-          <p:nvPr>
-            <p:ph type="ftr" sz="quarter" idx="11"/>
-          </p:nvPr>
-        </p:nvSpPr>
-        <p:spPr/>
-        <p:txBody>
-          <a:bodyPr/>
-          <a:lstStyle/>
-          <a:p>
-            <a:r>
-              <a:rPr lang="en-GB" smtClean="0"/>
-              <a:t>MJ2380-2381 2020</a:t>
-            </a:r>
-            <a:endParaRPr lang="en-GB" dirty="0"/>
-          </a:p>
-        </p:txBody>
-      </p:sp>
-      <p:sp>
-        <p:nvSpPr>
-          <p:cNvPr id="21" name="Slide Number Placeholder 20"/>
-          <p:cNvSpPr>
-            <a:spLocks noGrp="1"/>
-          </p:cNvSpPr>
-          <p:nvPr>
-            <p:ph type="sldNum" sz="quarter" idx="12"/>
-          </p:nvPr>
-        </p:nvSpPr>
-        <p:spPr/>
-        <p:txBody>
-          <a:bodyPr/>
-          <a:lstStyle/>
-          <a:p>
-            <a:fld id="{A0B7FA9A-6BCF-4CFA-8685-B7A43319A6CD}" type="slidenum">
-              <a:rPr lang="en-GB" smtClean="0"/>
-              <a:pPr/>
-              <a:t>4</a:t>
-            </a:fld>
-            <a:endParaRPr lang="en-GB" dirty="0"/>
-          </a:p>
-        </p:txBody>
-      </p:sp>
-      <p:sp>
-        <p:nvSpPr>
-          <p:cNvPr id="18" name="Content Placeholder 1"/>
-          <p:cNvSpPr>
-            <a:spLocks noGrp="1"/>
-          </p:cNvSpPr>
-          <p:nvPr>
-            <p:ph sz="half" idx="1"/>
-          </p:nvPr>
-        </p:nvSpPr>
-        <p:spPr>
-          <a:xfrm>
-            <a:off x="846269" y="1706628"/>
-            <a:ext cx="9715984" cy="4572000"/>
-          </a:xfrm>
-        </p:spPr>
-        <p:txBody>
-          <a:bodyPr>
-            <a:normAutofit/>
-          </a:bodyPr>
-          <a:lstStyle/>
-          <a:p>
-            <a:pPr lvl="0"/>
-            <a:r>
-              <a:rPr lang="sv-SE" b="1" dirty="0"/>
-              <a:t>Continuity:</a:t>
-            </a:r>
-          </a:p>
-          <a:p>
-            <a:pPr lvl="0"/>
-            <a:endParaRPr lang="sv-SE" dirty="0"/>
-          </a:p>
-          <a:p>
-            <a:pPr lvl="0"/>
-            <a:r>
-              <a:rPr lang="sv-SE" i="1" dirty="0"/>
-              <a:t>Course content</a:t>
-            </a:r>
-          </a:p>
-          <a:p>
-            <a:pPr marL="457200" lvl="0" indent="-457200">
-              <a:buFont typeface="Arial" panose="020B0604020202020204" pitchFamily="34" charset="0"/>
-              <a:buChar char="•"/>
-            </a:pPr>
-            <a:r>
-              <a:rPr lang="sv-SE" dirty="0"/>
-              <a:t>Same starting point: what is an energy system</a:t>
-            </a:r>
-          </a:p>
-          <a:p>
-            <a:pPr lvl="0"/>
-            <a:r>
-              <a:rPr lang="sv-SE" i="1" dirty="0"/>
-              <a:t>Course deliverables</a:t>
-            </a:r>
-          </a:p>
-          <a:p>
-            <a:pPr marL="457200" lvl="0" indent="-457200">
-              <a:buFont typeface="Arial" panose="020B0604020202020204" pitchFamily="34" charset="0"/>
-              <a:buChar char="•"/>
-            </a:pPr>
-            <a:r>
-              <a:rPr lang="sv-SE" dirty="0"/>
-              <a:t>For MJ2380 students: Similar structure for the final report (context, literature, data search...)</a:t>
-            </a:r>
-          </a:p>
-          <a:p>
-            <a:pPr lvl="0"/>
-            <a:endParaRPr lang="sv-SE" dirty="0"/>
-          </a:p>
-          <a:p>
-            <a:pPr marL="457200" lvl="0" indent="-457200">
-              <a:buFont typeface="Arial" panose="020B0604020202020204" pitchFamily="34" charset="0"/>
-              <a:buChar char="•"/>
-            </a:pPr>
-            <a:endParaRPr lang="sv-SE" dirty="0"/>
-          </a:p>
-          <a:p>
-            <a:pPr lvl="0"/>
-            <a:endParaRPr lang="sv-SE" dirty="0"/>
-          </a:p>
-          <a:p>
-            <a:pPr lvl="0"/>
-            <a:endParaRPr lang="sv-SE" dirty="0"/>
-          </a:p>
-        </p:txBody>
-      </p:sp>
-    </p:spTree>
-    <p:extLst>
-      <p:ext uri="{BB962C8B-B14F-4D97-AF65-F5344CB8AC3E}">
-        <p14:creationId xmlns:p14="http://schemas.microsoft.com/office/powerpoint/2010/main" val="2436912023"/>
-      </p:ext>
-    </p:extLst>
-  </p:cSld>
-  <p:clrMapOvr>
-    <a:masterClrMapping/>
-  </p:clrMapOvr>
-  <mc:AlternateContent xmlns:mc="http://schemas.openxmlformats.org/markup-compatibility/2006" xmlns:p14="http://schemas.microsoft.com/office/powerpoint/2010/main">
-    <mc:Choice Requires="p14">
-      <p:transition spd="med" p14:dur="700">
-        <p:fade/>
-      </p:transition>
-    </mc:Choice>
-    <mc:Fallback xmlns="">
-      <p:transition spd="med">
-        <p:fade/>
-      </p:transition>
-    </mc:Fallback>
-  </mc:AlternateContent>
-  <p:timing>
-    <p:tnLst>
-      <p:par>
-        <p:cTn id="1" dur="indefinite" restart="never" nodeType="tmRoot"/>
-      </p:par>
-    </p:tnLst>
-  </p:timing>
-</p:sld>
-</file>
-
-<file path=ppt/slides/slide5.xml><?xml version="1.0" encoding="utf-8"?>
-<p:sld xmlns:a="http://schemas.openxmlformats.org/drawingml/2006/main" xmlns:r="http://schemas.openxmlformats.org/officeDocument/2006/relationships" xmlns:p="http://schemas.openxmlformats.org/presentationml/2006/main">
-  <p:cSld>
-    <p:spTree>
-      <p:nvGrpSpPr>
-        <p:cNvPr id="1" name=""/>
-        <p:cNvGrpSpPr/>
-        <p:nvPr/>
-      </p:nvGrpSpPr>
-      <p:grpSpPr>
-        <a:xfrm>
-          <a:off x="0" y="0"/>
-          <a:ext cx="0" cy="0"/>
-          <a:chOff x="0" y="0"/>
-          <a:chExt cx="0" cy="0"/>
-        </a:xfrm>
-      </p:grpSpPr>
-      <p:pic>
-        <p:nvPicPr>
-          <p:cNvPr id="7" name="Content Placeholder 6"/>
-          <p:cNvPicPr>
-            <a:picLocks noGrp="1" noChangeAspect="1"/>
-          </p:cNvPicPr>
-          <p:nvPr>
-            <p:ph idx="1"/>
-          </p:nvPr>
-        </p:nvPicPr>
-        <p:blipFill>
-          <a:blip r:embed="rId2" cstate="print">
-            <a:extLst>
-              <a:ext uri="{28A0092B-C50C-407E-A947-70E740481C1C}">
-                <a14:useLocalDpi xmlns:a14="http://schemas.microsoft.com/office/drawing/2010/main" val="0"/>
-              </a:ext>
-            </a:extLst>
-          </a:blip>
-          <a:stretch>
-            <a:fillRect/>
-          </a:stretch>
-        </p:blipFill>
-        <p:spPr>
-          <a:xfrm>
-            <a:off x="3563734" y="1616075"/>
-            <a:ext cx="5064531" cy="4551363"/>
-          </a:xfrm>
-        </p:spPr>
-      </p:pic>
-      <p:sp>
-        <p:nvSpPr>
-          <p:cNvPr id="3" name="Footer Placeholder 2"/>
-          <p:cNvSpPr>
-            <a:spLocks noGrp="1"/>
-          </p:cNvSpPr>
-          <p:nvPr>
-            <p:ph type="ftr" sz="quarter" idx="11"/>
-          </p:nvPr>
-        </p:nvSpPr>
-        <p:spPr/>
-        <p:txBody>
-          <a:bodyPr/>
-          <a:lstStyle/>
-          <a:p>
-            <a:r>
-              <a:rPr lang="en-GB" smtClean="0"/>
-              <a:t>MJ2380-2381 2020</a:t>
-            </a:r>
-            <a:endParaRPr lang="en-GB" dirty="0"/>
-          </a:p>
-        </p:txBody>
-      </p:sp>
-      <p:sp>
-        <p:nvSpPr>
-          <p:cNvPr id="4" name="Slide Number Placeholder 3"/>
-          <p:cNvSpPr>
-            <a:spLocks noGrp="1"/>
-          </p:cNvSpPr>
-          <p:nvPr>
-            <p:ph type="sldNum" sz="quarter" idx="12"/>
-          </p:nvPr>
-        </p:nvSpPr>
-        <p:spPr/>
-        <p:txBody>
-          <a:bodyPr/>
-          <a:lstStyle/>
-          <a:p>
-            <a:fld id="{F36C87F6-986D-49E6-AF40-1B3A1EE8064D}" type="slidenum">
-              <a:rPr lang="en-GB" smtClean="0"/>
-              <a:pPr/>
-              <a:t>5</a:t>
-            </a:fld>
-            <a:endParaRPr lang="en-GB" dirty="0"/>
-          </a:p>
-        </p:txBody>
-      </p:sp>
-      <p:sp>
-        <p:nvSpPr>
-          <p:cNvPr id="5" name="Title 4"/>
-          <p:cNvSpPr>
-            <a:spLocks noGrp="1"/>
-          </p:cNvSpPr>
-          <p:nvPr>
-            <p:ph type="title"/>
-          </p:nvPr>
-        </p:nvSpPr>
-        <p:spPr/>
-        <p:txBody>
-          <a:bodyPr/>
-          <a:lstStyle/>
-          <a:p>
-            <a:r>
-              <a:rPr lang="sv-SE" dirty="0" smtClean="0"/>
-              <a:t>A </a:t>
-            </a:r>
-            <a:r>
-              <a:rPr lang="sv-SE" dirty="0" err="1" smtClean="0"/>
-              <a:t>slide</a:t>
-            </a:r>
-            <a:r>
-              <a:rPr lang="sv-SE" dirty="0" smtClean="0"/>
-              <a:t> </a:t>
-            </a:r>
-            <a:r>
-              <a:rPr lang="sv-SE" dirty="0" err="1" smtClean="0"/>
-              <a:t>with</a:t>
-            </a:r>
-            <a:r>
-              <a:rPr lang="sv-SE" dirty="0" smtClean="0"/>
-              <a:t> </a:t>
-            </a:r>
-            <a:r>
-              <a:rPr lang="sv-SE" dirty="0" err="1" smtClean="0"/>
-              <a:t>one</a:t>
-            </a:r>
-            <a:r>
-              <a:rPr lang="sv-SE" dirty="0" smtClean="0"/>
-              <a:t> </a:t>
-            </a:r>
-            <a:r>
-              <a:rPr lang="sv-SE" dirty="0" err="1" smtClean="0"/>
-              <a:t>Figure</a:t>
-            </a:r>
-            <a:endParaRPr lang="sv-SE" dirty="0"/>
-          </a:p>
-        </p:txBody>
-      </p:sp>
-    </p:spTree>
-    <p:extLst>
-      <p:ext uri="{BB962C8B-B14F-4D97-AF65-F5344CB8AC3E}">
-        <p14:creationId xmlns:p14="http://schemas.microsoft.com/office/powerpoint/2010/main" val="219714151"/>
-      </p:ext>
-    </p:extLst>
-  </p:cSld>
-  <p:clrMapOvr>
-    <a:masterClrMapping/>
-  </p:clrMapOvr>
-  <mc:AlternateContent xmlns:mc="http://schemas.openxmlformats.org/markup-compatibility/2006" xmlns:p14="http://schemas.microsoft.com/office/powerpoint/2010/main">
-    <mc:Choice Requires="p14">
-      <p:transition spd="med" p14:dur="700">
-        <p:fade/>
-      </p:transition>
-    </mc:Choice>
-    <mc:Fallback xmlns="">
-      <p:transition spd="med">
-        <p:fade/>
-      </p:transition>
-    </mc:Fallback>
-  </mc:AlternateContent>
-</p:sld>
-</file>
-
-<file path=ppt/slides/slide6.xml><?xml version="1.0" encoding="utf-8"?>
-<p:sld xmlns:a="http://schemas.openxmlformats.org/drawingml/2006/main" xmlns:r="http://schemas.openxmlformats.org/officeDocument/2006/relationships" xmlns:p="http://schemas.openxmlformats.org/presentationml/2006/main">
-  <p:cSld>
-    <p:spTree>
-      <p:nvGrpSpPr>
-        <p:cNvPr id="1" name=""/>
-        <p:cNvGrpSpPr/>
-        <p:nvPr/>
-      </p:nvGrpSpPr>
-      <p:grpSpPr>
-        <a:xfrm>
-          <a:off x="0" y="0"/>
-          <a:ext cx="0" cy="0"/>
-          <a:chOff x="0" y="0"/>
-          <a:chExt cx="0" cy="0"/>
-        </a:xfrm>
-      </p:grpSpPr>
-      <p:sp>
-        <p:nvSpPr>
-          <p:cNvPr id="3" name="Footer Placeholder 2"/>
-          <p:cNvSpPr>
-            <a:spLocks noGrp="1"/>
-          </p:cNvSpPr>
-          <p:nvPr>
-            <p:ph type="ftr" sz="quarter" idx="11"/>
-          </p:nvPr>
-        </p:nvSpPr>
-        <p:spPr/>
-        <p:txBody>
-          <a:bodyPr/>
-          <a:lstStyle/>
-          <a:p>
-            <a:r>
-              <a:rPr lang="en-GB" dirty="0" smtClean="0"/>
-              <a:t>MJ2380-2381 2020</a:t>
-            </a:r>
-            <a:endParaRPr lang="en-GB" dirty="0"/>
-          </a:p>
-        </p:txBody>
-      </p:sp>
-      <p:sp>
-        <p:nvSpPr>
-          <p:cNvPr id="4" name="Slide Number Placeholder 3"/>
-          <p:cNvSpPr>
-            <a:spLocks noGrp="1"/>
-          </p:cNvSpPr>
-          <p:nvPr>
-            <p:ph type="sldNum" sz="quarter" idx="12"/>
-          </p:nvPr>
-        </p:nvSpPr>
-        <p:spPr/>
-        <p:txBody>
-          <a:bodyPr/>
-          <a:lstStyle/>
-          <a:p>
-            <a:fld id="{F36C87F6-986D-49E6-AF40-1B3A1EE8064D}" type="slidenum">
-              <a:rPr lang="en-GB" smtClean="0"/>
-              <a:pPr/>
-              <a:t>6</a:t>
-            </a:fld>
-            <a:endParaRPr lang="en-GB" dirty="0"/>
-          </a:p>
-        </p:txBody>
-      </p:sp>
-      <p:sp>
-        <p:nvSpPr>
-          <p:cNvPr id="5" name="Title 4"/>
-          <p:cNvSpPr>
-            <a:spLocks noGrp="1"/>
-          </p:cNvSpPr>
-          <p:nvPr>
-            <p:ph type="title"/>
-          </p:nvPr>
-        </p:nvSpPr>
-        <p:spPr/>
-        <p:txBody>
-          <a:bodyPr/>
-          <a:lstStyle/>
-          <a:p>
-            <a:r>
-              <a:rPr lang="sv-SE" dirty="0" err="1" smtClean="0"/>
-              <a:t>Figure</a:t>
-            </a:r>
-            <a:r>
-              <a:rPr lang="sv-SE" dirty="0" smtClean="0"/>
-              <a:t> + text</a:t>
-            </a:r>
-            <a:endParaRPr lang="sv-SE" dirty="0"/>
-          </a:p>
-        </p:txBody>
-      </p:sp>
-      <p:pic>
-        <p:nvPicPr>
-          <p:cNvPr id="6" name="Content Placeholder 6"/>
-          <p:cNvPicPr>
-            <a:picLocks noGrp="1" noChangeAspect="1"/>
-          </p:cNvPicPr>
-          <p:nvPr>
-            <p:ph idx="1"/>
-          </p:nvPr>
-        </p:nvPicPr>
-        <p:blipFill>
-          <a:blip r:embed="rId2" cstate="print">
-            <a:extLst>
-              <a:ext uri="{28A0092B-C50C-407E-A947-70E740481C1C}">
-                <a14:useLocalDpi xmlns:a14="http://schemas.microsoft.com/office/drawing/2010/main" val="0"/>
-              </a:ext>
-            </a:extLst>
-          </a:blip>
-          <a:stretch>
-            <a:fillRect/>
-          </a:stretch>
-        </p:blipFill>
-        <p:spPr>
-          <a:xfrm>
-            <a:off x="1033389" y="1632057"/>
-            <a:ext cx="5062695" cy="4551438"/>
-          </a:xfrm>
-        </p:spPr>
-      </p:pic>
-      <p:sp>
-        <p:nvSpPr>
-          <p:cNvPr id="7" name="Content Placeholder 1"/>
-          <p:cNvSpPr txBox="1">
-            <a:spLocks/>
-          </p:cNvSpPr>
-          <p:nvPr/>
-        </p:nvSpPr>
-        <p:spPr>
-          <a:xfrm>
-            <a:off x="6215604" y="1621738"/>
-            <a:ext cx="5138195" cy="1688621"/>
-          </a:xfrm>
-          <a:prstGeom prst="rect">
-            <a:avLst/>
-          </a:prstGeom>
-        </p:spPr>
-        <p:txBody>
-          <a:bodyPr vert="horz" lIns="91440" tIns="45720" rIns="91440" bIns="45720" rtlCol="0">
-            <a:normAutofit/>
-          </a:bodyPr>
-          <a:lstStyle>
-            <a:lvl1pPr marL="0" indent="0" algn="l" defTabSz="914400" rtl="0" eaLnBrk="1" latinLnBrk="0" hangingPunct="1">
-              <a:lnSpc>
-                <a:spcPct val="90000"/>
-              </a:lnSpc>
-              <a:spcBef>
-                <a:spcPts val="1000"/>
-              </a:spcBef>
-              <a:buFont typeface="Arial" panose="020B0604020202020204" pitchFamily="34" charset="0"/>
-              <a:buNone/>
-              <a:defRPr sz="2800" kern="1200" spc="-150">
-                <a:solidFill>
-                  <a:schemeClr val="tx1"/>
-                </a:solidFill>
-                <a:latin typeface="+mn-lt"/>
-                <a:ea typeface="+mn-ea"/>
-                <a:cs typeface="+mn-cs"/>
-              </a:defRPr>
-            </a:lvl1pPr>
-            <a:lvl2pPr marL="685800" indent="-228600" algn="l" defTabSz="914400" rtl="0" eaLnBrk="1" latinLnBrk="0" hangingPunct="1">
-              <a:lnSpc>
-                <a:spcPct val="90000"/>
-              </a:lnSpc>
-              <a:spcBef>
-                <a:spcPts val="500"/>
-              </a:spcBef>
-              <a:buFont typeface="Arial" panose="020B0604020202020204" pitchFamily="34" charset="0"/>
-              <a:buChar char="•"/>
-              <a:defRPr sz="2400" kern="1200" spc="-150">
-                <a:solidFill>
-                  <a:schemeClr val="tx1"/>
-                </a:solidFill>
-                <a:latin typeface="+mn-lt"/>
-                <a:ea typeface="+mn-ea"/>
-                <a:cs typeface="+mn-cs"/>
-              </a:defRPr>
-            </a:lvl2pPr>
-            <a:lvl3pPr marL="1143000" indent="-228600" algn="l" defTabSz="914400" rtl="0" eaLnBrk="1" latinLnBrk="0" hangingPunct="1">
-              <a:lnSpc>
-                <a:spcPct val="90000"/>
-              </a:lnSpc>
-              <a:spcBef>
-                <a:spcPts val="500"/>
-              </a:spcBef>
-              <a:buFont typeface="Arial" panose="020B0604020202020204" pitchFamily="34" charset="0"/>
-              <a:buChar char="•"/>
-              <a:defRPr sz="2000" kern="1200" spc="-150">
-                <a:solidFill>
-                  <a:schemeClr val="tx1"/>
-                </a:solidFill>
-                <a:latin typeface="+mn-lt"/>
-                <a:ea typeface="+mn-ea"/>
-                <a:cs typeface="+mn-cs"/>
-              </a:defRPr>
-            </a:lvl3pPr>
-            <a:lvl4pPr marL="1600200" indent="-228600" algn="l" defTabSz="914400" rtl="0" eaLnBrk="1" latinLnBrk="0" hangingPunct="1">
-              <a:lnSpc>
-                <a:spcPct val="90000"/>
-              </a:lnSpc>
-              <a:spcBef>
-                <a:spcPts val="500"/>
-              </a:spcBef>
-              <a:buFont typeface="Arial" panose="020B0604020202020204" pitchFamily="34" charset="0"/>
-              <a:buChar char="•"/>
-              <a:defRPr sz="1800" kern="1200" spc="-150">
-                <a:solidFill>
-                  <a:schemeClr val="tx1"/>
-                </a:solidFill>
-                <a:latin typeface="+mn-lt"/>
-                <a:ea typeface="+mn-ea"/>
-                <a:cs typeface="+mn-cs"/>
-              </a:defRPr>
-            </a:lvl4pPr>
-            <a:lvl5pPr marL="2057400" indent="-228600" algn="l" defTabSz="914400" rtl="0" eaLnBrk="1" latinLnBrk="0" hangingPunct="1">
-              <a:lnSpc>
-                <a:spcPct val="90000"/>
-              </a:lnSpc>
-              <a:spcBef>
-                <a:spcPts val="500"/>
-              </a:spcBef>
-              <a:buFont typeface="Arial" panose="020B0604020202020204" pitchFamily="34" charset="0"/>
-              <a:buChar char="•"/>
-              <a:defRPr sz="1800" kern="1200" spc="-150">
-                <a:solidFill>
-                  <a:schemeClr val="tx1"/>
-                </a:solidFill>
-                <a:latin typeface="+mn-lt"/>
-                <a:ea typeface="+mn-ea"/>
-                <a:cs typeface="+mn-cs"/>
-              </a:defRPr>
-            </a:lvl5pPr>
-            <a:lvl6pPr marL="2514600" indent="-228600" algn="l" defTabSz="914400" rtl="0" eaLnBrk="1" latinLnBrk="0" hangingPunct="1">
-              <a:lnSpc>
-                <a:spcPct val="90000"/>
-              </a:lnSpc>
-              <a:spcBef>
-                <a:spcPts val="500"/>
-              </a:spcBef>
-              <a:buFont typeface="Arial" panose="020B0604020202020204" pitchFamily="34" charset="0"/>
-              <a:buChar char="•"/>
-              <a:defRPr sz="1800" kern="1200">
-                <a:solidFill>
-                  <a:schemeClr val="tx1"/>
-                </a:solidFill>
-                <a:latin typeface="+mn-lt"/>
-                <a:ea typeface="+mn-ea"/>
-                <a:cs typeface="+mn-cs"/>
-              </a:defRPr>
-            </a:lvl6pPr>
-            <a:lvl7pPr marL="2971800" indent="-228600" algn="l" defTabSz="914400" rtl="0" eaLnBrk="1" latinLnBrk="0" hangingPunct="1">
-              <a:lnSpc>
-                <a:spcPct val="90000"/>
-              </a:lnSpc>
-              <a:spcBef>
-                <a:spcPts val="500"/>
-              </a:spcBef>
-              <a:buFont typeface="Arial" panose="020B0604020202020204" pitchFamily="34" charset="0"/>
-              <a:buChar char="•"/>
-              <a:defRPr sz="1800" kern="1200">
-                <a:solidFill>
-                  <a:schemeClr val="tx1"/>
-                </a:solidFill>
-                <a:latin typeface="+mn-lt"/>
-                <a:ea typeface="+mn-ea"/>
-                <a:cs typeface="+mn-cs"/>
-              </a:defRPr>
-            </a:lvl7pPr>
-            <a:lvl8pPr marL="3429000" indent="-228600" algn="l" defTabSz="914400" rtl="0" eaLnBrk="1" latinLnBrk="0" hangingPunct="1">
-              <a:lnSpc>
-                <a:spcPct val="90000"/>
-              </a:lnSpc>
-              <a:spcBef>
-                <a:spcPts val="500"/>
-              </a:spcBef>
-              <a:buFont typeface="Arial" panose="020B0604020202020204" pitchFamily="34" charset="0"/>
-              <a:buChar char="•"/>
-              <a:defRPr sz="1800" kern="1200">
-                <a:solidFill>
-                  <a:schemeClr val="tx1"/>
-                </a:solidFill>
-                <a:latin typeface="+mn-lt"/>
-                <a:ea typeface="+mn-ea"/>
-                <a:cs typeface="+mn-cs"/>
-              </a:defRPr>
-            </a:lvl8pPr>
-            <a:lvl9pPr marL="3886200" indent="-228600" algn="l" defTabSz="914400" rtl="0" eaLnBrk="1" latinLnBrk="0" hangingPunct="1">
-              <a:lnSpc>
-                <a:spcPct val="90000"/>
-              </a:lnSpc>
-              <a:spcBef>
-                <a:spcPts val="500"/>
-              </a:spcBef>
-              <a:buFont typeface="Arial" panose="020B0604020202020204" pitchFamily="34" charset="0"/>
-              <a:buChar char="•"/>
-              <a:defRPr sz="1800" kern="1200">
-                <a:solidFill>
-                  <a:schemeClr val="tx1"/>
-                </a:solidFill>
-                <a:latin typeface="+mn-lt"/>
-                <a:ea typeface="+mn-ea"/>
-                <a:cs typeface="+mn-cs"/>
-              </a:defRPr>
-            </a:lvl9pPr>
-          </a:lstStyle>
-          <a:p>
-            <a:pPr>
-              <a:defRPr/>
-            </a:pPr>
-            <a:r>
-              <a:rPr lang="en-US" sz="2400" dirty="0" smtClean="0"/>
-              <a:t>Text on the right of the picture,</a:t>
-            </a:r>
-          </a:p>
-          <a:p>
-            <a:pPr>
-              <a:defRPr/>
-            </a:pPr>
-            <a:r>
-              <a:rPr lang="en-US" sz="2400" dirty="0" smtClean="0"/>
-              <a:t>Might be difficult </a:t>
-            </a:r>
-            <a:r>
-              <a:rPr lang="en-US" sz="2400" dirty="0"/>
-              <a:t> </a:t>
-            </a:r>
-            <a:r>
-              <a:rPr lang="en-US" sz="2400" dirty="0" smtClean="0"/>
-              <a:t>to make it show in the slide</a:t>
-            </a:r>
-            <a:endParaRPr lang="en-US" sz="2400" dirty="0"/>
-          </a:p>
-        </p:txBody>
-      </p:sp>
-      <p:sp>
-        <p:nvSpPr>
-          <p:cNvPr id="8" name="Content Placeholder 1"/>
-          <p:cNvSpPr txBox="1">
-            <a:spLocks/>
-          </p:cNvSpPr>
-          <p:nvPr/>
-        </p:nvSpPr>
-        <p:spPr>
-          <a:xfrm>
-            <a:off x="6335208" y="3298094"/>
-            <a:ext cx="5138195" cy="1688621"/>
-          </a:xfrm>
-          <a:prstGeom prst="rect">
-            <a:avLst/>
-          </a:prstGeom>
-        </p:spPr>
-        <p:txBody>
-          <a:bodyPr vert="horz" lIns="91440" tIns="45720" rIns="91440" bIns="45720" rtlCol="0">
-            <a:normAutofit/>
-          </a:bodyPr>
-          <a:lstStyle>
-            <a:lvl1pPr marL="0" indent="0" algn="l" defTabSz="914400" rtl="0" eaLnBrk="1" latinLnBrk="0" hangingPunct="1">
-              <a:lnSpc>
-                <a:spcPct val="90000"/>
-              </a:lnSpc>
-              <a:spcBef>
-                <a:spcPts val="1000"/>
-              </a:spcBef>
-              <a:buFont typeface="Arial" panose="020B0604020202020204" pitchFamily="34" charset="0"/>
-              <a:buNone/>
-              <a:defRPr sz="2800" kern="1200" spc="-150">
-                <a:solidFill>
-                  <a:schemeClr val="tx1"/>
-                </a:solidFill>
-                <a:latin typeface="+mn-lt"/>
-                <a:ea typeface="+mn-ea"/>
-                <a:cs typeface="+mn-cs"/>
-              </a:defRPr>
-            </a:lvl1pPr>
-            <a:lvl2pPr marL="685800" indent="-228600" algn="l" defTabSz="914400" rtl="0" eaLnBrk="1" latinLnBrk="0" hangingPunct="1">
-              <a:lnSpc>
-                <a:spcPct val="90000"/>
-              </a:lnSpc>
-              <a:spcBef>
-                <a:spcPts val="500"/>
-              </a:spcBef>
-              <a:buFont typeface="Arial" panose="020B0604020202020204" pitchFamily="34" charset="0"/>
-              <a:buChar char="•"/>
-              <a:defRPr sz="2400" kern="1200" spc="-150">
-                <a:solidFill>
-                  <a:schemeClr val="tx1"/>
-                </a:solidFill>
-                <a:latin typeface="+mn-lt"/>
-                <a:ea typeface="+mn-ea"/>
-                <a:cs typeface="+mn-cs"/>
-              </a:defRPr>
-            </a:lvl2pPr>
-            <a:lvl3pPr marL="1143000" indent="-228600" algn="l" defTabSz="914400" rtl="0" eaLnBrk="1" latinLnBrk="0" hangingPunct="1">
-              <a:lnSpc>
-                <a:spcPct val="90000"/>
-              </a:lnSpc>
-              <a:spcBef>
-                <a:spcPts val="500"/>
-              </a:spcBef>
-              <a:buFont typeface="Arial" panose="020B0604020202020204" pitchFamily="34" charset="0"/>
-              <a:buChar char="•"/>
-              <a:defRPr sz="2000" kern="1200" spc="-150">
-                <a:solidFill>
-                  <a:schemeClr val="tx1"/>
-                </a:solidFill>
-                <a:latin typeface="+mn-lt"/>
-                <a:ea typeface="+mn-ea"/>
-                <a:cs typeface="+mn-cs"/>
-              </a:defRPr>
-            </a:lvl3pPr>
-            <a:lvl4pPr marL="1600200" indent="-228600" algn="l" defTabSz="914400" rtl="0" eaLnBrk="1" latinLnBrk="0" hangingPunct="1">
-              <a:lnSpc>
-                <a:spcPct val="90000"/>
-              </a:lnSpc>
-              <a:spcBef>
-                <a:spcPts val="500"/>
-              </a:spcBef>
-              <a:buFont typeface="Arial" panose="020B0604020202020204" pitchFamily="34" charset="0"/>
-              <a:buChar char="•"/>
-              <a:defRPr sz="1800" kern="1200" spc="-150">
-                <a:solidFill>
-                  <a:schemeClr val="tx1"/>
-                </a:solidFill>
-                <a:latin typeface="+mn-lt"/>
-                <a:ea typeface="+mn-ea"/>
-                <a:cs typeface="+mn-cs"/>
-              </a:defRPr>
-            </a:lvl4pPr>
-            <a:lvl5pPr marL="2057400" indent="-228600" algn="l" defTabSz="914400" rtl="0" eaLnBrk="1" latinLnBrk="0" hangingPunct="1">
-              <a:lnSpc>
-                <a:spcPct val="90000"/>
-              </a:lnSpc>
-              <a:spcBef>
-                <a:spcPts val="500"/>
-              </a:spcBef>
-              <a:buFont typeface="Arial" panose="020B0604020202020204" pitchFamily="34" charset="0"/>
-              <a:buChar char="•"/>
-              <a:defRPr sz="1800" kern="1200" spc="-150">
-                <a:solidFill>
-                  <a:schemeClr val="tx1"/>
-                </a:solidFill>
-                <a:latin typeface="+mn-lt"/>
-                <a:ea typeface="+mn-ea"/>
-                <a:cs typeface="+mn-cs"/>
-              </a:defRPr>
-            </a:lvl5pPr>
-            <a:lvl6pPr marL="2514600" indent="-228600" algn="l" defTabSz="914400" rtl="0" eaLnBrk="1" latinLnBrk="0" hangingPunct="1">
-              <a:lnSpc>
-                <a:spcPct val="90000"/>
-              </a:lnSpc>
-              <a:spcBef>
-                <a:spcPts val="500"/>
-              </a:spcBef>
-              <a:buFont typeface="Arial" panose="020B0604020202020204" pitchFamily="34" charset="0"/>
-              <a:buChar char="•"/>
-              <a:defRPr sz="1800" kern="1200">
-                <a:solidFill>
-                  <a:schemeClr val="tx1"/>
-                </a:solidFill>
-                <a:latin typeface="+mn-lt"/>
-                <a:ea typeface="+mn-ea"/>
-                <a:cs typeface="+mn-cs"/>
-              </a:defRPr>
-            </a:lvl6pPr>
-            <a:lvl7pPr marL="2971800" indent="-228600" algn="l" defTabSz="914400" rtl="0" eaLnBrk="1" latinLnBrk="0" hangingPunct="1">
-              <a:lnSpc>
-                <a:spcPct val="90000"/>
-              </a:lnSpc>
-              <a:spcBef>
-                <a:spcPts val="500"/>
-              </a:spcBef>
-              <a:buFont typeface="Arial" panose="020B0604020202020204" pitchFamily="34" charset="0"/>
-              <a:buChar char="•"/>
-              <a:defRPr sz="1800" kern="1200">
-                <a:solidFill>
-                  <a:schemeClr val="tx1"/>
-                </a:solidFill>
-                <a:latin typeface="+mn-lt"/>
-                <a:ea typeface="+mn-ea"/>
-                <a:cs typeface="+mn-cs"/>
-              </a:defRPr>
-            </a:lvl7pPr>
-            <a:lvl8pPr marL="3429000" indent="-228600" algn="l" defTabSz="914400" rtl="0" eaLnBrk="1" latinLnBrk="0" hangingPunct="1">
-              <a:lnSpc>
-                <a:spcPct val="90000"/>
-              </a:lnSpc>
-              <a:spcBef>
-                <a:spcPts val="500"/>
-              </a:spcBef>
-              <a:buFont typeface="Arial" panose="020B0604020202020204" pitchFamily="34" charset="0"/>
-              <a:buChar char="•"/>
-              <a:defRPr sz="1800" kern="1200">
-                <a:solidFill>
-                  <a:schemeClr val="tx1"/>
-                </a:solidFill>
-                <a:latin typeface="+mn-lt"/>
-                <a:ea typeface="+mn-ea"/>
-                <a:cs typeface="+mn-cs"/>
-              </a:defRPr>
-            </a:lvl8pPr>
-            <a:lvl9pPr marL="3886200" indent="-228600" algn="l" defTabSz="914400" rtl="0" eaLnBrk="1" latinLnBrk="0" hangingPunct="1">
-              <a:lnSpc>
-                <a:spcPct val="90000"/>
-              </a:lnSpc>
-              <a:spcBef>
-                <a:spcPts val="500"/>
-              </a:spcBef>
-              <a:buFont typeface="Arial" panose="020B0604020202020204" pitchFamily="34" charset="0"/>
-              <a:buChar char="•"/>
-              <a:defRPr sz="1800" kern="1200">
-                <a:solidFill>
-                  <a:schemeClr val="tx1"/>
-                </a:solidFill>
-                <a:latin typeface="+mn-lt"/>
-                <a:ea typeface="+mn-ea"/>
-                <a:cs typeface="+mn-cs"/>
-              </a:defRPr>
-            </a:lvl9pPr>
-          </a:lstStyle>
-          <a:p>
-            <a:pPr>
-              <a:defRPr/>
-            </a:pPr>
-            <a:r>
-              <a:rPr lang="en-US" sz="2400" dirty="0" smtClean="0"/>
-              <a:t>Second text box next to the picture</a:t>
-            </a:r>
-            <a:endParaRPr lang="en-US" sz="2400" dirty="0"/>
-          </a:p>
-        </p:txBody>
-      </p:sp>
-    </p:spTree>
-    <p:extLst>
-      <p:ext uri="{BB962C8B-B14F-4D97-AF65-F5344CB8AC3E}">
-        <p14:creationId xmlns:p14="http://schemas.microsoft.com/office/powerpoint/2010/main" val="3640970149"/>
-      </p:ext>
-    </p:extLst>
-  </p:cSld>
-  <p:clrMapOvr>
-    <a:masterClrMapping/>
-  </p:clrMapOvr>
-  <mc:AlternateContent xmlns:mc="http://schemas.openxmlformats.org/markup-compatibility/2006" xmlns:p14="http://schemas.microsoft.com/office/powerpoint/2010/main">
-    <mc:Choice Requires="p14">
-      <p:transition spd="med" p14:dur="700">
-        <p:fade/>
-      </p:transition>
-    </mc:Choice>
-    <mc:Fallback xmlns="">
-      <p:transition spd="med">
-        <p:fade/>
-      </p:transition>
-    </mc:Fallback>
-  </mc:AlternateContent>
-</p:sld>
-</file>
-
-<file path=ppt/slides/slide7.xml><?xml version="1.0" encoding="utf-8"?>
-<p:sld xmlns:a="http://schemas.openxmlformats.org/drawingml/2006/main" xmlns:r="http://schemas.openxmlformats.org/officeDocument/2006/relationships" xmlns:p="http://schemas.openxmlformats.org/presentationml/2006/main">
-  <p:cSld>
-    <p:spTree>
-      <p:nvGrpSpPr>
-        <p:cNvPr id="1" name=""/>
-        <p:cNvGrpSpPr/>
-        <p:nvPr/>
-      </p:nvGrpSpPr>
-      <p:grpSpPr>
-        <a:xfrm>
-          <a:off x="0" y="0"/>
-          <a:ext cx="0" cy="0"/>
-          <a:chOff x="0" y="0"/>
-          <a:chExt cx="0" cy="0"/>
-        </a:xfrm>
-      </p:grpSpPr>
-      <p:sp>
-        <p:nvSpPr>
-          <p:cNvPr id="3" name="Footer Placeholder 2"/>
-          <p:cNvSpPr>
-            <a:spLocks noGrp="1"/>
-          </p:cNvSpPr>
-          <p:nvPr>
-            <p:ph type="ftr" sz="quarter" idx="11"/>
-          </p:nvPr>
-        </p:nvSpPr>
-        <p:spPr/>
-        <p:txBody>
-          <a:bodyPr/>
-          <a:lstStyle/>
-          <a:p>
-            <a:r>
-              <a:rPr lang="en-GB" dirty="0" smtClean="0"/>
-              <a:t>MJ2380-2381 2020</a:t>
-            </a:r>
-            <a:endParaRPr lang="en-GB" dirty="0"/>
-          </a:p>
-        </p:txBody>
-      </p:sp>
-      <p:sp>
-        <p:nvSpPr>
-          <p:cNvPr id="4" name="Slide Number Placeholder 3"/>
-          <p:cNvSpPr>
-            <a:spLocks noGrp="1"/>
-          </p:cNvSpPr>
-          <p:nvPr>
-            <p:ph type="sldNum" sz="quarter" idx="12"/>
-          </p:nvPr>
-        </p:nvSpPr>
-        <p:spPr/>
-        <p:txBody>
-          <a:bodyPr/>
-          <a:lstStyle/>
-          <a:p>
-            <a:fld id="{F36C87F6-986D-49E6-AF40-1B3A1EE8064D}" type="slidenum">
-              <a:rPr lang="en-GB" smtClean="0"/>
-              <a:pPr/>
-              <a:t>7</a:t>
-            </a:fld>
-            <a:endParaRPr lang="en-GB" dirty="0"/>
-          </a:p>
-        </p:txBody>
-      </p:sp>
-      <p:sp>
-        <p:nvSpPr>
-          <p:cNvPr id="5" name="Title 4"/>
-          <p:cNvSpPr>
-            <a:spLocks noGrp="1"/>
-          </p:cNvSpPr>
-          <p:nvPr>
-            <p:ph type="title"/>
-          </p:nvPr>
-        </p:nvSpPr>
-        <p:spPr/>
-        <p:txBody>
-          <a:bodyPr/>
-          <a:lstStyle/>
-          <a:p>
-            <a:r>
-              <a:rPr lang="sv-SE" dirty="0" err="1" smtClean="0"/>
-              <a:t>Figure</a:t>
-            </a:r>
-            <a:r>
-              <a:rPr lang="sv-SE" dirty="0" smtClean="0"/>
-              <a:t> + text</a:t>
-            </a:r>
-            <a:endParaRPr lang="sv-SE" dirty="0"/>
-          </a:p>
-        </p:txBody>
-      </p:sp>
-      <p:pic>
-        <p:nvPicPr>
-          <p:cNvPr id="6" name="Content Placeholder 6"/>
-          <p:cNvPicPr>
-            <a:picLocks noGrp="1" noChangeAspect="1"/>
-          </p:cNvPicPr>
-          <p:nvPr>
-            <p:ph idx="1"/>
-          </p:nvPr>
-        </p:nvPicPr>
-        <p:blipFill>
-          <a:blip r:embed="rId2" cstate="print">
-            <a:extLst>
-              <a:ext uri="{28A0092B-C50C-407E-A947-70E740481C1C}">
-                <a14:useLocalDpi xmlns:a14="http://schemas.microsoft.com/office/drawing/2010/main" val="0"/>
-              </a:ext>
-            </a:extLst>
-          </a:blip>
-          <a:stretch>
-            <a:fillRect/>
-          </a:stretch>
-        </p:blipFill>
-        <p:spPr>
-          <a:xfrm>
-            <a:off x="1935480" y="2645855"/>
-            <a:ext cx="8530815" cy="2169458"/>
-          </a:xfrm>
-        </p:spPr>
-      </p:pic>
-      <p:sp>
-        <p:nvSpPr>
-          <p:cNvPr id="7" name="Content Placeholder 1"/>
-          <p:cNvSpPr txBox="1">
-            <a:spLocks/>
-          </p:cNvSpPr>
-          <p:nvPr/>
-        </p:nvSpPr>
-        <p:spPr>
-          <a:xfrm>
-            <a:off x="1935480" y="1695460"/>
-            <a:ext cx="7997414" cy="707082"/>
-          </a:xfrm>
-          <a:prstGeom prst="rect">
-            <a:avLst/>
-          </a:prstGeom>
-        </p:spPr>
-        <p:txBody>
-          <a:bodyPr vert="horz" lIns="91440" tIns="45720" rIns="91440" bIns="45720" rtlCol="0">
-            <a:normAutofit/>
-          </a:bodyPr>
-          <a:lstStyle>
-            <a:lvl1pPr marL="0" indent="0" algn="l" defTabSz="914400" rtl="0" eaLnBrk="1" latinLnBrk="0" hangingPunct="1">
-              <a:lnSpc>
-                <a:spcPct val="90000"/>
-              </a:lnSpc>
-              <a:spcBef>
-                <a:spcPts val="1000"/>
-              </a:spcBef>
-              <a:buFont typeface="Arial" panose="020B0604020202020204" pitchFamily="34" charset="0"/>
-              <a:buNone/>
-              <a:defRPr sz="2800" kern="1200" spc="-150">
-                <a:solidFill>
-                  <a:schemeClr val="tx1"/>
-                </a:solidFill>
-                <a:latin typeface="+mn-lt"/>
-                <a:ea typeface="+mn-ea"/>
-                <a:cs typeface="+mn-cs"/>
-              </a:defRPr>
-            </a:lvl1pPr>
-            <a:lvl2pPr marL="685800" indent="-228600" algn="l" defTabSz="914400" rtl="0" eaLnBrk="1" latinLnBrk="0" hangingPunct="1">
-              <a:lnSpc>
-                <a:spcPct val="90000"/>
-              </a:lnSpc>
-              <a:spcBef>
-                <a:spcPts val="500"/>
-              </a:spcBef>
-              <a:buFont typeface="Arial" panose="020B0604020202020204" pitchFamily="34" charset="0"/>
-              <a:buChar char="•"/>
-              <a:defRPr sz="2400" kern="1200" spc="-150">
-                <a:solidFill>
-                  <a:schemeClr val="tx1"/>
-                </a:solidFill>
-                <a:latin typeface="+mn-lt"/>
-                <a:ea typeface="+mn-ea"/>
-                <a:cs typeface="+mn-cs"/>
-              </a:defRPr>
-            </a:lvl2pPr>
-            <a:lvl3pPr marL="1143000" indent="-228600" algn="l" defTabSz="914400" rtl="0" eaLnBrk="1" latinLnBrk="0" hangingPunct="1">
-              <a:lnSpc>
-                <a:spcPct val="90000"/>
-              </a:lnSpc>
-              <a:spcBef>
-                <a:spcPts val="500"/>
-              </a:spcBef>
-              <a:buFont typeface="Arial" panose="020B0604020202020204" pitchFamily="34" charset="0"/>
-              <a:buChar char="•"/>
-              <a:defRPr sz="2000" kern="1200" spc="-150">
-                <a:solidFill>
-                  <a:schemeClr val="tx1"/>
-                </a:solidFill>
-                <a:latin typeface="+mn-lt"/>
-                <a:ea typeface="+mn-ea"/>
-                <a:cs typeface="+mn-cs"/>
-              </a:defRPr>
-            </a:lvl3pPr>
-            <a:lvl4pPr marL="1600200" indent="-228600" algn="l" defTabSz="914400" rtl="0" eaLnBrk="1" latinLnBrk="0" hangingPunct="1">
-              <a:lnSpc>
-                <a:spcPct val="90000"/>
-              </a:lnSpc>
-              <a:spcBef>
-                <a:spcPts val="500"/>
-              </a:spcBef>
-              <a:buFont typeface="Arial" panose="020B0604020202020204" pitchFamily="34" charset="0"/>
-              <a:buChar char="•"/>
-              <a:defRPr sz="1800" kern="1200" spc="-150">
-                <a:solidFill>
-                  <a:schemeClr val="tx1"/>
-                </a:solidFill>
-                <a:latin typeface="+mn-lt"/>
-                <a:ea typeface="+mn-ea"/>
-                <a:cs typeface="+mn-cs"/>
-              </a:defRPr>
-            </a:lvl4pPr>
-            <a:lvl5pPr marL="2057400" indent="-228600" algn="l" defTabSz="914400" rtl="0" eaLnBrk="1" latinLnBrk="0" hangingPunct="1">
-              <a:lnSpc>
-                <a:spcPct val="90000"/>
-              </a:lnSpc>
-              <a:spcBef>
-                <a:spcPts val="500"/>
-              </a:spcBef>
-              <a:buFont typeface="Arial" panose="020B0604020202020204" pitchFamily="34" charset="0"/>
-              <a:buChar char="•"/>
-              <a:defRPr sz="1800" kern="1200" spc="-150">
-                <a:solidFill>
-                  <a:schemeClr val="tx1"/>
-                </a:solidFill>
-                <a:latin typeface="+mn-lt"/>
-                <a:ea typeface="+mn-ea"/>
-                <a:cs typeface="+mn-cs"/>
-              </a:defRPr>
-            </a:lvl5pPr>
-            <a:lvl6pPr marL="2514600" indent="-228600" algn="l" defTabSz="914400" rtl="0" eaLnBrk="1" latinLnBrk="0" hangingPunct="1">
-              <a:lnSpc>
-                <a:spcPct val="90000"/>
-              </a:lnSpc>
-              <a:spcBef>
-                <a:spcPts val="500"/>
-              </a:spcBef>
-              <a:buFont typeface="Arial" panose="020B0604020202020204" pitchFamily="34" charset="0"/>
-              <a:buChar char="•"/>
-              <a:defRPr sz="1800" kern="1200">
-                <a:solidFill>
-                  <a:schemeClr val="tx1"/>
-                </a:solidFill>
-                <a:latin typeface="+mn-lt"/>
-                <a:ea typeface="+mn-ea"/>
-                <a:cs typeface="+mn-cs"/>
-              </a:defRPr>
-            </a:lvl6pPr>
-            <a:lvl7pPr marL="2971800" indent="-228600" algn="l" defTabSz="914400" rtl="0" eaLnBrk="1" latinLnBrk="0" hangingPunct="1">
-              <a:lnSpc>
-                <a:spcPct val="90000"/>
-              </a:lnSpc>
-              <a:spcBef>
-                <a:spcPts val="500"/>
-              </a:spcBef>
-              <a:buFont typeface="Arial" panose="020B0604020202020204" pitchFamily="34" charset="0"/>
-              <a:buChar char="•"/>
-              <a:defRPr sz="1800" kern="1200">
-                <a:solidFill>
-                  <a:schemeClr val="tx1"/>
-                </a:solidFill>
-                <a:latin typeface="+mn-lt"/>
-                <a:ea typeface="+mn-ea"/>
-                <a:cs typeface="+mn-cs"/>
-              </a:defRPr>
-            </a:lvl7pPr>
-            <a:lvl8pPr marL="3429000" indent="-228600" algn="l" defTabSz="914400" rtl="0" eaLnBrk="1" latinLnBrk="0" hangingPunct="1">
-              <a:lnSpc>
-                <a:spcPct val="90000"/>
-              </a:lnSpc>
-              <a:spcBef>
-                <a:spcPts val="500"/>
-              </a:spcBef>
-              <a:buFont typeface="Arial" panose="020B0604020202020204" pitchFamily="34" charset="0"/>
-              <a:buChar char="•"/>
-              <a:defRPr sz="1800" kern="1200">
-                <a:solidFill>
-                  <a:schemeClr val="tx1"/>
-                </a:solidFill>
-                <a:latin typeface="+mn-lt"/>
-                <a:ea typeface="+mn-ea"/>
-                <a:cs typeface="+mn-cs"/>
-              </a:defRPr>
-            </a:lvl8pPr>
-            <a:lvl9pPr marL="3886200" indent="-228600" algn="l" defTabSz="914400" rtl="0" eaLnBrk="1" latinLnBrk="0" hangingPunct="1">
-              <a:lnSpc>
-                <a:spcPct val="90000"/>
-              </a:lnSpc>
-              <a:spcBef>
-                <a:spcPts val="500"/>
-              </a:spcBef>
-              <a:buFont typeface="Arial" panose="020B0604020202020204" pitchFamily="34" charset="0"/>
-              <a:buChar char="•"/>
-              <a:defRPr sz="1800" kern="1200">
-                <a:solidFill>
-                  <a:schemeClr val="tx1"/>
-                </a:solidFill>
-                <a:latin typeface="+mn-lt"/>
-                <a:ea typeface="+mn-ea"/>
-                <a:cs typeface="+mn-cs"/>
-              </a:defRPr>
-            </a:lvl9pPr>
-          </a:lstStyle>
-          <a:p>
-            <a:pPr>
-              <a:defRPr/>
-            </a:pPr>
-            <a:r>
-              <a:rPr lang="en-US" sz="2400" dirty="0" smtClean="0"/>
-              <a:t>Text on top of figure</a:t>
-            </a:r>
-            <a:endParaRPr lang="en-US" sz="2400" dirty="0"/>
-          </a:p>
-        </p:txBody>
-      </p:sp>
-      <p:sp>
-        <p:nvSpPr>
-          <p:cNvPr id="8" name="Content Placeholder 1"/>
-          <p:cNvSpPr txBox="1">
-            <a:spLocks/>
-          </p:cNvSpPr>
-          <p:nvPr/>
-        </p:nvSpPr>
-        <p:spPr>
-          <a:xfrm>
-            <a:off x="1935480" y="5058626"/>
-            <a:ext cx="6217920" cy="449153"/>
-          </a:xfrm>
-          <a:prstGeom prst="rect">
-            <a:avLst/>
-          </a:prstGeom>
-        </p:spPr>
-        <p:txBody>
-          <a:bodyPr vert="horz" lIns="91440" tIns="45720" rIns="91440" bIns="45720" rtlCol="0">
-            <a:noAutofit/>
-          </a:bodyPr>
-          <a:lstStyle>
-            <a:lvl1pPr marL="0" indent="0" algn="l" defTabSz="914400" rtl="0" eaLnBrk="1" latinLnBrk="0" hangingPunct="1">
-              <a:lnSpc>
-                <a:spcPct val="90000"/>
-              </a:lnSpc>
-              <a:spcBef>
-                <a:spcPts val="1000"/>
-              </a:spcBef>
-              <a:buFont typeface="Arial" panose="020B0604020202020204" pitchFamily="34" charset="0"/>
-              <a:buNone/>
-              <a:defRPr sz="2800" kern="1200" spc="-150">
-                <a:solidFill>
-                  <a:schemeClr val="tx1"/>
-                </a:solidFill>
-                <a:latin typeface="+mn-lt"/>
-                <a:ea typeface="+mn-ea"/>
-                <a:cs typeface="+mn-cs"/>
-              </a:defRPr>
-            </a:lvl1pPr>
-            <a:lvl2pPr marL="685800" indent="-228600" algn="l" defTabSz="914400" rtl="0" eaLnBrk="1" latinLnBrk="0" hangingPunct="1">
-              <a:lnSpc>
-                <a:spcPct val="90000"/>
-              </a:lnSpc>
-              <a:spcBef>
-                <a:spcPts val="500"/>
-              </a:spcBef>
-              <a:buFont typeface="Arial" panose="020B0604020202020204" pitchFamily="34" charset="0"/>
-              <a:buChar char="•"/>
-              <a:defRPr sz="2400" kern="1200" spc="-150">
-                <a:solidFill>
-                  <a:schemeClr val="tx1"/>
-                </a:solidFill>
-                <a:latin typeface="+mn-lt"/>
-                <a:ea typeface="+mn-ea"/>
-                <a:cs typeface="+mn-cs"/>
-              </a:defRPr>
-            </a:lvl2pPr>
-            <a:lvl3pPr marL="1143000" indent="-228600" algn="l" defTabSz="914400" rtl="0" eaLnBrk="1" latinLnBrk="0" hangingPunct="1">
-              <a:lnSpc>
-                <a:spcPct val="90000"/>
-              </a:lnSpc>
-              <a:spcBef>
-                <a:spcPts val="500"/>
-              </a:spcBef>
-              <a:buFont typeface="Arial" panose="020B0604020202020204" pitchFamily="34" charset="0"/>
-              <a:buChar char="•"/>
-              <a:defRPr sz="2000" kern="1200" spc="-150">
-                <a:solidFill>
-                  <a:schemeClr val="tx1"/>
-                </a:solidFill>
-                <a:latin typeface="+mn-lt"/>
-                <a:ea typeface="+mn-ea"/>
-                <a:cs typeface="+mn-cs"/>
-              </a:defRPr>
-            </a:lvl3pPr>
-            <a:lvl4pPr marL="1600200" indent="-228600" algn="l" defTabSz="914400" rtl="0" eaLnBrk="1" latinLnBrk="0" hangingPunct="1">
-              <a:lnSpc>
-                <a:spcPct val="90000"/>
-              </a:lnSpc>
-              <a:spcBef>
-                <a:spcPts val="500"/>
-              </a:spcBef>
-              <a:buFont typeface="Arial" panose="020B0604020202020204" pitchFamily="34" charset="0"/>
-              <a:buChar char="•"/>
-              <a:defRPr sz="1800" kern="1200" spc="-150">
-                <a:solidFill>
-                  <a:schemeClr val="tx1"/>
-                </a:solidFill>
-                <a:latin typeface="+mn-lt"/>
-                <a:ea typeface="+mn-ea"/>
-                <a:cs typeface="+mn-cs"/>
-              </a:defRPr>
-            </a:lvl4pPr>
-            <a:lvl5pPr marL="2057400" indent="-228600" algn="l" defTabSz="914400" rtl="0" eaLnBrk="1" latinLnBrk="0" hangingPunct="1">
-              <a:lnSpc>
-                <a:spcPct val="90000"/>
-              </a:lnSpc>
-              <a:spcBef>
-                <a:spcPts val="500"/>
-              </a:spcBef>
-              <a:buFont typeface="Arial" panose="020B0604020202020204" pitchFamily="34" charset="0"/>
-              <a:buChar char="•"/>
-              <a:defRPr sz="1800" kern="1200" spc="-150">
-                <a:solidFill>
-                  <a:schemeClr val="tx1"/>
-                </a:solidFill>
-                <a:latin typeface="+mn-lt"/>
-                <a:ea typeface="+mn-ea"/>
-                <a:cs typeface="+mn-cs"/>
-              </a:defRPr>
-            </a:lvl5pPr>
-            <a:lvl6pPr marL="2514600" indent="-228600" algn="l" defTabSz="914400" rtl="0" eaLnBrk="1" latinLnBrk="0" hangingPunct="1">
-              <a:lnSpc>
-                <a:spcPct val="90000"/>
-              </a:lnSpc>
-              <a:spcBef>
-                <a:spcPts val="500"/>
-              </a:spcBef>
-              <a:buFont typeface="Arial" panose="020B0604020202020204" pitchFamily="34" charset="0"/>
-              <a:buChar char="•"/>
-              <a:defRPr sz="1800" kern="1200">
-                <a:solidFill>
-                  <a:schemeClr val="tx1"/>
-                </a:solidFill>
-                <a:latin typeface="+mn-lt"/>
-                <a:ea typeface="+mn-ea"/>
-                <a:cs typeface="+mn-cs"/>
-              </a:defRPr>
-            </a:lvl6pPr>
-            <a:lvl7pPr marL="2971800" indent="-228600" algn="l" defTabSz="914400" rtl="0" eaLnBrk="1" latinLnBrk="0" hangingPunct="1">
-              <a:lnSpc>
-                <a:spcPct val="90000"/>
-              </a:lnSpc>
-              <a:spcBef>
-                <a:spcPts val="500"/>
-              </a:spcBef>
-              <a:buFont typeface="Arial" panose="020B0604020202020204" pitchFamily="34" charset="0"/>
-              <a:buChar char="•"/>
-              <a:defRPr sz="1800" kern="1200">
-                <a:solidFill>
-                  <a:schemeClr val="tx1"/>
-                </a:solidFill>
-                <a:latin typeface="+mn-lt"/>
-                <a:ea typeface="+mn-ea"/>
-                <a:cs typeface="+mn-cs"/>
-              </a:defRPr>
-            </a:lvl7pPr>
-            <a:lvl8pPr marL="3429000" indent="-228600" algn="l" defTabSz="914400" rtl="0" eaLnBrk="1" latinLnBrk="0" hangingPunct="1">
-              <a:lnSpc>
-                <a:spcPct val="90000"/>
-              </a:lnSpc>
-              <a:spcBef>
-                <a:spcPts val="500"/>
-              </a:spcBef>
-              <a:buFont typeface="Arial" panose="020B0604020202020204" pitchFamily="34" charset="0"/>
-              <a:buChar char="•"/>
-              <a:defRPr sz="1800" kern="1200">
-                <a:solidFill>
-                  <a:schemeClr val="tx1"/>
-                </a:solidFill>
-                <a:latin typeface="+mn-lt"/>
-                <a:ea typeface="+mn-ea"/>
-                <a:cs typeface="+mn-cs"/>
-              </a:defRPr>
-            </a:lvl8pPr>
-            <a:lvl9pPr marL="3886200" indent="-228600" algn="l" defTabSz="914400" rtl="0" eaLnBrk="1" latinLnBrk="0" hangingPunct="1">
-              <a:lnSpc>
-                <a:spcPct val="90000"/>
-              </a:lnSpc>
-              <a:spcBef>
-                <a:spcPts val="500"/>
-              </a:spcBef>
-              <a:buFont typeface="Arial" panose="020B0604020202020204" pitchFamily="34" charset="0"/>
-              <a:buChar char="•"/>
-              <a:defRPr sz="1800" kern="1200">
-                <a:solidFill>
-                  <a:schemeClr val="tx1"/>
-                </a:solidFill>
-                <a:latin typeface="+mn-lt"/>
-                <a:ea typeface="+mn-ea"/>
-                <a:cs typeface="+mn-cs"/>
-              </a:defRPr>
-            </a:lvl9pPr>
-          </a:lstStyle>
-          <a:p>
-            <a:pPr>
-              <a:defRPr/>
-            </a:pPr>
-            <a:r>
-              <a:rPr lang="en-US" sz="3200" dirty="0" smtClean="0"/>
-              <a:t>Second text box on bottom and bigger</a:t>
-            </a:r>
-            <a:endParaRPr lang="en-US" sz="3200" dirty="0"/>
-          </a:p>
-        </p:txBody>
-      </p:sp>
-    </p:spTree>
-    <p:extLst>
-      <p:ext uri="{BB962C8B-B14F-4D97-AF65-F5344CB8AC3E}">
-        <p14:creationId xmlns:p14="http://schemas.microsoft.com/office/powerpoint/2010/main" val="261930615"/>
-      </p:ext>
-    </p:extLst>
-  </p:cSld>
-  <p:clrMapOvr>
-    <a:masterClrMapping/>
-  </p:clrMapOvr>
-  <mc:AlternateContent xmlns:mc="http://schemas.openxmlformats.org/markup-compatibility/2006" xmlns:p14="http://schemas.microsoft.com/office/powerpoint/2010/main">
-    <mc:Choice Requires="p14">
-      <p:transition spd="med" p14:dur="700">
-        <p:fade/>
-      </p:transition>
-    </mc:Choice>
-    <mc:Fallback xmlns="">
-      <p:transition spd="med">
-        <p:fade/>
-      </p:transition>
-    </mc:Fallback>
-  </mc:AlternateContent>
-</p:sld>
-</file>
-
-<file path=ppt/slides/slide8.xml><?xml version="1.0" encoding="utf-8"?>
-<p:sld xmlns:a="http://schemas.openxmlformats.org/drawingml/2006/main" xmlns:r="http://schemas.openxmlformats.org/officeDocument/2006/relationships" xmlns:p="http://schemas.openxmlformats.org/presentationml/2006/main">
-  <p:cSld>
-    <p:spTree>
-      <p:nvGrpSpPr>
-        <p:cNvPr id="1" name=""/>
-        <p:cNvGrpSpPr/>
-        <p:nvPr/>
-      </p:nvGrpSpPr>
-      <p:grpSpPr>
-        <a:xfrm>
-          <a:off x="0" y="0"/>
-          <a:ext cx="0" cy="0"/>
-          <a:chOff x="0" y="0"/>
-          <a:chExt cx="0" cy="0"/>
-        </a:xfrm>
-      </p:grpSpPr>
-      <p:sp>
-        <p:nvSpPr>
-          <p:cNvPr id="3" name="Footer Placeholder 2"/>
-          <p:cNvSpPr>
-            <a:spLocks noGrp="1"/>
-          </p:cNvSpPr>
-          <p:nvPr>
-            <p:ph type="ftr" sz="quarter" idx="11"/>
-          </p:nvPr>
-        </p:nvSpPr>
-        <p:spPr/>
-        <p:txBody>
-          <a:bodyPr/>
-          <a:lstStyle/>
-          <a:p>
-            <a:r>
-              <a:rPr lang="en-GB" dirty="0" smtClean="0"/>
-              <a:t>MJ2380-2381 2020</a:t>
-            </a:r>
-            <a:endParaRPr lang="en-GB" dirty="0"/>
-          </a:p>
-        </p:txBody>
-      </p:sp>
-      <p:sp>
-        <p:nvSpPr>
-          <p:cNvPr id="4" name="Slide Number Placeholder 3"/>
-          <p:cNvSpPr>
-            <a:spLocks noGrp="1"/>
-          </p:cNvSpPr>
-          <p:nvPr>
-            <p:ph type="sldNum" sz="quarter" idx="12"/>
-          </p:nvPr>
-        </p:nvSpPr>
-        <p:spPr/>
-        <p:txBody>
-          <a:bodyPr/>
-          <a:lstStyle/>
-          <a:p>
-            <a:fld id="{F36C87F6-986D-49E6-AF40-1B3A1EE8064D}" type="slidenum">
-              <a:rPr lang="en-GB" smtClean="0"/>
-              <a:pPr/>
-              <a:t>8</a:t>
-            </a:fld>
-            <a:endParaRPr lang="en-GB" dirty="0"/>
-          </a:p>
-        </p:txBody>
-      </p:sp>
-      <p:sp>
-        <p:nvSpPr>
-          <p:cNvPr id="5" name="Title 4"/>
-          <p:cNvSpPr>
-            <a:spLocks noGrp="1"/>
-          </p:cNvSpPr>
-          <p:nvPr>
-            <p:ph type="title"/>
-          </p:nvPr>
-        </p:nvSpPr>
-        <p:spPr/>
-        <p:txBody>
-          <a:bodyPr/>
-          <a:lstStyle/>
-          <a:p>
-            <a:r>
-              <a:rPr lang="sv-SE" dirty="0" err="1" smtClean="0"/>
-              <a:t>Figure</a:t>
-            </a:r>
-            <a:r>
-              <a:rPr lang="sv-SE" dirty="0" smtClean="0"/>
-              <a:t> + text</a:t>
-            </a:r>
-            <a:endParaRPr lang="sv-SE" dirty="0"/>
-          </a:p>
-        </p:txBody>
-      </p:sp>
-      <p:pic>
-        <p:nvPicPr>
-          <p:cNvPr id="6" name="Content Placeholder 6"/>
-          <p:cNvPicPr>
-            <a:picLocks noGrp="1" noChangeAspect="1"/>
-          </p:cNvPicPr>
-          <p:nvPr>
-            <p:ph idx="1"/>
-          </p:nvPr>
-        </p:nvPicPr>
-        <p:blipFill>
-          <a:blip r:embed="rId2" cstate="print">
-            <a:extLst>
-              <a:ext uri="{28A0092B-C50C-407E-A947-70E740481C1C}">
-                <a14:useLocalDpi xmlns:a14="http://schemas.microsoft.com/office/drawing/2010/main" val="0"/>
-              </a:ext>
-            </a:extLst>
-          </a:blip>
-          <a:stretch>
-            <a:fillRect/>
-          </a:stretch>
-        </p:blipFill>
-        <p:spPr>
-          <a:xfrm>
-            <a:off x="4038600" y="1861980"/>
-            <a:ext cx="1148378" cy="1184601"/>
-          </a:xfrm>
-        </p:spPr>
-      </p:pic>
-      <p:sp>
-        <p:nvSpPr>
-          <p:cNvPr id="7" name="Content Placeholder 1"/>
-          <p:cNvSpPr txBox="1">
-            <a:spLocks/>
-          </p:cNvSpPr>
-          <p:nvPr/>
-        </p:nvSpPr>
-        <p:spPr>
-          <a:xfrm>
-            <a:off x="1653092" y="2320799"/>
-            <a:ext cx="2385508" cy="707082"/>
-          </a:xfrm>
-          <a:prstGeom prst="rect">
-            <a:avLst/>
-          </a:prstGeom>
-        </p:spPr>
-        <p:txBody>
-          <a:bodyPr vert="horz" lIns="91440" tIns="45720" rIns="91440" bIns="45720" rtlCol="0">
-            <a:normAutofit/>
-          </a:bodyPr>
-          <a:lstStyle>
-            <a:lvl1pPr marL="0" indent="0" algn="l" defTabSz="914400" rtl="0" eaLnBrk="1" latinLnBrk="0" hangingPunct="1">
-              <a:lnSpc>
-                <a:spcPct val="90000"/>
-              </a:lnSpc>
-              <a:spcBef>
-                <a:spcPts val="1000"/>
-              </a:spcBef>
-              <a:buFont typeface="Arial" panose="020B0604020202020204" pitchFamily="34" charset="0"/>
-              <a:buNone/>
-              <a:defRPr sz="2800" kern="1200" spc="-150">
-                <a:solidFill>
-                  <a:schemeClr val="tx1"/>
-                </a:solidFill>
-                <a:latin typeface="+mn-lt"/>
-                <a:ea typeface="+mn-ea"/>
-                <a:cs typeface="+mn-cs"/>
-              </a:defRPr>
-            </a:lvl1pPr>
-            <a:lvl2pPr marL="685800" indent="-228600" algn="l" defTabSz="914400" rtl="0" eaLnBrk="1" latinLnBrk="0" hangingPunct="1">
-              <a:lnSpc>
-                <a:spcPct val="90000"/>
-              </a:lnSpc>
-              <a:spcBef>
-                <a:spcPts val="500"/>
-              </a:spcBef>
-              <a:buFont typeface="Arial" panose="020B0604020202020204" pitchFamily="34" charset="0"/>
-              <a:buChar char="•"/>
-              <a:defRPr sz="2400" kern="1200" spc="-150">
-                <a:solidFill>
-                  <a:schemeClr val="tx1"/>
-                </a:solidFill>
-                <a:latin typeface="+mn-lt"/>
-                <a:ea typeface="+mn-ea"/>
-                <a:cs typeface="+mn-cs"/>
-              </a:defRPr>
-            </a:lvl2pPr>
-            <a:lvl3pPr marL="1143000" indent="-228600" algn="l" defTabSz="914400" rtl="0" eaLnBrk="1" latinLnBrk="0" hangingPunct="1">
-              <a:lnSpc>
-                <a:spcPct val="90000"/>
-              </a:lnSpc>
-              <a:spcBef>
-                <a:spcPts val="500"/>
-              </a:spcBef>
-              <a:buFont typeface="Arial" panose="020B0604020202020204" pitchFamily="34" charset="0"/>
-              <a:buChar char="•"/>
-              <a:defRPr sz="2000" kern="1200" spc="-150">
-                <a:solidFill>
-                  <a:schemeClr val="tx1"/>
-                </a:solidFill>
-                <a:latin typeface="+mn-lt"/>
-                <a:ea typeface="+mn-ea"/>
-                <a:cs typeface="+mn-cs"/>
-              </a:defRPr>
-            </a:lvl3pPr>
-            <a:lvl4pPr marL="1600200" indent="-228600" algn="l" defTabSz="914400" rtl="0" eaLnBrk="1" latinLnBrk="0" hangingPunct="1">
-              <a:lnSpc>
-                <a:spcPct val="90000"/>
-              </a:lnSpc>
-              <a:spcBef>
-                <a:spcPts val="500"/>
-              </a:spcBef>
-              <a:buFont typeface="Arial" panose="020B0604020202020204" pitchFamily="34" charset="0"/>
-              <a:buChar char="•"/>
-              <a:defRPr sz="1800" kern="1200" spc="-150">
-                <a:solidFill>
-                  <a:schemeClr val="tx1"/>
-                </a:solidFill>
-                <a:latin typeface="+mn-lt"/>
-                <a:ea typeface="+mn-ea"/>
-                <a:cs typeface="+mn-cs"/>
-              </a:defRPr>
-            </a:lvl4pPr>
-            <a:lvl5pPr marL="2057400" indent="-228600" algn="l" defTabSz="914400" rtl="0" eaLnBrk="1" latinLnBrk="0" hangingPunct="1">
-              <a:lnSpc>
-                <a:spcPct val="90000"/>
-              </a:lnSpc>
-              <a:spcBef>
-                <a:spcPts val="500"/>
-              </a:spcBef>
-              <a:buFont typeface="Arial" panose="020B0604020202020204" pitchFamily="34" charset="0"/>
-              <a:buChar char="•"/>
-              <a:defRPr sz="1800" kern="1200" spc="-150">
-                <a:solidFill>
-                  <a:schemeClr val="tx1"/>
-                </a:solidFill>
-                <a:latin typeface="+mn-lt"/>
-                <a:ea typeface="+mn-ea"/>
-                <a:cs typeface="+mn-cs"/>
-              </a:defRPr>
-            </a:lvl5pPr>
-            <a:lvl6pPr marL="2514600" indent="-228600" algn="l" defTabSz="914400" rtl="0" eaLnBrk="1" latinLnBrk="0" hangingPunct="1">
-              <a:lnSpc>
-                <a:spcPct val="90000"/>
-              </a:lnSpc>
-              <a:spcBef>
-                <a:spcPts val="500"/>
-              </a:spcBef>
-              <a:buFont typeface="Arial" panose="020B0604020202020204" pitchFamily="34" charset="0"/>
-              <a:buChar char="•"/>
-              <a:defRPr sz="1800" kern="1200">
-                <a:solidFill>
-                  <a:schemeClr val="tx1"/>
-                </a:solidFill>
-                <a:latin typeface="+mn-lt"/>
-                <a:ea typeface="+mn-ea"/>
-                <a:cs typeface="+mn-cs"/>
-              </a:defRPr>
-            </a:lvl6pPr>
-            <a:lvl7pPr marL="2971800" indent="-228600" algn="l" defTabSz="914400" rtl="0" eaLnBrk="1" latinLnBrk="0" hangingPunct="1">
-              <a:lnSpc>
-                <a:spcPct val="90000"/>
-              </a:lnSpc>
-              <a:spcBef>
-                <a:spcPts val="500"/>
-              </a:spcBef>
-              <a:buFont typeface="Arial" panose="020B0604020202020204" pitchFamily="34" charset="0"/>
-              <a:buChar char="•"/>
-              <a:defRPr sz="1800" kern="1200">
-                <a:solidFill>
-                  <a:schemeClr val="tx1"/>
-                </a:solidFill>
-                <a:latin typeface="+mn-lt"/>
-                <a:ea typeface="+mn-ea"/>
-                <a:cs typeface="+mn-cs"/>
-              </a:defRPr>
-            </a:lvl7pPr>
-            <a:lvl8pPr marL="3429000" indent="-228600" algn="l" defTabSz="914400" rtl="0" eaLnBrk="1" latinLnBrk="0" hangingPunct="1">
-              <a:lnSpc>
-                <a:spcPct val="90000"/>
-              </a:lnSpc>
-              <a:spcBef>
-                <a:spcPts val="500"/>
-              </a:spcBef>
-              <a:buFont typeface="Arial" panose="020B0604020202020204" pitchFamily="34" charset="0"/>
-              <a:buChar char="•"/>
-              <a:defRPr sz="1800" kern="1200">
-                <a:solidFill>
-                  <a:schemeClr val="tx1"/>
-                </a:solidFill>
-                <a:latin typeface="+mn-lt"/>
-                <a:ea typeface="+mn-ea"/>
-                <a:cs typeface="+mn-cs"/>
-              </a:defRPr>
-            </a:lvl8pPr>
-            <a:lvl9pPr marL="3886200" indent="-228600" algn="l" defTabSz="914400" rtl="0" eaLnBrk="1" latinLnBrk="0" hangingPunct="1">
-              <a:lnSpc>
-                <a:spcPct val="90000"/>
-              </a:lnSpc>
-              <a:spcBef>
-                <a:spcPts val="500"/>
-              </a:spcBef>
-              <a:buFont typeface="Arial" panose="020B0604020202020204" pitchFamily="34" charset="0"/>
-              <a:buChar char="•"/>
-              <a:defRPr sz="1800" kern="1200">
-                <a:solidFill>
-                  <a:schemeClr val="tx1"/>
-                </a:solidFill>
-                <a:latin typeface="+mn-lt"/>
-                <a:ea typeface="+mn-ea"/>
-                <a:cs typeface="+mn-cs"/>
-              </a:defRPr>
-            </a:lvl9pPr>
-          </a:lstStyle>
-          <a:p>
-            <a:pPr>
-              <a:defRPr/>
-            </a:pPr>
-            <a:r>
-              <a:rPr lang="en-US" sz="2400" dirty="0" smtClean="0"/>
-              <a:t>Text left of figure</a:t>
-            </a:r>
-            <a:endParaRPr lang="en-US" sz="2400" dirty="0"/>
-          </a:p>
-        </p:txBody>
-      </p:sp>
-      <p:sp>
-        <p:nvSpPr>
-          <p:cNvPr id="8" name="Content Placeholder 1"/>
-          <p:cNvSpPr txBox="1">
-            <a:spLocks/>
-          </p:cNvSpPr>
-          <p:nvPr/>
-        </p:nvSpPr>
-        <p:spPr>
-          <a:xfrm>
-            <a:off x="5501640" y="2320799"/>
-            <a:ext cx="6217920" cy="449153"/>
-          </a:xfrm>
-          <a:prstGeom prst="rect">
-            <a:avLst/>
-          </a:prstGeom>
-        </p:spPr>
-        <p:txBody>
-          <a:bodyPr vert="horz" lIns="91440" tIns="45720" rIns="91440" bIns="45720" rtlCol="0">
-            <a:noAutofit/>
-          </a:bodyPr>
-          <a:lstStyle>
-            <a:lvl1pPr marL="0" indent="0" algn="l" defTabSz="914400" rtl="0" eaLnBrk="1" latinLnBrk="0" hangingPunct="1">
-              <a:lnSpc>
-                <a:spcPct val="90000"/>
-              </a:lnSpc>
-              <a:spcBef>
-                <a:spcPts val="1000"/>
-              </a:spcBef>
-              <a:buFont typeface="Arial" panose="020B0604020202020204" pitchFamily="34" charset="0"/>
-              <a:buNone/>
-              <a:defRPr sz="2800" kern="1200" spc="-150">
-                <a:solidFill>
-                  <a:schemeClr val="tx1"/>
-                </a:solidFill>
-                <a:latin typeface="+mn-lt"/>
-                <a:ea typeface="+mn-ea"/>
-                <a:cs typeface="+mn-cs"/>
-              </a:defRPr>
-            </a:lvl1pPr>
-            <a:lvl2pPr marL="685800" indent="-228600" algn="l" defTabSz="914400" rtl="0" eaLnBrk="1" latinLnBrk="0" hangingPunct="1">
-              <a:lnSpc>
-                <a:spcPct val="90000"/>
-              </a:lnSpc>
-              <a:spcBef>
-                <a:spcPts val="500"/>
-              </a:spcBef>
-              <a:buFont typeface="Arial" panose="020B0604020202020204" pitchFamily="34" charset="0"/>
-              <a:buChar char="•"/>
-              <a:defRPr sz="2400" kern="1200" spc="-150">
-                <a:solidFill>
-                  <a:schemeClr val="tx1"/>
-                </a:solidFill>
-                <a:latin typeface="+mn-lt"/>
-                <a:ea typeface="+mn-ea"/>
-                <a:cs typeface="+mn-cs"/>
-              </a:defRPr>
-            </a:lvl2pPr>
-            <a:lvl3pPr marL="1143000" indent="-228600" algn="l" defTabSz="914400" rtl="0" eaLnBrk="1" latinLnBrk="0" hangingPunct="1">
-              <a:lnSpc>
-                <a:spcPct val="90000"/>
-              </a:lnSpc>
-              <a:spcBef>
-                <a:spcPts val="500"/>
-              </a:spcBef>
-              <a:buFont typeface="Arial" panose="020B0604020202020204" pitchFamily="34" charset="0"/>
-              <a:buChar char="•"/>
-              <a:defRPr sz="2000" kern="1200" spc="-150">
-                <a:solidFill>
-                  <a:schemeClr val="tx1"/>
-                </a:solidFill>
-                <a:latin typeface="+mn-lt"/>
-                <a:ea typeface="+mn-ea"/>
-                <a:cs typeface="+mn-cs"/>
-              </a:defRPr>
-            </a:lvl3pPr>
-            <a:lvl4pPr marL="1600200" indent="-228600" algn="l" defTabSz="914400" rtl="0" eaLnBrk="1" latinLnBrk="0" hangingPunct="1">
-              <a:lnSpc>
-                <a:spcPct val="90000"/>
-              </a:lnSpc>
-              <a:spcBef>
-                <a:spcPts val="500"/>
-              </a:spcBef>
-              <a:buFont typeface="Arial" panose="020B0604020202020204" pitchFamily="34" charset="0"/>
-              <a:buChar char="•"/>
-              <a:defRPr sz="1800" kern="1200" spc="-150">
-                <a:solidFill>
-                  <a:schemeClr val="tx1"/>
-                </a:solidFill>
-                <a:latin typeface="+mn-lt"/>
-                <a:ea typeface="+mn-ea"/>
-                <a:cs typeface="+mn-cs"/>
-              </a:defRPr>
-            </a:lvl4pPr>
-            <a:lvl5pPr marL="2057400" indent="-228600" algn="l" defTabSz="914400" rtl="0" eaLnBrk="1" latinLnBrk="0" hangingPunct="1">
-              <a:lnSpc>
-                <a:spcPct val="90000"/>
-              </a:lnSpc>
-              <a:spcBef>
-                <a:spcPts val="500"/>
-              </a:spcBef>
-              <a:buFont typeface="Arial" panose="020B0604020202020204" pitchFamily="34" charset="0"/>
-              <a:buChar char="•"/>
-              <a:defRPr sz="1800" kern="1200" spc="-150">
-                <a:solidFill>
-                  <a:schemeClr val="tx1"/>
-                </a:solidFill>
-                <a:latin typeface="+mn-lt"/>
-                <a:ea typeface="+mn-ea"/>
-                <a:cs typeface="+mn-cs"/>
-              </a:defRPr>
-            </a:lvl5pPr>
-            <a:lvl6pPr marL="2514600" indent="-228600" algn="l" defTabSz="914400" rtl="0" eaLnBrk="1" latinLnBrk="0" hangingPunct="1">
-              <a:lnSpc>
-                <a:spcPct val="90000"/>
-              </a:lnSpc>
-              <a:spcBef>
-                <a:spcPts val="500"/>
-              </a:spcBef>
-              <a:buFont typeface="Arial" panose="020B0604020202020204" pitchFamily="34" charset="0"/>
-              <a:buChar char="•"/>
-              <a:defRPr sz="1800" kern="1200">
-                <a:solidFill>
-                  <a:schemeClr val="tx1"/>
-                </a:solidFill>
-                <a:latin typeface="+mn-lt"/>
-                <a:ea typeface="+mn-ea"/>
-                <a:cs typeface="+mn-cs"/>
-              </a:defRPr>
-            </a:lvl6pPr>
-            <a:lvl7pPr marL="2971800" indent="-228600" algn="l" defTabSz="914400" rtl="0" eaLnBrk="1" latinLnBrk="0" hangingPunct="1">
-              <a:lnSpc>
-                <a:spcPct val="90000"/>
-              </a:lnSpc>
-              <a:spcBef>
-                <a:spcPts val="500"/>
-              </a:spcBef>
-              <a:buFont typeface="Arial" panose="020B0604020202020204" pitchFamily="34" charset="0"/>
-              <a:buChar char="•"/>
-              <a:defRPr sz="1800" kern="1200">
-                <a:solidFill>
-                  <a:schemeClr val="tx1"/>
-                </a:solidFill>
-                <a:latin typeface="+mn-lt"/>
-                <a:ea typeface="+mn-ea"/>
-                <a:cs typeface="+mn-cs"/>
-              </a:defRPr>
-            </a:lvl7pPr>
-            <a:lvl8pPr marL="3429000" indent="-228600" algn="l" defTabSz="914400" rtl="0" eaLnBrk="1" latinLnBrk="0" hangingPunct="1">
-              <a:lnSpc>
-                <a:spcPct val="90000"/>
-              </a:lnSpc>
-              <a:spcBef>
-                <a:spcPts val="500"/>
-              </a:spcBef>
-              <a:buFont typeface="Arial" panose="020B0604020202020204" pitchFamily="34" charset="0"/>
-              <a:buChar char="•"/>
-              <a:defRPr sz="1800" kern="1200">
-                <a:solidFill>
-                  <a:schemeClr val="tx1"/>
-                </a:solidFill>
-                <a:latin typeface="+mn-lt"/>
-                <a:ea typeface="+mn-ea"/>
-                <a:cs typeface="+mn-cs"/>
-              </a:defRPr>
-            </a:lvl8pPr>
-            <a:lvl9pPr marL="3886200" indent="-228600" algn="l" defTabSz="914400" rtl="0" eaLnBrk="1" latinLnBrk="0" hangingPunct="1">
-              <a:lnSpc>
-                <a:spcPct val="90000"/>
-              </a:lnSpc>
-              <a:spcBef>
-                <a:spcPts val="500"/>
-              </a:spcBef>
-              <a:buFont typeface="Arial" panose="020B0604020202020204" pitchFamily="34" charset="0"/>
-              <a:buChar char="•"/>
-              <a:defRPr sz="1800" kern="1200">
-                <a:solidFill>
-                  <a:schemeClr val="tx1"/>
-                </a:solidFill>
-                <a:latin typeface="+mn-lt"/>
-                <a:ea typeface="+mn-ea"/>
-                <a:cs typeface="+mn-cs"/>
-              </a:defRPr>
-            </a:lvl9pPr>
-          </a:lstStyle>
-          <a:p>
-            <a:pPr>
-              <a:defRPr/>
-            </a:pPr>
-            <a:r>
-              <a:rPr lang="en-US" sz="3200" dirty="0" smtClean="0"/>
-              <a:t>Second text box on right and bigger</a:t>
-            </a:r>
-            <a:endParaRPr lang="en-US" sz="3200" dirty="0"/>
-          </a:p>
-        </p:txBody>
-      </p:sp>
-      <p:pic>
-        <p:nvPicPr>
-          <p:cNvPr id="9" name="Content Placeholder 6"/>
-          <p:cNvPicPr>
-            <a:picLocks noChangeAspect="1"/>
-          </p:cNvPicPr>
-          <p:nvPr/>
-        </p:nvPicPr>
-        <p:blipFill>
-          <a:blip r:embed="rId3" cstate="print">
-            <a:extLst>
-              <a:ext uri="{28A0092B-C50C-407E-A947-70E740481C1C}">
-                <a14:useLocalDpi xmlns:a14="http://schemas.microsoft.com/office/drawing/2010/main" val="0"/>
-              </a:ext>
-            </a:extLst>
-          </a:blip>
-          <a:stretch>
-            <a:fillRect/>
-          </a:stretch>
-        </p:blipFill>
-        <p:spPr>
-          <a:xfrm>
-            <a:off x="1697468" y="3297252"/>
-            <a:ext cx="1531248" cy="1579548"/>
-          </a:xfrm>
-          <a:prstGeom prst="rect">
-            <a:avLst/>
-          </a:prstGeom>
-        </p:spPr>
-      </p:pic>
-      <p:sp>
-        <p:nvSpPr>
-          <p:cNvPr id="10" name="Content Placeholder 1"/>
-          <p:cNvSpPr txBox="1">
-            <a:spLocks/>
-          </p:cNvSpPr>
-          <p:nvPr/>
-        </p:nvSpPr>
-        <p:spPr>
-          <a:xfrm>
-            <a:off x="3269428" y="3772738"/>
-            <a:ext cx="6217920" cy="449153"/>
-          </a:xfrm>
-          <a:prstGeom prst="rect">
-            <a:avLst/>
-          </a:prstGeom>
-        </p:spPr>
-        <p:txBody>
-          <a:bodyPr vert="horz" lIns="91440" tIns="45720" rIns="91440" bIns="45720" rtlCol="0">
-            <a:noAutofit/>
-          </a:bodyPr>
-          <a:lstStyle>
-            <a:lvl1pPr marL="0" indent="0" algn="l" defTabSz="914400" rtl="0" eaLnBrk="1" latinLnBrk="0" hangingPunct="1">
-              <a:lnSpc>
-                <a:spcPct val="90000"/>
-              </a:lnSpc>
-              <a:spcBef>
-                <a:spcPts val="1000"/>
-              </a:spcBef>
-              <a:buFont typeface="Arial" panose="020B0604020202020204" pitchFamily="34" charset="0"/>
-              <a:buNone/>
-              <a:defRPr sz="2800" kern="1200" spc="-150">
-                <a:solidFill>
-                  <a:schemeClr val="tx1"/>
-                </a:solidFill>
-                <a:latin typeface="+mn-lt"/>
-                <a:ea typeface="+mn-ea"/>
-                <a:cs typeface="+mn-cs"/>
-              </a:defRPr>
-            </a:lvl1pPr>
-            <a:lvl2pPr marL="685800" indent="-228600" algn="l" defTabSz="914400" rtl="0" eaLnBrk="1" latinLnBrk="0" hangingPunct="1">
-              <a:lnSpc>
-                <a:spcPct val="90000"/>
-              </a:lnSpc>
-              <a:spcBef>
-                <a:spcPts val="500"/>
-              </a:spcBef>
-              <a:buFont typeface="Arial" panose="020B0604020202020204" pitchFamily="34" charset="0"/>
-              <a:buChar char="•"/>
-              <a:defRPr sz="2400" kern="1200" spc="-150">
-                <a:solidFill>
-                  <a:schemeClr val="tx1"/>
-                </a:solidFill>
-                <a:latin typeface="+mn-lt"/>
-                <a:ea typeface="+mn-ea"/>
-                <a:cs typeface="+mn-cs"/>
-              </a:defRPr>
-            </a:lvl2pPr>
-            <a:lvl3pPr marL="1143000" indent="-228600" algn="l" defTabSz="914400" rtl="0" eaLnBrk="1" latinLnBrk="0" hangingPunct="1">
-              <a:lnSpc>
-                <a:spcPct val="90000"/>
-              </a:lnSpc>
-              <a:spcBef>
-                <a:spcPts val="500"/>
-              </a:spcBef>
-              <a:buFont typeface="Arial" panose="020B0604020202020204" pitchFamily="34" charset="0"/>
-              <a:buChar char="•"/>
-              <a:defRPr sz="2000" kern="1200" spc="-150">
-                <a:solidFill>
-                  <a:schemeClr val="tx1"/>
-                </a:solidFill>
-                <a:latin typeface="+mn-lt"/>
-                <a:ea typeface="+mn-ea"/>
-                <a:cs typeface="+mn-cs"/>
-              </a:defRPr>
-            </a:lvl3pPr>
-            <a:lvl4pPr marL="1600200" indent="-228600" algn="l" defTabSz="914400" rtl="0" eaLnBrk="1" latinLnBrk="0" hangingPunct="1">
-              <a:lnSpc>
-                <a:spcPct val="90000"/>
-              </a:lnSpc>
-              <a:spcBef>
-                <a:spcPts val="500"/>
-              </a:spcBef>
-              <a:buFont typeface="Arial" panose="020B0604020202020204" pitchFamily="34" charset="0"/>
-              <a:buChar char="•"/>
-              <a:defRPr sz="1800" kern="1200" spc="-150">
-                <a:solidFill>
-                  <a:schemeClr val="tx1"/>
-                </a:solidFill>
-                <a:latin typeface="+mn-lt"/>
-                <a:ea typeface="+mn-ea"/>
-                <a:cs typeface="+mn-cs"/>
-              </a:defRPr>
-            </a:lvl4pPr>
-            <a:lvl5pPr marL="2057400" indent="-228600" algn="l" defTabSz="914400" rtl="0" eaLnBrk="1" latinLnBrk="0" hangingPunct="1">
-              <a:lnSpc>
-                <a:spcPct val="90000"/>
-              </a:lnSpc>
-              <a:spcBef>
-                <a:spcPts val="500"/>
-              </a:spcBef>
-              <a:buFont typeface="Arial" panose="020B0604020202020204" pitchFamily="34" charset="0"/>
-              <a:buChar char="•"/>
-              <a:defRPr sz="1800" kern="1200" spc="-150">
-                <a:solidFill>
-                  <a:schemeClr val="tx1"/>
-                </a:solidFill>
-                <a:latin typeface="+mn-lt"/>
-                <a:ea typeface="+mn-ea"/>
-                <a:cs typeface="+mn-cs"/>
-              </a:defRPr>
-            </a:lvl5pPr>
-            <a:lvl6pPr marL="2514600" indent="-228600" algn="l" defTabSz="914400" rtl="0" eaLnBrk="1" latinLnBrk="0" hangingPunct="1">
-              <a:lnSpc>
-                <a:spcPct val="90000"/>
-              </a:lnSpc>
-              <a:spcBef>
-                <a:spcPts val="500"/>
-              </a:spcBef>
-              <a:buFont typeface="Arial" panose="020B0604020202020204" pitchFamily="34" charset="0"/>
-              <a:buChar char="•"/>
-              <a:defRPr sz="1800" kern="1200">
-                <a:solidFill>
-                  <a:schemeClr val="tx1"/>
-                </a:solidFill>
-                <a:latin typeface="+mn-lt"/>
-                <a:ea typeface="+mn-ea"/>
-                <a:cs typeface="+mn-cs"/>
-              </a:defRPr>
-            </a:lvl6pPr>
-            <a:lvl7pPr marL="2971800" indent="-228600" algn="l" defTabSz="914400" rtl="0" eaLnBrk="1" latinLnBrk="0" hangingPunct="1">
-              <a:lnSpc>
-                <a:spcPct val="90000"/>
-              </a:lnSpc>
-              <a:spcBef>
-                <a:spcPts val="500"/>
-              </a:spcBef>
-              <a:buFont typeface="Arial" panose="020B0604020202020204" pitchFamily="34" charset="0"/>
-              <a:buChar char="•"/>
-              <a:defRPr sz="1800" kern="1200">
-                <a:solidFill>
-                  <a:schemeClr val="tx1"/>
-                </a:solidFill>
-                <a:latin typeface="+mn-lt"/>
-                <a:ea typeface="+mn-ea"/>
-                <a:cs typeface="+mn-cs"/>
-              </a:defRPr>
-            </a:lvl7pPr>
-            <a:lvl8pPr marL="3429000" indent="-228600" algn="l" defTabSz="914400" rtl="0" eaLnBrk="1" latinLnBrk="0" hangingPunct="1">
-              <a:lnSpc>
-                <a:spcPct val="90000"/>
-              </a:lnSpc>
-              <a:spcBef>
-                <a:spcPts val="500"/>
-              </a:spcBef>
-              <a:buFont typeface="Arial" panose="020B0604020202020204" pitchFamily="34" charset="0"/>
-              <a:buChar char="•"/>
-              <a:defRPr sz="1800" kern="1200">
-                <a:solidFill>
-                  <a:schemeClr val="tx1"/>
-                </a:solidFill>
-                <a:latin typeface="+mn-lt"/>
-                <a:ea typeface="+mn-ea"/>
-                <a:cs typeface="+mn-cs"/>
-              </a:defRPr>
-            </a:lvl8pPr>
-            <a:lvl9pPr marL="3886200" indent="-228600" algn="l" defTabSz="914400" rtl="0" eaLnBrk="1" latinLnBrk="0" hangingPunct="1">
-              <a:lnSpc>
-                <a:spcPct val="90000"/>
-              </a:lnSpc>
-              <a:spcBef>
-                <a:spcPts val="500"/>
-              </a:spcBef>
-              <a:buFont typeface="Arial" panose="020B0604020202020204" pitchFamily="34" charset="0"/>
-              <a:buChar char="•"/>
-              <a:defRPr sz="1800" kern="1200">
-                <a:solidFill>
-                  <a:schemeClr val="tx1"/>
-                </a:solidFill>
-                <a:latin typeface="+mn-lt"/>
-                <a:ea typeface="+mn-ea"/>
-                <a:cs typeface="+mn-cs"/>
-              </a:defRPr>
-            </a:lvl9pPr>
-          </a:lstStyle>
-          <a:p>
-            <a:pPr>
-              <a:defRPr/>
-            </a:pPr>
-            <a:r>
-              <a:rPr lang="en-US" sz="3200" dirty="0" smtClean="0"/>
-              <a:t>Third text box on right and bigger</a:t>
-            </a:r>
-            <a:endParaRPr lang="en-US" sz="3200" dirty="0"/>
-          </a:p>
-        </p:txBody>
-      </p:sp>
-    </p:spTree>
-    <p:extLst>
-      <p:ext uri="{BB962C8B-B14F-4D97-AF65-F5344CB8AC3E}">
-        <p14:creationId xmlns:p14="http://schemas.microsoft.com/office/powerpoint/2010/main" val="3041430454"/>
-      </p:ext>
-    </p:extLst>
-  </p:cSld>
-  <p:clrMapOvr>
-    <a:masterClrMapping/>
-  </p:clrMapOvr>
-  <mc:AlternateContent xmlns:mc="http://schemas.openxmlformats.org/markup-compatibility/2006" xmlns:p14="http://schemas.microsoft.com/office/powerpoint/2010/main">
-    <mc:Choice Requires="p14">
-      <p:transition spd="med" p14:dur="700">
-        <p:fade/>
-      </p:transition>
-    </mc:Choice>
-    <mc:Fallback xmlns="">
-      <p:transition spd="med">
-        <p:fade/>
-      </p:transition>
-    </mc:Fallback>
-  </mc:AlternateContent>
-</p:sld>
-</file>
-
-<file path=ppt/slides/slide9.xml><?xml version="1.0" encoding="utf-8"?>
-<p:sld xmlns:a="http://schemas.openxmlformats.org/drawingml/2006/main" xmlns:r="http://schemas.openxmlformats.org/officeDocument/2006/relationships" xmlns:p="http://schemas.openxmlformats.org/presentationml/2006/main">
-  <p:cSld>
-    <p:spTree>
-      <p:nvGrpSpPr>
-        <p:cNvPr id="1" name=""/>
-        <p:cNvGrpSpPr/>
-        <p:nvPr/>
-      </p:nvGrpSpPr>
-      <p:grpSpPr>
-        <a:xfrm>
-          <a:off x="0" y="0"/>
-          <a:ext cx="0" cy="0"/>
-          <a:chOff x="0" y="0"/>
-          <a:chExt cx="0" cy="0"/>
-        </a:xfrm>
-      </p:grpSpPr>
-      <p:graphicFrame>
-        <p:nvGraphicFramePr>
-          <p:cNvPr id="6" name="Content Placeholder 5"/>
-          <p:cNvGraphicFramePr>
-            <a:graphicFrameLocks noGrp="1"/>
-          </p:cNvGraphicFramePr>
-          <p:nvPr>
-            <p:ph idx="1"/>
-            <p:extLst>
-              <p:ext uri="{D42A27DB-BD31-4B8C-83A1-F6EECF244321}">
                 <p14:modId xmlns:p14="http://schemas.microsoft.com/office/powerpoint/2010/main" val="3771048437"/>
               </p:ext>
             </p:extLst>
@@ -21259,7 +17404,7 @@
             <a:fld id="{F36C87F6-986D-49E6-AF40-1B3A1EE8064D}" type="slidenum">
               <a:rPr lang="en-GB" smtClean="0"/>
               <a:pPr/>
-              <a:t>9</a:t>
+              <a:t>10</a:t>
             </a:fld>
             <a:endParaRPr lang="en-GB" dirty="0"/>
           </a:p>
@@ -21477,6 +17622,4304 @@
     <p:extLst>
       <p:ext uri="{BB962C8B-B14F-4D97-AF65-F5344CB8AC3E}">
         <p14:creationId xmlns:p14="http://schemas.microsoft.com/office/powerpoint/2010/main" val="3048347960"/>
+      </p:ext>
+    </p:extLst>
+  </p:cSld>
+  <p:clrMapOvr>
+    <a:masterClrMapping/>
+  </p:clrMapOvr>
+  <mc:AlternateContent xmlns:mc="http://schemas.openxmlformats.org/markup-compatibility/2006" xmlns:p14="http://schemas.microsoft.com/office/powerpoint/2010/main">
+    <mc:Choice Requires="p14">
+      <p:transition spd="med" p14:dur="700">
+        <p:fade/>
+      </p:transition>
+    </mc:Choice>
+    <mc:Fallback xmlns="">
+      <p:transition spd="med">
+        <p:fade/>
+      </p:transition>
+    </mc:Fallback>
+  </mc:AlternateContent>
+</p:sld>
+</file>
+
+<file path=ppt/slides/slide11.xml><?xml version="1.0" encoding="utf-8"?>
+<p:sld xmlns:a="http://schemas.openxmlformats.org/drawingml/2006/main" xmlns:r="http://schemas.openxmlformats.org/officeDocument/2006/relationships" xmlns:p="http://schemas.openxmlformats.org/presentationml/2006/main">
+  <p:cSld>
+    <p:spTree>
+      <p:nvGrpSpPr>
+        <p:cNvPr id="1" name=""/>
+        <p:cNvGrpSpPr/>
+        <p:nvPr/>
+      </p:nvGrpSpPr>
+      <p:grpSpPr>
+        <a:xfrm>
+          <a:off x="0" y="0"/>
+          <a:ext cx="0" cy="0"/>
+          <a:chOff x="0" y="0"/>
+          <a:chExt cx="0" cy="0"/>
+        </a:xfrm>
+      </p:grpSpPr>
+      <p:graphicFrame>
+        <p:nvGraphicFramePr>
+          <p:cNvPr id="6" name="Content Placeholder 5"/>
+          <p:cNvGraphicFramePr>
+            <a:graphicFrameLocks noGrp="1"/>
+          </p:cNvGraphicFramePr>
+          <p:nvPr>
+            <p:ph idx="1"/>
+            <p:extLst>
+              <p:ext uri="{D42A27DB-BD31-4B8C-83A1-F6EECF244321}">
+                <p14:modId xmlns:p14="http://schemas.microsoft.com/office/powerpoint/2010/main" val="703963240"/>
+              </p:ext>
+            </p:extLst>
+          </p:nvPr>
+        </p:nvGraphicFramePr>
+        <p:xfrm>
+          <a:off x="838200" y="1616075"/>
+          <a:ext cx="10515600" cy="4551363"/>
+        </p:xfrm>
+        <a:graphic>
+          <a:graphicData uri="http://schemas.openxmlformats.org/drawingml/2006/diagram">
+            <dgm:relIds xmlns:dgm="http://schemas.openxmlformats.org/drawingml/2006/diagram" xmlns:r="http://schemas.openxmlformats.org/officeDocument/2006/relationships" r:dm="rId2" r:lo="rId3" r:qs="rId4" r:cs="rId5"/>
+          </a:graphicData>
+        </a:graphic>
+      </p:graphicFrame>
+      <p:sp>
+        <p:nvSpPr>
+          <p:cNvPr id="3" name="Footer Placeholder 2"/>
+          <p:cNvSpPr>
+            <a:spLocks noGrp="1"/>
+          </p:cNvSpPr>
+          <p:nvPr>
+            <p:ph type="ftr" sz="quarter" idx="11"/>
+          </p:nvPr>
+        </p:nvSpPr>
+        <p:spPr/>
+        <p:txBody>
+          <a:bodyPr/>
+          <a:lstStyle/>
+          <a:p>
+            <a:r>
+              <a:rPr lang="en-GB" smtClean="0"/>
+              <a:t>MJ2380-2381 2020</a:t>
+            </a:r>
+            <a:endParaRPr lang="en-GB" dirty="0"/>
+          </a:p>
+        </p:txBody>
+      </p:sp>
+      <p:sp>
+        <p:nvSpPr>
+          <p:cNvPr id="4" name="Slide Number Placeholder 3"/>
+          <p:cNvSpPr>
+            <a:spLocks noGrp="1"/>
+          </p:cNvSpPr>
+          <p:nvPr>
+            <p:ph type="sldNum" sz="quarter" idx="12"/>
+          </p:nvPr>
+        </p:nvSpPr>
+        <p:spPr/>
+        <p:txBody>
+          <a:bodyPr/>
+          <a:lstStyle/>
+          <a:p>
+            <a:fld id="{F36C87F6-986D-49E6-AF40-1B3A1EE8064D}" type="slidenum">
+              <a:rPr lang="en-GB" smtClean="0"/>
+              <a:pPr/>
+              <a:t>11</a:t>
+            </a:fld>
+            <a:endParaRPr lang="en-GB" dirty="0"/>
+          </a:p>
+        </p:txBody>
+      </p:sp>
+      <p:sp>
+        <p:nvSpPr>
+          <p:cNvPr id="5" name="Title 4"/>
+          <p:cNvSpPr>
+            <a:spLocks noGrp="1"/>
+          </p:cNvSpPr>
+          <p:nvPr>
+            <p:ph type="title"/>
+          </p:nvPr>
+        </p:nvSpPr>
+        <p:spPr/>
+        <p:txBody>
+          <a:bodyPr/>
+          <a:lstStyle/>
+          <a:p>
+            <a:r>
+              <a:rPr lang="sv-SE" dirty="0" err="1" smtClean="0"/>
+              <a:t>Slide</a:t>
+            </a:r>
+            <a:r>
+              <a:rPr lang="sv-SE" dirty="0" smtClean="0"/>
+              <a:t> </a:t>
+            </a:r>
+            <a:r>
+              <a:rPr lang="sv-SE" dirty="0" err="1" smtClean="0"/>
+              <a:t>with</a:t>
+            </a:r>
+            <a:r>
+              <a:rPr lang="sv-SE" dirty="0" smtClean="0"/>
+              <a:t> </a:t>
+            </a:r>
+            <a:r>
+              <a:rPr lang="sv-SE" dirty="0" err="1" smtClean="0"/>
+              <a:t>one</a:t>
+            </a:r>
+            <a:r>
+              <a:rPr lang="sv-SE" dirty="0" smtClean="0"/>
+              <a:t> Smart art</a:t>
+            </a:r>
+            <a:endParaRPr lang="sv-SE" dirty="0"/>
+          </a:p>
+        </p:txBody>
+      </p:sp>
+    </p:spTree>
+    <p:extLst>
+      <p:ext uri="{BB962C8B-B14F-4D97-AF65-F5344CB8AC3E}">
+        <p14:creationId xmlns:p14="http://schemas.microsoft.com/office/powerpoint/2010/main" val="798762713"/>
+      </p:ext>
+    </p:extLst>
+  </p:cSld>
+  <p:clrMapOvr>
+    <a:masterClrMapping/>
+  </p:clrMapOvr>
+  <mc:AlternateContent xmlns:mc="http://schemas.openxmlformats.org/markup-compatibility/2006" xmlns:p14="http://schemas.microsoft.com/office/powerpoint/2010/main">
+    <mc:Choice Requires="p14">
+      <p:transition spd="med" p14:dur="700">
+        <p:fade/>
+      </p:transition>
+    </mc:Choice>
+    <mc:Fallback xmlns="">
+      <p:transition spd="med">
+        <p:fade/>
+      </p:transition>
+    </mc:Fallback>
+  </mc:AlternateContent>
+</p:sld>
+</file>
+
+<file path=ppt/slides/slide12.xml><?xml version="1.0" encoding="utf-8"?>
+<p:sld xmlns:a="http://schemas.openxmlformats.org/drawingml/2006/main" xmlns:r="http://schemas.openxmlformats.org/officeDocument/2006/relationships" xmlns:p="http://schemas.openxmlformats.org/presentationml/2006/main">
+  <p:cSld>
+    <p:spTree>
+      <p:nvGrpSpPr>
+        <p:cNvPr id="1" name=""/>
+        <p:cNvGrpSpPr/>
+        <p:nvPr/>
+      </p:nvGrpSpPr>
+      <p:grpSpPr>
+        <a:xfrm>
+          <a:off x="0" y="0"/>
+          <a:ext cx="0" cy="0"/>
+          <a:chOff x="0" y="0"/>
+          <a:chExt cx="0" cy="0"/>
+        </a:xfrm>
+      </p:grpSpPr>
+      <p:sp>
+        <p:nvSpPr>
+          <p:cNvPr id="3" name="Footer Placeholder 2"/>
+          <p:cNvSpPr>
+            <a:spLocks noGrp="1"/>
+          </p:cNvSpPr>
+          <p:nvPr>
+            <p:ph type="ftr" sz="quarter" idx="11"/>
+          </p:nvPr>
+        </p:nvSpPr>
+        <p:spPr/>
+        <p:txBody>
+          <a:bodyPr/>
+          <a:lstStyle/>
+          <a:p>
+            <a:r>
+              <a:rPr lang="en-GB" smtClean="0"/>
+              <a:t>MJ2380-2381 2020</a:t>
+            </a:r>
+            <a:endParaRPr lang="en-GB" dirty="0"/>
+          </a:p>
+        </p:txBody>
+      </p:sp>
+      <p:sp>
+        <p:nvSpPr>
+          <p:cNvPr id="4" name="Slide Number Placeholder 3"/>
+          <p:cNvSpPr>
+            <a:spLocks noGrp="1"/>
+          </p:cNvSpPr>
+          <p:nvPr>
+            <p:ph type="sldNum" sz="quarter" idx="12"/>
+          </p:nvPr>
+        </p:nvSpPr>
+        <p:spPr/>
+        <p:txBody>
+          <a:bodyPr/>
+          <a:lstStyle/>
+          <a:p>
+            <a:fld id="{F36C87F6-986D-49E6-AF40-1B3A1EE8064D}" type="slidenum">
+              <a:rPr lang="en-GB" smtClean="0"/>
+              <a:pPr/>
+              <a:t>12</a:t>
+            </a:fld>
+            <a:endParaRPr lang="en-GB" dirty="0"/>
+          </a:p>
+        </p:txBody>
+      </p:sp>
+      <p:sp>
+        <p:nvSpPr>
+          <p:cNvPr id="5" name="Title 4"/>
+          <p:cNvSpPr>
+            <a:spLocks noGrp="1"/>
+          </p:cNvSpPr>
+          <p:nvPr>
+            <p:ph type="title"/>
+          </p:nvPr>
+        </p:nvSpPr>
+        <p:spPr/>
+        <p:txBody>
+          <a:bodyPr/>
+          <a:lstStyle/>
+          <a:p>
+            <a:r>
+              <a:rPr lang="sv-SE" dirty="0" err="1" smtClean="0"/>
+              <a:t>Slide</a:t>
+            </a:r>
+            <a:r>
+              <a:rPr lang="sv-SE" dirty="0" smtClean="0"/>
+              <a:t> </a:t>
+            </a:r>
+            <a:r>
+              <a:rPr lang="sv-SE" dirty="0" err="1" smtClean="0"/>
+              <a:t>with</a:t>
+            </a:r>
+            <a:r>
+              <a:rPr lang="sv-SE" dirty="0" smtClean="0"/>
+              <a:t> </a:t>
+            </a:r>
+            <a:r>
+              <a:rPr lang="sv-SE" dirty="0" err="1" smtClean="0"/>
+              <a:t>one</a:t>
+            </a:r>
+            <a:r>
+              <a:rPr lang="sv-SE" dirty="0" smtClean="0"/>
+              <a:t> </a:t>
+            </a:r>
+            <a:r>
+              <a:rPr lang="sv-SE" dirty="0" err="1" smtClean="0"/>
+              <a:t>graph</a:t>
+            </a:r>
+            <a:endParaRPr lang="sv-SE" dirty="0"/>
+          </a:p>
+        </p:txBody>
+      </p:sp>
+      <p:graphicFrame>
+        <p:nvGraphicFramePr>
+          <p:cNvPr id="6" name="Content Placeholder 5"/>
+          <p:cNvGraphicFramePr>
+            <a:graphicFrameLocks noGrp="1"/>
+          </p:cNvGraphicFramePr>
+          <p:nvPr>
+            <p:ph idx="1"/>
+            <p:extLst>
+              <p:ext uri="{D42A27DB-BD31-4B8C-83A1-F6EECF244321}">
+                <p14:modId xmlns:p14="http://schemas.microsoft.com/office/powerpoint/2010/main" val="2421602425"/>
+              </p:ext>
+            </p:extLst>
+          </p:nvPr>
+        </p:nvGraphicFramePr>
+        <p:xfrm>
+          <a:off x="838200" y="1616075"/>
+          <a:ext cx="10515600" cy="4551363"/>
+        </p:xfrm>
+        <a:graphic>
+          <a:graphicData uri="http://schemas.openxmlformats.org/drawingml/2006/chart">
+            <c:chart xmlns:c="http://schemas.openxmlformats.org/drawingml/2006/chart" xmlns:r="http://schemas.openxmlformats.org/officeDocument/2006/relationships" r:id="rId2"/>
+          </a:graphicData>
+        </a:graphic>
+      </p:graphicFrame>
+    </p:spTree>
+    <p:extLst>
+      <p:ext uri="{BB962C8B-B14F-4D97-AF65-F5344CB8AC3E}">
+        <p14:creationId xmlns:p14="http://schemas.microsoft.com/office/powerpoint/2010/main" val="2133619278"/>
+      </p:ext>
+    </p:extLst>
+  </p:cSld>
+  <p:clrMapOvr>
+    <a:masterClrMapping/>
+  </p:clrMapOvr>
+  <mc:AlternateContent xmlns:mc="http://schemas.openxmlformats.org/markup-compatibility/2006" xmlns:p14="http://schemas.microsoft.com/office/powerpoint/2010/main">
+    <mc:Choice Requires="p14">
+      <p:transition spd="med" p14:dur="700">
+        <p:fade/>
+      </p:transition>
+    </mc:Choice>
+    <mc:Fallback xmlns="">
+      <p:transition spd="med">
+        <p:fade/>
+      </p:transition>
+    </mc:Fallback>
+  </mc:AlternateContent>
+</p:sld>
+</file>
+
+<file path=ppt/slides/slide13.xml><?xml version="1.0" encoding="utf-8"?>
+<p:sld xmlns:a="http://schemas.openxmlformats.org/drawingml/2006/main" xmlns:r="http://schemas.openxmlformats.org/officeDocument/2006/relationships" xmlns:p="http://schemas.openxmlformats.org/presentationml/2006/main">
+  <p:cSld>
+    <p:spTree>
+      <p:nvGrpSpPr>
+        <p:cNvPr id="1" name=""/>
+        <p:cNvGrpSpPr/>
+        <p:nvPr/>
+      </p:nvGrpSpPr>
+      <p:grpSpPr>
+        <a:xfrm>
+          <a:off x="0" y="0"/>
+          <a:ext cx="0" cy="0"/>
+          <a:chOff x="0" y="0"/>
+          <a:chExt cx="0" cy="0"/>
+        </a:xfrm>
+      </p:grpSpPr>
+      <p:sp>
+        <p:nvSpPr>
+          <p:cNvPr id="3" name="Footer Placeholder 2"/>
+          <p:cNvSpPr>
+            <a:spLocks noGrp="1"/>
+          </p:cNvSpPr>
+          <p:nvPr>
+            <p:ph type="ftr" sz="quarter" idx="11"/>
+          </p:nvPr>
+        </p:nvSpPr>
+        <p:spPr/>
+        <p:txBody>
+          <a:bodyPr/>
+          <a:lstStyle/>
+          <a:p>
+            <a:r>
+              <a:rPr lang="en-GB" smtClean="0"/>
+              <a:t>MJ2380-2381 2020</a:t>
+            </a:r>
+            <a:endParaRPr lang="en-GB" dirty="0"/>
+          </a:p>
+        </p:txBody>
+      </p:sp>
+      <p:sp>
+        <p:nvSpPr>
+          <p:cNvPr id="4" name="Slide Number Placeholder 3"/>
+          <p:cNvSpPr>
+            <a:spLocks noGrp="1"/>
+          </p:cNvSpPr>
+          <p:nvPr>
+            <p:ph type="sldNum" sz="quarter" idx="12"/>
+          </p:nvPr>
+        </p:nvSpPr>
+        <p:spPr/>
+        <p:txBody>
+          <a:bodyPr/>
+          <a:lstStyle/>
+          <a:p>
+            <a:fld id="{F36C87F6-986D-49E6-AF40-1B3A1EE8064D}" type="slidenum">
+              <a:rPr lang="en-GB" smtClean="0"/>
+              <a:pPr/>
+              <a:t>13</a:t>
+            </a:fld>
+            <a:endParaRPr lang="en-GB" dirty="0"/>
+          </a:p>
+        </p:txBody>
+      </p:sp>
+      <p:sp>
+        <p:nvSpPr>
+          <p:cNvPr id="5" name="Title 4"/>
+          <p:cNvSpPr>
+            <a:spLocks noGrp="1"/>
+          </p:cNvSpPr>
+          <p:nvPr>
+            <p:ph type="title"/>
+          </p:nvPr>
+        </p:nvSpPr>
+        <p:spPr/>
+        <p:txBody>
+          <a:bodyPr/>
+          <a:lstStyle/>
+          <a:p>
+            <a:r>
+              <a:rPr lang="sv-SE" dirty="0" err="1" smtClean="0"/>
+              <a:t>Some</a:t>
+            </a:r>
+            <a:r>
+              <a:rPr lang="sv-SE" dirty="0" smtClean="0"/>
+              <a:t> text and </a:t>
+            </a:r>
+            <a:r>
+              <a:rPr lang="sv-SE" dirty="0" err="1" smtClean="0"/>
+              <a:t>one</a:t>
+            </a:r>
+            <a:r>
+              <a:rPr lang="sv-SE" dirty="0" smtClean="0"/>
+              <a:t> </a:t>
+            </a:r>
+            <a:r>
+              <a:rPr lang="sv-SE" dirty="0" err="1" smtClean="0"/>
+              <a:t>shape</a:t>
+            </a:r>
+            <a:endParaRPr lang="sv-SE" dirty="0"/>
+          </a:p>
+        </p:txBody>
+      </p:sp>
+      <p:sp>
+        <p:nvSpPr>
+          <p:cNvPr id="6" name="Content Placeholder 1"/>
+          <p:cNvSpPr txBox="1">
+            <a:spLocks/>
+          </p:cNvSpPr>
+          <p:nvPr/>
+        </p:nvSpPr>
+        <p:spPr>
+          <a:xfrm>
+            <a:off x="1197559" y="3155399"/>
+            <a:ext cx="5770400" cy="449153"/>
+          </a:xfrm>
+          <a:prstGeom prst="rect">
+            <a:avLst/>
+          </a:prstGeom>
+        </p:spPr>
+        <p:txBody>
+          <a:bodyPr vert="horz" lIns="91440" tIns="45720" rIns="91440" bIns="45720" rtlCol="0">
+            <a:noAutofit/>
+          </a:bodyPr>
+          <a:lstStyle>
+            <a:lvl1pPr marL="0" indent="0" algn="l" defTabSz="914400" rtl="0" eaLnBrk="1" latinLnBrk="0" hangingPunct="1">
+              <a:lnSpc>
+                <a:spcPct val="90000"/>
+              </a:lnSpc>
+              <a:spcBef>
+                <a:spcPts val="1000"/>
+              </a:spcBef>
+              <a:buFont typeface="Arial" panose="020B0604020202020204" pitchFamily="34" charset="0"/>
+              <a:buNone/>
+              <a:defRPr sz="2800" kern="1200" spc="-150">
+                <a:solidFill>
+                  <a:schemeClr val="tx1"/>
+                </a:solidFill>
+                <a:latin typeface="+mn-lt"/>
+                <a:ea typeface="+mn-ea"/>
+                <a:cs typeface="+mn-cs"/>
+              </a:defRPr>
+            </a:lvl1pPr>
+            <a:lvl2pPr marL="685800" indent="-228600" algn="l" defTabSz="914400" rtl="0" eaLnBrk="1" latinLnBrk="0" hangingPunct="1">
+              <a:lnSpc>
+                <a:spcPct val="90000"/>
+              </a:lnSpc>
+              <a:spcBef>
+                <a:spcPts val="500"/>
+              </a:spcBef>
+              <a:buFont typeface="Arial" panose="020B0604020202020204" pitchFamily="34" charset="0"/>
+              <a:buChar char="•"/>
+              <a:defRPr sz="2400" kern="1200" spc="-150">
+                <a:solidFill>
+                  <a:schemeClr val="tx1"/>
+                </a:solidFill>
+                <a:latin typeface="+mn-lt"/>
+                <a:ea typeface="+mn-ea"/>
+                <a:cs typeface="+mn-cs"/>
+              </a:defRPr>
+            </a:lvl2pPr>
+            <a:lvl3pPr marL="1143000" indent="-228600" algn="l" defTabSz="914400" rtl="0" eaLnBrk="1" latinLnBrk="0" hangingPunct="1">
+              <a:lnSpc>
+                <a:spcPct val="90000"/>
+              </a:lnSpc>
+              <a:spcBef>
+                <a:spcPts val="500"/>
+              </a:spcBef>
+              <a:buFont typeface="Arial" panose="020B0604020202020204" pitchFamily="34" charset="0"/>
+              <a:buChar char="•"/>
+              <a:defRPr sz="2000" kern="1200" spc="-150">
+                <a:solidFill>
+                  <a:schemeClr val="tx1"/>
+                </a:solidFill>
+                <a:latin typeface="+mn-lt"/>
+                <a:ea typeface="+mn-ea"/>
+                <a:cs typeface="+mn-cs"/>
+              </a:defRPr>
+            </a:lvl3pPr>
+            <a:lvl4pPr marL="1600200" indent="-228600" algn="l" defTabSz="914400" rtl="0" eaLnBrk="1" latinLnBrk="0" hangingPunct="1">
+              <a:lnSpc>
+                <a:spcPct val="90000"/>
+              </a:lnSpc>
+              <a:spcBef>
+                <a:spcPts val="500"/>
+              </a:spcBef>
+              <a:buFont typeface="Arial" panose="020B0604020202020204" pitchFamily="34" charset="0"/>
+              <a:buChar char="•"/>
+              <a:defRPr sz="1800" kern="1200" spc="-150">
+                <a:solidFill>
+                  <a:schemeClr val="tx1"/>
+                </a:solidFill>
+                <a:latin typeface="+mn-lt"/>
+                <a:ea typeface="+mn-ea"/>
+                <a:cs typeface="+mn-cs"/>
+              </a:defRPr>
+            </a:lvl4pPr>
+            <a:lvl5pPr marL="2057400" indent="-228600" algn="l" defTabSz="914400" rtl="0" eaLnBrk="1" latinLnBrk="0" hangingPunct="1">
+              <a:lnSpc>
+                <a:spcPct val="90000"/>
+              </a:lnSpc>
+              <a:spcBef>
+                <a:spcPts val="500"/>
+              </a:spcBef>
+              <a:buFont typeface="Arial" panose="020B0604020202020204" pitchFamily="34" charset="0"/>
+              <a:buChar char="•"/>
+              <a:defRPr sz="1800" kern="1200" spc="-150">
+                <a:solidFill>
+                  <a:schemeClr val="tx1"/>
+                </a:solidFill>
+                <a:latin typeface="+mn-lt"/>
+                <a:ea typeface="+mn-ea"/>
+                <a:cs typeface="+mn-cs"/>
+              </a:defRPr>
+            </a:lvl5pPr>
+            <a:lvl6pPr marL="2514600" indent="-228600" algn="l" defTabSz="914400" rtl="0" eaLnBrk="1" latinLnBrk="0" hangingPunct="1">
+              <a:lnSpc>
+                <a:spcPct val="90000"/>
+              </a:lnSpc>
+              <a:spcBef>
+                <a:spcPts val="500"/>
+              </a:spcBef>
+              <a:buFont typeface="Arial" panose="020B0604020202020204" pitchFamily="34" charset="0"/>
+              <a:buChar char="•"/>
+              <a:defRPr sz="1800" kern="1200">
+                <a:solidFill>
+                  <a:schemeClr val="tx1"/>
+                </a:solidFill>
+                <a:latin typeface="+mn-lt"/>
+                <a:ea typeface="+mn-ea"/>
+                <a:cs typeface="+mn-cs"/>
+              </a:defRPr>
+            </a:lvl6pPr>
+            <a:lvl7pPr marL="2971800" indent="-228600" algn="l" defTabSz="914400" rtl="0" eaLnBrk="1" latinLnBrk="0" hangingPunct="1">
+              <a:lnSpc>
+                <a:spcPct val="90000"/>
+              </a:lnSpc>
+              <a:spcBef>
+                <a:spcPts val="500"/>
+              </a:spcBef>
+              <a:buFont typeface="Arial" panose="020B0604020202020204" pitchFamily="34" charset="0"/>
+              <a:buChar char="•"/>
+              <a:defRPr sz="1800" kern="1200">
+                <a:solidFill>
+                  <a:schemeClr val="tx1"/>
+                </a:solidFill>
+                <a:latin typeface="+mn-lt"/>
+                <a:ea typeface="+mn-ea"/>
+                <a:cs typeface="+mn-cs"/>
+              </a:defRPr>
+            </a:lvl7pPr>
+            <a:lvl8pPr marL="3429000" indent="-228600" algn="l" defTabSz="914400" rtl="0" eaLnBrk="1" latinLnBrk="0" hangingPunct="1">
+              <a:lnSpc>
+                <a:spcPct val="90000"/>
+              </a:lnSpc>
+              <a:spcBef>
+                <a:spcPts val="500"/>
+              </a:spcBef>
+              <a:buFont typeface="Arial" panose="020B0604020202020204" pitchFamily="34" charset="0"/>
+              <a:buChar char="•"/>
+              <a:defRPr sz="1800" kern="1200">
+                <a:solidFill>
+                  <a:schemeClr val="tx1"/>
+                </a:solidFill>
+                <a:latin typeface="+mn-lt"/>
+                <a:ea typeface="+mn-ea"/>
+                <a:cs typeface="+mn-cs"/>
+              </a:defRPr>
+            </a:lvl8pPr>
+            <a:lvl9pPr marL="3886200" indent="-228600" algn="l" defTabSz="914400" rtl="0" eaLnBrk="1" latinLnBrk="0" hangingPunct="1">
+              <a:lnSpc>
+                <a:spcPct val="90000"/>
+              </a:lnSpc>
+              <a:spcBef>
+                <a:spcPts val="500"/>
+              </a:spcBef>
+              <a:buFont typeface="Arial" panose="020B0604020202020204" pitchFamily="34" charset="0"/>
+              <a:buChar char="•"/>
+              <a:defRPr sz="1800" kern="1200">
+                <a:solidFill>
+                  <a:schemeClr val="tx1"/>
+                </a:solidFill>
+                <a:latin typeface="+mn-lt"/>
+                <a:ea typeface="+mn-ea"/>
+                <a:cs typeface="+mn-cs"/>
+              </a:defRPr>
+            </a:lvl9pPr>
+          </a:lstStyle>
+          <a:p>
+            <a:pPr>
+              <a:defRPr/>
+            </a:pPr>
+            <a:r>
+              <a:rPr lang="en-US" sz="3200" dirty="0" smtClean="0"/>
+              <a:t>Some text and one arrow on the right:</a:t>
+            </a:r>
+            <a:endParaRPr lang="en-US" sz="3200" dirty="0"/>
+          </a:p>
+        </p:txBody>
+      </p:sp>
+      <p:sp>
+        <p:nvSpPr>
+          <p:cNvPr id="7" name="Right Arrow 6"/>
+          <p:cNvSpPr/>
+          <p:nvPr/>
+        </p:nvSpPr>
+        <p:spPr>
+          <a:xfrm>
+            <a:off x="7118430" y="2961041"/>
+            <a:ext cx="1863524" cy="837867"/>
+          </a:xfrm>
+          <a:prstGeom prst="rightArrow">
+            <a:avLst/>
+          </a:prstGeom>
+        </p:spPr>
+        <p:style>
+          <a:lnRef idx="2">
+            <a:schemeClr val="accent1">
+              <a:shade val="50000"/>
+            </a:schemeClr>
+          </a:lnRef>
+          <a:fillRef idx="1">
+            <a:schemeClr val="accent1"/>
+          </a:fillRef>
+          <a:effectRef idx="0">
+            <a:schemeClr val="accent1"/>
+          </a:effectRef>
+          <a:fontRef idx="minor">
+            <a:schemeClr val="lt1"/>
+          </a:fontRef>
+        </p:style>
+        <p:txBody>
+          <a:bodyPr rtlCol="0" anchor="ctr"/>
+          <a:lstStyle/>
+          <a:p>
+            <a:pPr algn="ctr"/>
+            <a:endParaRPr lang="sv-SE"/>
+          </a:p>
+        </p:txBody>
+      </p:sp>
+    </p:spTree>
+    <p:extLst>
+      <p:ext uri="{BB962C8B-B14F-4D97-AF65-F5344CB8AC3E}">
+        <p14:creationId xmlns:p14="http://schemas.microsoft.com/office/powerpoint/2010/main" val="239152075"/>
+      </p:ext>
+    </p:extLst>
+  </p:cSld>
+  <p:clrMapOvr>
+    <a:masterClrMapping/>
+  </p:clrMapOvr>
+  <mc:AlternateContent xmlns:mc="http://schemas.openxmlformats.org/markup-compatibility/2006" xmlns:p14="http://schemas.microsoft.com/office/powerpoint/2010/main">
+    <mc:Choice Requires="p14">
+      <p:transition spd="med" p14:dur="700">
+        <p:fade/>
+      </p:transition>
+    </mc:Choice>
+    <mc:Fallback xmlns="">
+      <p:transition spd="med">
+        <p:fade/>
+      </p:transition>
+    </mc:Fallback>
+  </mc:AlternateContent>
+</p:sld>
+</file>
+
+<file path=ppt/slides/slide14.xml><?xml version="1.0" encoding="utf-8"?>
+<p:sld xmlns:a="http://schemas.openxmlformats.org/drawingml/2006/main" xmlns:r="http://schemas.openxmlformats.org/officeDocument/2006/relationships" xmlns:p="http://schemas.openxmlformats.org/presentationml/2006/main">
+  <p:cSld>
+    <p:spTree>
+      <p:nvGrpSpPr>
+        <p:cNvPr id="1" name=""/>
+        <p:cNvGrpSpPr/>
+        <p:nvPr/>
+      </p:nvGrpSpPr>
+      <p:grpSpPr>
+        <a:xfrm>
+          <a:off x="0" y="0"/>
+          <a:ext cx="0" cy="0"/>
+          <a:chOff x="0" y="0"/>
+          <a:chExt cx="0" cy="0"/>
+        </a:xfrm>
+      </p:grpSpPr>
+      <p:sp>
+        <p:nvSpPr>
+          <p:cNvPr id="2" name="Content Placeholder 1"/>
+          <p:cNvSpPr>
+            <a:spLocks noGrp="1"/>
+          </p:cNvSpPr>
+          <p:nvPr>
+            <p:ph idx="1"/>
+          </p:nvPr>
+        </p:nvSpPr>
+        <p:spPr/>
+        <p:txBody>
+          <a:bodyPr/>
+          <a:lstStyle/>
+          <a:p>
+            <a:pPr marL="457200" indent="-457200">
+              <a:buFont typeface="Arial" panose="020B0604020202020204" pitchFamily="34" charset="0"/>
+              <a:buChar char="•"/>
+            </a:pPr>
+            <a:r>
+              <a:rPr lang="en-US" dirty="0"/>
+              <a:t>The energy system is a complicated network of processes and flows</a:t>
+            </a:r>
+          </a:p>
+          <a:p>
+            <a:pPr marL="457200" indent="-457200">
+              <a:buFont typeface="Arial" panose="020B0604020202020204" pitchFamily="34" charset="0"/>
+              <a:buChar char="•"/>
+            </a:pPr>
+            <a:r>
+              <a:rPr lang="en-US" dirty="0"/>
+              <a:t>Models are a useful tool to understand the energy system and formulate sound energy policies</a:t>
+            </a:r>
+          </a:p>
+          <a:p>
+            <a:pPr marL="457200" indent="-457200">
+              <a:buFont typeface="Arial" panose="020B0604020202020204" pitchFamily="34" charset="0"/>
+              <a:buChar char="•"/>
+            </a:pPr>
+            <a:r>
+              <a:rPr lang="en-US" dirty="0"/>
+              <a:t>Energy models provide </a:t>
+            </a:r>
+            <a:r>
+              <a:rPr lang="en-US" b="1" dirty="0"/>
+              <a:t>insights for energy policies, not numbers</a:t>
+            </a:r>
+          </a:p>
+          <a:p>
+            <a:pPr marL="457200" indent="-457200">
+              <a:buFont typeface="Arial" panose="020B0604020202020204" pitchFamily="34" charset="0"/>
+              <a:buChar char="•"/>
+            </a:pPr>
+            <a:r>
+              <a:rPr lang="en-US" dirty="0"/>
+              <a:t>Modelling tools can be categorized into top-down and bottom-up. We will look at one type of bottom-up tools: </a:t>
+            </a:r>
+            <a:r>
+              <a:rPr lang="en-US" b="1" dirty="0"/>
+              <a:t>optimization tools</a:t>
+            </a:r>
+          </a:p>
+        </p:txBody>
+      </p:sp>
+      <p:sp>
+        <p:nvSpPr>
+          <p:cNvPr id="5" name="Slide Number Placeholder 4"/>
+          <p:cNvSpPr>
+            <a:spLocks noGrp="1"/>
+          </p:cNvSpPr>
+          <p:nvPr>
+            <p:ph type="sldNum" sz="quarter" idx="12"/>
+          </p:nvPr>
+        </p:nvSpPr>
+        <p:spPr/>
+        <p:txBody>
+          <a:bodyPr/>
+          <a:lstStyle/>
+          <a:p>
+            <a:fld id="{A0B7FA9A-6BCF-4CFA-8685-B7A43319A6CD}" type="slidenum">
+              <a:rPr lang="en-GB" smtClean="0"/>
+              <a:pPr/>
+              <a:t>14</a:t>
+            </a:fld>
+            <a:endParaRPr lang="en-GB" dirty="0"/>
+          </a:p>
+        </p:txBody>
+      </p:sp>
+      <p:sp>
+        <p:nvSpPr>
+          <p:cNvPr id="6" name="Title 5"/>
+          <p:cNvSpPr>
+            <a:spLocks noGrp="1"/>
+          </p:cNvSpPr>
+          <p:nvPr>
+            <p:ph type="title"/>
+          </p:nvPr>
+        </p:nvSpPr>
+        <p:spPr/>
+        <p:txBody>
+          <a:bodyPr/>
+          <a:lstStyle/>
+          <a:p>
+            <a:r>
+              <a:rPr lang="sv-SE" dirty="0" err="1"/>
+              <a:t>Key</a:t>
+            </a:r>
+            <a:r>
+              <a:rPr lang="sv-SE" dirty="0"/>
+              <a:t> </a:t>
+            </a:r>
+            <a:r>
+              <a:rPr lang="sv-SE" dirty="0" err="1"/>
+              <a:t>take</a:t>
+            </a:r>
+            <a:r>
+              <a:rPr lang="sv-SE" dirty="0"/>
+              <a:t> </a:t>
+            </a:r>
+            <a:r>
+              <a:rPr lang="sv-SE" dirty="0" err="1"/>
+              <a:t>away</a:t>
+            </a:r>
+            <a:r>
+              <a:rPr lang="sv-SE" dirty="0"/>
+              <a:t> </a:t>
+            </a:r>
+            <a:r>
+              <a:rPr lang="sv-SE" dirty="0" err="1"/>
+              <a:t>messages</a:t>
+            </a:r>
+            <a:endParaRPr lang="sv-SE" dirty="0"/>
+          </a:p>
+        </p:txBody>
+      </p:sp>
+      <p:sp>
+        <p:nvSpPr>
+          <p:cNvPr id="7" name="Footer Placeholder 4"/>
+          <p:cNvSpPr>
+            <a:spLocks noGrp="1"/>
+          </p:cNvSpPr>
+          <p:nvPr>
+            <p:ph type="ftr" sz="quarter" idx="11"/>
+          </p:nvPr>
+        </p:nvSpPr>
+        <p:spPr>
+          <a:xfrm>
+            <a:off x="4038600" y="6356350"/>
+            <a:ext cx="4114800" cy="365125"/>
+          </a:xfrm>
+        </p:spPr>
+        <p:txBody>
+          <a:bodyPr/>
+          <a:lstStyle/>
+          <a:p>
+            <a:r>
+              <a:rPr lang="en-GB" smtClean="0"/>
+              <a:t>MJ2380-2381 2020</a:t>
+            </a:r>
+            <a:endParaRPr lang="en-GB" dirty="0"/>
+          </a:p>
+        </p:txBody>
+      </p:sp>
+    </p:spTree>
+    <p:extLst>
+      <p:ext uri="{BB962C8B-B14F-4D97-AF65-F5344CB8AC3E}">
+        <p14:creationId xmlns:p14="http://schemas.microsoft.com/office/powerpoint/2010/main" val="2837304566"/>
+      </p:ext>
+    </p:extLst>
+  </p:cSld>
+  <p:clrMapOvr>
+    <a:masterClrMapping/>
+  </p:clrMapOvr>
+  <mc:AlternateContent xmlns:mc="http://schemas.openxmlformats.org/markup-compatibility/2006" xmlns:p14="http://schemas.microsoft.com/office/powerpoint/2010/main">
+    <mc:Choice Requires="p14">
+      <p:transition spd="med" p14:dur="700">
+        <p:fade/>
+      </p:transition>
+    </mc:Choice>
+    <mc:Fallback xmlns="">
+      <p:transition spd="med">
+        <p:fade/>
+      </p:transition>
+    </mc:Fallback>
+  </mc:AlternateContent>
+  <p:timing>
+    <p:tnLst>
+      <p:par>
+        <p:cTn id="1" dur="indefinite" restart="never" nodeType="tmRoot"/>
+      </p:par>
+    </p:tnLst>
+  </p:timing>
+</p:sld>
+</file>
+
+<file path=ppt/slides/slide15.xml><?xml version="1.0" encoding="utf-8"?>
+<p:sld xmlns:a="http://schemas.openxmlformats.org/drawingml/2006/main" xmlns:r="http://schemas.openxmlformats.org/officeDocument/2006/relationships" xmlns:p="http://schemas.openxmlformats.org/presentationml/2006/main">
+  <p:cSld>
+    <p:spTree>
+      <p:nvGrpSpPr>
+        <p:cNvPr id="1" name=""/>
+        <p:cNvGrpSpPr/>
+        <p:nvPr/>
+      </p:nvGrpSpPr>
+      <p:grpSpPr>
+        <a:xfrm>
+          <a:off x="0" y="0"/>
+          <a:ext cx="0" cy="0"/>
+          <a:chOff x="0" y="0"/>
+          <a:chExt cx="0" cy="0"/>
+        </a:xfrm>
+      </p:grpSpPr>
+      <p:sp>
+        <p:nvSpPr>
+          <p:cNvPr id="2" name="Content Placeholder 1"/>
+          <p:cNvSpPr>
+            <a:spLocks noGrp="1"/>
+          </p:cNvSpPr>
+          <p:nvPr>
+            <p:ph idx="1"/>
+          </p:nvPr>
+        </p:nvSpPr>
+        <p:spPr/>
+        <p:txBody>
+          <a:bodyPr/>
+          <a:lstStyle/>
+          <a:p>
+            <a:pPr marL="285750" lvl="1" indent="-285750">
+              <a:spcAft>
+                <a:spcPct val="50000"/>
+              </a:spcAft>
+            </a:pPr>
+            <a:r>
+              <a:rPr lang="sv-SE" dirty="0"/>
+              <a:t>Modelling for insights, not numbers - Huntington et al.  (1982): </a:t>
+            </a:r>
+            <a:r>
+              <a:rPr lang="sv-SE" dirty="0">
+                <a:hlinkClick r:id="rId3"/>
+              </a:rPr>
+              <a:t>https://www.sciencedirect.com/science/article/pii/0305048382900020</a:t>
+            </a:r>
+            <a:r>
+              <a:rPr lang="sv-SE" dirty="0"/>
+              <a:t> </a:t>
+            </a:r>
+          </a:p>
+          <a:p>
+            <a:pPr marL="285750" lvl="1" indent="-285750">
+              <a:spcAft>
+                <a:spcPct val="50000"/>
+              </a:spcAft>
+            </a:pPr>
+            <a:r>
+              <a:rPr lang="sv-SE" dirty="0"/>
+              <a:t>Categorisation of modelling tools – Herbst et al. (2012): </a:t>
+            </a:r>
+            <a:r>
+              <a:rPr lang="sv-SE" dirty="0">
+                <a:hlinkClick r:id="rId4"/>
+              </a:rPr>
+              <a:t>https://link.springer.com/content/pdf/10.1007%2FBF03399363.pdf</a:t>
+            </a:r>
+            <a:r>
+              <a:rPr lang="sv-SE" dirty="0"/>
+              <a:t> </a:t>
+            </a:r>
+          </a:p>
+          <a:p>
+            <a:pPr marL="285750" lvl="1" indent="-285750">
+              <a:spcAft>
+                <a:spcPct val="50000"/>
+              </a:spcAft>
+            </a:pPr>
+            <a:r>
+              <a:rPr lang="sv-SE" dirty="0"/>
+              <a:t>Review of different categorisation methods – Müller et al. (2018): </a:t>
+            </a:r>
+            <a:r>
+              <a:rPr lang="sv-SE" dirty="0">
+                <a:hlinkClick r:id="rId5"/>
+              </a:rPr>
+              <a:t>https://www.sciencedirect.com/science/article/pii/S2211467X18300154</a:t>
+            </a:r>
+            <a:r>
+              <a:rPr lang="sv-SE" dirty="0"/>
+              <a:t> </a:t>
+            </a:r>
+          </a:p>
+        </p:txBody>
+      </p:sp>
+      <p:sp>
+        <p:nvSpPr>
+          <p:cNvPr id="5" name="Slide Number Placeholder 4"/>
+          <p:cNvSpPr>
+            <a:spLocks noGrp="1"/>
+          </p:cNvSpPr>
+          <p:nvPr>
+            <p:ph type="sldNum" sz="quarter" idx="12"/>
+          </p:nvPr>
+        </p:nvSpPr>
+        <p:spPr/>
+        <p:txBody>
+          <a:bodyPr/>
+          <a:lstStyle/>
+          <a:p>
+            <a:fld id="{A0B7FA9A-6BCF-4CFA-8685-B7A43319A6CD}" type="slidenum">
+              <a:rPr lang="en-GB" smtClean="0"/>
+              <a:pPr/>
+              <a:t>15</a:t>
+            </a:fld>
+            <a:endParaRPr lang="en-GB" dirty="0"/>
+          </a:p>
+        </p:txBody>
+      </p:sp>
+      <p:sp>
+        <p:nvSpPr>
+          <p:cNvPr id="6" name="Title 5"/>
+          <p:cNvSpPr>
+            <a:spLocks noGrp="1"/>
+          </p:cNvSpPr>
+          <p:nvPr>
+            <p:ph type="title"/>
+          </p:nvPr>
+        </p:nvSpPr>
+        <p:spPr/>
+        <p:txBody>
+          <a:bodyPr/>
+          <a:lstStyle/>
+          <a:p>
+            <a:r>
+              <a:rPr lang="sv-SE" dirty="0"/>
+              <a:t>Reading material</a:t>
+            </a:r>
+          </a:p>
+        </p:txBody>
+      </p:sp>
+      <p:sp>
+        <p:nvSpPr>
+          <p:cNvPr id="7" name="Footer Placeholder 4"/>
+          <p:cNvSpPr>
+            <a:spLocks noGrp="1"/>
+          </p:cNvSpPr>
+          <p:nvPr>
+            <p:ph type="ftr" sz="quarter" idx="11"/>
+          </p:nvPr>
+        </p:nvSpPr>
+        <p:spPr>
+          <a:xfrm>
+            <a:off x="4038600" y="6356350"/>
+            <a:ext cx="4114800" cy="365125"/>
+          </a:xfrm>
+        </p:spPr>
+        <p:txBody>
+          <a:bodyPr/>
+          <a:lstStyle/>
+          <a:p>
+            <a:r>
+              <a:rPr lang="en-GB" smtClean="0"/>
+              <a:t>MJ2380-2381 2020</a:t>
+            </a:r>
+            <a:endParaRPr lang="en-GB" dirty="0"/>
+          </a:p>
+        </p:txBody>
+      </p:sp>
+    </p:spTree>
+    <p:extLst>
+      <p:ext uri="{BB962C8B-B14F-4D97-AF65-F5344CB8AC3E}">
+        <p14:creationId xmlns:p14="http://schemas.microsoft.com/office/powerpoint/2010/main" val="1208241015"/>
+      </p:ext>
+    </p:extLst>
+  </p:cSld>
+  <p:clrMapOvr>
+    <a:masterClrMapping/>
+  </p:clrMapOvr>
+  <mc:AlternateContent xmlns:mc="http://schemas.openxmlformats.org/markup-compatibility/2006" xmlns:p14="http://schemas.microsoft.com/office/powerpoint/2010/main">
+    <mc:Choice Requires="p14">
+      <p:transition spd="med" p14:dur="700">
+        <p:fade/>
+      </p:transition>
+    </mc:Choice>
+    <mc:Fallback xmlns="">
+      <p:transition spd="med">
+        <p:fade/>
+      </p:transition>
+    </mc:Fallback>
+  </mc:AlternateContent>
+  <p:timing>
+    <p:tnLst>
+      <p:par>
+        <p:cTn id="1" dur="indefinite" restart="never" nodeType="tmRoot"/>
+      </p:par>
+    </p:tnLst>
+  </p:timing>
+</p:sld>
+</file>
+
+<file path=ppt/slides/slide16.xml><?xml version="1.0" encoding="utf-8"?>
+<p:sld xmlns:a="http://schemas.openxmlformats.org/drawingml/2006/main" xmlns:r="http://schemas.openxmlformats.org/officeDocument/2006/relationships" xmlns:p="http://schemas.openxmlformats.org/presentationml/2006/main">
+  <p:cSld>
+    <p:spTree>
+      <p:nvGrpSpPr>
+        <p:cNvPr id="1" name=""/>
+        <p:cNvGrpSpPr/>
+        <p:nvPr/>
+      </p:nvGrpSpPr>
+      <p:grpSpPr>
+        <a:xfrm>
+          <a:off x="0" y="0"/>
+          <a:ext cx="0" cy="0"/>
+          <a:chOff x="0" y="0"/>
+          <a:chExt cx="0" cy="0"/>
+        </a:xfrm>
+      </p:grpSpPr>
+      <p:sp>
+        <p:nvSpPr>
+          <p:cNvPr id="3" name="Title 2"/>
+          <p:cNvSpPr>
+            <a:spLocks noGrp="1"/>
+          </p:cNvSpPr>
+          <p:nvPr>
+            <p:ph type="ctrTitle"/>
+          </p:nvPr>
+        </p:nvSpPr>
+        <p:spPr/>
+        <p:txBody>
+          <a:bodyPr/>
+          <a:lstStyle/>
+          <a:p>
+            <a:r>
+              <a:rPr lang="sv-SE" dirty="0" err="1" smtClean="0"/>
+              <a:t>Thank</a:t>
+            </a:r>
+            <a:r>
+              <a:rPr lang="sv-SE" dirty="0" smtClean="0"/>
+              <a:t> </a:t>
+            </a:r>
+            <a:r>
+              <a:rPr lang="sv-SE" dirty="0"/>
+              <a:t>you</a:t>
+            </a:r>
+            <a:endParaRPr lang="es-US" dirty="0"/>
+          </a:p>
+        </p:txBody>
+      </p:sp>
+      <p:sp>
+        <p:nvSpPr>
+          <p:cNvPr id="4" name="Subtitle 3"/>
+          <p:cNvSpPr>
+            <a:spLocks noGrp="1"/>
+          </p:cNvSpPr>
+          <p:nvPr>
+            <p:ph type="subTitle" idx="1"/>
+          </p:nvPr>
+        </p:nvSpPr>
+        <p:spPr>
+          <a:xfrm>
+            <a:off x="718457" y="3880884"/>
+            <a:ext cx="9949543" cy="1881963"/>
+          </a:xfrm>
+        </p:spPr>
+        <p:txBody>
+          <a:bodyPr>
+            <a:normAutofit/>
+          </a:bodyPr>
+          <a:lstStyle/>
+          <a:p>
+            <a:r>
+              <a:rPr lang="sv-SE" altLang="en-US" sz="2800" b="1" dirty="0"/>
+              <a:t>For questions: </a:t>
+            </a:r>
+            <a:r>
+              <a:rPr lang="sv-SE" altLang="en-US" sz="2800" b="1" dirty="0">
+                <a:hlinkClick r:id="rId2"/>
+              </a:rPr>
+              <a:t>gardumi@kth.se</a:t>
+            </a:r>
+            <a:r>
+              <a:rPr lang="sv-SE" altLang="en-US" sz="2800" b="1" dirty="0"/>
+              <a:t> </a:t>
+            </a:r>
+            <a:endParaRPr lang="en-US" altLang="en-US" sz="2800" b="1" dirty="0"/>
+          </a:p>
+        </p:txBody>
+      </p:sp>
+      <p:sp>
+        <p:nvSpPr>
+          <p:cNvPr id="6" name="Slide Number Placeholder 5"/>
+          <p:cNvSpPr>
+            <a:spLocks noGrp="1"/>
+          </p:cNvSpPr>
+          <p:nvPr>
+            <p:ph type="sldNum" sz="quarter" idx="12"/>
+          </p:nvPr>
+        </p:nvSpPr>
+        <p:spPr/>
+        <p:txBody>
+          <a:bodyPr/>
+          <a:lstStyle/>
+          <a:p>
+            <a:fld id="{F83796EF-F308-4D82-909E-949C5A4A03EB}" type="slidenum">
+              <a:rPr lang="en-GB" sz="1400" smtClean="0">
+                <a:solidFill>
+                  <a:prstClr val="black"/>
+                </a:solidFill>
+              </a:rPr>
+              <a:pPr/>
+              <a:t>16</a:t>
+            </a:fld>
+            <a:endParaRPr lang="en-GB" sz="1400" dirty="0">
+              <a:solidFill>
+                <a:prstClr val="black"/>
+              </a:solidFill>
+            </a:endParaRPr>
+          </a:p>
+        </p:txBody>
+      </p:sp>
+      <p:sp>
+        <p:nvSpPr>
+          <p:cNvPr id="2" name="Footer Placeholder 1">
+            <a:extLst>
+              <a:ext uri="{FF2B5EF4-FFF2-40B4-BE49-F238E27FC236}">
+                <a16:creationId xmlns:a16="http://schemas.microsoft.com/office/drawing/2014/main" id="{8A839441-B275-4E04-9806-1C06D9B6EC0E}"/>
+              </a:ext>
+            </a:extLst>
+          </p:cNvPr>
+          <p:cNvSpPr>
+            <a:spLocks noGrp="1"/>
+          </p:cNvSpPr>
+          <p:nvPr>
+            <p:ph type="ftr" sz="quarter" idx="11"/>
+          </p:nvPr>
+        </p:nvSpPr>
+        <p:spPr/>
+        <p:txBody>
+          <a:bodyPr/>
+          <a:lstStyle/>
+          <a:p>
+            <a:r>
+              <a:rPr lang="sv-SE" smtClean="0">
+                <a:solidFill>
+                  <a:prstClr val="black"/>
+                </a:solidFill>
+              </a:rPr>
+              <a:t>MJ2380-2381 2020</a:t>
+            </a:r>
+            <a:endParaRPr lang="sv-SE" dirty="0">
+              <a:solidFill>
+                <a:prstClr val="black"/>
+              </a:solidFill>
+            </a:endParaRPr>
+          </a:p>
+        </p:txBody>
+      </p:sp>
+    </p:spTree>
+    <p:extLst>
+      <p:ext uri="{BB962C8B-B14F-4D97-AF65-F5344CB8AC3E}">
+        <p14:creationId xmlns:p14="http://schemas.microsoft.com/office/powerpoint/2010/main" val="4208282430"/>
+      </p:ext>
+    </p:extLst>
+  </p:cSld>
+  <p:clrMapOvr>
+    <a:masterClrMapping/>
+  </p:clrMapOvr>
+  <mc:AlternateContent xmlns:mc="http://schemas.openxmlformats.org/markup-compatibility/2006" xmlns:p14="http://schemas.microsoft.com/office/powerpoint/2010/main">
+    <mc:Choice Requires="p14">
+      <p:transition spd="med" p14:dur="700">
+        <p:fade/>
+      </p:transition>
+    </mc:Choice>
+    <mc:Fallback xmlns="">
+      <p:transition spd="med">
+        <p:fade/>
+      </p:transition>
+    </mc:Fallback>
+  </mc:AlternateContent>
+  <p:timing>
+    <p:tnLst>
+      <p:par>
+        <p:cTn id="1" dur="indefinite" restart="never" nodeType="tmRoot"/>
+      </p:par>
+    </p:tnLst>
+  </p:timing>
+</p:sld>
+</file>
+
+<file path=ppt/slides/slide2.xml><?xml version="1.0" encoding="utf-8"?>
+<p:sld xmlns:a="http://schemas.openxmlformats.org/drawingml/2006/main" xmlns:r="http://schemas.openxmlformats.org/officeDocument/2006/relationships" xmlns:p="http://schemas.openxmlformats.org/presentationml/2006/main">
+  <p:cSld>
+    <p:spTree>
+      <p:nvGrpSpPr>
+        <p:cNvPr id="1" name=""/>
+        <p:cNvGrpSpPr/>
+        <p:nvPr/>
+      </p:nvGrpSpPr>
+      <p:grpSpPr>
+        <a:xfrm>
+          <a:off x="0" y="0"/>
+          <a:ext cx="0" cy="0"/>
+          <a:chOff x="0" y="0"/>
+          <a:chExt cx="0" cy="0"/>
+        </a:xfrm>
+      </p:grpSpPr>
+      <p:sp>
+        <p:nvSpPr>
+          <p:cNvPr id="5" name="Title 4"/>
+          <p:cNvSpPr>
+            <a:spLocks noGrp="1"/>
+          </p:cNvSpPr>
+          <p:nvPr>
+            <p:ph type="title"/>
+          </p:nvPr>
+        </p:nvSpPr>
+        <p:spPr/>
+        <p:txBody>
+          <a:bodyPr/>
+          <a:lstStyle/>
+          <a:p>
+            <a:r>
+              <a:rPr lang="sv-SE" dirty="0" smtClean="0"/>
+              <a:t>Big and small text</a:t>
+            </a:r>
+            <a:endParaRPr lang="sv-SE" dirty="0"/>
+          </a:p>
+        </p:txBody>
+      </p:sp>
+      <p:sp>
+        <p:nvSpPr>
+          <p:cNvPr id="6" name="Content Placeholder 1"/>
+          <p:cNvSpPr txBox="1">
+            <a:spLocks/>
+          </p:cNvSpPr>
+          <p:nvPr/>
+        </p:nvSpPr>
+        <p:spPr>
+          <a:xfrm>
+            <a:off x="1617233" y="2607670"/>
+            <a:ext cx="2385508" cy="707082"/>
+          </a:xfrm>
+          <a:prstGeom prst="rect">
+            <a:avLst/>
+          </a:prstGeom>
+        </p:spPr>
+        <p:txBody>
+          <a:bodyPr vert="horz" lIns="91440" tIns="45720" rIns="91440" bIns="45720" rtlCol="0">
+            <a:normAutofit/>
+          </a:bodyPr>
+          <a:lstStyle>
+            <a:lvl1pPr marL="0" indent="0" algn="l" defTabSz="914400" rtl="0" eaLnBrk="1" latinLnBrk="0" hangingPunct="1">
+              <a:lnSpc>
+                <a:spcPct val="90000"/>
+              </a:lnSpc>
+              <a:spcBef>
+                <a:spcPts val="1000"/>
+              </a:spcBef>
+              <a:buFont typeface="Arial" panose="020B0604020202020204" pitchFamily="34" charset="0"/>
+              <a:buNone/>
+              <a:defRPr sz="2800" kern="1200" spc="-150">
+                <a:solidFill>
+                  <a:schemeClr val="tx1"/>
+                </a:solidFill>
+                <a:latin typeface="+mn-lt"/>
+                <a:ea typeface="+mn-ea"/>
+                <a:cs typeface="+mn-cs"/>
+              </a:defRPr>
+            </a:lvl1pPr>
+            <a:lvl2pPr marL="685800" indent="-228600" algn="l" defTabSz="914400" rtl="0" eaLnBrk="1" latinLnBrk="0" hangingPunct="1">
+              <a:lnSpc>
+                <a:spcPct val="90000"/>
+              </a:lnSpc>
+              <a:spcBef>
+                <a:spcPts val="500"/>
+              </a:spcBef>
+              <a:buFont typeface="Arial" panose="020B0604020202020204" pitchFamily="34" charset="0"/>
+              <a:buChar char="•"/>
+              <a:defRPr sz="2400" kern="1200" spc="-150">
+                <a:solidFill>
+                  <a:schemeClr val="tx1"/>
+                </a:solidFill>
+                <a:latin typeface="+mn-lt"/>
+                <a:ea typeface="+mn-ea"/>
+                <a:cs typeface="+mn-cs"/>
+              </a:defRPr>
+            </a:lvl2pPr>
+            <a:lvl3pPr marL="1143000" indent="-228600" algn="l" defTabSz="914400" rtl="0" eaLnBrk="1" latinLnBrk="0" hangingPunct="1">
+              <a:lnSpc>
+                <a:spcPct val="90000"/>
+              </a:lnSpc>
+              <a:spcBef>
+                <a:spcPts val="500"/>
+              </a:spcBef>
+              <a:buFont typeface="Arial" panose="020B0604020202020204" pitchFamily="34" charset="0"/>
+              <a:buChar char="•"/>
+              <a:defRPr sz="2000" kern="1200" spc="-150">
+                <a:solidFill>
+                  <a:schemeClr val="tx1"/>
+                </a:solidFill>
+                <a:latin typeface="+mn-lt"/>
+                <a:ea typeface="+mn-ea"/>
+                <a:cs typeface="+mn-cs"/>
+              </a:defRPr>
+            </a:lvl3pPr>
+            <a:lvl4pPr marL="1600200" indent="-228600" algn="l" defTabSz="914400" rtl="0" eaLnBrk="1" latinLnBrk="0" hangingPunct="1">
+              <a:lnSpc>
+                <a:spcPct val="90000"/>
+              </a:lnSpc>
+              <a:spcBef>
+                <a:spcPts val="500"/>
+              </a:spcBef>
+              <a:buFont typeface="Arial" panose="020B0604020202020204" pitchFamily="34" charset="0"/>
+              <a:buChar char="•"/>
+              <a:defRPr sz="1800" kern="1200" spc="-150">
+                <a:solidFill>
+                  <a:schemeClr val="tx1"/>
+                </a:solidFill>
+                <a:latin typeface="+mn-lt"/>
+                <a:ea typeface="+mn-ea"/>
+                <a:cs typeface="+mn-cs"/>
+              </a:defRPr>
+            </a:lvl4pPr>
+            <a:lvl5pPr marL="2057400" indent="-228600" algn="l" defTabSz="914400" rtl="0" eaLnBrk="1" latinLnBrk="0" hangingPunct="1">
+              <a:lnSpc>
+                <a:spcPct val="90000"/>
+              </a:lnSpc>
+              <a:spcBef>
+                <a:spcPts val="500"/>
+              </a:spcBef>
+              <a:buFont typeface="Arial" panose="020B0604020202020204" pitchFamily="34" charset="0"/>
+              <a:buChar char="•"/>
+              <a:defRPr sz="1800" kern="1200" spc="-150">
+                <a:solidFill>
+                  <a:schemeClr val="tx1"/>
+                </a:solidFill>
+                <a:latin typeface="+mn-lt"/>
+                <a:ea typeface="+mn-ea"/>
+                <a:cs typeface="+mn-cs"/>
+              </a:defRPr>
+            </a:lvl5pPr>
+            <a:lvl6pPr marL="2514600" indent="-228600" algn="l" defTabSz="914400" rtl="0" eaLnBrk="1" latinLnBrk="0" hangingPunct="1">
+              <a:lnSpc>
+                <a:spcPct val="90000"/>
+              </a:lnSpc>
+              <a:spcBef>
+                <a:spcPts val="500"/>
+              </a:spcBef>
+              <a:buFont typeface="Arial" panose="020B0604020202020204" pitchFamily="34" charset="0"/>
+              <a:buChar char="•"/>
+              <a:defRPr sz="1800" kern="1200">
+                <a:solidFill>
+                  <a:schemeClr val="tx1"/>
+                </a:solidFill>
+                <a:latin typeface="+mn-lt"/>
+                <a:ea typeface="+mn-ea"/>
+                <a:cs typeface="+mn-cs"/>
+              </a:defRPr>
+            </a:lvl6pPr>
+            <a:lvl7pPr marL="2971800" indent="-228600" algn="l" defTabSz="914400" rtl="0" eaLnBrk="1" latinLnBrk="0" hangingPunct="1">
+              <a:lnSpc>
+                <a:spcPct val="90000"/>
+              </a:lnSpc>
+              <a:spcBef>
+                <a:spcPts val="500"/>
+              </a:spcBef>
+              <a:buFont typeface="Arial" panose="020B0604020202020204" pitchFamily="34" charset="0"/>
+              <a:buChar char="•"/>
+              <a:defRPr sz="1800" kern="1200">
+                <a:solidFill>
+                  <a:schemeClr val="tx1"/>
+                </a:solidFill>
+                <a:latin typeface="+mn-lt"/>
+                <a:ea typeface="+mn-ea"/>
+                <a:cs typeface="+mn-cs"/>
+              </a:defRPr>
+            </a:lvl7pPr>
+            <a:lvl8pPr marL="3429000" indent="-228600" algn="l" defTabSz="914400" rtl="0" eaLnBrk="1" latinLnBrk="0" hangingPunct="1">
+              <a:lnSpc>
+                <a:spcPct val="90000"/>
+              </a:lnSpc>
+              <a:spcBef>
+                <a:spcPts val="500"/>
+              </a:spcBef>
+              <a:buFont typeface="Arial" panose="020B0604020202020204" pitchFamily="34" charset="0"/>
+              <a:buChar char="•"/>
+              <a:defRPr sz="1800" kern="1200">
+                <a:solidFill>
+                  <a:schemeClr val="tx1"/>
+                </a:solidFill>
+                <a:latin typeface="+mn-lt"/>
+                <a:ea typeface="+mn-ea"/>
+                <a:cs typeface="+mn-cs"/>
+              </a:defRPr>
+            </a:lvl8pPr>
+            <a:lvl9pPr marL="3886200" indent="-228600" algn="l" defTabSz="914400" rtl="0" eaLnBrk="1" latinLnBrk="0" hangingPunct="1">
+              <a:lnSpc>
+                <a:spcPct val="90000"/>
+              </a:lnSpc>
+              <a:spcBef>
+                <a:spcPts val="500"/>
+              </a:spcBef>
+              <a:buFont typeface="Arial" panose="020B0604020202020204" pitchFamily="34" charset="0"/>
+              <a:buChar char="•"/>
+              <a:defRPr sz="1800" kern="1200">
+                <a:solidFill>
+                  <a:schemeClr val="tx1"/>
+                </a:solidFill>
+                <a:latin typeface="+mn-lt"/>
+                <a:ea typeface="+mn-ea"/>
+                <a:cs typeface="+mn-cs"/>
+              </a:defRPr>
+            </a:lvl9pPr>
+          </a:lstStyle>
+          <a:p>
+            <a:pPr>
+              <a:defRPr/>
+            </a:pPr>
+            <a:r>
+              <a:rPr lang="en-US" sz="2400" dirty="0" smtClean="0"/>
+              <a:t>Small text</a:t>
+            </a:r>
+            <a:endParaRPr lang="en-US" sz="2400" dirty="0"/>
+          </a:p>
+        </p:txBody>
+      </p:sp>
+      <p:sp>
+        <p:nvSpPr>
+          <p:cNvPr id="7" name="Content Placeholder 1"/>
+          <p:cNvSpPr txBox="1">
+            <a:spLocks/>
+          </p:cNvSpPr>
+          <p:nvPr/>
+        </p:nvSpPr>
+        <p:spPr>
+          <a:xfrm>
+            <a:off x="1617233" y="3476259"/>
+            <a:ext cx="6217920" cy="449153"/>
+          </a:xfrm>
+          <a:prstGeom prst="rect">
+            <a:avLst/>
+          </a:prstGeom>
+        </p:spPr>
+        <p:txBody>
+          <a:bodyPr vert="horz" lIns="91440" tIns="45720" rIns="91440" bIns="45720" rtlCol="0">
+            <a:noAutofit/>
+          </a:bodyPr>
+          <a:lstStyle>
+            <a:lvl1pPr marL="0" indent="0" algn="l" defTabSz="914400" rtl="0" eaLnBrk="1" latinLnBrk="0" hangingPunct="1">
+              <a:lnSpc>
+                <a:spcPct val="90000"/>
+              </a:lnSpc>
+              <a:spcBef>
+                <a:spcPts val="1000"/>
+              </a:spcBef>
+              <a:buFont typeface="Arial" panose="020B0604020202020204" pitchFamily="34" charset="0"/>
+              <a:buNone/>
+              <a:defRPr sz="2800" kern="1200" spc="-150">
+                <a:solidFill>
+                  <a:schemeClr val="tx1"/>
+                </a:solidFill>
+                <a:latin typeface="+mn-lt"/>
+                <a:ea typeface="+mn-ea"/>
+                <a:cs typeface="+mn-cs"/>
+              </a:defRPr>
+            </a:lvl1pPr>
+            <a:lvl2pPr marL="685800" indent="-228600" algn="l" defTabSz="914400" rtl="0" eaLnBrk="1" latinLnBrk="0" hangingPunct="1">
+              <a:lnSpc>
+                <a:spcPct val="90000"/>
+              </a:lnSpc>
+              <a:spcBef>
+                <a:spcPts val="500"/>
+              </a:spcBef>
+              <a:buFont typeface="Arial" panose="020B0604020202020204" pitchFamily="34" charset="0"/>
+              <a:buChar char="•"/>
+              <a:defRPr sz="2400" kern="1200" spc="-150">
+                <a:solidFill>
+                  <a:schemeClr val="tx1"/>
+                </a:solidFill>
+                <a:latin typeface="+mn-lt"/>
+                <a:ea typeface="+mn-ea"/>
+                <a:cs typeface="+mn-cs"/>
+              </a:defRPr>
+            </a:lvl2pPr>
+            <a:lvl3pPr marL="1143000" indent="-228600" algn="l" defTabSz="914400" rtl="0" eaLnBrk="1" latinLnBrk="0" hangingPunct="1">
+              <a:lnSpc>
+                <a:spcPct val="90000"/>
+              </a:lnSpc>
+              <a:spcBef>
+                <a:spcPts val="500"/>
+              </a:spcBef>
+              <a:buFont typeface="Arial" panose="020B0604020202020204" pitchFamily="34" charset="0"/>
+              <a:buChar char="•"/>
+              <a:defRPr sz="2000" kern="1200" spc="-150">
+                <a:solidFill>
+                  <a:schemeClr val="tx1"/>
+                </a:solidFill>
+                <a:latin typeface="+mn-lt"/>
+                <a:ea typeface="+mn-ea"/>
+                <a:cs typeface="+mn-cs"/>
+              </a:defRPr>
+            </a:lvl3pPr>
+            <a:lvl4pPr marL="1600200" indent="-228600" algn="l" defTabSz="914400" rtl="0" eaLnBrk="1" latinLnBrk="0" hangingPunct="1">
+              <a:lnSpc>
+                <a:spcPct val="90000"/>
+              </a:lnSpc>
+              <a:spcBef>
+                <a:spcPts val="500"/>
+              </a:spcBef>
+              <a:buFont typeface="Arial" panose="020B0604020202020204" pitchFamily="34" charset="0"/>
+              <a:buChar char="•"/>
+              <a:defRPr sz="1800" kern="1200" spc="-150">
+                <a:solidFill>
+                  <a:schemeClr val="tx1"/>
+                </a:solidFill>
+                <a:latin typeface="+mn-lt"/>
+                <a:ea typeface="+mn-ea"/>
+                <a:cs typeface="+mn-cs"/>
+              </a:defRPr>
+            </a:lvl4pPr>
+            <a:lvl5pPr marL="2057400" indent="-228600" algn="l" defTabSz="914400" rtl="0" eaLnBrk="1" latinLnBrk="0" hangingPunct="1">
+              <a:lnSpc>
+                <a:spcPct val="90000"/>
+              </a:lnSpc>
+              <a:spcBef>
+                <a:spcPts val="500"/>
+              </a:spcBef>
+              <a:buFont typeface="Arial" panose="020B0604020202020204" pitchFamily="34" charset="0"/>
+              <a:buChar char="•"/>
+              <a:defRPr sz="1800" kern="1200" spc="-150">
+                <a:solidFill>
+                  <a:schemeClr val="tx1"/>
+                </a:solidFill>
+                <a:latin typeface="+mn-lt"/>
+                <a:ea typeface="+mn-ea"/>
+                <a:cs typeface="+mn-cs"/>
+              </a:defRPr>
+            </a:lvl5pPr>
+            <a:lvl6pPr marL="2514600" indent="-228600" algn="l" defTabSz="914400" rtl="0" eaLnBrk="1" latinLnBrk="0" hangingPunct="1">
+              <a:lnSpc>
+                <a:spcPct val="90000"/>
+              </a:lnSpc>
+              <a:spcBef>
+                <a:spcPts val="500"/>
+              </a:spcBef>
+              <a:buFont typeface="Arial" panose="020B0604020202020204" pitchFamily="34" charset="0"/>
+              <a:buChar char="•"/>
+              <a:defRPr sz="1800" kern="1200">
+                <a:solidFill>
+                  <a:schemeClr val="tx1"/>
+                </a:solidFill>
+                <a:latin typeface="+mn-lt"/>
+                <a:ea typeface="+mn-ea"/>
+                <a:cs typeface="+mn-cs"/>
+              </a:defRPr>
+            </a:lvl6pPr>
+            <a:lvl7pPr marL="2971800" indent="-228600" algn="l" defTabSz="914400" rtl="0" eaLnBrk="1" latinLnBrk="0" hangingPunct="1">
+              <a:lnSpc>
+                <a:spcPct val="90000"/>
+              </a:lnSpc>
+              <a:spcBef>
+                <a:spcPts val="500"/>
+              </a:spcBef>
+              <a:buFont typeface="Arial" panose="020B0604020202020204" pitchFamily="34" charset="0"/>
+              <a:buChar char="•"/>
+              <a:defRPr sz="1800" kern="1200">
+                <a:solidFill>
+                  <a:schemeClr val="tx1"/>
+                </a:solidFill>
+                <a:latin typeface="+mn-lt"/>
+                <a:ea typeface="+mn-ea"/>
+                <a:cs typeface="+mn-cs"/>
+              </a:defRPr>
+            </a:lvl7pPr>
+            <a:lvl8pPr marL="3429000" indent="-228600" algn="l" defTabSz="914400" rtl="0" eaLnBrk="1" latinLnBrk="0" hangingPunct="1">
+              <a:lnSpc>
+                <a:spcPct val="90000"/>
+              </a:lnSpc>
+              <a:spcBef>
+                <a:spcPts val="500"/>
+              </a:spcBef>
+              <a:buFont typeface="Arial" panose="020B0604020202020204" pitchFamily="34" charset="0"/>
+              <a:buChar char="•"/>
+              <a:defRPr sz="1800" kern="1200">
+                <a:solidFill>
+                  <a:schemeClr val="tx1"/>
+                </a:solidFill>
+                <a:latin typeface="+mn-lt"/>
+                <a:ea typeface="+mn-ea"/>
+                <a:cs typeface="+mn-cs"/>
+              </a:defRPr>
+            </a:lvl8pPr>
+            <a:lvl9pPr marL="3886200" indent="-228600" algn="l" defTabSz="914400" rtl="0" eaLnBrk="1" latinLnBrk="0" hangingPunct="1">
+              <a:lnSpc>
+                <a:spcPct val="90000"/>
+              </a:lnSpc>
+              <a:spcBef>
+                <a:spcPts val="500"/>
+              </a:spcBef>
+              <a:buFont typeface="Arial" panose="020B0604020202020204" pitchFamily="34" charset="0"/>
+              <a:buChar char="•"/>
+              <a:defRPr sz="1800" kern="1200">
+                <a:solidFill>
+                  <a:schemeClr val="tx1"/>
+                </a:solidFill>
+                <a:latin typeface="+mn-lt"/>
+                <a:ea typeface="+mn-ea"/>
+                <a:cs typeface="+mn-cs"/>
+              </a:defRPr>
+            </a:lvl9pPr>
+          </a:lstStyle>
+          <a:p>
+            <a:pPr>
+              <a:defRPr/>
+            </a:pPr>
+            <a:r>
+              <a:rPr lang="en-US" sz="3200" dirty="0" smtClean="0"/>
+              <a:t>Big text</a:t>
+            </a:r>
+            <a:endParaRPr lang="en-US" sz="3200" dirty="0"/>
+          </a:p>
+        </p:txBody>
+      </p:sp>
+    </p:spTree>
+    <p:extLst>
+      <p:ext uri="{BB962C8B-B14F-4D97-AF65-F5344CB8AC3E}">
+        <p14:creationId xmlns:p14="http://schemas.microsoft.com/office/powerpoint/2010/main" val="1110618009"/>
+      </p:ext>
+    </p:extLst>
+  </p:cSld>
+  <p:clrMapOvr>
+    <a:masterClrMapping/>
+  </p:clrMapOvr>
+  <mc:AlternateContent xmlns:mc="http://schemas.openxmlformats.org/markup-compatibility/2006" xmlns:p14="http://schemas.microsoft.com/office/powerpoint/2010/main">
+    <mc:Choice Requires="p14">
+      <p:transition spd="med" p14:dur="700">
+        <p:fade/>
+      </p:transition>
+    </mc:Choice>
+    <mc:Fallback xmlns="">
+      <p:transition spd="med">
+        <p:fade/>
+      </p:transition>
+    </mc:Fallback>
+  </mc:AlternateContent>
+</p:sld>
+</file>
+
+<file path=ppt/slides/slide3.xml><?xml version="1.0" encoding="utf-8"?>
+<p:sld xmlns:a="http://schemas.openxmlformats.org/drawingml/2006/main" xmlns:r="http://schemas.openxmlformats.org/officeDocument/2006/relationships" xmlns:p="http://schemas.openxmlformats.org/presentationml/2006/main">
+  <p:cSld>
+    <p:spTree>
+      <p:nvGrpSpPr>
+        <p:cNvPr id="1" name=""/>
+        <p:cNvGrpSpPr/>
+        <p:nvPr/>
+      </p:nvGrpSpPr>
+      <p:grpSpPr>
+        <a:xfrm>
+          <a:off x="0" y="0"/>
+          <a:ext cx="0" cy="0"/>
+          <a:chOff x="0" y="0"/>
+          <a:chExt cx="0" cy="0"/>
+        </a:xfrm>
+      </p:grpSpPr>
+      <p:sp>
+        <p:nvSpPr>
+          <p:cNvPr id="6" name="Title 5"/>
+          <p:cNvSpPr>
+            <a:spLocks noGrp="1"/>
+          </p:cNvSpPr>
+          <p:nvPr>
+            <p:ph type="title"/>
+          </p:nvPr>
+        </p:nvSpPr>
+        <p:spPr/>
+        <p:txBody>
+          <a:bodyPr/>
+          <a:lstStyle/>
+          <a:p>
+            <a:r>
+              <a:rPr lang="en-US" dirty="0"/>
+              <a:t>Learning outcomes</a:t>
+            </a:r>
+            <a:endParaRPr lang="sv-SE" dirty="0"/>
+          </a:p>
+        </p:txBody>
+      </p:sp>
+      <p:sp>
+        <p:nvSpPr>
+          <p:cNvPr id="20" name="Footer Placeholder 19"/>
+          <p:cNvSpPr>
+            <a:spLocks noGrp="1"/>
+          </p:cNvSpPr>
+          <p:nvPr>
+            <p:ph type="ftr" sz="quarter" idx="11"/>
+          </p:nvPr>
+        </p:nvSpPr>
+        <p:spPr/>
+        <p:txBody>
+          <a:bodyPr/>
+          <a:lstStyle/>
+          <a:p>
+            <a:r>
+              <a:rPr lang="en-GB" smtClean="0"/>
+              <a:t>MJ2380-2381 2020</a:t>
+            </a:r>
+            <a:endParaRPr lang="en-GB" dirty="0"/>
+          </a:p>
+        </p:txBody>
+      </p:sp>
+      <p:sp>
+        <p:nvSpPr>
+          <p:cNvPr id="21" name="Slide Number Placeholder 20"/>
+          <p:cNvSpPr>
+            <a:spLocks noGrp="1"/>
+          </p:cNvSpPr>
+          <p:nvPr>
+            <p:ph type="sldNum" sz="quarter" idx="12"/>
+          </p:nvPr>
+        </p:nvSpPr>
+        <p:spPr/>
+        <p:txBody>
+          <a:bodyPr/>
+          <a:lstStyle/>
+          <a:p>
+            <a:fld id="{A0B7FA9A-6BCF-4CFA-8685-B7A43319A6CD}" type="slidenum">
+              <a:rPr lang="en-GB" smtClean="0"/>
+              <a:pPr/>
+              <a:t>3</a:t>
+            </a:fld>
+            <a:endParaRPr lang="en-GB" dirty="0"/>
+          </a:p>
+        </p:txBody>
+      </p:sp>
+      <p:sp>
+        <p:nvSpPr>
+          <p:cNvPr id="18" name="Content Placeholder 1"/>
+          <p:cNvSpPr>
+            <a:spLocks noGrp="1"/>
+          </p:cNvSpPr>
+          <p:nvPr>
+            <p:ph sz="half" idx="1"/>
+          </p:nvPr>
+        </p:nvSpPr>
+        <p:spPr>
+          <a:xfrm>
+            <a:off x="846269" y="1706628"/>
+            <a:ext cx="9715984" cy="4572000"/>
+          </a:xfrm>
+        </p:spPr>
+        <p:txBody>
+          <a:bodyPr>
+            <a:noAutofit/>
+          </a:bodyPr>
+          <a:lstStyle/>
+          <a:p>
+            <a:pPr lvl="0" algn="just"/>
+            <a:r>
+              <a:rPr lang="en-CA" sz="1800" b="1" dirty="0"/>
+              <a:t>By the end of this course, students will be able to:</a:t>
+            </a:r>
+          </a:p>
+          <a:p>
+            <a:pPr lvl="0" algn="just"/>
+            <a:endParaRPr lang="en-CA" sz="1800" dirty="0"/>
+          </a:p>
+          <a:p>
+            <a:pPr lvl="0" algn="just"/>
+            <a:r>
+              <a:rPr lang="en-US" sz="1800" dirty="0" smtClean="0"/>
+              <a:t>ILO </a:t>
+            </a:r>
+            <a:r>
+              <a:rPr lang="en-US" sz="1800" dirty="0"/>
+              <a:t>1: Describe </a:t>
+            </a:r>
+            <a:r>
+              <a:rPr lang="en-GB" sz="1800" i="1" dirty="0"/>
+              <a:t>common </a:t>
+            </a:r>
+            <a:r>
+              <a:rPr lang="en-GB" sz="1800" dirty="0"/>
+              <a:t>energy systems modelling and scenario analysis approaches and identify their key strengths and limitations;</a:t>
+            </a:r>
+            <a:endParaRPr lang="sv-SE" sz="1800" dirty="0"/>
+          </a:p>
+          <a:p>
+            <a:pPr lvl="0" algn="just"/>
+            <a:r>
+              <a:rPr lang="en-GB" sz="1800" i="1" dirty="0"/>
+              <a:t>ILO 2: Write a basic linear energy system optimization problem in GNU </a:t>
+            </a:r>
+            <a:r>
+              <a:rPr lang="en-GB" sz="1800" i="1" dirty="0" err="1"/>
+              <a:t>MathProg</a:t>
+            </a:r>
+            <a:r>
+              <a:rPr lang="en-GB" sz="1800" i="1" dirty="0"/>
+              <a:t> modelling language;</a:t>
+            </a:r>
+            <a:endParaRPr lang="sv-SE" sz="1800" i="1" dirty="0"/>
+          </a:p>
+          <a:p>
+            <a:pPr lvl="0" algn="just"/>
+            <a:r>
+              <a:rPr lang="en-GB" sz="1800" dirty="0"/>
+              <a:t>ILO 3</a:t>
+            </a:r>
+            <a:r>
+              <a:rPr lang="en-GB" sz="1800" b="1" dirty="0"/>
+              <a:t>: Apply a selected </a:t>
+            </a:r>
+            <a:r>
+              <a:rPr lang="en-GB" sz="1800" dirty="0"/>
+              <a:t>energy systems modelling tool in the analysis of stylized long-term energy planning problems;</a:t>
+            </a:r>
+            <a:endParaRPr lang="sv-SE" sz="1800" dirty="0"/>
+          </a:p>
+          <a:p>
+            <a:pPr lvl="0" algn="just"/>
+            <a:r>
+              <a:rPr lang="en-GB" sz="1800" dirty="0"/>
+              <a:t>ILO 4: </a:t>
+            </a:r>
+            <a:r>
+              <a:rPr lang="en-GB" sz="1800" dirty="0" err="1"/>
+              <a:t>Analyze</a:t>
+            </a:r>
+            <a:r>
+              <a:rPr lang="en-GB" sz="1800" dirty="0"/>
+              <a:t> various sample energy system situations and appropriately </a:t>
+            </a:r>
+            <a:r>
+              <a:rPr lang="en-GB" sz="1800" dirty="0" err="1"/>
+              <a:t>distill</a:t>
+            </a:r>
+            <a:r>
+              <a:rPr lang="en-GB" sz="1800" dirty="0"/>
+              <a:t> insights, given limited and uncertain information;</a:t>
+            </a:r>
+            <a:endParaRPr lang="sv-SE" sz="1800" dirty="0"/>
+          </a:p>
+          <a:p>
+            <a:pPr lvl="0" algn="just"/>
+            <a:r>
+              <a:rPr lang="en-GB" sz="1800" dirty="0"/>
+              <a:t>ILO 5: Include a basic representation of the links between climate, water, land use and energy into an energy system model;</a:t>
+            </a:r>
+            <a:endParaRPr lang="sv-SE" sz="1800" dirty="0"/>
+          </a:p>
+          <a:p>
+            <a:pPr lvl="0" algn="just"/>
+            <a:r>
+              <a:rPr lang="en-GB" sz="1800" dirty="0"/>
+              <a:t>ILO 6: Undertake a thorough and detailed analysis of a selected national energy system, including independent data gathering, problem definition, model choice, generation of solutions and interpretation.</a:t>
+            </a:r>
+            <a:endParaRPr lang="sv-SE" sz="1800" dirty="0"/>
+          </a:p>
+        </p:txBody>
+      </p:sp>
+    </p:spTree>
+    <p:extLst>
+      <p:ext uri="{BB962C8B-B14F-4D97-AF65-F5344CB8AC3E}">
+        <p14:creationId xmlns:p14="http://schemas.microsoft.com/office/powerpoint/2010/main" val="3175774931"/>
+      </p:ext>
+    </p:extLst>
+  </p:cSld>
+  <p:clrMapOvr>
+    <a:masterClrMapping/>
+  </p:clrMapOvr>
+  <mc:AlternateContent xmlns:mc="http://schemas.openxmlformats.org/markup-compatibility/2006" xmlns:p14="http://schemas.microsoft.com/office/powerpoint/2010/main">
+    <mc:Choice Requires="p14">
+      <p:transition spd="med" p14:dur="700">
+        <p:fade/>
+      </p:transition>
+    </mc:Choice>
+    <mc:Fallback xmlns="">
+      <p:transition spd="med">
+        <p:fade/>
+      </p:transition>
+    </mc:Fallback>
+  </mc:AlternateContent>
+  <p:timing>
+    <p:tnLst>
+      <p:par>
+        <p:cTn id="1" dur="indefinite" restart="never" nodeType="tmRoot"/>
+      </p:par>
+    </p:tnLst>
+  </p:timing>
+</p:sld>
+</file>
+
+<file path=ppt/slides/slide4.xml><?xml version="1.0" encoding="utf-8"?>
+<p:sld xmlns:a="http://schemas.openxmlformats.org/drawingml/2006/main" xmlns:r="http://schemas.openxmlformats.org/officeDocument/2006/relationships" xmlns:p="http://schemas.openxmlformats.org/presentationml/2006/main">
+  <p:cSld>
+    <p:spTree>
+      <p:nvGrpSpPr>
+        <p:cNvPr id="1" name=""/>
+        <p:cNvGrpSpPr/>
+        <p:nvPr/>
+      </p:nvGrpSpPr>
+      <p:grpSpPr>
+        <a:xfrm>
+          <a:off x="0" y="0"/>
+          <a:ext cx="0" cy="0"/>
+          <a:chOff x="0" y="0"/>
+          <a:chExt cx="0" cy="0"/>
+        </a:xfrm>
+      </p:grpSpPr>
+      <p:sp>
+        <p:nvSpPr>
+          <p:cNvPr id="6" name="Title 5"/>
+          <p:cNvSpPr>
+            <a:spLocks noGrp="1"/>
+          </p:cNvSpPr>
+          <p:nvPr>
+            <p:ph type="title"/>
+          </p:nvPr>
+        </p:nvSpPr>
+        <p:spPr/>
+        <p:txBody>
+          <a:bodyPr/>
+          <a:lstStyle/>
+          <a:p>
+            <a:r>
+              <a:rPr lang="en-US" dirty="0"/>
+              <a:t>Building on MJ2413 Energy and Environment</a:t>
+            </a:r>
+            <a:endParaRPr lang="sv-SE" dirty="0"/>
+          </a:p>
+        </p:txBody>
+      </p:sp>
+      <p:sp>
+        <p:nvSpPr>
+          <p:cNvPr id="20" name="Footer Placeholder 19"/>
+          <p:cNvSpPr>
+            <a:spLocks noGrp="1"/>
+          </p:cNvSpPr>
+          <p:nvPr>
+            <p:ph type="ftr" sz="quarter" idx="11"/>
+          </p:nvPr>
+        </p:nvSpPr>
+        <p:spPr/>
+        <p:txBody>
+          <a:bodyPr/>
+          <a:lstStyle/>
+          <a:p>
+            <a:r>
+              <a:rPr lang="en-GB" smtClean="0"/>
+              <a:t>MJ2380-2381 2020</a:t>
+            </a:r>
+            <a:endParaRPr lang="en-GB" dirty="0"/>
+          </a:p>
+        </p:txBody>
+      </p:sp>
+      <p:sp>
+        <p:nvSpPr>
+          <p:cNvPr id="21" name="Slide Number Placeholder 20"/>
+          <p:cNvSpPr>
+            <a:spLocks noGrp="1"/>
+          </p:cNvSpPr>
+          <p:nvPr>
+            <p:ph type="sldNum" sz="quarter" idx="12"/>
+          </p:nvPr>
+        </p:nvSpPr>
+        <p:spPr/>
+        <p:txBody>
+          <a:bodyPr/>
+          <a:lstStyle/>
+          <a:p>
+            <a:fld id="{A0B7FA9A-6BCF-4CFA-8685-B7A43319A6CD}" type="slidenum">
+              <a:rPr lang="en-GB" smtClean="0"/>
+              <a:pPr/>
+              <a:t>4</a:t>
+            </a:fld>
+            <a:endParaRPr lang="en-GB" dirty="0"/>
+          </a:p>
+        </p:txBody>
+      </p:sp>
+      <p:sp>
+        <p:nvSpPr>
+          <p:cNvPr id="18" name="Content Placeholder 1"/>
+          <p:cNvSpPr>
+            <a:spLocks noGrp="1"/>
+          </p:cNvSpPr>
+          <p:nvPr>
+            <p:ph sz="half" idx="1"/>
+          </p:nvPr>
+        </p:nvSpPr>
+        <p:spPr>
+          <a:xfrm>
+            <a:off x="846269" y="1706628"/>
+            <a:ext cx="9715984" cy="4572000"/>
+          </a:xfrm>
+        </p:spPr>
+        <p:txBody>
+          <a:bodyPr>
+            <a:normAutofit/>
+          </a:bodyPr>
+          <a:lstStyle/>
+          <a:p>
+            <a:pPr lvl="0"/>
+            <a:r>
+              <a:rPr lang="sv-SE" b="1" dirty="0"/>
+              <a:t>Continuity:</a:t>
+            </a:r>
+          </a:p>
+          <a:p>
+            <a:pPr lvl="0"/>
+            <a:endParaRPr lang="sv-SE" dirty="0"/>
+          </a:p>
+          <a:p>
+            <a:pPr lvl="0"/>
+            <a:r>
+              <a:rPr lang="sv-SE" i="1" dirty="0"/>
+              <a:t>Course content</a:t>
+            </a:r>
+          </a:p>
+          <a:p>
+            <a:pPr marL="457200" lvl="0" indent="-457200">
+              <a:buFont typeface="Arial" panose="020B0604020202020204" pitchFamily="34" charset="0"/>
+              <a:buChar char="•"/>
+            </a:pPr>
+            <a:r>
+              <a:rPr lang="sv-SE" dirty="0"/>
+              <a:t>Same starting point: what is an energy system</a:t>
+            </a:r>
+          </a:p>
+          <a:p>
+            <a:pPr lvl="0"/>
+            <a:r>
+              <a:rPr lang="sv-SE" i="1" dirty="0"/>
+              <a:t>Course deliverables</a:t>
+            </a:r>
+          </a:p>
+          <a:p>
+            <a:pPr marL="457200" lvl="0" indent="-457200">
+              <a:buFont typeface="Arial" panose="020B0604020202020204" pitchFamily="34" charset="0"/>
+              <a:buChar char="•"/>
+            </a:pPr>
+            <a:r>
+              <a:rPr lang="sv-SE" dirty="0"/>
+              <a:t>For MJ2380 students: Similar structure for the final report (context, literature, data search...)</a:t>
+            </a:r>
+          </a:p>
+          <a:p>
+            <a:pPr lvl="0"/>
+            <a:endParaRPr lang="sv-SE" dirty="0"/>
+          </a:p>
+          <a:p>
+            <a:pPr marL="457200" lvl="0" indent="-457200">
+              <a:buFont typeface="Arial" panose="020B0604020202020204" pitchFamily="34" charset="0"/>
+              <a:buChar char="•"/>
+            </a:pPr>
+            <a:endParaRPr lang="sv-SE" dirty="0"/>
+          </a:p>
+          <a:p>
+            <a:pPr lvl="0"/>
+            <a:endParaRPr lang="sv-SE" dirty="0"/>
+          </a:p>
+          <a:p>
+            <a:pPr lvl="0"/>
+            <a:endParaRPr lang="sv-SE" dirty="0"/>
+          </a:p>
+        </p:txBody>
+      </p:sp>
+    </p:spTree>
+    <p:extLst>
+      <p:ext uri="{BB962C8B-B14F-4D97-AF65-F5344CB8AC3E}">
+        <p14:creationId xmlns:p14="http://schemas.microsoft.com/office/powerpoint/2010/main" val="2436912023"/>
+      </p:ext>
+    </p:extLst>
+  </p:cSld>
+  <p:clrMapOvr>
+    <a:masterClrMapping/>
+  </p:clrMapOvr>
+  <mc:AlternateContent xmlns:mc="http://schemas.openxmlformats.org/markup-compatibility/2006" xmlns:p14="http://schemas.microsoft.com/office/powerpoint/2010/main">
+    <mc:Choice Requires="p14">
+      <p:transition spd="med" p14:dur="700">
+        <p:fade/>
+      </p:transition>
+    </mc:Choice>
+    <mc:Fallback xmlns="">
+      <p:transition spd="med">
+        <p:fade/>
+      </p:transition>
+    </mc:Fallback>
+  </mc:AlternateContent>
+  <p:timing>
+    <p:tnLst>
+      <p:par>
+        <p:cTn id="1" dur="indefinite" restart="never" nodeType="tmRoot"/>
+      </p:par>
+    </p:tnLst>
+  </p:timing>
+</p:sld>
+</file>
+
+<file path=ppt/slides/slide5.xml><?xml version="1.0" encoding="utf-8"?>
+<p:sld xmlns:a="http://schemas.openxmlformats.org/drawingml/2006/main" xmlns:r="http://schemas.openxmlformats.org/officeDocument/2006/relationships" xmlns:p="http://schemas.openxmlformats.org/presentationml/2006/main">
+  <p:cSld>
+    <p:spTree>
+      <p:nvGrpSpPr>
+        <p:cNvPr id="1" name=""/>
+        <p:cNvGrpSpPr/>
+        <p:nvPr/>
+      </p:nvGrpSpPr>
+      <p:grpSpPr>
+        <a:xfrm>
+          <a:off x="0" y="0"/>
+          <a:ext cx="0" cy="0"/>
+          <a:chOff x="0" y="0"/>
+          <a:chExt cx="0" cy="0"/>
+        </a:xfrm>
+      </p:grpSpPr>
+      <p:pic>
+        <p:nvPicPr>
+          <p:cNvPr id="7" name="Content Placeholder 6"/>
+          <p:cNvPicPr>
+            <a:picLocks noGrp="1" noChangeAspect="1"/>
+          </p:cNvPicPr>
+          <p:nvPr>
+            <p:ph idx="1"/>
+          </p:nvPr>
+        </p:nvPicPr>
+        <p:blipFill>
+          <a:blip r:embed="rId2" cstate="print">
+            <a:extLst>
+              <a:ext uri="{28A0092B-C50C-407E-A947-70E740481C1C}">
+                <a14:useLocalDpi xmlns:a14="http://schemas.microsoft.com/office/drawing/2010/main" val="0"/>
+              </a:ext>
+            </a:extLst>
+          </a:blip>
+          <a:stretch>
+            <a:fillRect/>
+          </a:stretch>
+        </p:blipFill>
+        <p:spPr>
+          <a:xfrm>
+            <a:off x="3563734" y="1616075"/>
+            <a:ext cx="5064531" cy="4551363"/>
+          </a:xfrm>
+        </p:spPr>
+      </p:pic>
+      <p:sp>
+        <p:nvSpPr>
+          <p:cNvPr id="3" name="Footer Placeholder 2"/>
+          <p:cNvSpPr>
+            <a:spLocks noGrp="1"/>
+          </p:cNvSpPr>
+          <p:nvPr>
+            <p:ph type="ftr" sz="quarter" idx="11"/>
+          </p:nvPr>
+        </p:nvSpPr>
+        <p:spPr/>
+        <p:txBody>
+          <a:bodyPr/>
+          <a:lstStyle/>
+          <a:p>
+            <a:r>
+              <a:rPr lang="en-GB" smtClean="0"/>
+              <a:t>MJ2380-2381 2020</a:t>
+            </a:r>
+            <a:endParaRPr lang="en-GB" dirty="0"/>
+          </a:p>
+        </p:txBody>
+      </p:sp>
+      <p:sp>
+        <p:nvSpPr>
+          <p:cNvPr id="4" name="Slide Number Placeholder 3"/>
+          <p:cNvSpPr>
+            <a:spLocks noGrp="1"/>
+          </p:cNvSpPr>
+          <p:nvPr>
+            <p:ph type="sldNum" sz="quarter" idx="12"/>
+          </p:nvPr>
+        </p:nvSpPr>
+        <p:spPr/>
+        <p:txBody>
+          <a:bodyPr/>
+          <a:lstStyle/>
+          <a:p>
+            <a:fld id="{F36C87F6-986D-49E6-AF40-1B3A1EE8064D}" type="slidenum">
+              <a:rPr lang="en-GB" smtClean="0"/>
+              <a:pPr/>
+              <a:t>5</a:t>
+            </a:fld>
+            <a:endParaRPr lang="en-GB" dirty="0"/>
+          </a:p>
+        </p:txBody>
+      </p:sp>
+      <p:sp>
+        <p:nvSpPr>
+          <p:cNvPr id="5" name="Title 4"/>
+          <p:cNvSpPr>
+            <a:spLocks noGrp="1"/>
+          </p:cNvSpPr>
+          <p:nvPr>
+            <p:ph type="title"/>
+          </p:nvPr>
+        </p:nvSpPr>
+        <p:spPr/>
+        <p:txBody>
+          <a:bodyPr/>
+          <a:lstStyle/>
+          <a:p>
+            <a:r>
+              <a:rPr lang="sv-SE" dirty="0" smtClean="0"/>
+              <a:t>A </a:t>
+            </a:r>
+            <a:r>
+              <a:rPr lang="sv-SE" dirty="0" err="1" smtClean="0"/>
+              <a:t>slide</a:t>
+            </a:r>
+            <a:r>
+              <a:rPr lang="sv-SE" dirty="0" smtClean="0"/>
+              <a:t> </a:t>
+            </a:r>
+            <a:r>
+              <a:rPr lang="sv-SE" dirty="0" err="1" smtClean="0"/>
+              <a:t>with</a:t>
+            </a:r>
+            <a:r>
+              <a:rPr lang="sv-SE" dirty="0" smtClean="0"/>
+              <a:t> </a:t>
+            </a:r>
+            <a:r>
+              <a:rPr lang="sv-SE" dirty="0" err="1" smtClean="0"/>
+              <a:t>one</a:t>
+            </a:r>
+            <a:r>
+              <a:rPr lang="sv-SE" dirty="0" smtClean="0"/>
+              <a:t> </a:t>
+            </a:r>
+            <a:r>
+              <a:rPr lang="sv-SE" dirty="0" err="1" smtClean="0"/>
+              <a:t>Figure</a:t>
+            </a:r>
+            <a:endParaRPr lang="sv-SE" dirty="0"/>
+          </a:p>
+        </p:txBody>
+      </p:sp>
+    </p:spTree>
+    <p:extLst>
+      <p:ext uri="{BB962C8B-B14F-4D97-AF65-F5344CB8AC3E}">
+        <p14:creationId xmlns:p14="http://schemas.microsoft.com/office/powerpoint/2010/main" val="219714151"/>
+      </p:ext>
+    </p:extLst>
+  </p:cSld>
+  <p:clrMapOvr>
+    <a:masterClrMapping/>
+  </p:clrMapOvr>
+  <mc:AlternateContent xmlns:mc="http://schemas.openxmlformats.org/markup-compatibility/2006" xmlns:p14="http://schemas.microsoft.com/office/powerpoint/2010/main">
+    <mc:Choice Requires="p14">
+      <p:transition spd="med" p14:dur="700">
+        <p:fade/>
+      </p:transition>
+    </mc:Choice>
+    <mc:Fallback xmlns="">
+      <p:transition spd="med">
+        <p:fade/>
+      </p:transition>
+    </mc:Fallback>
+  </mc:AlternateContent>
+</p:sld>
+</file>
+
+<file path=ppt/slides/slide6.xml><?xml version="1.0" encoding="utf-8"?>
+<p:sld xmlns:a="http://schemas.openxmlformats.org/drawingml/2006/main" xmlns:r="http://schemas.openxmlformats.org/officeDocument/2006/relationships" xmlns:p="http://schemas.openxmlformats.org/presentationml/2006/main">
+  <p:cSld>
+    <p:spTree>
+      <p:nvGrpSpPr>
+        <p:cNvPr id="1" name=""/>
+        <p:cNvGrpSpPr/>
+        <p:nvPr/>
+      </p:nvGrpSpPr>
+      <p:grpSpPr>
+        <a:xfrm>
+          <a:off x="0" y="0"/>
+          <a:ext cx="0" cy="0"/>
+          <a:chOff x="0" y="0"/>
+          <a:chExt cx="0" cy="0"/>
+        </a:xfrm>
+      </p:grpSpPr>
+      <p:sp>
+        <p:nvSpPr>
+          <p:cNvPr id="3" name="Footer Placeholder 2"/>
+          <p:cNvSpPr>
+            <a:spLocks noGrp="1"/>
+          </p:cNvSpPr>
+          <p:nvPr>
+            <p:ph type="ftr" sz="quarter" idx="11"/>
+          </p:nvPr>
+        </p:nvSpPr>
+        <p:spPr/>
+        <p:txBody>
+          <a:bodyPr/>
+          <a:lstStyle/>
+          <a:p>
+            <a:r>
+              <a:rPr lang="en-GB" dirty="0" smtClean="0"/>
+              <a:t>MJ2380-2381 2020</a:t>
+            </a:r>
+            <a:endParaRPr lang="en-GB" dirty="0"/>
+          </a:p>
+        </p:txBody>
+      </p:sp>
+      <p:sp>
+        <p:nvSpPr>
+          <p:cNvPr id="4" name="Slide Number Placeholder 3"/>
+          <p:cNvSpPr>
+            <a:spLocks noGrp="1"/>
+          </p:cNvSpPr>
+          <p:nvPr>
+            <p:ph type="sldNum" sz="quarter" idx="12"/>
+          </p:nvPr>
+        </p:nvSpPr>
+        <p:spPr/>
+        <p:txBody>
+          <a:bodyPr/>
+          <a:lstStyle/>
+          <a:p>
+            <a:fld id="{F36C87F6-986D-49E6-AF40-1B3A1EE8064D}" type="slidenum">
+              <a:rPr lang="en-GB" smtClean="0"/>
+              <a:pPr/>
+              <a:t>6</a:t>
+            </a:fld>
+            <a:endParaRPr lang="en-GB" dirty="0"/>
+          </a:p>
+        </p:txBody>
+      </p:sp>
+      <p:sp>
+        <p:nvSpPr>
+          <p:cNvPr id="5" name="Title 4"/>
+          <p:cNvSpPr>
+            <a:spLocks noGrp="1"/>
+          </p:cNvSpPr>
+          <p:nvPr>
+            <p:ph type="title"/>
+          </p:nvPr>
+        </p:nvSpPr>
+        <p:spPr/>
+        <p:txBody>
+          <a:bodyPr/>
+          <a:lstStyle/>
+          <a:p>
+            <a:r>
+              <a:rPr lang="sv-SE" dirty="0" err="1" smtClean="0"/>
+              <a:t>Figure</a:t>
+            </a:r>
+            <a:r>
+              <a:rPr lang="sv-SE" dirty="0" smtClean="0"/>
+              <a:t> + text</a:t>
+            </a:r>
+            <a:endParaRPr lang="sv-SE" dirty="0"/>
+          </a:p>
+        </p:txBody>
+      </p:sp>
+      <p:pic>
+        <p:nvPicPr>
+          <p:cNvPr id="6" name="Content Placeholder 6"/>
+          <p:cNvPicPr>
+            <a:picLocks noGrp="1" noChangeAspect="1"/>
+          </p:cNvPicPr>
+          <p:nvPr>
+            <p:ph idx="1"/>
+          </p:nvPr>
+        </p:nvPicPr>
+        <p:blipFill>
+          <a:blip r:embed="rId2" cstate="print">
+            <a:extLst>
+              <a:ext uri="{28A0092B-C50C-407E-A947-70E740481C1C}">
+                <a14:useLocalDpi xmlns:a14="http://schemas.microsoft.com/office/drawing/2010/main" val="0"/>
+              </a:ext>
+            </a:extLst>
+          </a:blip>
+          <a:stretch>
+            <a:fillRect/>
+          </a:stretch>
+        </p:blipFill>
+        <p:spPr>
+          <a:xfrm>
+            <a:off x="1033389" y="1632057"/>
+            <a:ext cx="5062695" cy="4551438"/>
+          </a:xfrm>
+        </p:spPr>
+      </p:pic>
+      <p:sp>
+        <p:nvSpPr>
+          <p:cNvPr id="7" name="Content Placeholder 1"/>
+          <p:cNvSpPr txBox="1">
+            <a:spLocks/>
+          </p:cNvSpPr>
+          <p:nvPr/>
+        </p:nvSpPr>
+        <p:spPr>
+          <a:xfrm>
+            <a:off x="6215604" y="1621738"/>
+            <a:ext cx="5138195" cy="1688621"/>
+          </a:xfrm>
+          <a:prstGeom prst="rect">
+            <a:avLst/>
+          </a:prstGeom>
+        </p:spPr>
+        <p:txBody>
+          <a:bodyPr vert="horz" lIns="91440" tIns="45720" rIns="91440" bIns="45720" rtlCol="0">
+            <a:normAutofit/>
+          </a:bodyPr>
+          <a:lstStyle>
+            <a:lvl1pPr marL="0" indent="0" algn="l" defTabSz="914400" rtl="0" eaLnBrk="1" latinLnBrk="0" hangingPunct="1">
+              <a:lnSpc>
+                <a:spcPct val="90000"/>
+              </a:lnSpc>
+              <a:spcBef>
+                <a:spcPts val="1000"/>
+              </a:spcBef>
+              <a:buFont typeface="Arial" panose="020B0604020202020204" pitchFamily="34" charset="0"/>
+              <a:buNone/>
+              <a:defRPr sz="2800" kern="1200" spc="-150">
+                <a:solidFill>
+                  <a:schemeClr val="tx1"/>
+                </a:solidFill>
+                <a:latin typeface="+mn-lt"/>
+                <a:ea typeface="+mn-ea"/>
+                <a:cs typeface="+mn-cs"/>
+              </a:defRPr>
+            </a:lvl1pPr>
+            <a:lvl2pPr marL="685800" indent="-228600" algn="l" defTabSz="914400" rtl="0" eaLnBrk="1" latinLnBrk="0" hangingPunct="1">
+              <a:lnSpc>
+                <a:spcPct val="90000"/>
+              </a:lnSpc>
+              <a:spcBef>
+                <a:spcPts val="500"/>
+              </a:spcBef>
+              <a:buFont typeface="Arial" panose="020B0604020202020204" pitchFamily="34" charset="0"/>
+              <a:buChar char="•"/>
+              <a:defRPr sz="2400" kern="1200" spc="-150">
+                <a:solidFill>
+                  <a:schemeClr val="tx1"/>
+                </a:solidFill>
+                <a:latin typeface="+mn-lt"/>
+                <a:ea typeface="+mn-ea"/>
+                <a:cs typeface="+mn-cs"/>
+              </a:defRPr>
+            </a:lvl2pPr>
+            <a:lvl3pPr marL="1143000" indent="-228600" algn="l" defTabSz="914400" rtl="0" eaLnBrk="1" latinLnBrk="0" hangingPunct="1">
+              <a:lnSpc>
+                <a:spcPct val="90000"/>
+              </a:lnSpc>
+              <a:spcBef>
+                <a:spcPts val="500"/>
+              </a:spcBef>
+              <a:buFont typeface="Arial" panose="020B0604020202020204" pitchFamily="34" charset="0"/>
+              <a:buChar char="•"/>
+              <a:defRPr sz="2000" kern="1200" spc="-150">
+                <a:solidFill>
+                  <a:schemeClr val="tx1"/>
+                </a:solidFill>
+                <a:latin typeface="+mn-lt"/>
+                <a:ea typeface="+mn-ea"/>
+                <a:cs typeface="+mn-cs"/>
+              </a:defRPr>
+            </a:lvl3pPr>
+            <a:lvl4pPr marL="1600200" indent="-228600" algn="l" defTabSz="914400" rtl="0" eaLnBrk="1" latinLnBrk="0" hangingPunct="1">
+              <a:lnSpc>
+                <a:spcPct val="90000"/>
+              </a:lnSpc>
+              <a:spcBef>
+                <a:spcPts val="500"/>
+              </a:spcBef>
+              <a:buFont typeface="Arial" panose="020B0604020202020204" pitchFamily="34" charset="0"/>
+              <a:buChar char="•"/>
+              <a:defRPr sz="1800" kern="1200" spc="-150">
+                <a:solidFill>
+                  <a:schemeClr val="tx1"/>
+                </a:solidFill>
+                <a:latin typeface="+mn-lt"/>
+                <a:ea typeface="+mn-ea"/>
+                <a:cs typeface="+mn-cs"/>
+              </a:defRPr>
+            </a:lvl4pPr>
+            <a:lvl5pPr marL="2057400" indent="-228600" algn="l" defTabSz="914400" rtl="0" eaLnBrk="1" latinLnBrk="0" hangingPunct="1">
+              <a:lnSpc>
+                <a:spcPct val="90000"/>
+              </a:lnSpc>
+              <a:spcBef>
+                <a:spcPts val="500"/>
+              </a:spcBef>
+              <a:buFont typeface="Arial" panose="020B0604020202020204" pitchFamily="34" charset="0"/>
+              <a:buChar char="•"/>
+              <a:defRPr sz="1800" kern="1200" spc="-150">
+                <a:solidFill>
+                  <a:schemeClr val="tx1"/>
+                </a:solidFill>
+                <a:latin typeface="+mn-lt"/>
+                <a:ea typeface="+mn-ea"/>
+                <a:cs typeface="+mn-cs"/>
+              </a:defRPr>
+            </a:lvl5pPr>
+            <a:lvl6pPr marL="2514600" indent="-228600" algn="l" defTabSz="914400" rtl="0" eaLnBrk="1" latinLnBrk="0" hangingPunct="1">
+              <a:lnSpc>
+                <a:spcPct val="90000"/>
+              </a:lnSpc>
+              <a:spcBef>
+                <a:spcPts val="500"/>
+              </a:spcBef>
+              <a:buFont typeface="Arial" panose="020B0604020202020204" pitchFamily="34" charset="0"/>
+              <a:buChar char="•"/>
+              <a:defRPr sz="1800" kern="1200">
+                <a:solidFill>
+                  <a:schemeClr val="tx1"/>
+                </a:solidFill>
+                <a:latin typeface="+mn-lt"/>
+                <a:ea typeface="+mn-ea"/>
+                <a:cs typeface="+mn-cs"/>
+              </a:defRPr>
+            </a:lvl6pPr>
+            <a:lvl7pPr marL="2971800" indent="-228600" algn="l" defTabSz="914400" rtl="0" eaLnBrk="1" latinLnBrk="0" hangingPunct="1">
+              <a:lnSpc>
+                <a:spcPct val="90000"/>
+              </a:lnSpc>
+              <a:spcBef>
+                <a:spcPts val="500"/>
+              </a:spcBef>
+              <a:buFont typeface="Arial" panose="020B0604020202020204" pitchFamily="34" charset="0"/>
+              <a:buChar char="•"/>
+              <a:defRPr sz="1800" kern="1200">
+                <a:solidFill>
+                  <a:schemeClr val="tx1"/>
+                </a:solidFill>
+                <a:latin typeface="+mn-lt"/>
+                <a:ea typeface="+mn-ea"/>
+                <a:cs typeface="+mn-cs"/>
+              </a:defRPr>
+            </a:lvl7pPr>
+            <a:lvl8pPr marL="3429000" indent="-228600" algn="l" defTabSz="914400" rtl="0" eaLnBrk="1" latinLnBrk="0" hangingPunct="1">
+              <a:lnSpc>
+                <a:spcPct val="90000"/>
+              </a:lnSpc>
+              <a:spcBef>
+                <a:spcPts val="500"/>
+              </a:spcBef>
+              <a:buFont typeface="Arial" panose="020B0604020202020204" pitchFamily="34" charset="0"/>
+              <a:buChar char="•"/>
+              <a:defRPr sz="1800" kern="1200">
+                <a:solidFill>
+                  <a:schemeClr val="tx1"/>
+                </a:solidFill>
+                <a:latin typeface="+mn-lt"/>
+                <a:ea typeface="+mn-ea"/>
+                <a:cs typeface="+mn-cs"/>
+              </a:defRPr>
+            </a:lvl8pPr>
+            <a:lvl9pPr marL="3886200" indent="-228600" algn="l" defTabSz="914400" rtl="0" eaLnBrk="1" latinLnBrk="0" hangingPunct="1">
+              <a:lnSpc>
+                <a:spcPct val="90000"/>
+              </a:lnSpc>
+              <a:spcBef>
+                <a:spcPts val="500"/>
+              </a:spcBef>
+              <a:buFont typeface="Arial" panose="020B0604020202020204" pitchFamily="34" charset="0"/>
+              <a:buChar char="•"/>
+              <a:defRPr sz="1800" kern="1200">
+                <a:solidFill>
+                  <a:schemeClr val="tx1"/>
+                </a:solidFill>
+                <a:latin typeface="+mn-lt"/>
+                <a:ea typeface="+mn-ea"/>
+                <a:cs typeface="+mn-cs"/>
+              </a:defRPr>
+            </a:lvl9pPr>
+          </a:lstStyle>
+          <a:p>
+            <a:pPr>
+              <a:defRPr/>
+            </a:pPr>
+            <a:r>
+              <a:rPr lang="en-US" sz="2400" dirty="0" smtClean="0"/>
+              <a:t>Text on the right of the picture,</a:t>
+            </a:r>
+          </a:p>
+          <a:p>
+            <a:pPr>
+              <a:defRPr/>
+            </a:pPr>
+            <a:r>
+              <a:rPr lang="en-US" sz="2400" dirty="0" smtClean="0"/>
+              <a:t>Might be difficult </a:t>
+            </a:r>
+            <a:r>
+              <a:rPr lang="en-US" sz="2400" dirty="0"/>
+              <a:t> </a:t>
+            </a:r>
+            <a:r>
+              <a:rPr lang="en-US" sz="2400" dirty="0" smtClean="0"/>
+              <a:t>to make it show in the slide</a:t>
+            </a:r>
+            <a:endParaRPr lang="en-US" sz="2400" dirty="0"/>
+          </a:p>
+        </p:txBody>
+      </p:sp>
+      <p:sp>
+        <p:nvSpPr>
+          <p:cNvPr id="8" name="Content Placeholder 1"/>
+          <p:cNvSpPr txBox="1">
+            <a:spLocks/>
+          </p:cNvSpPr>
+          <p:nvPr/>
+        </p:nvSpPr>
+        <p:spPr>
+          <a:xfrm>
+            <a:off x="6335208" y="3298094"/>
+            <a:ext cx="5138195" cy="1688621"/>
+          </a:xfrm>
+          <a:prstGeom prst="rect">
+            <a:avLst/>
+          </a:prstGeom>
+        </p:spPr>
+        <p:txBody>
+          <a:bodyPr vert="horz" lIns="91440" tIns="45720" rIns="91440" bIns="45720" rtlCol="0">
+            <a:normAutofit/>
+          </a:bodyPr>
+          <a:lstStyle>
+            <a:lvl1pPr marL="0" indent="0" algn="l" defTabSz="914400" rtl="0" eaLnBrk="1" latinLnBrk="0" hangingPunct="1">
+              <a:lnSpc>
+                <a:spcPct val="90000"/>
+              </a:lnSpc>
+              <a:spcBef>
+                <a:spcPts val="1000"/>
+              </a:spcBef>
+              <a:buFont typeface="Arial" panose="020B0604020202020204" pitchFamily="34" charset="0"/>
+              <a:buNone/>
+              <a:defRPr sz="2800" kern="1200" spc="-150">
+                <a:solidFill>
+                  <a:schemeClr val="tx1"/>
+                </a:solidFill>
+                <a:latin typeface="+mn-lt"/>
+                <a:ea typeface="+mn-ea"/>
+                <a:cs typeface="+mn-cs"/>
+              </a:defRPr>
+            </a:lvl1pPr>
+            <a:lvl2pPr marL="685800" indent="-228600" algn="l" defTabSz="914400" rtl="0" eaLnBrk="1" latinLnBrk="0" hangingPunct="1">
+              <a:lnSpc>
+                <a:spcPct val="90000"/>
+              </a:lnSpc>
+              <a:spcBef>
+                <a:spcPts val="500"/>
+              </a:spcBef>
+              <a:buFont typeface="Arial" panose="020B0604020202020204" pitchFamily="34" charset="0"/>
+              <a:buChar char="•"/>
+              <a:defRPr sz="2400" kern="1200" spc="-150">
+                <a:solidFill>
+                  <a:schemeClr val="tx1"/>
+                </a:solidFill>
+                <a:latin typeface="+mn-lt"/>
+                <a:ea typeface="+mn-ea"/>
+                <a:cs typeface="+mn-cs"/>
+              </a:defRPr>
+            </a:lvl2pPr>
+            <a:lvl3pPr marL="1143000" indent="-228600" algn="l" defTabSz="914400" rtl="0" eaLnBrk="1" latinLnBrk="0" hangingPunct="1">
+              <a:lnSpc>
+                <a:spcPct val="90000"/>
+              </a:lnSpc>
+              <a:spcBef>
+                <a:spcPts val="500"/>
+              </a:spcBef>
+              <a:buFont typeface="Arial" panose="020B0604020202020204" pitchFamily="34" charset="0"/>
+              <a:buChar char="•"/>
+              <a:defRPr sz="2000" kern="1200" spc="-150">
+                <a:solidFill>
+                  <a:schemeClr val="tx1"/>
+                </a:solidFill>
+                <a:latin typeface="+mn-lt"/>
+                <a:ea typeface="+mn-ea"/>
+                <a:cs typeface="+mn-cs"/>
+              </a:defRPr>
+            </a:lvl3pPr>
+            <a:lvl4pPr marL="1600200" indent="-228600" algn="l" defTabSz="914400" rtl="0" eaLnBrk="1" latinLnBrk="0" hangingPunct="1">
+              <a:lnSpc>
+                <a:spcPct val="90000"/>
+              </a:lnSpc>
+              <a:spcBef>
+                <a:spcPts val="500"/>
+              </a:spcBef>
+              <a:buFont typeface="Arial" panose="020B0604020202020204" pitchFamily="34" charset="0"/>
+              <a:buChar char="•"/>
+              <a:defRPr sz="1800" kern="1200" spc="-150">
+                <a:solidFill>
+                  <a:schemeClr val="tx1"/>
+                </a:solidFill>
+                <a:latin typeface="+mn-lt"/>
+                <a:ea typeface="+mn-ea"/>
+                <a:cs typeface="+mn-cs"/>
+              </a:defRPr>
+            </a:lvl4pPr>
+            <a:lvl5pPr marL="2057400" indent="-228600" algn="l" defTabSz="914400" rtl="0" eaLnBrk="1" latinLnBrk="0" hangingPunct="1">
+              <a:lnSpc>
+                <a:spcPct val="90000"/>
+              </a:lnSpc>
+              <a:spcBef>
+                <a:spcPts val="500"/>
+              </a:spcBef>
+              <a:buFont typeface="Arial" panose="020B0604020202020204" pitchFamily="34" charset="0"/>
+              <a:buChar char="•"/>
+              <a:defRPr sz="1800" kern="1200" spc="-150">
+                <a:solidFill>
+                  <a:schemeClr val="tx1"/>
+                </a:solidFill>
+                <a:latin typeface="+mn-lt"/>
+                <a:ea typeface="+mn-ea"/>
+                <a:cs typeface="+mn-cs"/>
+              </a:defRPr>
+            </a:lvl5pPr>
+            <a:lvl6pPr marL="2514600" indent="-228600" algn="l" defTabSz="914400" rtl="0" eaLnBrk="1" latinLnBrk="0" hangingPunct="1">
+              <a:lnSpc>
+                <a:spcPct val="90000"/>
+              </a:lnSpc>
+              <a:spcBef>
+                <a:spcPts val="500"/>
+              </a:spcBef>
+              <a:buFont typeface="Arial" panose="020B0604020202020204" pitchFamily="34" charset="0"/>
+              <a:buChar char="•"/>
+              <a:defRPr sz="1800" kern="1200">
+                <a:solidFill>
+                  <a:schemeClr val="tx1"/>
+                </a:solidFill>
+                <a:latin typeface="+mn-lt"/>
+                <a:ea typeface="+mn-ea"/>
+                <a:cs typeface="+mn-cs"/>
+              </a:defRPr>
+            </a:lvl6pPr>
+            <a:lvl7pPr marL="2971800" indent="-228600" algn="l" defTabSz="914400" rtl="0" eaLnBrk="1" latinLnBrk="0" hangingPunct="1">
+              <a:lnSpc>
+                <a:spcPct val="90000"/>
+              </a:lnSpc>
+              <a:spcBef>
+                <a:spcPts val="500"/>
+              </a:spcBef>
+              <a:buFont typeface="Arial" panose="020B0604020202020204" pitchFamily="34" charset="0"/>
+              <a:buChar char="•"/>
+              <a:defRPr sz="1800" kern="1200">
+                <a:solidFill>
+                  <a:schemeClr val="tx1"/>
+                </a:solidFill>
+                <a:latin typeface="+mn-lt"/>
+                <a:ea typeface="+mn-ea"/>
+                <a:cs typeface="+mn-cs"/>
+              </a:defRPr>
+            </a:lvl7pPr>
+            <a:lvl8pPr marL="3429000" indent="-228600" algn="l" defTabSz="914400" rtl="0" eaLnBrk="1" latinLnBrk="0" hangingPunct="1">
+              <a:lnSpc>
+                <a:spcPct val="90000"/>
+              </a:lnSpc>
+              <a:spcBef>
+                <a:spcPts val="500"/>
+              </a:spcBef>
+              <a:buFont typeface="Arial" panose="020B0604020202020204" pitchFamily="34" charset="0"/>
+              <a:buChar char="•"/>
+              <a:defRPr sz="1800" kern="1200">
+                <a:solidFill>
+                  <a:schemeClr val="tx1"/>
+                </a:solidFill>
+                <a:latin typeface="+mn-lt"/>
+                <a:ea typeface="+mn-ea"/>
+                <a:cs typeface="+mn-cs"/>
+              </a:defRPr>
+            </a:lvl8pPr>
+            <a:lvl9pPr marL="3886200" indent="-228600" algn="l" defTabSz="914400" rtl="0" eaLnBrk="1" latinLnBrk="0" hangingPunct="1">
+              <a:lnSpc>
+                <a:spcPct val="90000"/>
+              </a:lnSpc>
+              <a:spcBef>
+                <a:spcPts val="500"/>
+              </a:spcBef>
+              <a:buFont typeface="Arial" panose="020B0604020202020204" pitchFamily="34" charset="0"/>
+              <a:buChar char="•"/>
+              <a:defRPr sz="1800" kern="1200">
+                <a:solidFill>
+                  <a:schemeClr val="tx1"/>
+                </a:solidFill>
+                <a:latin typeface="+mn-lt"/>
+                <a:ea typeface="+mn-ea"/>
+                <a:cs typeface="+mn-cs"/>
+              </a:defRPr>
+            </a:lvl9pPr>
+          </a:lstStyle>
+          <a:p>
+            <a:pPr>
+              <a:defRPr/>
+            </a:pPr>
+            <a:r>
+              <a:rPr lang="en-US" sz="2400" dirty="0" smtClean="0"/>
+              <a:t>Second text box next to the picture</a:t>
+            </a:r>
+            <a:endParaRPr lang="en-US" sz="2400" dirty="0"/>
+          </a:p>
+        </p:txBody>
+      </p:sp>
+    </p:spTree>
+    <p:extLst>
+      <p:ext uri="{BB962C8B-B14F-4D97-AF65-F5344CB8AC3E}">
+        <p14:creationId xmlns:p14="http://schemas.microsoft.com/office/powerpoint/2010/main" val="3640970149"/>
+      </p:ext>
+    </p:extLst>
+  </p:cSld>
+  <p:clrMapOvr>
+    <a:masterClrMapping/>
+  </p:clrMapOvr>
+  <mc:AlternateContent xmlns:mc="http://schemas.openxmlformats.org/markup-compatibility/2006" xmlns:p14="http://schemas.microsoft.com/office/powerpoint/2010/main">
+    <mc:Choice Requires="p14">
+      <p:transition spd="med" p14:dur="700">
+        <p:fade/>
+      </p:transition>
+    </mc:Choice>
+    <mc:Fallback xmlns="">
+      <p:transition spd="med">
+        <p:fade/>
+      </p:transition>
+    </mc:Fallback>
+  </mc:AlternateContent>
+</p:sld>
+</file>
+
+<file path=ppt/slides/slide7.xml><?xml version="1.0" encoding="utf-8"?>
+<p:sld xmlns:a="http://schemas.openxmlformats.org/drawingml/2006/main" xmlns:r="http://schemas.openxmlformats.org/officeDocument/2006/relationships" xmlns:p="http://schemas.openxmlformats.org/presentationml/2006/main">
+  <p:cSld>
+    <p:spTree>
+      <p:nvGrpSpPr>
+        <p:cNvPr id="1" name=""/>
+        <p:cNvGrpSpPr/>
+        <p:nvPr/>
+      </p:nvGrpSpPr>
+      <p:grpSpPr>
+        <a:xfrm>
+          <a:off x="0" y="0"/>
+          <a:ext cx="0" cy="0"/>
+          <a:chOff x="0" y="0"/>
+          <a:chExt cx="0" cy="0"/>
+        </a:xfrm>
+      </p:grpSpPr>
+      <p:sp>
+        <p:nvSpPr>
+          <p:cNvPr id="3" name="Footer Placeholder 2"/>
+          <p:cNvSpPr>
+            <a:spLocks noGrp="1"/>
+          </p:cNvSpPr>
+          <p:nvPr>
+            <p:ph type="ftr" sz="quarter" idx="11"/>
+          </p:nvPr>
+        </p:nvSpPr>
+        <p:spPr/>
+        <p:txBody>
+          <a:bodyPr/>
+          <a:lstStyle/>
+          <a:p>
+            <a:r>
+              <a:rPr lang="en-GB" dirty="0" smtClean="0"/>
+              <a:t>MJ2380-2381 2020</a:t>
+            </a:r>
+            <a:endParaRPr lang="en-GB" dirty="0"/>
+          </a:p>
+        </p:txBody>
+      </p:sp>
+      <p:sp>
+        <p:nvSpPr>
+          <p:cNvPr id="4" name="Slide Number Placeholder 3"/>
+          <p:cNvSpPr>
+            <a:spLocks noGrp="1"/>
+          </p:cNvSpPr>
+          <p:nvPr>
+            <p:ph type="sldNum" sz="quarter" idx="12"/>
+          </p:nvPr>
+        </p:nvSpPr>
+        <p:spPr/>
+        <p:txBody>
+          <a:bodyPr/>
+          <a:lstStyle/>
+          <a:p>
+            <a:fld id="{F36C87F6-986D-49E6-AF40-1B3A1EE8064D}" type="slidenum">
+              <a:rPr lang="en-GB" smtClean="0"/>
+              <a:pPr/>
+              <a:t>7</a:t>
+            </a:fld>
+            <a:endParaRPr lang="en-GB" dirty="0"/>
+          </a:p>
+        </p:txBody>
+      </p:sp>
+      <p:sp>
+        <p:nvSpPr>
+          <p:cNvPr id="5" name="Title 4"/>
+          <p:cNvSpPr>
+            <a:spLocks noGrp="1"/>
+          </p:cNvSpPr>
+          <p:nvPr>
+            <p:ph type="title"/>
+          </p:nvPr>
+        </p:nvSpPr>
+        <p:spPr/>
+        <p:txBody>
+          <a:bodyPr/>
+          <a:lstStyle/>
+          <a:p>
+            <a:r>
+              <a:rPr lang="sv-SE" dirty="0" err="1" smtClean="0"/>
+              <a:t>Figure</a:t>
+            </a:r>
+            <a:r>
+              <a:rPr lang="sv-SE" dirty="0" smtClean="0"/>
+              <a:t> + text</a:t>
+            </a:r>
+            <a:endParaRPr lang="sv-SE" dirty="0"/>
+          </a:p>
+        </p:txBody>
+      </p:sp>
+      <p:pic>
+        <p:nvPicPr>
+          <p:cNvPr id="6" name="Content Placeholder 6"/>
+          <p:cNvPicPr>
+            <a:picLocks noGrp="1" noChangeAspect="1"/>
+          </p:cNvPicPr>
+          <p:nvPr>
+            <p:ph idx="1"/>
+          </p:nvPr>
+        </p:nvPicPr>
+        <p:blipFill>
+          <a:blip r:embed="rId2" cstate="print">
+            <a:extLst>
+              <a:ext uri="{28A0092B-C50C-407E-A947-70E740481C1C}">
+                <a14:useLocalDpi xmlns:a14="http://schemas.microsoft.com/office/drawing/2010/main" val="0"/>
+              </a:ext>
+            </a:extLst>
+          </a:blip>
+          <a:stretch>
+            <a:fillRect/>
+          </a:stretch>
+        </p:blipFill>
+        <p:spPr>
+          <a:xfrm>
+            <a:off x="1935480" y="2645855"/>
+            <a:ext cx="8530815" cy="2169458"/>
+          </a:xfrm>
+        </p:spPr>
+      </p:pic>
+      <p:sp>
+        <p:nvSpPr>
+          <p:cNvPr id="7" name="Content Placeholder 1"/>
+          <p:cNvSpPr txBox="1">
+            <a:spLocks/>
+          </p:cNvSpPr>
+          <p:nvPr/>
+        </p:nvSpPr>
+        <p:spPr>
+          <a:xfrm>
+            <a:off x="1935480" y="1695460"/>
+            <a:ext cx="7997414" cy="707082"/>
+          </a:xfrm>
+          <a:prstGeom prst="rect">
+            <a:avLst/>
+          </a:prstGeom>
+        </p:spPr>
+        <p:txBody>
+          <a:bodyPr vert="horz" lIns="91440" tIns="45720" rIns="91440" bIns="45720" rtlCol="0">
+            <a:normAutofit/>
+          </a:bodyPr>
+          <a:lstStyle>
+            <a:lvl1pPr marL="0" indent="0" algn="l" defTabSz="914400" rtl="0" eaLnBrk="1" latinLnBrk="0" hangingPunct="1">
+              <a:lnSpc>
+                <a:spcPct val="90000"/>
+              </a:lnSpc>
+              <a:spcBef>
+                <a:spcPts val="1000"/>
+              </a:spcBef>
+              <a:buFont typeface="Arial" panose="020B0604020202020204" pitchFamily="34" charset="0"/>
+              <a:buNone/>
+              <a:defRPr sz="2800" kern="1200" spc="-150">
+                <a:solidFill>
+                  <a:schemeClr val="tx1"/>
+                </a:solidFill>
+                <a:latin typeface="+mn-lt"/>
+                <a:ea typeface="+mn-ea"/>
+                <a:cs typeface="+mn-cs"/>
+              </a:defRPr>
+            </a:lvl1pPr>
+            <a:lvl2pPr marL="685800" indent="-228600" algn="l" defTabSz="914400" rtl="0" eaLnBrk="1" latinLnBrk="0" hangingPunct="1">
+              <a:lnSpc>
+                <a:spcPct val="90000"/>
+              </a:lnSpc>
+              <a:spcBef>
+                <a:spcPts val="500"/>
+              </a:spcBef>
+              <a:buFont typeface="Arial" panose="020B0604020202020204" pitchFamily="34" charset="0"/>
+              <a:buChar char="•"/>
+              <a:defRPr sz="2400" kern="1200" spc="-150">
+                <a:solidFill>
+                  <a:schemeClr val="tx1"/>
+                </a:solidFill>
+                <a:latin typeface="+mn-lt"/>
+                <a:ea typeface="+mn-ea"/>
+                <a:cs typeface="+mn-cs"/>
+              </a:defRPr>
+            </a:lvl2pPr>
+            <a:lvl3pPr marL="1143000" indent="-228600" algn="l" defTabSz="914400" rtl="0" eaLnBrk="1" latinLnBrk="0" hangingPunct="1">
+              <a:lnSpc>
+                <a:spcPct val="90000"/>
+              </a:lnSpc>
+              <a:spcBef>
+                <a:spcPts val="500"/>
+              </a:spcBef>
+              <a:buFont typeface="Arial" panose="020B0604020202020204" pitchFamily="34" charset="0"/>
+              <a:buChar char="•"/>
+              <a:defRPr sz="2000" kern="1200" spc="-150">
+                <a:solidFill>
+                  <a:schemeClr val="tx1"/>
+                </a:solidFill>
+                <a:latin typeface="+mn-lt"/>
+                <a:ea typeface="+mn-ea"/>
+                <a:cs typeface="+mn-cs"/>
+              </a:defRPr>
+            </a:lvl3pPr>
+            <a:lvl4pPr marL="1600200" indent="-228600" algn="l" defTabSz="914400" rtl="0" eaLnBrk="1" latinLnBrk="0" hangingPunct="1">
+              <a:lnSpc>
+                <a:spcPct val="90000"/>
+              </a:lnSpc>
+              <a:spcBef>
+                <a:spcPts val="500"/>
+              </a:spcBef>
+              <a:buFont typeface="Arial" panose="020B0604020202020204" pitchFamily="34" charset="0"/>
+              <a:buChar char="•"/>
+              <a:defRPr sz="1800" kern="1200" spc="-150">
+                <a:solidFill>
+                  <a:schemeClr val="tx1"/>
+                </a:solidFill>
+                <a:latin typeface="+mn-lt"/>
+                <a:ea typeface="+mn-ea"/>
+                <a:cs typeface="+mn-cs"/>
+              </a:defRPr>
+            </a:lvl4pPr>
+            <a:lvl5pPr marL="2057400" indent="-228600" algn="l" defTabSz="914400" rtl="0" eaLnBrk="1" latinLnBrk="0" hangingPunct="1">
+              <a:lnSpc>
+                <a:spcPct val="90000"/>
+              </a:lnSpc>
+              <a:spcBef>
+                <a:spcPts val="500"/>
+              </a:spcBef>
+              <a:buFont typeface="Arial" panose="020B0604020202020204" pitchFamily="34" charset="0"/>
+              <a:buChar char="•"/>
+              <a:defRPr sz="1800" kern="1200" spc="-150">
+                <a:solidFill>
+                  <a:schemeClr val="tx1"/>
+                </a:solidFill>
+                <a:latin typeface="+mn-lt"/>
+                <a:ea typeface="+mn-ea"/>
+                <a:cs typeface="+mn-cs"/>
+              </a:defRPr>
+            </a:lvl5pPr>
+            <a:lvl6pPr marL="2514600" indent="-228600" algn="l" defTabSz="914400" rtl="0" eaLnBrk="1" latinLnBrk="0" hangingPunct="1">
+              <a:lnSpc>
+                <a:spcPct val="90000"/>
+              </a:lnSpc>
+              <a:spcBef>
+                <a:spcPts val="500"/>
+              </a:spcBef>
+              <a:buFont typeface="Arial" panose="020B0604020202020204" pitchFamily="34" charset="0"/>
+              <a:buChar char="•"/>
+              <a:defRPr sz="1800" kern="1200">
+                <a:solidFill>
+                  <a:schemeClr val="tx1"/>
+                </a:solidFill>
+                <a:latin typeface="+mn-lt"/>
+                <a:ea typeface="+mn-ea"/>
+                <a:cs typeface="+mn-cs"/>
+              </a:defRPr>
+            </a:lvl6pPr>
+            <a:lvl7pPr marL="2971800" indent="-228600" algn="l" defTabSz="914400" rtl="0" eaLnBrk="1" latinLnBrk="0" hangingPunct="1">
+              <a:lnSpc>
+                <a:spcPct val="90000"/>
+              </a:lnSpc>
+              <a:spcBef>
+                <a:spcPts val="500"/>
+              </a:spcBef>
+              <a:buFont typeface="Arial" panose="020B0604020202020204" pitchFamily="34" charset="0"/>
+              <a:buChar char="•"/>
+              <a:defRPr sz="1800" kern="1200">
+                <a:solidFill>
+                  <a:schemeClr val="tx1"/>
+                </a:solidFill>
+                <a:latin typeface="+mn-lt"/>
+                <a:ea typeface="+mn-ea"/>
+                <a:cs typeface="+mn-cs"/>
+              </a:defRPr>
+            </a:lvl7pPr>
+            <a:lvl8pPr marL="3429000" indent="-228600" algn="l" defTabSz="914400" rtl="0" eaLnBrk="1" latinLnBrk="0" hangingPunct="1">
+              <a:lnSpc>
+                <a:spcPct val="90000"/>
+              </a:lnSpc>
+              <a:spcBef>
+                <a:spcPts val="500"/>
+              </a:spcBef>
+              <a:buFont typeface="Arial" panose="020B0604020202020204" pitchFamily="34" charset="0"/>
+              <a:buChar char="•"/>
+              <a:defRPr sz="1800" kern="1200">
+                <a:solidFill>
+                  <a:schemeClr val="tx1"/>
+                </a:solidFill>
+                <a:latin typeface="+mn-lt"/>
+                <a:ea typeface="+mn-ea"/>
+                <a:cs typeface="+mn-cs"/>
+              </a:defRPr>
+            </a:lvl8pPr>
+            <a:lvl9pPr marL="3886200" indent="-228600" algn="l" defTabSz="914400" rtl="0" eaLnBrk="1" latinLnBrk="0" hangingPunct="1">
+              <a:lnSpc>
+                <a:spcPct val="90000"/>
+              </a:lnSpc>
+              <a:spcBef>
+                <a:spcPts val="500"/>
+              </a:spcBef>
+              <a:buFont typeface="Arial" panose="020B0604020202020204" pitchFamily="34" charset="0"/>
+              <a:buChar char="•"/>
+              <a:defRPr sz="1800" kern="1200">
+                <a:solidFill>
+                  <a:schemeClr val="tx1"/>
+                </a:solidFill>
+                <a:latin typeface="+mn-lt"/>
+                <a:ea typeface="+mn-ea"/>
+                <a:cs typeface="+mn-cs"/>
+              </a:defRPr>
+            </a:lvl9pPr>
+          </a:lstStyle>
+          <a:p>
+            <a:pPr>
+              <a:defRPr/>
+            </a:pPr>
+            <a:r>
+              <a:rPr lang="en-US" sz="2400" dirty="0" smtClean="0"/>
+              <a:t>Text on top of figure</a:t>
+            </a:r>
+            <a:endParaRPr lang="en-US" sz="2400" dirty="0"/>
+          </a:p>
+        </p:txBody>
+      </p:sp>
+      <p:sp>
+        <p:nvSpPr>
+          <p:cNvPr id="8" name="Content Placeholder 1"/>
+          <p:cNvSpPr txBox="1">
+            <a:spLocks/>
+          </p:cNvSpPr>
+          <p:nvPr/>
+        </p:nvSpPr>
+        <p:spPr>
+          <a:xfrm>
+            <a:off x="1935480" y="5058626"/>
+            <a:ext cx="6217920" cy="449153"/>
+          </a:xfrm>
+          <a:prstGeom prst="rect">
+            <a:avLst/>
+          </a:prstGeom>
+        </p:spPr>
+        <p:txBody>
+          <a:bodyPr vert="horz" lIns="91440" tIns="45720" rIns="91440" bIns="45720" rtlCol="0">
+            <a:noAutofit/>
+          </a:bodyPr>
+          <a:lstStyle>
+            <a:lvl1pPr marL="0" indent="0" algn="l" defTabSz="914400" rtl="0" eaLnBrk="1" latinLnBrk="0" hangingPunct="1">
+              <a:lnSpc>
+                <a:spcPct val="90000"/>
+              </a:lnSpc>
+              <a:spcBef>
+                <a:spcPts val="1000"/>
+              </a:spcBef>
+              <a:buFont typeface="Arial" panose="020B0604020202020204" pitchFamily="34" charset="0"/>
+              <a:buNone/>
+              <a:defRPr sz="2800" kern="1200" spc="-150">
+                <a:solidFill>
+                  <a:schemeClr val="tx1"/>
+                </a:solidFill>
+                <a:latin typeface="+mn-lt"/>
+                <a:ea typeface="+mn-ea"/>
+                <a:cs typeface="+mn-cs"/>
+              </a:defRPr>
+            </a:lvl1pPr>
+            <a:lvl2pPr marL="685800" indent="-228600" algn="l" defTabSz="914400" rtl="0" eaLnBrk="1" latinLnBrk="0" hangingPunct="1">
+              <a:lnSpc>
+                <a:spcPct val="90000"/>
+              </a:lnSpc>
+              <a:spcBef>
+                <a:spcPts val="500"/>
+              </a:spcBef>
+              <a:buFont typeface="Arial" panose="020B0604020202020204" pitchFamily="34" charset="0"/>
+              <a:buChar char="•"/>
+              <a:defRPr sz="2400" kern="1200" spc="-150">
+                <a:solidFill>
+                  <a:schemeClr val="tx1"/>
+                </a:solidFill>
+                <a:latin typeface="+mn-lt"/>
+                <a:ea typeface="+mn-ea"/>
+                <a:cs typeface="+mn-cs"/>
+              </a:defRPr>
+            </a:lvl2pPr>
+            <a:lvl3pPr marL="1143000" indent="-228600" algn="l" defTabSz="914400" rtl="0" eaLnBrk="1" latinLnBrk="0" hangingPunct="1">
+              <a:lnSpc>
+                <a:spcPct val="90000"/>
+              </a:lnSpc>
+              <a:spcBef>
+                <a:spcPts val="500"/>
+              </a:spcBef>
+              <a:buFont typeface="Arial" panose="020B0604020202020204" pitchFamily="34" charset="0"/>
+              <a:buChar char="•"/>
+              <a:defRPr sz="2000" kern="1200" spc="-150">
+                <a:solidFill>
+                  <a:schemeClr val="tx1"/>
+                </a:solidFill>
+                <a:latin typeface="+mn-lt"/>
+                <a:ea typeface="+mn-ea"/>
+                <a:cs typeface="+mn-cs"/>
+              </a:defRPr>
+            </a:lvl3pPr>
+            <a:lvl4pPr marL="1600200" indent="-228600" algn="l" defTabSz="914400" rtl="0" eaLnBrk="1" latinLnBrk="0" hangingPunct="1">
+              <a:lnSpc>
+                <a:spcPct val="90000"/>
+              </a:lnSpc>
+              <a:spcBef>
+                <a:spcPts val="500"/>
+              </a:spcBef>
+              <a:buFont typeface="Arial" panose="020B0604020202020204" pitchFamily="34" charset="0"/>
+              <a:buChar char="•"/>
+              <a:defRPr sz="1800" kern="1200" spc="-150">
+                <a:solidFill>
+                  <a:schemeClr val="tx1"/>
+                </a:solidFill>
+                <a:latin typeface="+mn-lt"/>
+                <a:ea typeface="+mn-ea"/>
+                <a:cs typeface="+mn-cs"/>
+              </a:defRPr>
+            </a:lvl4pPr>
+            <a:lvl5pPr marL="2057400" indent="-228600" algn="l" defTabSz="914400" rtl="0" eaLnBrk="1" latinLnBrk="0" hangingPunct="1">
+              <a:lnSpc>
+                <a:spcPct val="90000"/>
+              </a:lnSpc>
+              <a:spcBef>
+                <a:spcPts val="500"/>
+              </a:spcBef>
+              <a:buFont typeface="Arial" panose="020B0604020202020204" pitchFamily="34" charset="0"/>
+              <a:buChar char="•"/>
+              <a:defRPr sz="1800" kern="1200" spc="-150">
+                <a:solidFill>
+                  <a:schemeClr val="tx1"/>
+                </a:solidFill>
+                <a:latin typeface="+mn-lt"/>
+                <a:ea typeface="+mn-ea"/>
+                <a:cs typeface="+mn-cs"/>
+              </a:defRPr>
+            </a:lvl5pPr>
+            <a:lvl6pPr marL="2514600" indent="-228600" algn="l" defTabSz="914400" rtl="0" eaLnBrk="1" latinLnBrk="0" hangingPunct="1">
+              <a:lnSpc>
+                <a:spcPct val="90000"/>
+              </a:lnSpc>
+              <a:spcBef>
+                <a:spcPts val="500"/>
+              </a:spcBef>
+              <a:buFont typeface="Arial" panose="020B0604020202020204" pitchFamily="34" charset="0"/>
+              <a:buChar char="•"/>
+              <a:defRPr sz="1800" kern="1200">
+                <a:solidFill>
+                  <a:schemeClr val="tx1"/>
+                </a:solidFill>
+                <a:latin typeface="+mn-lt"/>
+                <a:ea typeface="+mn-ea"/>
+                <a:cs typeface="+mn-cs"/>
+              </a:defRPr>
+            </a:lvl6pPr>
+            <a:lvl7pPr marL="2971800" indent="-228600" algn="l" defTabSz="914400" rtl="0" eaLnBrk="1" latinLnBrk="0" hangingPunct="1">
+              <a:lnSpc>
+                <a:spcPct val="90000"/>
+              </a:lnSpc>
+              <a:spcBef>
+                <a:spcPts val="500"/>
+              </a:spcBef>
+              <a:buFont typeface="Arial" panose="020B0604020202020204" pitchFamily="34" charset="0"/>
+              <a:buChar char="•"/>
+              <a:defRPr sz="1800" kern="1200">
+                <a:solidFill>
+                  <a:schemeClr val="tx1"/>
+                </a:solidFill>
+                <a:latin typeface="+mn-lt"/>
+                <a:ea typeface="+mn-ea"/>
+                <a:cs typeface="+mn-cs"/>
+              </a:defRPr>
+            </a:lvl7pPr>
+            <a:lvl8pPr marL="3429000" indent="-228600" algn="l" defTabSz="914400" rtl="0" eaLnBrk="1" latinLnBrk="0" hangingPunct="1">
+              <a:lnSpc>
+                <a:spcPct val="90000"/>
+              </a:lnSpc>
+              <a:spcBef>
+                <a:spcPts val="500"/>
+              </a:spcBef>
+              <a:buFont typeface="Arial" panose="020B0604020202020204" pitchFamily="34" charset="0"/>
+              <a:buChar char="•"/>
+              <a:defRPr sz="1800" kern="1200">
+                <a:solidFill>
+                  <a:schemeClr val="tx1"/>
+                </a:solidFill>
+                <a:latin typeface="+mn-lt"/>
+                <a:ea typeface="+mn-ea"/>
+                <a:cs typeface="+mn-cs"/>
+              </a:defRPr>
+            </a:lvl8pPr>
+            <a:lvl9pPr marL="3886200" indent="-228600" algn="l" defTabSz="914400" rtl="0" eaLnBrk="1" latinLnBrk="0" hangingPunct="1">
+              <a:lnSpc>
+                <a:spcPct val="90000"/>
+              </a:lnSpc>
+              <a:spcBef>
+                <a:spcPts val="500"/>
+              </a:spcBef>
+              <a:buFont typeface="Arial" panose="020B0604020202020204" pitchFamily="34" charset="0"/>
+              <a:buChar char="•"/>
+              <a:defRPr sz="1800" kern="1200">
+                <a:solidFill>
+                  <a:schemeClr val="tx1"/>
+                </a:solidFill>
+                <a:latin typeface="+mn-lt"/>
+                <a:ea typeface="+mn-ea"/>
+                <a:cs typeface="+mn-cs"/>
+              </a:defRPr>
+            </a:lvl9pPr>
+          </a:lstStyle>
+          <a:p>
+            <a:pPr>
+              <a:defRPr/>
+            </a:pPr>
+            <a:r>
+              <a:rPr lang="en-US" sz="3200" dirty="0" smtClean="0"/>
+              <a:t>Second text box on bottom and bigger</a:t>
+            </a:r>
+            <a:endParaRPr lang="en-US" sz="3200" dirty="0"/>
+          </a:p>
+        </p:txBody>
+      </p:sp>
+    </p:spTree>
+    <p:extLst>
+      <p:ext uri="{BB962C8B-B14F-4D97-AF65-F5344CB8AC3E}">
+        <p14:creationId xmlns:p14="http://schemas.microsoft.com/office/powerpoint/2010/main" val="261930615"/>
+      </p:ext>
+    </p:extLst>
+  </p:cSld>
+  <p:clrMapOvr>
+    <a:masterClrMapping/>
+  </p:clrMapOvr>
+  <mc:AlternateContent xmlns:mc="http://schemas.openxmlformats.org/markup-compatibility/2006" xmlns:p14="http://schemas.microsoft.com/office/powerpoint/2010/main">
+    <mc:Choice Requires="p14">
+      <p:transition spd="med" p14:dur="700">
+        <p:fade/>
+      </p:transition>
+    </mc:Choice>
+    <mc:Fallback xmlns="">
+      <p:transition spd="med">
+        <p:fade/>
+      </p:transition>
+    </mc:Fallback>
+  </mc:AlternateContent>
+</p:sld>
+</file>
+
+<file path=ppt/slides/slide8.xml><?xml version="1.0" encoding="utf-8"?>
+<p:sld xmlns:a="http://schemas.openxmlformats.org/drawingml/2006/main" xmlns:r="http://schemas.openxmlformats.org/officeDocument/2006/relationships" xmlns:p="http://schemas.openxmlformats.org/presentationml/2006/main">
+  <p:cSld>
+    <p:spTree>
+      <p:nvGrpSpPr>
+        <p:cNvPr id="1" name=""/>
+        <p:cNvGrpSpPr/>
+        <p:nvPr/>
+      </p:nvGrpSpPr>
+      <p:grpSpPr>
+        <a:xfrm>
+          <a:off x="0" y="0"/>
+          <a:ext cx="0" cy="0"/>
+          <a:chOff x="0" y="0"/>
+          <a:chExt cx="0" cy="0"/>
+        </a:xfrm>
+      </p:grpSpPr>
+      <p:sp>
+        <p:nvSpPr>
+          <p:cNvPr id="3" name="Footer Placeholder 2"/>
+          <p:cNvSpPr>
+            <a:spLocks noGrp="1"/>
+          </p:cNvSpPr>
+          <p:nvPr>
+            <p:ph type="ftr" sz="quarter" idx="11"/>
+          </p:nvPr>
+        </p:nvSpPr>
+        <p:spPr/>
+        <p:txBody>
+          <a:bodyPr/>
+          <a:lstStyle/>
+          <a:p>
+            <a:r>
+              <a:rPr lang="en-GB" dirty="0" smtClean="0"/>
+              <a:t>MJ2380-2381 2020</a:t>
+            </a:r>
+            <a:endParaRPr lang="en-GB" dirty="0"/>
+          </a:p>
+        </p:txBody>
+      </p:sp>
+      <p:sp>
+        <p:nvSpPr>
+          <p:cNvPr id="4" name="Slide Number Placeholder 3"/>
+          <p:cNvSpPr>
+            <a:spLocks noGrp="1"/>
+          </p:cNvSpPr>
+          <p:nvPr>
+            <p:ph type="sldNum" sz="quarter" idx="12"/>
+          </p:nvPr>
+        </p:nvSpPr>
+        <p:spPr/>
+        <p:txBody>
+          <a:bodyPr/>
+          <a:lstStyle/>
+          <a:p>
+            <a:fld id="{F36C87F6-986D-49E6-AF40-1B3A1EE8064D}" type="slidenum">
+              <a:rPr lang="en-GB" smtClean="0"/>
+              <a:pPr/>
+              <a:t>8</a:t>
+            </a:fld>
+            <a:endParaRPr lang="en-GB" dirty="0"/>
+          </a:p>
+        </p:txBody>
+      </p:sp>
+      <p:sp>
+        <p:nvSpPr>
+          <p:cNvPr id="5" name="Title 4"/>
+          <p:cNvSpPr>
+            <a:spLocks noGrp="1"/>
+          </p:cNvSpPr>
+          <p:nvPr>
+            <p:ph type="title"/>
+          </p:nvPr>
+        </p:nvSpPr>
+        <p:spPr/>
+        <p:txBody>
+          <a:bodyPr/>
+          <a:lstStyle/>
+          <a:p>
+            <a:r>
+              <a:rPr lang="sv-SE" dirty="0" err="1" smtClean="0"/>
+              <a:t>Figure</a:t>
+            </a:r>
+            <a:r>
+              <a:rPr lang="sv-SE" dirty="0" smtClean="0"/>
+              <a:t> + text</a:t>
+            </a:r>
+            <a:endParaRPr lang="sv-SE" dirty="0"/>
+          </a:p>
+        </p:txBody>
+      </p:sp>
+      <p:pic>
+        <p:nvPicPr>
+          <p:cNvPr id="6" name="Content Placeholder 6"/>
+          <p:cNvPicPr>
+            <a:picLocks noGrp="1" noChangeAspect="1"/>
+          </p:cNvPicPr>
+          <p:nvPr>
+            <p:ph idx="1"/>
+          </p:nvPr>
+        </p:nvPicPr>
+        <p:blipFill>
+          <a:blip r:embed="rId2" cstate="print">
+            <a:extLst>
+              <a:ext uri="{28A0092B-C50C-407E-A947-70E740481C1C}">
+                <a14:useLocalDpi xmlns:a14="http://schemas.microsoft.com/office/drawing/2010/main" val="0"/>
+              </a:ext>
+            </a:extLst>
+          </a:blip>
+          <a:stretch>
+            <a:fillRect/>
+          </a:stretch>
+        </p:blipFill>
+        <p:spPr>
+          <a:xfrm>
+            <a:off x="4038600" y="1861980"/>
+            <a:ext cx="1148378" cy="1184601"/>
+          </a:xfrm>
+        </p:spPr>
+      </p:pic>
+      <p:sp>
+        <p:nvSpPr>
+          <p:cNvPr id="7" name="Content Placeholder 1"/>
+          <p:cNvSpPr txBox="1">
+            <a:spLocks/>
+          </p:cNvSpPr>
+          <p:nvPr/>
+        </p:nvSpPr>
+        <p:spPr>
+          <a:xfrm>
+            <a:off x="1653092" y="2320799"/>
+            <a:ext cx="2385508" cy="707082"/>
+          </a:xfrm>
+          <a:prstGeom prst="rect">
+            <a:avLst/>
+          </a:prstGeom>
+        </p:spPr>
+        <p:txBody>
+          <a:bodyPr vert="horz" lIns="91440" tIns="45720" rIns="91440" bIns="45720" rtlCol="0">
+            <a:normAutofit/>
+          </a:bodyPr>
+          <a:lstStyle>
+            <a:lvl1pPr marL="0" indent="0" algn="l" defTabSz="914400" rtl="0" eaLnBrk="1" latinLnBrk="0" hangingPunct="1">
+              <a:lnSpc>
+                <a:spcPct val="90000"/>
+              </a:lnSpc>
+              <a:spcBef>
+                <a:spcPts val="1000"/>
+              </a:spcBef>
+              <a:buFont typeface="Arial" panose="020B0604020202020204" pitchFamily="34" charset="0"/>
+              <a:buNone/>
+              <a:defRPr sz="2800" kern="1200" spc="-150">
+                <a:solidFill>
+                  <a:schemeClr val="tx1"/>
+                </a:solidFill>
+                <a:latin typeface="+mn-lt"/>
+                <a:ea typeface="+mn-ea"/>
+                <a:cs typeface="+mn-cs"/>
+              </a:defRPr>
+            </a:lvl1pPr>
+            <a:lvl2pPr marL="685800" indent="-228600" algn="l" defTabSz="914400" rtl="0" eaLnBrk="1" latinLnBrk="0" hangingPunct="1">
+              <a:lnSpc>
+                <a:spcPct val="90000"/>
+              </a:lnSpc>
+              <a:spcBef>
+                <a:spcPts val="500"/>
+              </a:spcBef>
+              <a:buFont typeface="Arial" panose="020B0604020202020204" pitchFamily="34" charset="0"/>
+              <a:buChar char="•"/>
+              <a:defRPr sz="2400" kern="1200" spc="-150">
+                <a:solidFill>
+                  <a:schemeClr val="tx1"/>
+                </a:solidFill>
+                <a:latin typeface="+mn-lt"/>
+                <a:ea typeface="+mn-ea"/>
+                <a:cs typeface="+mn-cs"/>
+              </a:defRPr>
+            </a:lvl2pPr>
+            <a:lvl3pPr marL="1143000" indent="-228600" algn="l" defTabSz="914400" rtl="0" eaLnBrk="1" latinLnBrk="0" hangingPunct="1">
+              <a:lnSpc>
+                <a:spcPct val="90000"/>
+              </a:lnSpc>
+              <a:spcBef>
+                <a:spcPts val="500"/>
+              </a:spcBef>
+              <a:buFont typeface="Arial" panose="020B0604020202020204" pitchFamily="34" charset="0"/>
+              <a:buChar char="•"/>
+              <a:defRPr sz="2000" kern="1200" spc="-150">
+                <a:solidFill>
+                  <a:schemeClr val="tx1"/>
+                </a:solidFill>
+                <a:latin typeface="+mn-lt"/>
+                <a:ea typeface="+mn-ea"/>
+                <a:cs typeface="+mn-cs"/>
+              </a:defRPr>
+            </a:lvl3pPr>
+            <a:lvl4pPr marL="1600200" indent="-228600" algn="l" defTabSz="914400" rtl="0" eaLnBrk="1" latinLnBrk="0" hangingPunct="1">
+              <a:lnSpc>
+                <a:spcPct val="90000"/>
+              </a:lnSpc>
+              <a:spcBef>
+                <a:spcPts val="500"/>
+              </a:spcBef>
+              <a:buFont typeface="Arial" panose="020B0604020202020204" pitchFamily="34" charset="0"/>
+              <a:buChar char="•"/>
+              <a:defRPr sz="1800" kern="1200" spc="-150">
+                <a:solidFill>
+                  <a:schemeClr val="tx1"/>
+                </a:solidFill>
+                <a:latin typeface="+mn-lt"/>
+                <a:ea typeface="+mn-ea"/>
+                <a:cs typeface="+mn-cs"/>
+              </a:defRPr>
+            </a:lvl4pPr>
+            <a:lvl5pPr marL="2057400" indent="-228600" algn="l" defTabSz="914400" rtl="0" eaLnBrk="1" latinLnBrk="0" hangingPunct="1">
+              <a:lnSpc>
+                <a:spcPct val="90000"/>
+              </a:lnSpc>
+              <a:spcBef>
+                <a:spcPts val="500"/>
+              </a:spcBef>
+              <a:buFont typeface="Arial" panose="020B0604020202020204" pitchFamily="34" charset="0"/>
+              <a:buChar char="•"/>
+              <a:defRPr sz="1800" kern="1200" spc="-150">
+                <a:solidFill>
+                  <a:schemeClr val="tx1"/>
+                </a:solidFill>
+                <a:latin typeface="+mn-lt"/>
+                <a:ea typeface="+mn-ea"/>
+                <a:cs typeface="+mn-cs"/>
+              </a:defRPr>
+            </a:lvl5pPr>
+            <a:lvl6pPr marL="2514600" indent="-228600" algn="l" defTabSz="914400" rtl="0" eaLnBrk="1" latinLnBrk="0" hangingPunct="1">
+              <a:lnSpc>
+                <a:spcPct val="90000"/>
+              </a:lnSpc>
+              <a:spcBef>
+                <a:spcPts val="500"/>
+              </a:spcBef>
+              <a:buFont typeface="Arial" panose="020B0604020202020204" pitchFamily="34" charset="0"/>
+              <a:buChar char="•"/>
+              <a:defRPr sz="1800" kern="1200">
+                <a:solidFill>
+                  <a:schemeClr val="tx1"/>
+                </a:solidFill>
+                <a:latin typeface="+mn-lt"/>
+                <a:ea typeface="+mn-ea"/>
+                <a:cs typeface="+mn-cs"/>
+              </a:defRPr>
+            </a:lvl6pPr>
+            <a:lvl7pPr marL="2971800" indent="-228600" algn="l" defTabSz="914400" rtl="0" eaLnBrk="1" latinLnBrk="0" hangingPunct="1">
+              <a:lnSpc>
+                <a:spcPct val="90000"/>
+              </a:lnSpc>
+              <a:spcBef>
+                <a:spcPts val="500"/>
+              </a:spcBef>
+              <a:buFont typeface="Arial" panose="020B0604020202020204" pitchFamily="34" charset="0"/>
+              <a:buChar char="•"/>
+              <a:defRPr sz="1800" kern="1200">
+                <a:solidFill>
+                  <a:schemeClr val="tx1"/>
+                </a:solidFill>
+                <a:latin typeface="+mn-lt"/>
+                <a:ea typeface="+mn-ea"/>
+                <a:cs typeface="+mn-cs"/>
+              </a:defRPr>
+            </a:lvl7pPr>
+            <a:lvl8pPr marL="3429000" indent="-228600" algn="l" defTabSz="914400" rtl="0" eaLnBrk="1" latinLnBrk="0" hangingPunct="1">
+              <a:lnSpc>
+                <a:spcPct val="90000"/>
+              </a:lnSpc>
+              <a:spcBef>
+                <a:spcPts val="500"/>
+              </a:spcBef>
+              <a:buFont typeface="Arial" panose="020B0604020202020204" pitchFamily="34" charset="0"/>
+              <a:buChar char="•"/>
+              <a:defRPr sz="1800" kern="1200">
+                <a:solidFill>
+                  <a:schemeClr val="tx1"/>
+                </a:solidFill>
+                <a:latin typeface="+mn-lt"/>
+                <a:ea typeface="+mn-ea"/>
+                <a:cs typeface="+mn-cs"/>
+              </a:defRPr>
+            </a:lvl8pPr>
+            <a:lvl9pPr marL="3886200" indent="-228600" algn="l" defTabSz="914400" rtl="0" eaLnBrk="1" latinLnBrk="0" hangingPunct="1">
+              <a:lnSpc>
+                <a:spcPct val="90000"/>
+              </a:lnSpc>
+              <a:spcBef>
+                <a:spcPts val="500"/>
+              </a:spcBef>
+              <a:buFont typeface="Arial" panose="020B0604020202020204" pitchFamily="34" charset="0"/>
+              <a:buChar char="•"/>
+              <a:defRPr sz="1800" kern="1200">
+                <a:solidFill>
+                  <a:schemeClr val="tx1"/>
+                </a:solidFill>
+                <a:latin typeface="+mn-lt"/>
+                <a:ea typeface="+mn-ea"/>
+                <a:cs typeface="+mn-cs"/>
+              </a:defRPr>
+            </a:lvl9pPr>
+          </a:lstStyle>
+          <a:p>
+            <a:pPr>
+              <a:defRPr/>
+            </a:pPr>
+            <a:r>
+              <a:rPr lang="en-US" sz="2400" dirty="0" smtClean="0"/>
+              <a:t>Text left of figure</a:t>
+            </a:r>
+            <a:endParaRPr lang="en-US" sz="2400" dirty="0"/>
+          </a:p>
+        </p:txBody>
+      </p:sp>
+      <p:sp>
+        <p:nvSpPr>
+          <p:cNvPr id="8" name="Content Placeholder 1"/>
+          <p:cNvSpPr txBox="1">
+            <a:spLocks/>
+          </p:cNvSpPr>
+          <p:nvPr/>
+        </p:nvSpPr>
+        <p:spPr>
+          <a:xfrm>
+            <a:off x="5501640" y="2320799"/>
+            <a:ext cx="6217920" cy="449153"/>
+          </a:xfrm>
+          <a:prstGeom prst="rect">
+            <a:avLst/>
+          </a:prstGeom>
+        </p:spPr>
+        <p:txBody>
+          <a:bodyPr vert="horz" lIns="91440" tIns="45720" rIns="91440" bIns="45720" rtlCol="0">
+            <a:noAutofit/>
+          </a:bodyPr>
+          <a:lstStyle>
+            <a:lvl1pPr marL="0" indent="0" algn="l" defTabSz="914400" rtl="0" eaLnBrk="1" latinLnBrk="0" hangingPunct="1">
+              <a:lnSpc>
+                <a:spcPct val="90000"/>
+              </a:lnSpc>
+              <a:spcBef>
+                <a:spcPts val="1000"/>
+              </a:spcBef>
+              <a:buFont typeface="Arial" panose="020B0604020202020204" pitchFamily="34" charset="0"/>
+              <a:buNone/>
+              <a:defRPr sz="2800" kern="1200" spc="-150">
+                <a:solidFill>
+                  <a:schemeClr val="tx1"/>
+                </a:solidFill>
+                <a:latin typeface="+mn-lt"/>
+                <a:ea typeface="+mn-ea"/>
+                <a:cs typeface="+mn-cs"/>
+              </a:defRPr>
+            </a:lvl1pPr>
+            <a:lvl2pPr marL="685800" indent="-228600" algn="l" defTabSz="914400" rtl="0" eaLnBrk="1" latinLnBrk="0" hangingPunct="1">
+              <a:lnSpc>
+                <a:spcPct val="90000"/>
+              </a:lnSpc>
+              <a:spcBef>
+                <a:spcPts val="500"/>
+              </a:spcBef>
+              <a:buFont typeface="Arial" panose="020B0604020202020204" pitchFamily="34" charset="0"/>
+              <a:buChar char="•"/>
+              <a:defRPr sz="2400" kern="1200" spc="-150">
+                <a:solidFill>
+                  <a:schemeClr val="tx1"/>
+                </a:solidFill>
+                <a:latin typeface="+mn-lt"/>
+                <a:ea typeface="+mn-ea"/>
+                <a:cs typeface="+mn-cs"/>
+              </a:defRPr>
+            </a:lvl2pPr>
+            <a:lvl3pPr marL="1143000" indent="-228600" algn="l" defTabSz="914400" rtl="0" eaLnBrk="1" latinLnBrk="0" hangingPunct="1">
+              <a:lnSpc>
+                <a:spcPct val="90000"/>
+              </a:lnSpc>
+              <a:spcBef>
+                <a:spcPts val="500"/>
+              </a:spcBef>
+              <a:buFont typeface="Arial" panose="020B0604020202020204" pitchFamily="34" charset="0"/>
+              <a:buChar char="•"/>
+              <a:defRPr sz="2000" kern="1200" spc="-150">
+                <a:solidFill>
+                  <a:schemeClr val="tx1"/>
+                </a:solidFill>
+                <a:latin typeface="+mn-lt"/>
+                <a:ea typeface="+mn-ea"/>
+                <a:cs typeface="+mn-cs"/>
+              </a:defRPr>
+            </a:lvl3pPr>
+            <a:lvl4pPr marL="1600200" indent="-228600" algn="l" defTabSz="914400" rtl="0" eaLnBrk="1" latinLnBrk="0" hangingPunct="1">
+              <a:lnSpc>
+                <a:spcPct val="90000"/>
+              </a:lnSpc>
+              <a:spcBef>
+                <a:spcPts val="500"/>
+              </a:spcBef>
+              <a:buFont typeface="Arial" panose="020B0604020202020204" pitchFamily="34" charset="0"/>
+              <a:buChar char="•"/>
+              <a:defRPr sz="1800" kern="1200" spc="-150">
+                <a:solidFill>
+                  <a:schemeClr val="tx1"/>
+                </a:solidFill>
+                <a:latin typeface="+mn-lt"/>
+                <a:ea typeface="+mn-ea"/>
+                <a:cs typeface="+mn-cs"/>
+              </a:defRPr>
+            </a:lvl4pPr>
+            <a:lvl5pPr marL="2057400" indent="-228600" algn="l" defTabSz="914400" rtl="0" eaLnBrk="1" latinLnBrk="0" hangingPunct="1">
+              <a:lnSpc>
+                <a:spcPct val="90000"/>
+              </a:lnSpc>
+              <a:spcBef>
+                <a:spcPts val="500"/>
+              </a:spcBef>
+              <a:buFont typeface="Arial" panose="020B0604020202020204" pitchFamily="34" charset="0"/>
+              <a:buChar char="•"/>
+              <a:defRPr sz="1800" kern="1200" spc="-150">
+                <a:solidFill>
+                  <a:schemeClr val="tx1"/>
+                </a:solidFill>
+                <a:latin typeface="+mn-lt"/>
+                <a:ea typeface="+mn-ea"/>
+                <a:cs typeface="+mn-cs"/>
+              </a:defRPr>
+            </a:lvl5pPr>
+            <a:lvl6pPr marL="2514600" indent="-228600" algn="l" defTabSz="914400" rtl="0" eaLnBrk="1" latinLnBrk="0" hangingPunct="1">
+              <a:lnSpc>
+                <a:spcPct val="90000"/>
+              </a:lnSpc>
+              <a:spcBef>
+                <a:spcPts val="500"/>
+              </a:spcBef>
+              <a:buFont typeface="Arial" panose="020B0604020202020204" pitchFamily="34" charset="0"/>
+              <a:buChar char="•"/>
+              <a:defRPr sz="1800" kern="1200">
+                <a:solidFill>
+                  <a:schemeClr val="tx1"/>
+                </a:solidFill>
+                <a:latin typeface="+mn-lt"/>
+                <a:ea typeface="+mn-ea"/>
+                <a:cs typeface="+mn-cs"/>
+              </a:defRPr>
+            </a:lvl6pPr>
+            <a:lvl7pPr marL="2971800" indent="-228600" algn="l" defTabSz="914400" rtl="0" eaLnBrk="1" latinLnBrk="0" hangingPunct="1">
+              <a:lnSpc>
+                <a:spcPct val="90000"/>
+              </a:lnSpc>
+              <a:spcBef>
+                <a:spcPts val="500"/>
+              </a:spcBef>
+              <a:buFont typeface="Arial" panose="020B0604020202020204" pitchFamily="34" charset="0"/>
+              <a:buChar char="•"/>
+              <a:defRPr sz="1800" kern="1200">
+                <a:solidFill>
+                  <a:schemeClr val="tx1"/>
+                </a:solidFill>
+                <a:latin typeface="+mn-lt"/>
+                <a:ea typeface="+mn-ea"/>
+                <a:cs typeface="+mn-cs"/>
+              </a:defRPr>
+            </a:lvl7pPr>
+            <a:lvl8pPr marL="3429000" indent="-228600" algn="l" defTabSz="914400" rtl="0" eaLnBrk="1" latinLnBrk="0" hangingPunct="1">
+              <a:lnSpc>
+                <a:spcPct val="90000"/>
+              </a:lnSpc>
+              <a:spcBef>
+                <a:spcPts val="500"/>
+              </a:spcBef>
+              <a:buFont typeface="Arial" panose="020B0604020202020204" pitchFamily="34" charset="0"/>
+              <a:buChar char="•"/>
+              <a:defRPr sz="1800" kern="1200">
+                <a:solidFill>
+                  <a:schemeClr val="tx1"/>
+                </a:solidFill>
+                <a:latin typeface="+mn-lt"/>
+                <a:ea typeface="+mn-ea"/>
+                <a:cs typeface="+mn-cs"/>
+              </a:defRPr>
+            </a:lvl8pPr>
+            <a:lvl9pPr marL="3886200" indent="-228600" algn="l" defTabSz="914400" rtl="0" eaLnBrk="1" latinLnBrk="0" hangingPunct="1">
+              <a:lnSpc>
+                <a:spcPct val="90000"/>
+              </a:lnSpc>
+              <a:spcBef>
+                <a:spcPts val="500"/>
+              </a:spcBef>
+              <a:buFont typeface="Arial" panose="020B0604020202020204" pitchFamily="34" charset="0"/>
+              <a:buChar char="•"/>
+              <a:defRPr sz="1800" kern="1200">
+                <a:solidFill>
+                  <a:schemeClr val="tx1"/>
+                </a:solidFill>
+                <a:latin typeface="+mn-lt"/>
+                <a:ea typeface="+mn-ea"/>
+                <a:cs typeface="+mn-cs"/>
+              </a:defRPr>
+            </a:lvl9pPr>
+          </a:lstStyle>
+          <a:p>
+            <a:pPr>
+              <a:defRPr/>
+            </a:pPr>
+            <a:r>
+              <a:rPr lang="en-US" sz="3200" dirty="0" smtClean="0"/>
+              <a:t>Second text box on right and bigger</a:t>
+            </a:r>
+            <a:endParaRPr lang="en-US" sz="3200" dirty="0"/>
+          </a:p>
+        </p:txBody>
+      </p:sp>
+      <p:pic>
+        <p:nvPicPr>
+          <p:cNvPr id="9" name="Content Placeholder 6"/>
+          <p:cNvPicPr>
+            <a:picLocks noChangeAspect="1"/>
+          </p:cNvPicPr>
+          <p:nvPr/>
+        </p:nvPicPr>
+        <p:blipFill>
+          <a:blip r:embed="rId3" cstate="print">
+            <a:extLst>
+              <a:ext uri="{28A0092B-C50C-407E-A947-70E740481C1C}">
+                <a14:useLocalDpi xmlns:a14="http://schemas.microsoft.com/office/drawing/2010/main" val="0"/>
+              </a:ext>
+            </a:extLst>
+          </a:blip>
+          <a:stretch>
+            <a:fillRect/>
+          </a:stretch>
+        </p:blipFill>
+        <p:spPr>
+          <a:xfrm>
+            <a:off x="1697468" y="3297252"/>
+            <a:ext cx="1531248" cy="1579548"/>
+          </a:xfrm>
+          <a:prstGeom prst="rect">
+            <a:avLst/>
+          </a:prstGeom>
+        </p:spPr>
+      </p:pic>
+      <p:sp>
+        <p:nvSpPr>
+          <p:cNvPr id="10" name="Content Placeholder 1"/>
+          <p:cNvSpPr txBox="1">
+            <a:spLocks/>
+          </p:cNvSpPr>
+          <p:nvPr/>
+        </p:nvSpPr>
+        <p:spPr>
+          <a:xfrm>
+            <a:off x="3269428" y="3772738"/>
+            <a:ext cx="6217920" cy="449153"/>
+          </a:xfrm>
+          <a:prstGeom prst="rect">
+            <a:avLst/>
+          </a:prstGeom>
+        </p:spPr>
+        <p:txBody>
+          <a:bodyPr vert="horz" lIns="91440" tIns="45720" rIns="91440" bIns="45720" rtlCol="0">
+            <a:noAutofit/>
+          </a:bodyPr>
+          <a:lstStyle>
+            <a:lvl1pPr marL="0" indent="0" algn="l" defTabSz="914400" rtl="0" eaLnBrk="1" latinLnBrk="0" hangingPunct="1">
+              <a:lnSpc>
+                <a:spcPct val="90000"/>
+              </a:lnSpc>
+              <a:spcBef>
+                <a:spcPts val="1000"/>
+              </a:spcBef>
+              <a:buFont typeface="Arial" panose="020B0604020202020204" pitchFamily="34" charset="0"/>
+              <a:buNone/>
+              <a:defRPr sz="2800" kern="1200" spc="-150">
+                <a:solidFill>
+                  <a:schemeClr val="tx1"/>
+                </a:solidFill>
+                <a:latin typeface="+mn-lt"/>
+                <a:ea typeface="+mn-ea"/>
+                <a:cs typeface="+mn-cs"/>
+              </a:defRPr>
+            </a:lvl1pPr>
+            <a:lvl2pPr marL="685800" indent="-228600" algn="l" defTabSz="914400" rtl="0" eaLnBrk="1" latinLnBrk="0" hangingPunct="1">
+              <a:lnSpc>
+                <a:spcPct val="90000"/>
+              </a:lnSpc>
+              <a:spcBef>
+                <a:spcPts val="500"/>
+              </a:spcBef>
+              <a:buFont typeface="Arial" panose="020B0604020202020204" pitchFamily="34" charset="0"/>
+              <a:buChar char="•"/>
+              <a:defRPr sz="2400" kern="1200" spc="-150">
+                <a:solidFill>
+                  <a:schemeClr val="tx1"/>
+                </a:solidFill>
+                <a:latin typeface="+mn-lt"/>
+                <a:ea typeface="+mn-ea"/>
+                <a:cs typeface="+mn-cs"/>
+              </a:defRPr>
+            </a:lvl2pPr>
+            <a:lvl3pPr marL="1143000" indent="-228600" algn="l" defTabSz="914400" rtl="0" eaLnBrk="1" latinLnBrk="0" hangingPunct="1">
+              <a:lnSpc>
+                <a:spcPct val="90000"/>
+              </a:lnSpc>
+              <a:spcBef>
+                <a:spcPts val="500"/>
+              </a:spcBef>
+              <a:buFont typeface="Arial" panose="020B0604020202020204" pitchFamily="34" charset="0"/>
+              <a:buChar char="•"/>
+              <a:defRPr sz="2000" kern="1200" spc="-150">
+                <a:solidFill>
+                  <a:schemeClr val="tx1"/>
+                </a:solidFill>
+                <a:latin typeface="+mn-lt"/>
+                <a:ea typeface="+mn-ea"/>
+                <a:cs typeface="+mn-cs"/>
+              </a:defRPr>
+            </a:lvl3pPr>
+            <a:lvl4pPr marL="1600200" indent="-228600" algn="l" defTabSz="914400" rtl="0" eaLnBrk="1" latinLnBrk="0" hangingPunct="1">
+              <a:lnSpc>
+                <a:spcPct val="90000"/>
+              </a:lnSpc>
+              <a:spcBef>
+                <a:spcPts val="500"/>
+              </a:spcBef>
+              <a:buFont typeface="Arial" panose="020B0604020202020204" pitchFamily="34" charset="0"/>
+              <a:buChar char="•"/>
+              <a:defRPr sz="1800" kern="1200" spc="-150">
+                <a:solidFill>
+                  <a:schemeClr val="tx1"/>
+                </a:solidFill>
+                <a:latin typeface="+mn-lt"/>
+                <a:ea typeface="+mn-ea"/>
+                <a:cs typeface="+mn-cs"/>
+              </a:defRPr>
+            </a:lvl4pPr>
+            <a:lvl5pPr marL="2057400" indent="-228600" algn="l" defTabSz="914400" rtl="0" eaLnBrk="1" latinLnBrk="0" hangingPunct="1">
+              <a:lnSpc>
+                <a:spcPct val="90000"/>
+              </a:lnSpc>
+              <a:spcBef>
+                <a:spcPts val="500"/>
+              </a:spcBef>
+              <a:buFont typeface="Arial" panose="020B0604020202020204" pitchFamily="34" charset="0"/>
+              <a:buChar char="•"/>
+              <a:defRPr sz="1800" kern="1200" spc="-150">
+                <a:solidFill>
+                  <a:schemeClr val="tx1"/>
+                </a:solidFill>
+                <a:latin typeface="+mn-lt"/>
+                <a:ea typeface="+mn-ea"/>
+                <a:cs typeface="+mn-cs"/>
+              </a:defRPr>
+            </a:lvl5pPr>
+            <a:lvl6pPr marL="2514600" indent="-228600" algn="l" defTabSz="914400" rtl="0" eaLnBrk="1" latinLnBrk="0" hangingPunct="1">
+              <a:lnSpc>
+                <a:spcPct val="90000"/>
+              </a:lnSpc>
+              <a:spcBef>
+                <a:spcPts val="500"/>
+              </a:spcBef>
+              <a:buFont typeface="Arial" panose="020B0604020202020204" pitchFamily="34" charset="0"/>
+              <a:buChar char="•"/>
+              <a:defRPr sz="1800" kern="1200">
+                <a:solidFill>
+                  <a:schemeClr val="tx1"/>
+                </a:solidFill>
+                <a:latin typeface="+mn-lt"/>
+                <a:ea typeface="+mn-ea"/>
+                <a:cs typeface="+mn-cs"/>
+              </a:defRPr>
+            </a:lvl6pPr>
+            <a:lvl7pPr marL="2971800" indent="-228600" algn="l" defTabSz="914400" rtl="0" eaLnBrk="1" latinLnBrk="0" hangingPunct="1">
+              <a:lnSpc>
+                <a:spcPct val="90000"/>
+              </a:lnSpc>
+              <a:spcBef>
+                <a:spcPts val="500"/>
+              </a:spcBef>
+              <a:buFont typeface="Arial" panose="020B0604020202020204" pitchFamily="34" charset="0"/>
+              <a:buChar char="•"/>
+              <a:defRPr sz="1800" kern="1200">
+                <a:solidFill>
+                  <a:schemeClr val="tx1"/>
+                </a:solidFill>
+                <a:latin typeface="+mn-lt"/>
+                <a:ea typeface="+mn-ea"/>
+                <a:cs typeface="+mn-cs"/>
+              </a:defRPr>
+            </a:lvl7pPr>
+            <a:lvl8pPr marL="3429000" indent="-228600" algn="l" defTabSz="914400" rtl="0" eaLnBrk="1" latinLnBrk="0" hangingPunct="1">
+              <a:lnSpc>
+                <a:spcPct val="90000"/>
+              </a:lnSpc>
+              <a:spcBef>
+                <a:spcPts val="500"/>
+              </a:spcBef>
+              <a:buFont typeface="Arial" panose="020B0604020202020204" pitchFamily="34" charset="0"/>
+              <a:buChar char="•"/>
+              <a:defRPr sz="1800" kern="1200">
+                <a:solidFill>
+                  <a:schemeClr val="tx1"/>
+                </a:solidFill>
+                <a:latin typeface="+mn-lt"/>
+                <a:ea typeface="+mn-ea"/>
+                <a:cs typeface="+mn-cs"/>
+              </a:defRPr>
+            </a:lvl8pPr>
+            <a:lvl9pPr marL="3886200" indent="-228600" algn="l" defTabSz="914400" rtl="0" eaLnBrk="1" latinLnBrk="0" hangingPunct="1">
+              <a:lnSpc>
+                <a:spcPct val="90000"/>
+              </a:lnSpc>
+              <a:spcBef>
+                <a:spcPts val="500"/>
+              </a:spcBef>
+              <a:buFont typeface="Arial" panose="020B0604020202020204" pitchFamily="34" charset="0"/>
+              <a:buChar char="•"/>
+              <a:defRPr sz="1800" kern="1200">
+                <a:solidFill>
+                  <a:schemeClr val="tx1"/>
+                </a:solidFill>
+                <a:latin typeface="+mn-lt"/>
+                <a:ea typeface="+mn-ea"/>
+                <a:cs typeface="+mn-cs"/>
+              </a:defRPr>
+            </a:lvl9pPr>
+          </a:lstStyle>
+          <a:p>
+            <a:pPr>
+              <a:defRPr/>
+            </a:pPr>
+            <a:r>
+              <a:rPr lang="en-US" sz="3200" dirty="0" smtClean="0"/>
+              <a:t>Third text box on right and bigger</a:t>
+            </a:r>
+            <a:endParaRPr lang="en-US" sz="3200" dirty="0"/>
+          </a:p>
+        </p:txBody>
+      </p:sp>
+    </p:spTree>
+    <p:extLst>
+      <p:ext uri="{BB962C8B-B14F-4D97-AF65-F5344CB8AC3E}">
+        <p14:creationId xmlns:p14="http://schemas.microsoft.com/office/powerpoint/2010/main" val="3041430454"/>
+      </p:ext>
+    </p:extLst>
+  </p:cSld>
+  <p:clrMapOvr>
+    <a:masterClrMapping/>
+  </p:clrMapOvr>
+  <mc:AlternateContent xmlns:mc="http://schemas.openxmlformats.org/markup-compatibility/2006" xmlns:p14="http://schemas.microsoft.com/office/powerpoint/2010/main">
+    <mc:Choice Requires="p14">
+      <p:transition spd="med" p14:dur="700">
+        <p:fade/>
+      </p:transition>
+    </mc:Choice>
+    <mc:Fallback xmlns="">
+      <p:transition spd="med">
+        <p:fade/>
+      </p:transition>
+    </mc:Fallback>
+  </mc:AlternateContent>
+</p:sld>
+</file>
+
+<file path=ppt/slides/slide9.xml><?xml version="1.0" encoding="utf-8"?>
+<p:sld xmlns:a="http://schemas.openxmlformats.org/drawingml/2006/main" xmlns:r="http://schemas.openxmlformats.org/officeDocument/2006/relationships" xmlns:p="http://schemas.openxmlformats.org/presentationml/2006/main">
+  <p:cSld>
+    <p:spTree>
+      <p:nvGrpSpPr>
+        <p:cNvPr id="1" name=""/>
+        <p:cNvGrpSpPr/>
+        <p:nvPr/>
+      </p:nvGrpSpPr>
+      <p:grpSpPr>
+        <a:xfrm>
+          <a:off x="0" y="0"/>
+          <a:ext cx="0" cy="0"/>
+          <a:chOff x="0" y="0"/>
+          <a:chExt cx="0" cy="0"/>
+        </a:xfrm>
+      </p:grpSpPr>
+      <p:pic>
+        <p:nvPicPr>
+          <p:cNvPr id="6" name="Content Placeholder 6"/>
+          <p:cNvPicPr>
+            <a:picLocks noChangeAspect="1"/>
+          </p:cNvPicPr>
+          <p:nvPr/>
+        </p:nvPicPr>
+        <p:blipFill>
+          <a:blip r:embed="rId2" cstate="print">
+            <a:extLst>
+              <a:ext uri="{28A0092B-C50C-407E-A947-70E740481C1C}">
+                <a14:useLocalDpi xmlns:a14="http://schemas.microsoft.com/office/drawing/2010/main" val="0"/>
+              </a:ext>
+            </a:extLst>
+          </a:blip>
+          <a:stretch>
+            <a:fillRect/>
+          </a:stretch>
+        </p:blipFill>
+        <p:spPr>
+          <a:xfrm>
+            <a:off x="0" y="0"/>
+            <a:ext cx="12192000" cy="6858000"/>
+          </a:xfrm>
+          <a:prstGeom prst="rect">
+            <a:avLst/>
+          </a:prstGeom>
+        </p:spPr>
+      </p:pic>
+    </p:spTree>
+    <p:extLst>
+      <p:ext uri="{BB962C8B-B14F-4D97-AF65-F5344CB8AC3E}">
+        <p14:creationId xmlns:p14="http://schemas.microsoft.com/office/powerpoint/2010/main" val="3492271175"/>
       </p:ext>
     </p:extLst>
   </p:cSld>
@@ -22295,6 +22738,14 @@
 </file>
 
 <file path=customXml/itemProps1.xml><?xml version="1.0" encoding="utf-8"?>
+<ds:datastoreItem xmlns:ds="http://schemas.openxmlformats.org/officeDocument/2006/customXml" ds:itemID="{C4C77668-3C09-4800-9078-32A63FDB8878}">
+  <ds:schemaRefs>
+    <ds:schemaRef ds:uri="http://schemas.microsoft.com/VisualStudio/2011/storyboarding/control"/>
+  </ds:schemaRefs>
+</ds:datastoreItem>
+</file>
+
+<file path=customXml/itemProps2.xml><?xml version="1.0" encoding="utf-8"?>
 <ds:datastoreItem xmlns:ds="http://schemas.openxmlformats.org/officeDocument/2006/customXml" ds:itemID="{C617D7A1-438A-4842-B3E3-9908A6EB6D2C}">
   <ds:schemaRefs>
     <ds:schemaRef ds:uri="http://schemas.microsoft.com/VisualStudio/2011/storyboarding/control"/>
@@ -22302,16 +22753,8 @@
 </ds:datastoreItem>
 </file>
 
-<file path=customXml/itemProps2.xml><?xml version="1.0" encoding="utf-8"?>
-<ds:datastoreItem xmlns:ds="http://schemas.openxmlformats.org/officeDocument/2006/customXml" ds:itemID="{C4C77668-3C09-4800-9078-32A63FDB8878}">
-  <ds:schemaRefs>
-    <ds:schemaRef ds:uri="http://schemas.microsoft.com/VisualStudio/2011/storyboarding/control"/>
-  </ds:schemaRefs>
-</ds:datastoreItem>
-</file>
-
 <file path=customXml/itemProps3.xml><?xml version="1.0" encoding="utf-8"?>
-<ds:datastoreItem xmlns:ds="http://schemas.openxmlformats.org/officeDocument/2006/customXml" ds:itemID="{0103A532-5B2C-4425-9F2A-7F4721A16C4C}">
+<ds:datastoreItem xmlns:ds="http://schemas.openxmlformats.org/officeDocument/2006/customXml" ds:itemID="{25B0A9D5-AA86-40E5-8BB9-BF6B6793A753}">
   <ds:schemaRefs>
     <ds:schemaRef ds:uri="http://schemas.microsoft.com/VisualStudio/2011/storyboarding/control"/>
   </ds:schemaRefs>
@@ -22319,6 +22762,14 @@
 </file>
 
 <file path=customXml/itemProps4.xml><?xml version="1.0" encoding="utf-8"?>
+<ds:datastoreItem xmlns:ds="http://schemas.openxmlformats.org/officeDocument/2006/customXml" ds:itemID="{834A27C6-F506-436C-BE80-EBD990020008}">
+  <ds:schemaRefs>
+    <ds:schemaRef ds:uri="http://schemas.microsoft.com/VisualStudio/2011/storyboarding/control"/>
+  </ds:schemaRefs>
+</ds:datastoreItem>
+</file>
+
+<file path=customXml/itemProps5.xml><?xml version="1.0" encoding="utf-8"?>
 <ds:datastoreItem xmlns:ds="http://schemas.openxmlformats.org/officeDocument/2006/customXml" ds:itemID="{1CFCFB3A-1124-4BB9-AF75-CF97631426FE}">
   <ds:schemaRefs>
     <ds:schemaRef ds:uri="http://schemas.microsoft.com/VisualStudio/2011/storyboarding/control"/>
@@ -22326,15 +22777,15 @@
 </ds:datastoreItem>
 </file>
 
-<file path=customXml/itemProps5.xml><?xml version="1.0" encoding="utf-8"?>
-<ds:datastoreItem xmlns:ds="http://schemas.openxmlformats.org/officeDocument/2006/customXml" ds:itemID="{834A27C6-F506-436C-BE80-EBD990020008}">
+<file path=customXml/itemProps6.xml><?xml version="1.0" encoding="utf-8"?>
+<ds:datastoreItem xmlns:ds="http://schemas.openxmlformats.org/officeDocument/2006/customXml" ds:itemID="{2611C6C5-73A8-4088-8E8F-45AC80A93639}">
   <ds:schemaRefs>
     <ds:schemaRef ds:uri="http://schemas.microsoft.com/VisualStudio/2011/storyboarding/control"/>
   </ds:schemaRefs>
 </ds:datastoreItem>
 </file>
 
-<file path=customXml/itemProps6.xml><?xml version="1.0" encoding="utf-8"?>
+<file path=customXml/itemProps7.xml><?xml version="1.0" encoding="utf-8"?>
 <ds:datastoreItem xmlns:ds="http://schemas.openxmlformats.org/officeDocument/2006/customXml" ds:itemID="{25A3FA23-A2B3-408D-BAC0-3974AD01A403}">
   <ds:schemaRefs>
     <ds:schemaRef ds:uri="http://schemas.microsoft.com/VisualStudio/2011/storyboarding/control"/>
@@ -22342,16 +22793,8 @@
 </ds:datastoreItem>
 </file>
 
-<file path=customXml/itemProps7.xml><?xml version="1.0" encoding="utf-8"?>
-<ds:datastoreItem xmlns:ds="http://schemas.openxmlformats.org/officeDocument/2006/customXml" ds:itemID="{25B0A9D5-AA86-40E5-8BB9-BF6B6793A753}">
-  <ds:schemaRefs>
-    <ds:schemaRef ds:uri="http://schemas.microsoft.com/VisualStudio/2011/storyboarding/control"/>
-  </ds:schemaRefs>
-</ds:datastoreItem>
-</file>
-
 <file path=customXml/itemProps8.xml><?xml version="1.0" encoding="utf-8"?>
-<ds:datastoreItem xmlns:ds="http://schemas.openxmlformats.org/officeDocument/2006/customXml" ds:itemID="{2611C6C5-73A8-4088-8E8F-45AC80A93639}">
+<ds:datastoreItem xmlns:ds="http://schemas.openxmlformats.org/officeDocument/2006/customXml" ds:itemID="{E01F304E-8A23-4F3A-A522-8F0F304C2F57}">
   <ds:schemaRefs>
     <ds:schemaRef ds:uri="http://schemas.microsoft.com/VisualStudio/2011/storyboarding/control"/>
   </ds:schemaRefs>
@@ -22359,7 +22802,7 @@
 </file>
 
 <file path=customXml/itemProps9.xml><?xml version="1.0" encoding="utf-8"?>
-<ds:datastoreItem xmlns:ds="http://schemas.openxmlformats.org/officeDocument/2006/customXml" ds:itemID="{E01F304E-8A23-4F3A-A522-8F0F304C2F57}">
+<ds:datastoreItem xmlns:ds="http://schemas.openxmlformats.org/officeDocument/2006/customXml" ds:itemID="{0103A532-5B2C-4425-9F2A-7F4721A16C4C}">
   <ds:schemaRefs>
     <ds:schemaRef ds:uri="http://schemas.microsoft.com/VisualStudio/2011/storyboarding/control"/>
   </ds:schemaRefs>

--- a/files/ppt_presentations/ppt_demo.pptx
+++ b/files/ppt_presentations/ppt_demo.pptx
@@ -6,7 +6,7 @@
     <p:sldMasterId id="2147483699" r:id="rId11"/>
   </p:sldMasterIdLst>
   <p:notesMasterIdLst>
-    <p:notesMasterId r:id="rId28"/>
+    <p:notesMasterId r:id="rId29"/>
   </p:notesMasterIdLst>
   <p:sldIdLst>
     <p:sldId id="257" r:id="rId12"/>
@@ -22,9 +22,10 @@
     <p:sldId id="494" r:id="rId22"/>
     <p:sldId id="495" r:id="rId23"/>
     <p:sldId id="502" r:id="rId24"/>
-    <p:sldId id="339" r:id="rId25"/>
-    <p:sldId id="380" r:id="rId26"/>
-    <p:sldId id="330" r:id="rId27"/>
+    <p:sldId id="503" r:id="rId25"/>
+    <p:sldId id="339" r:id="rId26"/>
+    <p:sldId id="380" r:id="rId27"/>
+    <p:sldId id="330" r:id="rId28"/>
   </p:sldIdLst>
   <p:sldSz cx="12192000" cy="6858000"/>
   <p:notesSz cx="6858000" cy="9144000"/>
@@ -141,6 +142,7 @@
             <p14:sldId id="494"/>
             <p14:sldId id="495"/>
             <p14:sldId id="502"/>
+            <p14:sldId id="503"/>
           </p14:sldIdLst>
         </p14:section>
         <p14:section name="Context" id="{065BED4C-6380-4DDB-97EA-F07556E2D9B4}">
@@ -248,7 +250,6 @@
           </a:p>
         </c:rich>
       </c:tx>
-      <c:layout/>
       <c:overlay val="0"/>
       <c:spPr>
         <a:noFill/>
@@ -881,7 +882,6 @@
         <c:idx val="9"/>
         <c:delete val="1"/>
       </c:legendEntry>
-      <c:layout/>
       <c:overlay val="0"/>
       <c:spPr>
         <a:noFill/>
@@ -4839,7 +4839,7 @@
           <a:p>
             <a:fld id="{C53FC889-3B05-4F6A-9AB7-C2521E883D0A}" type="datetimeFigureOut">
               <a:rPr lang="en-GB" smtClean="0"/>
-              <a:t>16/04/2020</a:t>
+              <a:t>18/05/2020</a:t>
             </a:fld>
             <a:endParaRPr lang="en-GB" dirty="0"/>
           </a:p>
@@ -5621,7 +5621,7 @@
           <a:p>
             <a:fld id="{253E99D3-575E-4B33-AEE3-580024E0F63F}" type="slidenum">
               <a:rPr lang="en-GB" smtClean="0"/>
-              <a:t>14</a:t>
+              <a:t>15</a:t>
             </a:fld>
             <a:endParaRPr lang="en-GB"/>
           </a:p>
@@ -5705,7 +5705,7 @@
           <a:p>
             <a:fld id="{253E99D3-575E-4B33-AEE3-580024E0F63F}" type="slidenum">
               <a:rPr lang="en-GB" smtClean="0"/>
-              <a:t>15</a:t>
+              <a:t>16</a:t>
             </a:fld>
             <a:endParaRPr lang="en-GB"/>
           </a:p>
@@ -5875,7 +5875,7 @@
           <a:p>
             <a:fld id="{9EFE7453-B082-4124-B5AE-B87EE023CDB1}" type="datetime1">
               <a:rPr lang="sv-SE" smtClean="0"/>
-              <a:t>2020-04-16</a:t>
+              <a:t>2020-05-18</a:t>
             </a:fld>
             <a:endParaRPr lang="en-GB" dirty="0"/>
           </a:p>
@@ -6121,7 +6121,7 @@
                   <a:prstClr val="black"/>
                 </a:solidFill>
               </a:rPr>
-              <a:t>2020-04-16</a:t>
+              <a:t>2020-05-18</a:t>
             </a:fld>
             <a:endParaRPr lang="en-GB" dirty="0">
               <a:solidFill>
@@ -6489,7 +6489,7 @@
                   <a:prstClr val="black"/>
                 </a:solidFill>
               </a:rPr>
-              <a:t>2020-04-16</a:t>
+              <a:t>2020-05-18</a:t>
             </a:fld>
             <a:endParaRPr lang="en-GB" dirty="0">
               <a:solidFill>
@@ -6772,7 +6772,7 @@
                   <a:prstClr val="black"/>
                 </a:solidFill>
               </a:rPr>
-              <a:t>2020-04-16</a:t>
+              <a:t>2020-05-18</a:t>
             </a:fld>
             <a:endParaRPr lang="en-GB" dirty="0">
               <a:solidFill>
@@ -7098,7 +7098,7 @@
                   <a:prstClr val="black"/>
                 </a:solidFill>
               </a:rPr>
-              <a:t>2020-04-16</a:t>
+              <a:t>2020-05-18</a:t>
             </a:fld>
             <a:endParaRPr lang="en-GB" dirty="0">
               <a:solidFill>
@@ -7369,7 +7369,7 @@
                   <a:prstClr val="black"/>
                 </a:solidFill>
               </a:rPr>
-              <a:t>2020-04-16</a:t>
+              <a:t>2020-05-18</a:t>
             </a:fld>
             <a:endParaRPr lang="en-GB" dirty="0">
               <a:solidFill>
@@ -7555,7 +7555,7 @@
                   <a:prstClr val="black"/>
                 </a:solidFill>
               </a:rPr>
-              <a:t>2020-04-16</a:t>
+              <a:t>2020-05-18</a:t>
             </a:fld>
             <a:endParaRPr lang="en-GB" dirty="0">
               <a:solidFill>
@@ -9836,7 +9836,7 @@
                   <a:prstClr val="black"/>
                 </a:solidFill>
               </a:rPr>
-              <a:t>2020-04-16</a:t>
+              <a:t>2020-05-18</a:t>
             </a:fld>
             <a:endParaRPr lang="en-GB" dirty="0">
               <a:solidFill>
@@ -10585,7 +10585,7 @@
             </a:pPr>
             <a:fld id="{D1537DF4-BE14-43E4-9A37-FFE4AFD6E832}" type="datetime1">
               <a:rPr lang="sv-SE" smtClean="0"/>
-              <a:t>2020-04-16</a:t>
+              <a:t>2020-05-18</a:t>
             </a:fld>
             <a:endParaRPr lang="sv-SE"/>
           </a:p>
@@ -10809,7 +10809,7 @@
           <a:p>
             <a:fld id="{80F358A9-049B-44CD-82AF-D1F2A38D371E}" type="datetime1">
               <a:rPr lang="sv-SE" smtClean="0"/>
-              <a:t>2020-04-16</a:t>
+              <a:t>2020-05-18</a:t>
             </a:fld>
             <a:endParaRPr lang="sv-SE"/>
           </a:p>
@@ -10978,7 +10978,7 @@
           <a:p>
             <a:fld id="{0EFFECE1-EFDB-4ED4-A92B-EC11843FA500}" type="datetime1">
               <a:rPr lang="sv-SE" smtClean="0"/>
-              <a:t>2020-04-16</a:t>
+              <a:t>2020-05-18</a:t>
             </a:fld>
             <a:endParaRPr lang="en-US" dirty="0"/>
           </a:p>
@@ -11229,7 +11229,7 @@
           <a:p>
             <a:fld id="{3E8B38C6-DEFB-43C3-9001-532227D2C227}" type="datetime1">
               <a:rPr lang="sv-SE" smtClean="0"/>
-              <a:t>2020-04-16</a:t>
+              <a:t>2020-05-18</a:t>
             </a:fld>
             <a:endParaRPr lang="sv-SE"/>
           </a:p>
@@ -11479,7 +11479,7 @@
           <a:p>
             <a:fld id="{4D6B0352-3FAF-4997-A408-54821387E8C2}" type="datetime1">
               <a:rPr lang="sv-SE" smtClean="0"/>
-              <a:t>2020-04-16</a:t>
+              <a:t>2020-05-18</a:t>
             </a:fld>
             <a:endParaRPr lang="sv-SE"/>
           </a:p>
@@ -11715,7 +11715,7 @@
           <a:p>
             <a:fld id="{716563E9-3DC5-4469-9964-FF98F1612663}" type="datetime1">
               <a:rPr lang="sv-SE" smtClean="0"/>
-              <a:t>2020-04-16</a:t>
+              <a:t>2020-05-18</a:t>
             </a:fld>
             <a:endParaRPr lang="sv-SE"/>
           </a:p>
@@ -12086,7 +12086,7 @@
           <a:p>
             <a:fld id="{1CBF595A-354E-4185-8569-5903072BC314}" type="datetime1">
               <a:rPr lang="sv-SE" smtClean="0"/>
-              <a:t>2020-04-16</a:t>
+              <a:t>2020-05-18</a:t>
             </a:fld>
             <a:endParaRPr lang="sv-SE"/>
           </a:p>
@@ -12208,7 +12208,7 @@
           <a:p>
             <a:fld id="{BFCB468F-8F0C-4472-9C74-13DD7D928865}" type="datetime1">
               <a:rPr lang="sv-SE" smtClean="0"/>
-              <a:t>2020-04-16</a:t>
+              <a:t>2020-05-18</a:t>
             </a:fld>
             <a:endParaRPr lang="sv-SE"/>
           </a:p>
@@ -12307,7 +12307,7 @@
           <a:p>
             <a:fld id="{BC504758-5BE1-4D18-AD7B-70303133ACF8}" type="datetime1">
               <a:rPr lang="sv-SE" smtClean="0"/>
-              <a:t>2020-04-16</a:t>
+              <a:t>2020-05-18</a:t>
             </a:fld>
             <a:endParaRPr lang="sv-SE"/>
           </a:p>
@@ -12588,7 +12588,7 @@
           <a:p>
             <a:fld id="{250C9EB5-F68C-4689-94F6-49C30221888E}" type="datetime1">
               <a:rPr lang="sv-SE" smtClean="0"/>
-              <a:t>2020-04-16</a:t>
+              <a:t>2020-05-18</a:t>
             </a:fld>
             <a:endParaRPr lang="sv-SE"/>
           </a:p>
@@ -12849,7 +12849,7 @@
           <a:p>
             <a:fld id="{7DD110CA-AEED-4DF4-83DE-18633E56C29F}" type="datetime1">
               <a:rPr lang="sv-SE" smtClean="0"/>
-              <a:t>2020-04-16</a:t>
+              <a:t>2020-05-18</a:t>
             </a:fld>
             <a:endParaRPr lang="sv-SE"/>
           </a:p>
@@ -13023,7 +13023,7 @@
           <a:p>
             <a:fld id="{9B2AEE04-1216-4AB6-8CF8-50DAF2F9BED2}" type="datetime1">
               <a:rPr lang="sv-SE" smtClean="0"/>
-              <a:t>2020-04-16</a:t>
+              <a:t>2020-05-18</a:t>
             </a:fld>
             <a:endParaRPr lang="sv-SE"/>
           </a:p>
@@ -13207,7 +13207,7 @@
           <a:p>
             <a:fld id="{FA578C12-CAD3-4D2D-9DA2-12AF1DD8FC8B}" type="datetime1">
               <a:rPr lang="sv-SE" smtClean="0"/>
-              <a:t>2020-04-16</a:t>
+              <a:t>2020-05-18</a:t>
             </a:fld>
             <a:endParaRPr lang="sv-SE"/>
           </a:p>
@@ -13741,7 +13741,7 @@
                   <a:prstClr val="black"/>
                 </a:solidFill>
               </a:rPr>
-              <a:t>2020-04-16</a:t>
+              <a:t>2020-05-18</a:t>
             </a:fld>
             <a:endParaRPr lang="en-GB" dirty="0">
               <a:solidFill>
@@ -14161,7 +14161,7 @@
                   <a:prstClr val="black"/>
                 </a:solidFill>
               </a:rPr>
-              <a:t>2020-04-16</a:t>
+              <a:t>2020-05-18</a:t>
             </a:fld>
             <a:endParaRPr lang="en-GB" dirty="0">
               <a:solidFill>
@@ -14484,7 +14484,7 @@
                   <a:prstClr val="black"/>
                 </a:solidFill>
               </a:rPr>
-              <a:t>2020-04-16</a:t>
+              <a:t>2020-05-18</a:t>
             </a:fld>
             <a:endParaRPr lang="en-GB" dirty="0">
               <a:solidFill>
@@ -14784,7 +14784,7 @@
                   <a:prstClr val="black"/>
                 </a:solidFill>
               </a:rPr>
-              <a:t>2020-04-16</a:t>
+              <a:t>2020-05-18</a:t>
             </a:fld>
             <a:endParaRPr lang="en-GB" dirty="0">
               <a:solidFill>
@@ -15297,7 +15297,7 @@
                   <a:prstClr val="black"/>
                 </a:solidFill>
               </a:rPr>
-              <a:t>2020-04-16</a:t>
+              <a:t>2020-05-18</a:t>
             </a:fld>
             <a:endParaRPr lang="en-GB" dirty="0">
               <a:solidFill>
@@ -15534,7 +15534,7 @@
                   <a:prstClr val="black"/>
                 </a:solidFill>
               </a:rPr>
-              <a:t>2020-04-16</a:t>
+              <a:t>2020-05-18</a:t>
             </a:fld>
             <a:endParaRPr lang="en-GB" dirty="0">
               <a:solidFill>
@@ -16437,7 +16437,7 @@
           <a:p>
             <a:fld id="{B7BDDC76-5D53-4957-9832-0AD3879DA754}" type="datetime1">
               <a:rPr lang="sv-SE" smtClean="0"/>
-              <a:t>2020-04-16</a:t>
+              <a:t>2020-05-18</a:t>
             </a:fld>
             <a:endParaRPr lang="sv-SE"/>
           </a:p>
@@ -18358,63 +18358,66 @@
           <a:bodyPr/>
           <a:lstStyle/>
           <a:p>
-            <a:pPr marL="457200" indent="-457200">
-              <a:buFont typeface="Arial" panose="020B0604020202020204" pitchFamily="34" charset="0"/>
-              <a:buChar char="•"/>
-            </a:pPr>
-            <a:r>
-              <a:rPr lang="en-US" dirty="0"/>
-              <a:t>The energy system is a complicated network of processes and flows</a:t>
-            </a:r>
-          </a:p>
-          <a:p>
-            <a:pPr marL="457200" indent="-457200">
-              <a:buFont typeface="Arial" panose="020B0604020202020204" pitchFamily="34" charset="0"/>
-              <a:buChar char="•"/>
-            </a:pPr>
-            <a:r>
-              <a:rPr lang="en-US" dirty="0"/>
-              <a:t>Models are a useful tool to understand the energy system and formulate sound energy policies</a:t>
-            </a:r>
-          </a:p>
-          <a:p>
-            <a:pPr marL="457200" indent="-457200">
-              <a:buFont typeface="Arial" panose="020B0604020202020204" pitchFamily="34" charset="0"/>
-              <a:buChar char="•"/>
-            </a:pPr>
-            <a:r>
-              <a:rPr lang="en-US" dirty="0"/>
-              <a:t>Energy models provide </a:t>
-            </a:r>
-            <a:r>
-              <a:rPr lang="en-US" b="1" dirty="0"/>
-              <a:t>insights for energy policies, not numbers</a:t>
-            </a:r>
-          </a:p>
-          <a:p>
-            <a:pPr marL="457200" indent="-457200">
-              <a:buFont typeface="Arial" panose="020B0604020202020204" pitchFamily="34" charset="0"/>
-              <a:buChar char="•"/>
-            </a:pPr>
-            <a:r>
-              <a:rPr lang="en-US" dirty="0"/>
-              <a:t>Modelling tools can be categorized into top-down and bottom-up. We will look at one type of bottom-up tools: </a:t>
-            </a:r>
-            <a:r>
-              <a:rPr lang="en-US" b="1" dirty="0"/>
-              <a:t>optimization tools</a:t>
-            </a:r>
-          </a:p>
-        </p:txBody>
-      </p:sp>
-      <p:sp>
-        <p:nvSpPr>
-          <p:cNvPr id="5" name="Slide Number Placeholder 4"/>
+            <a:r>
+              <a:rPr lang="sv-SE" dirty="0" smtClean="0"/>
+              <a:t>Special </a:t>
+            </a:r>
+            <a:r>
+              <a:rPr lang="sv-SE" dirty="0" err="1" smtClean="0"/>
+              <a:t>characters</a:t>
+            </a:r>
+            <a:endParaRPr lang="sv-SE" dirty="0" smtClean="0"/>
+          </a:p>
+          <a:p>
+            <a:r>
+              <a:rPr lang="it-IT" dirty="0" smtClean="0"/>
+              <a:t> </a:t>
+            </a:r>
+          </a:p>
+          <a:p>
+            <a:r>
+              <a:rPr lang="it-IT" dirty="0" smtClean="0"/>
+              <a:t>3 dots </a:t>
+            </a:r>
+            <a:r>
+              <a:rPr lang="it-IT" dirty="0"/>
+              <a:t>... </a:t>
+            </a:r>
+            <a:endParaRPr lang="it-IT" dirty="0" smtClean="0"/>
+          </a:p>
+          <a:p>
+            <a:r>
+              <a:rPr lang="it-IT" dirty="0" smtClean="0"/>
+              <a:t>3 apostrophes ''' </a:t>
+            </a:r>
+          </a:p>
+          <a:p>
+            <a:r>
+              <a:rPr lang="it-IT" dirty="0" smtClean="0"/>
+              <a:t>minus – </a:t>
+            </a:r>
+          </a:p>
+          <a:p>
+            <a:r>
+              <a:rPr lang="it-IT" dirty="0" smtClean="0"/>
+              <a:t>u </a:t>
+            </a:r>
+            <a:r>
+              <a:rPr lang="it-IT" dirty="0"/>
+              <a:t>ü</a:t>
+            </a:r>
+            <a:endParaRPr lang="sv-SE" dirty="0"/>
+          </a:p>
+        </p:txBody>
+      </p:sp>
+      <p:sp>
+        <p:nvSpPr>
+          <p:cNvPr id="3" name="Footer Placeholder 2"/>
           <p:cNvSpPr>
             <a:spLocks noGrp="1"/>
           </p:cNvSpPr>
           <p:nvPr>
-            <p:ph type="sldNum" sz="quarter" idx="12"/>
+            <p:ph type="ftr" sz="quarter" idx="11"/>
           </p:nvPr>
         </p:nvSpPr>
         <p:spPr/>
@@ -18422,7 +18425,30 @@
           <a:bodyPr/>
           <a:lstStyle/>
           <a:p>
-            <a:fld id="{A0B7FA9A-6BCF-4CFA-8685-B7A43319A6CD}" type="slidenum">
+            <a:r>
+              <a:rPr lang="en-GB" smtClean="0"/>
+              <a:t>MJ2380-2381 2020</a:t>
+            </a:r>
+            <a:endParaRPr lang="en-GB" dirty="0"/>
+          </a:p>
+        </p:txBody>
+      </p:sp>
+      <p:sp>
+        <p:nvSpPr>
+          <p:cNvPr id="4" name="Slide Number Placeholder 3"/>
+          <p:cNvSpPr>
+            <a:spLocks noGrp="1"/>
+          </p:cNvSpPr>
+          <p:nvPr>
+            <p:ph type="sldNum" sz="quarter" idx="12"/>
+          </p:nvPr>
+        </p:nvSpPr>
+        <p:spPr/>
+        <p:txBody>
+          <a:bodyPr/>
+          <a:lstStyle/>
+          <a:p>
+            <a:fld id="{F36C87F6-986D-49E6-AF40-1B3A1EE8064D}" type="slidenum">
               <a:rPr lang="en-GB" smtClean="0"/>
               <a:pPr/>
               <a:t>14</a:t>
@@ -18433,7 +18459,7 @@
       </p:sp>
       <p:sp>
         <p:nvSpPr>
-          <p:cNvPr id="6" name="Title 5"/>
+          <p:cNvPr id="5" name="Title 4"/>
           <p:cNvSpPr>
             <a:spLocks noGrp="1"/>
           </p:cNvSpPr>
@@ -18447,69 +18473,25 @@
           <a:lstStyle/>
           <a:p>
             <a:r>
-              <a:rPr lang="sv-SE" dirty="0" err="1"/>
-              <a:t>Key</a:t>
-            </a:r>
-            <a:r>
-              <a:rPr lang="sv-SE" dirty="0"/>
-              <a:t> </a:t>
-            </a:r>
-            <a:r>
-              <a:rPr lang="sv-SE" dirty="0" err="1"/>
-              <a:t>take</a:t>
-            </a:r>
-            <a:r>
-              <a:rPr lang="sv-SE" dirty="0"/>
-              <a:t> </a:t>
-            </a:r>
-            <a:r>
-              <a:rPr lang="sv-SE" dirty="0" err="1"/>
-              <a:t>away</a:t>
-            </a:r>
-            <a:r>
-              <a:rPr lang="sv-SE" dirty="0"/>
-              <a:t> </a:t>
-            </a:r>
-            <a:r>
-              <a:rPr lang="sv-SE" dirty="0" err="1"/>
-              <a:t>messages</a:t>
+              <a:rPr lang="sv-SE" dirty="0" smtClean="0"/>
+              <a:t>Special </a:t>
+            </a:r>
+            <a:r>
+              <a:rPr lang="sv-SE" dirty="0" err="1" smtClean="0"/>
+              <a:t>characters</a:t>
+            </a:r>
+            <a:r>
+              <a:rPr lang="sv-SE" dirty="0" smtClean="0"/>
+              <a:t> minus -</a:t>
             </a:r>
             <a:endParaRPr lang="sv-SE" dirty="0"/>
-          </a:p>
-        </p:txBody>
-      </p:sp>
-      <p:sp>
-        <p:nvSpPr>
-          <p:cNvPr id="7" name="Footer Placeholder 4"/>
-          <p:cNvSpPr>
-            <a:spLocks noGrp="1"/>
-          </p:cNvSpPr>
-          <p:nvPr>
-            <p:ph type="ftr" sz="quarter" idx="11"/>
-          </p:nvPr>
-        </p:nvSpPr>
-        <p:spPr>
-          <a:xfrm>
-            <a:off x="4038600" y="6356350"/>
-            <a:ext cx="4114800" cy="365125"/>
-          </a:xfrm>
-        </p:spPr>
-        <p:txBody>
-          <a:bodyPr/>
-          <a:lstStyle/>
-          <a:p>
-            <a:r>
-              <a:rPr lang="en-GB" smtClean="0"/>
-              <a:t>MJ2380-2381 2020</a:t>
-            </a:r>
-            <a:endParaRPr lang="en-GB" dirty="0"/>
           </a:p>
         </p:txBody>
       </p:sp>
     </p:spTree>
     <p:extLst>
       <p:ext uri="{BB962C8B-B14F-4D97-AF65-F5344CB8AC3E}">
-        <p14:creationId xmlns:p14="http://schemas.microsoft.com/office/powerpoint/2010/main" val="2837304566"/>
+        <p14:creationId xmlns:p14="http://schemas.microsoft.com/office/powerpoint/2010/main" val="2982139804"/>
       </p:ext>
     </p:extLst>
   </p:cSld>
@@ -18528,13 +18510,6 @@
       </p:transition>
     </mc:Fallback>
   </mc:AlternateContent>
-  <p:timing>
-    <p:tnLst>
-      <p:par>
-        <p:cTn id="1" dur="indefinite" restart="never" nodeType="tmRoot"/>
-      </p:par>
-    </p:tnLst>
-  </p:timing>
 </p:sld>
 </file>
 
@@ -18570,66 +18545,51 @@
           <a:bodyPr/>
           <a:lstStyle/>
           <a:p>
-            <a:pPr marL="285750" lvl="1" indent="-285750">
-              <a:spcAft>
-                <a:spcPct val="50000"/>
-              </a:spcAft>
+            <a:pPr marL="457200" indent="-457200">
+              <a:buFont typeface="Arial" panose="020B0604020202020204" pitchFamily="34" charset="0"/>
+              <a:buChar char="•"/>
             </a:pPr>
             <a:r>
-              <a:rPr lang="sv-SE" dirty="0"/>
-              <a:t>Modelling for insights, not numbers - Huntington et al.  (1982): </a:t>
-            </a:r>
-            <a:r>
-              <a:rPr lang="sv-SE" dirty="0">
-                <a:hlinkClick r:id="rId3"/>
-              </a:rPr>
-              <a:t>https://www.sciencedirect.com/science/article/pii/0305048382900020</a:t>
-            </a:r>
-            <a:r>
-              <a:rPr lang="sv-SE" dirty="0"/>
-              <a:t> </a:t>
-            </a:r>
-          </a:p>
-          <a:p>
-            <a:pPr marL="285750" lvl="1" indent="-285750">
-              <a:spcAft>
-                <a:spcPct val="50000"/>
-              </a:spcAft>
+              <a:rPr lang="en-US" dirty="0"/>
+              <a:t>The energy system is a complicated network of processes and flows</a:t>
+            </a:r>
+          </a:p>
+          <a:p>
+            <a:pPr marL="457200" indent="-457200">
+              <a:buFont typeface="Arial" panose="020B0604020202020204" pitchFamily="34" charset="0"/>
+              <a:buChar char="•"/>
             </a:pPr>
             <a:r>
-              <a:rPr lang="sv-SE" dirty="0"/>
-              <a:t>Categorisation of modelling tools – Herbst et al. (2012): </a:t>
-            </a:r>
-            <a:r>
-              <a:rPr lang="sv-SE" dirty="0">
-                <a:hlinkClick r:id="rId4"/>
-              </a:rPr>
-              <a:t>https://link.springer.com/content/pdf/10.1007%2FBF03399363.pdf</a:t>
-            </a:r>
-            <a:r>
-              <a:rPr lang="sv-SE" dirty="0"/>
-              <a:t> </a:t>
-            </a:r>
-          </a:p>
-          <a:p>
-            <a:pPr marL="285750" lvl="1" indent="-285750">
-              <a:spcAft>
-                <a:spcPct val="50000"/>
-              </a:spcAft>
+              <a:rPr lang="en-US" dirty="0"/>
+              <a:t>Models are a useful tool to understand the energy system and formulate sound energy policies</a:t>
+            </a:r>
+          </a:p>
+          <a:p>
+            <a:pPr marL="457200" indent="-457200">
+              <a:buFont typeface="Arial" panose="020B0604020202020204" pitchFamily="34" charset="0"/>
+              <a:buChar char="•"/>
             </a:pPr>
             <a:r>
-              <a:rPr lang="sv-SE" dirty="0"/>
-              <a:t>Review of different categorisation methods – Müller et al. (2018): </a:t>
-            </a:r>
-            <a:r>
-              <a:rPr lang="sv-SE" dirty="0">
-                <a:hlinkClick r:id="rId5"/>
-              </a:rPr>
-              <a:t>https://www.sciencedirect.com/science/article/pii/S2211467X18300154</a:t>
-            </a:r>
-            <a:r>
-              <a:rPr lang="sv-SE" dirty="0"/>
-              <a:t> </a:t>
+              <a:rPr lang="en-US" dirty="0"/>
+              <a:t>Energy models provide </a:t>
+            </a:r>
+            <a:r>
+              <a:rPr lang="en-US" b="1" dirty="0"/>
+              <a:t>insights for energy policies, not numbers</a:t>
+            </a:r>
+          </a:p>
+          <a:p>
+            <a:pPr marL="457200" indent="-457200">
+              <a:buFont typeface="Arial" panose="020B0604020202020204" pitchFamily="34" charset="0"/>
+              <a:buChar char="•"/>
+            </a:pPr>
+            <a:r>
+              <a:rPr lang="en-US" dirty="0"/>
+              <a:t>Modelling tools can be categorized into top-down and bottom-up. We will look at one type of bottom-up tools: </a:t>
+            </a:r>
+            <a:r>
+              <a:rPr lang="en-US" b="1" dirty="0"/>
+              <a:t>optimization tools</a:t>
             </a:r>
           </a:p>
         </p:txBody>
@@ -18674,9 +18634,34 @@
           <a:lstStyle/>
           <a:p>
             <a:r>
+              <a:rPr lang="sv-SE" dirty="0" err="1"/>
+              <a:t>Key</a:t>
+            </a:r>
+            <a:r>
               <a:rPr lang="sv-SE" dirty="0"/>
-              <a:t>Reading material</a:t>
-            </a:r>
+              <a:t> </a:t>
+            </a:r>
+            <a:r>
+              <a:rPr lang="sv-SE" dirty="0" err="1"/>
+              <a:t>take</a:t>
+            </a:r>
+            <a:r>
+              <a:rPr lang="sv-SE" dirty="0"/>
+              <a:t> </a:t>
+            </a:r>
+            <a:r>
+              <a:rPr lang="sv-SE" dirty="0" err="1"/>
+              <a:t>away</a:t>
+            </a:r>
+            <a:r>
+              <a:rPr lang="sv-SE" dirty="0"/>
+              <a:t> </a:t>
+            </a:r>
+            <a:r>
+              <a:rPr lang="sv-SE" dirty="0" err="1"/>
+              <a:t>messages</a:t>
+            </a:r>
+            <a:endParaRPr lang="sv-SE" dirty="0"/>
           </a:p>
         </p:txBody>
       </p:sp>
@@ -18711,7 +18696,7 @@
     </p:spTree>
     <p:extLst>
       <p:ext uri="{BB962C8B-B14F-4D97-AF65-F5344CB8AC3E}">
-        <p14:creationId xmlns:p14="http://schemas.microsoft.com/office/powerpoint/2010/main" val="1208241015"/>
+        <p14:creationId xmlns:p14="http://schemas.microsoft.com/office/powerpoint/2010/main" val="2837304566"/>
       </p:ext>
     </p:extLst>
   </p:cSld>
@@ -18759,6 +18744,208 @@
       </p:grpSpPr>
       <p:sp>
         <p:nvSpPr>
+          <p:cNvPr id="2" name="Content Placeholder 1"/>
+          <p:cNvSpPr>
+            <a:spLocks noGrp="1"/>
+          </p:cNvSpPr>
+          <p:nvPr>
+            <p:ph idx="1"/>
+          </p:nvPr>
+        </p:nvSpPr>
+        <p:spPr/>
+        <p:txBody>
+          <a:bodyPr/>
+          <a:lstStyle/>
+          <a:p>
+            <a:pPr marL="285750" lvl="1" indent="-285750">
+              <a:spcAft>
+                <a:spcPct val="50000"/>
+              </a:spcAft>
+            </a:pPr>
+            <a:r>
+              <a:rPr lang="sv-SE" dirty="0"/>
+              <a:t>Modelling for insights, not numbers - Huntington et al.  (1982): </a:t>
+            </a:r>
+            <a:r>
+              <a:rPr lang="sv-SE" dirty="0">
+                <a:hlinkClick r:id="rId3"/>
+              </a:rPr>
+              <a:t>https://www.sciencedirect.com/science/article/pii/0305048382900020</a:t>
+            </a:r>
+            <a:r>
+              <a:rPr lang="sv-SE" dirty="0"/>
+              <a:t> </a:t>
+            </a:r>
+          </a:p>
+          <a:p>
+            <a:pPr marL="285750" lvl="1" indent="-285750">
+              <a:spcAft>
+                <a:spcPct val="50000"/>
+              </a:spcAft>
+            </a:pPr>
+            <a:r>
+              <a:rPr lang="sv-SE" dirty="0"/>
+              <a:t>Categorisation of modelling tools – Herbst et al. (2012): </a:t>
+            </a:r>
+            <a:r>
+              <a:rPr lang="sv-SE" dirty="0">
+                <a:hlinkClick r:id="rId4"/>
+              </a:rPr>
+              <a:t>https://link.springer.com/content/pdf/10.1007%2FBF03399363.pdf</a:t>
+            </a:r>
+            <a:r>
+              <a:rPr lang="sv-SE" dirty="0"/>
+              <a:t> </a:t>
+            </a:r>
+          </a:p>
+          <a:p>
+            <a:pPr marL="285750" lvl="1" indent="-285750">
+              <a:spcAft>
+                <a:spcPct val="50000"/>
+              </a:spcAft>
+            </a:pPr>
+            <a:r>
+              <a:rPr lang="sv-SE" dirty="0"/>
+              <a:t>Review of different categorisation methods – Müller et al. (2018): </a:t>
+            </a:r>
+            <a:r>
+              <a:rPr lang="sv-SE" dirty="0">
+                <a:hlinkClick r:id="rId5"/>
+              </a:rPr>
+              <a:t>https://www.sciencedirect.com/science/article/pii/S2211467X18300154</a:t>
+            </a:r>
+            <a:r>
+              <a:rPr lang="sv-SE" dirty="0"/>
+              <a:t> </a:t>
+            </a:r>
+          </a:p>
+        </p:txBody>
+      </p:sp>
+      <p:sp>
+        <p:nvSpPr>
+          <p:cNvPr id="5" name="Slide Number Placeholder 4"/>
+          <p:cNvSpPr>
+            <a:spLocks noGrp="1"/>
+          </p:cNvSpPr>
+          <p:nvPr>
+            <p:ph type="sldNum" sz="quarter" idx="12"/>
+          </p:nvPr>
+        </p:nvSpPr>
+        <p:spPr/>
+        <p:txBody>
+          <a:bodyPr/>
+          <a:lstStyle/>
+          <a:p>
+            <a:fld id="{A0B7FA9A-6BCF-4CFA-8685-B7A43319A6CD}" type="slidenum">
+              <a:rPr lang="en-GB" smtClean="0"/>
+              <a:pPr/>
+              <a:t>16</a:t>
+            </a:fld>
+            <a:endParaRPr lang="en-GB" dirty="0"/>
+          </a:p>
+        </p:txBody>
+      </p:sp>
+      <p:sp>
+        <p:nvSpPr>
+          <p:cNvPr id="6" name="Title 5"/>
+          <p:cNvSpPr>
+            <a:spLocks noGrp="1"/>
+          </p:cNvSpPr>
+          <p:nvPr>
+            <p:ph type="title"/>
+          </p:nvPr>
+        </p:nvSpPr>
+        <p:spPr/>
+        <p:txBody>
+          <a:bodyPr/>
+          <a:lstStyle/>
+          <a:p>
+            <a:r>
+              <a:rPr lang="sv-SE" dirty="0"/>
+              <a:t>Reading material</a:t>
+            </a:r>
+          </a:p>
+        </p:txBody>
+      </p:sp>
+      <p:sp>
+        <p:nvSpPr>
+          <p:cNvPr id="7" name="Footer Placeholder 4"/>
+          <p:cNvSpPr>
+            <a:spLocks noGrp="1"/>
+          </p:cNvSpPr>
+          <p:nvPr>
+            <p:ph type="ftr" sz="quarter" idx="11"/>
+          </p:nvPr>
+        </p:nvSpPr>
+        <p:spPr>
+          <a:xfrm>
+            <a:off x="4038600" y="6356350"/>
+            <a:ext cx="4114800" cy="365125"/>
+          </a:xfrm>
+        </p:spPr>
+        <p:txBody>
+          <a:bodyPr/>
+          <a:lstStyle/>
+          <a:p>
+            <a:r>
+              <a:rPr lang="en-GB" smtClean="0"/>
+              <a:t>MJ2380-2381 2020</a:t>
+            </a:r>
+            <a:endParaRPr lang="en-GB" dirty="0"/>
+          </a:p>
+        </p:txBody>
+      </p:sp>
+    </p:spTree>
+    <p:extLst>
+      <p:ext uri="{BB962C8B-B14F-4D97-AF65-F5344CB8AC3E}">
+        <p14:creationId xmlns:p14="http://schemas.microsoft.com/office/powerpoint/2010/main" val="1208241015"/>
+      </p:ext>
+    </p:extLst>
+  </p:cSld>
+  <p:clrMapOvr>
+    <a:masterClrMapping/>
+  </p:clrMapOvr>
+  <mc:AlternateContent xmlns:mc="http://schemas.openxmlformats.org/markup-compatibility/2006" xmlns:p14="http://schemas.microsoft.com/office/powerpoint/2010/main">
+    <mc:Choice Requires="p14">
+      <p:transition spd="med" p14:dur="700">
+        <p:fade/>
+      </p:transition>
+    </mc:Choice>
+    <mc:Fallback xmlns="">
+      <p:transition spd="med">
+        <p:fade/>
+      </p:transition>
+    </mc:Fallback>
+  </mc:AlternateContent>
+  <p:timing>
+    <p:tnLst>
+      <p:par>
+        <p:cTn id="1" dur="indefinite" restart="never" nodeType="tmRoot"/>
+      </p:par>
+    </p:tnLst>
+  </p:timing>
+</p:sld>
+</file>
+
+<file path=ppt/slides/slide17.xml><?xml version="1.0" encoding="utf-8"?>
+<p:sld xmlns:a="http://schemas.openxmlformats.org/drawingml/2006/main" xmlns:r="http://schemas.openxmlformats.org/officeDocument/2006/relationships" xmlns:p="http://schemas.openxmlformats.org/presentationml/2006/main">
+  <p:cSld>
+    <p:spTree>
+      <p:nvGrpSpPr>
+        <p:cNvPr id="1" name=""/>
+        <p:cNvGrpSpPr/>
+        <p:nvPr/>
+      </p:nvGrpSpPr>
+      <p:grpSpPr>
+        <a:xfrm>
+          <a:off x="0" y="0"/>
+          <a:ext cx="0" cy="0"/>
+          <a:chOff x="0" y="0"/>
+          <a:chExt cx="0" cy="0"/>
+        </a:xfrm>
+      </p:grpSpPr>
+      <p:sp>
+        <p:nvSpPr>
           <p:cNvPr id="3" name="Title 2"/>
           <p:cNvSpPr>
             <a:spLocks noGrp="1"/>
@@ -18850,7 +19037,7 @@
                 </a:solidFill>
               </a:rPr>
               <a:pPr/>
-              <a:t>16</a:t>
+              <a:t>17</a:t>
             </a:fld>
             <a:endParaRPr lang="en-GB" sz="1400" dirty="0">
               <a:solidFill>
@@ -22738,6 +22925,14 @@
 </file>
 
 <file path=customXml/itemProps1.xml><?xml version="1.0" encoding="utf-8"?>
+<ds:datastoreItem xmlns:ds="http://schemas.openxmlformats.org/officeDocument/2006/customXml" ds:itemID="{C617D7A1-438A-4842-B3E3-9908A6EB6D2C}">
+  <ds:schemaRefs>
+    <ds:schemaRef ds:uri="http://schemas.microsoft.com/VisualStudio/2011/storyboarding/control"/>
+  </ds:schemaRefs>
+</ds:datastoreItem>
+</file>
+
+<file path=customXml/itemProps2.xml><?xml version="1.0" encoding="utf-8"?>
 <ds:datastoreItem xmlns:ds="http://schemas.openxmlformats.org/officeDocument/2006/customXml" ds:itemID="{C4C77668-3C09-4800-9078-32A63FDB8878}">
   <ds:schemaRefs>
     <ds:schemaRef ds:uri="http://schemas.microsoft.com/VisualStudio/2011/storyboarding/control"/>
@@ -22745,15 +22940,47 @@
 </ds:datastoreItem>
 </file>
 
-<file path=customXml/itemProps2.xml><?xml version="1.0" encoding="utf-8"?>
-<ds:datastoreItem xmlns:ds="http://schemas.openxmlformats.org/officeDocument/2006/customXml" ds:itemID="{C617D7A1-438A-4842-B3E3-9908A6EB6D2C}">
+<file path=customXml/itemProps3.xml><?xml version="1.0" encoding="utf-8"?>
+<ds:datastoreItem xmlns:ds="http://schemas.openxmlformats.org/officeDocument/2006/customXml" ds:itemID="{2611C6C5-73A8-4088-8E8F-45AC80A93639}">
   <ds:schemaRefs>
     <ds:schemaRef ds:uri="http://schemas.microsoft.com/VisualStudio/2011/storyboarding/control"/>
   </ds:schemaRefs>
 </ds:datastoreItem>
 </file>
 
-<file path=customXml/itemProps3.xml><?xml version="1.0" encoding="utf-8"?>
+<file path=customXml/itemProps4.xml><?xml version="1.0" encoding="utf-8"?>
+<ds:datastoreItem xmlns:ds="http://schemas.openxmlformats.org/officeDocument/2006/customXml" ds:itemID="{1CFCFB3A-1124-4BB9-AF75-CF97631426FE}">
+  <ds:schemaRefs>
+    <ds:schemaRef ds:uri="http://schemas.microsoft.com/VisualStudio/2011/storyboarding/control"/>
+  </ds:schemaRefs>
+</ds:datastoreItem>
+</file>
+
+<file path=customXml/itemProps5.xml><?xml version="1.0" encoding="utf-8"?>
+<ds:datastoreItem xmlns:ds="http://schemas.openxmlformats.org/officeDocument/2006/customXml" ds:itemID="{834A27C6-F506-436C-BE80-EBD990020008}">
+  <ds:schemaRefs>
+    <ds:schemaRef ds:uri="http://schemas.microsoft.com/VisualStudio/2011/storyboarding/control"/>
+  </ds:schemaRefs>
+</ds:datastoreItem>
+</file>
+
+<file path=customXml/itemProps6.xml><?xml version="1.0" encoding="utf-8"?>
+<ds:datastoreItem xmlns:ds="http://schemas.openxmlformats.org/officeDocument/2006/customXml" ds:itemID="{0103A532-5B2C-4425-9F2A-7F4721A16C4C}">
+  <ds:schemaRefs>
+    <ds:schemaRef ds:uri="http://schemas.microsoft.com/VisualStudio/2011/storyboarding/control"/>
+  </ds:schemaRefs>
+</ds:datastoreItem>
+</file>
+
+<file path=customXml/itemProps7.xml><?xml version="1.0" encoding="utf-8"?>
+<ds:datastoreItem xmlns:ds="http://schemas.openxmlformats.org/officeDocument/2006/customXml" ds:itemID="{E01F304E-8A23-4F3A-A522-8F0F304C2F57}">
+  <ds:schemaRefs>
+    <ds:schemaRef ds:uri="http://schemas.microsoft.com/VisualStudio/2011/storyboarding/control"/>
+  </ds:schemaRefs>
+</ds:datastoreItem>
+</file>
+
+<file path=customXml/itemProps8.xml><?xml version="1.0" encoding="utf-8"?>
 <ds:datastoreItem xmlns:ds="http://schemas.openxmlformats.org/officeDocument/2006/customXml" ds:itemID="{25B0A9D5-AA86-40E5-8BB9-BF6B6793A753}">
   <ds:schemaRefs>
     <ds:schemaRef ds:uri="http://schemas.microsoft.com/VisualStudio/2011/storyboarding/control"/>
@@ -22761,50 +22988,10 @@
 </ds:datastoreItem>
 </file>
 
-<file path=customXml/itemProps4.xml><?xml version="1.0" encoding="utf-8"?>
-<ds:datastoreItem xmlns:ds="http://schemas.openxmlformats.org/officeDocument/2006/customXml" ds:itemID="{834A27C6-F506-436C-BE80-EBD990020008}">
-  <ds:schemaRefs>
-    <ds:schemaRef ds:uri="http://schemas.microsoft.com/VisualStudio/2011/storyboarding/control"/>
-  </ds:schemaRefs>
-</ds:datastoreItem>
-</file>
-
-<file path=customXml/itemProps5.xml><?xml version="1.0" encoding="utf-8"?>
-<ds:datastoreItem xmlns:ds="http://schemas.openxmlformats.org/officeDocument/2006/customXml" ds:itemID="{1CFCFB3A-1124-4BB9-AF75-CF97631426FE}">
-  <ds:schemaRefs>
-    <ds:schemaRef ds:uri="http://schemas.microsoft.com/VisualStudio/2011/storyboarding/control"/>
-  </ds:schemaRefs>
-</ds:datastoreItem>
-</file>
-
-<file path=customXml/itemProps6.xml><?xml version="1.0" encoding="utf-8"?>
-<ds:datastoreItem xmlns:ds="http://schemas.openxmlformats.org/officeDocument/2006/customXml" ds:itemID="{2611C6C5-73A8-4088-8E8F-45AC80A93639}">
-  <ds:schemaRefs>
-    <ds:schemaRef ds:uri="http://schemas.microsoft.com/VisualStudio/2011/storyboarding/control"/>
-  </ds:schemaRefs>
-</ds:datastoreItem>
-</file>
-
-<file path=customXml/itemProps7.xml><?xml version="1.0" encoding="utf-8"?>
+<file path=customXml/itemProps9.xml><?xml version="1.0" encoding="utf-8"?>
 <ds:datastoreItem xmlns:ds="http://schemas.openxmlformats.org/officeDocument/2006/customXml" ds:itemID="{25A3FA23-A2B3-408D-BAC0-3974AD01A403}">
   <ds:schemaRefs>
     <ds:schemaRef ds:uri="http://schemas.microsoft.com/VisualStudio/2011/storyboarding/control"/>
   </ds:schemaRefs>
 </ds:datastoreItem>
-</file>
-
-<file path=customXml/itemProps8.xml><?xml version="1.0" encoding="utf-8"?>
-<ds:datastoreItem xmlns:ds="http://schemas.openxmlformats.org/officeDocument/2006/customXml" ds:itemID="{E01F304E-8A23-4F3A-A522-8F0F304C2F57}">
-  <ds:schemaRefs>
-    <ds:schemaRef ds:uri="http://schemas.microsoft.com/VisualStudio/2011/storyboarding/control"/>
-  </ds:schemaRefs>
-</ds:datastoreItem>
-</file>
-
-<file path=customXml/itemProps9.xml><?xml version="1.0" encoding="utf-8"?>
-<ds:datastoreItem xmlns:ds="http://schemas.openxmlformats.org/officeDocument/2006/customXml" ds:itemID="{0103A532-5B2C-4425-9F2A-7F4721A16C4C}">
-  <ds:schemaRefs>
-    <ds:schemaRef ds:uri="http://schemas.microsoft.com/VisualStudio/2011/storyboarding/control"/>
-  </ds:schemaRefs>
-</ds:datastoreItem>
 </file>
--- a/files/ppt_presentations/ppt_demo.pptx
+++ b/files/ppt_presentations/ppt_demo.pptx
@@ -6,7 +6,7 @@
     <p:sldMasterId id="2147483699" r:id="rId11"/>
   </p:sldMasterIdLst>
   <p:notesMasterIdLst>
-    <p:notesMasterId r:id="rId29"/>
+    <p:notesMasterId r:id="rId27"/>
   </p:notesMasterIdLst>
   <p:sldIdLst>
     <p:sldId id="257" r:id="rId12"/>
@@ -23,9 +23,7 @@
     <p:sldId id="495" r:id="rId23"/>
     <p:sldId id="502" r:id="rId24"/>
     <p:sldId id="503" r:id="rId25"/>
-    <p:sldId id="339" r:id="rId26"/>
-    <p:sldId id="380" r:id="rId27"/>
-    <p:sldId id="330" r:id="rId28"/>
+    <p:sldId id="330" r:id="rId26"/>
   </p:sldIdLst>
   <p:sldSz cx="12192000" cy="6858000"/>
   <p:notesSz cx="6858000" cy="9144000"/>
@@ -158,14 +156,10 @@
           <p14:sldIdLst/>
         </p14:section>
         <p14:section name="Take away msgs" id="{16D7CF31-CDF3-4111-8DCD-8588E03A5D92}">
-          <p14:sldIdLst>
-            <p14:sldId id="339"/>
-          </p14:sldIdLst>
+          <p14:sldIdLst/>
         </p14:section>
         <p14:section name="Reading material" id="{15C5C907-E101-4DBA-B571-77ECC30B49F0}">
-          <p14:sldIdLst>
-            <p14:sldId id="380"/>
-          </p14:sldIdLst>
+          <p14:sldIdLst/>
         </p14:section>
         <p14:section name="End" id="{55D73A6D-AEDA-4891-9572-75FE8797DEA6}">
           <p14:sldIdLst>
@@ -4839,7 +4833,7 @@
           <a:p>
             <a:fld id="{C53FC889-3B05-4F6A-9AB7-C2521E883D0A}" type="datetimeFigureOut">
               <a:rPr lang="en-GB" smtClean="0"/>
-              <a:t>18/05/2020</a:t>
+              <a:t>19/05/2020</a:t>
             </a:fld>
             <a:endParaRPr lang="en-GB" dirty="0"/>
           </a:p>
@@ -5556,174 +5550,6 @@
 </p:notes>
 </file>
 
-<file path=ppt/notesSlides/notesSlide4.xml><?xml version="1.0" encoding="utf-8"?>
-<p:notes xmlns:a="http://schemas.openxmlformats.org/drawingml/2006/main" xmlns:r="http://schemas.openxmlformats.org/officeDocument/2006/relationships" xmlns:p="http://schemas.openxmlformats.org/presentationml/2006/main">
-  <p:cSld>
-    <p:spTree>
-      <p:nvGrpSpPr>
-        <p:cNvPr id="1" name=""/>
-        <p:cNvGrpSpPr/>
-        <p:nvPr/>
-      </p:nvGrpSpPr>
-      <p:grpSpPr>
-        <a:xfrm>
-          <a:off x="0" y="0"/>
-          <a:ext cx="0" cy="0"/>
-          <a:chOff x="0" y="0"/>
-          <a:chExt cx="0" cy="0"/>
-        </a:xfrm>
-      </p:grpSpPr>
-      <p:sp>
-        <p:nvSpPr>
-          <p:cNvPr id="2" name="Slide Image Placeholder 1"/>
-          <p:cNvSpPr>
-            <a:spLocks noGrp="1" noRot="1" noChangeAspect="1"/>
-          </p:cNvSpPr>
-          <p:nvPr>
-            <p:ph type="sldImg"/>
-          </p:nvPr>
-        </p:nvSpPr>
-        <p:spPr/>
-      </p:sp>
-      <p:sp>
-        <p:nvSpPr>
-          <p:cNvPr id="3" name="Notes Placeholder 2"/>
-          <p:cNvSpPr>
-            <a:spLocks noGrp="1"/>
-          </p:cNvSpPr>
-          <p:nvPr>
-            <p:ph type="body" idx="1"/>
-          </p:nvPr>
-        </p:nvSpPr>
-        <p:spPr/>
-        <p:txBody>
-          <a:bodyPr/>
-          <a:lstStyle/>
-          <a:p>
-            <a:endParaRPr lang="en-US"/>
-          </a:p>
-        </p:txBody>
-      </p:sp>
-      <p:sp>
-        <p:nvSpPr>
-          <p:cNvPr id="4" name="Slide Number Placeholder 3"/>
-          <p:cNvSpPr>
-            <a:spLocks noGrp="1"/>
-          </p:cNvSpPr>
-          <p:nvPr>
-            <p:ph type="sldNum" sz="quarter" idx="10"/>
-          </p:nvPr>
-        </p:nvSpPr>
-        <p:spPr/>
-        <p:txBody>
-          <a:bodyPr/>
-          <a:lstStyle/>
-          <a:p>
-            <a:fld id="{253E99D3-575E-4B33-AEE3-580024E0F63F}" type="slidenum">
-              <a:rPr lang="en-GB" smtClean="0"/>
-              <a:t>15</a:t>
-            </a:fld>
-            <a:endParaRPr lang="en-GB"/>
-          </a:p>
-        </p:txBody>
-      </p:sp>
-    </p:spTree>
-    <p:extLst>
-      <p:ext uri="{BB962C8B-B14F-4D97-AF65-F5344CB8AC3E}">
-        <p14:creationId xmlns:p14="http://schemas.microsoft.com/office/powerpoint/2010/main" val="4058711562"/>
-      </p:ext>
-    </p:extLst>
-  </p:cSld>
-  <p:clrMapOvr>
-    <a:masterClrMapping/>
-  </p:clrMapOvr>
-</p:notes>
-</file>
-
-<file path=ppt/notesSlides/notesSlide5.xml><?xml version="1.0" encoding="utf-8"?>
-<p:notes xmlns:a="http://schemas.openxmlformats.org/drawingml/2006/main" xmlns:r="http://schemas.openxmlformats.org/officeDocument/2006/relationships" xmlns:p="http://schemas.openxmlformats.org/presentationml/2006/main">
-  <p:cSld>
-    <p:spTree>
-      <p:nvGrpSpPr>
-        <p:cNvPr id="1" name=""/>
-        <p:cNvGrpSpPr/>
-        <p:nvPr/>
-      </p:nvGrpSpPr>
-      <p:grpSpPr>
-        <a:xfrm>
-          <a:off x="0" y="0"/>
-          <a:ext cx="0" cy="0"/>
-          <a:chOff x="0" y="0"/>
-          <a:chExt cx="0" cy="0"/>
-        </a:xfrm>
-      </p:grpSpPr>
-      <p:sp>
-        <p:nvSpPr>
-          <p:cNvPr id="2" name="Slide Image Placeholder 1"/>
-          <p:cNvSpPr>
-            <a:spLocks noGrp="1" noRot="1" noChangeAspect="1"/>
-          </p:cNvSpPr>
-          <p:nvPr>
-            <p:ph type="sldImg"/>
-          </p:nvPr>
-        </p:nvSpPr>
-        <p:spPr/>
-      </p:sp>
-      <p:sp>
-        <p:nvSpPr>
-          <p:cNvPr id="3" name="Notes Placeholder 2"/>
-          <p:cNvSpPr>
-            <a:spLocks noGrp="1"/>
-          </p:cNvSpPr>
-          <p:nvPr>
-            <p:ph type="body" idx="1"/>
-          </p:nvPr>
-        </p:nvSpPr>
-        <p:spPr/>
-        <p:txBody>
-          <a:bodyPr/>
-          <a:lstStyle/>
-          <a:p>
-            <a:endParaRPr lang="en-US"/>
-          </a:p>
-        </p:txBody>
-      </p:sp>
-      <p:sp>
-        <p:nvSpPr>
-          <p:cNvPr id="4" name="Slide Number Placeholder 3"/>
-          <p:cNvSpPr>
-            <a:spLocks noGrp="1"/>
-          </p:cNvSpPr>
-          <p:nvPr>
-            <p:ph type="sldNum" sz="quarter" idx="10"/>
-          </p:nvPr>
-        </p:nvSpPr>
-        <p:spPr/>
-        <p:txBody>
-          <a:bodyPr/>
-          <a:lstStyle/>
-          <a:p>
-            <a:fld id="{253E99D3-575E-4B33-AEE3-580024E0F63F}" type="slidenum">
-              <a:rPr lang="en-GB" smtClean="0"/>
-              <a:t>16</a:t>
-            </a:fld>
-            <a:endParaRPr lang="en-GB"/>
-          </a:p>
-        </p:txBody>
-      </p:sp>
-    </p:spTree>
-    <p:extLst>
-      <p:ext uri="{BB962C8B-B14F-4D97-AF65-F5344CB8AC3E}">
-        <p14:creationId xmlns:p14="http://schemas.microsoft.com/office/powerpoint/2010/main" val="804459243"/>
-      </p:ext>
-    </p:extLst>
-  </p:cSld>
-  <p:clrMapOvr>
-    <a:masterClrMapping/>
-  </p:clrMapOvr>
-</p:notes>
-</file>
-
 <file path=ppt/slideLayouts/slideLayout1.xml><?xml version="1.0" encoding="utf-8"?>
 <p:sldLayout xmlns:a="http://schemas.openxmlformats.org/drawingml/2006/main" xmlns:r="http://schemas.openxmlformats.org/officeDocument/2006/relationships" xmlns:p="http://schemas.openxmlformats.org/presentationml/2006/main" type="title" preserve="1">
   <p:cSld name="Title Slide">
@@ -5875,7 +5701,7 @@
           <a:p>
             <a:fld id="{9EFE7453-B082-4124-B5AE-B87EE023CDB1}" type="datetime1">
               <a:rPr lang="sv-SE" smtClean="0"/>
-              <a:t>2020-05-18</a:t>
+              <a:t>2020-05-19</a:t>
             </a:fld>
             <a:endParaRPr lang="en-GB" dirty="0"/>
           </a:p>
@@ -6121,7 +5947,7 @@
                   <a:prstClr val="black"/>
                 </a:solidFill>
               </a:rPr>
-              <a:t>2020-05-18</a:t>
+              <a:t>2020-05-19</a:t>
             </a:fld>
             <a:endParaRPr lang="en-GB" dirty="0">
               <a:solidFill>
@@ -6489,7 +6315,7 @@
                   <a:prstClr val="black"/>
                 </a:solidFill>
               </a:rPr>
-              <a:t>2020-05-18</a:t>
+              <a:t>2020-05-19</a:t>
             </a:fld>
             <a:endParaRPr lang="en-GB" dirty="0">
               <a:solidFill>
@@ -6772,7 +6598,7 @@
                   <a:prstClr val="black"/>
                 </a:solidFill>
               </a:rPr>
-              <a:t>2020-05-18</a:t>
+              <a:t>2020-05-19</a:t>
             </a:fld>
             <a:endParaRPr lang="en-GB" dirty="0">
               <a:solidFill>
@@ -7098,7 +6924,7 @@
                   <a:prstClr val="black"/>
                 </a:solidFill>
               </a:rPr>
-              <a:t>2020-05-18</a:t>
+              <a:t>2020-05-19</a:t>
             </a:fld>
             <a:endParaRPr lang="en-GB" dirty="0">
               <a:solidFill>
@@ -7369,7 +7195,7 @@
                   <a:prstClr val="black"/>
                 </a:solidFill>
               </a:rPr>
-              <a:t>2020-05-18</a:t>
+              <a:t>2020-05-19</a:t>
             </a:fld>
             <a:endParaRPr lang="en-GB" dirty="0">
               <a:solidFill>
@@ -7555,7 +7381,7 @@
                   <a:prstClr val="black"/>
                 </a:solidFill>
               </a:rPr>
-              <a:t>2020-05-18</a:t>
+              <a:t>2020-05-19</a:t>
             </a:fld>
             <a:endParaRPr lang="en-GB" dirty="0">
               <a:solidFill>
@@ -9836,7 +9662,7 @@
                   <a:prstClr val="black"/>
                 </a:solidFill>
               </a:rPr>
-              <a:t>2020-05-18</a:t>
+              <a:t>2020-05-19</a:t>
             </a:fld>
             <a:endParaRPr lang="en-GB" dirty="0">
               <a:solidFill>
@@ -10585,7 +10411,7 @@
             </a:pPr>
             <a:fld id="{D1537DF4-BE14-43E4-9A37-FFE4AFD6E832}" type="datetime1">
               <a:rPr lang="sv-SE" smtClean="0"/>
-              <a:t>2020-05-18</a:t>
+              <a:t>2020-05-19</a:t>
             </a:fld>
             <a:endParaRPr lang="sv-SE"/>
           </a:p>
@@ -10809,7 +10635,7 @@
           <a:p>
             <a:fld id="{80F358A9-049B-44CD-82AF-D1F2A38D371E}" type="datetime1">
               <a:rPr lang="sv-SE" smtClean="0"/>
-              <a:t>2020-05-18</a:t>
+              <a:t>2020-05-19</a:t>
             </a:fld>
             <a:endParaRPr lang="sv-SE"/>
           </a:p>
@@ -10978,7 +10804,7 @@
           <a:p>
             <a:fld id="{0EFFECE1-EFDB-4ED4-A92B-EC11843FA500}" type="datetime1">
               <a:rPr lang="sv-SE" smtClean="0"/>
-              <a:t>2020-05-18</a:t>
+              <a:t>2020-05-19</a:t>
             </a:fld>
             <a:endParaRPr lang="en-US" dirty="0"/>
           </a:p>
@@ -11229,7 +11055,7 @@
           <a:p>
             <a:fld id="{3E8B38C6-DEFB-43C3-9001-532227D2C227}" type="datetime1">
               <a:rPr lang="sv-SE" smtClean="0"/>
-              <a:t>2020-05-18</a:t>
+              <a:t>2020-05-19</a:t>
             </a:fld>
             <a:endParaRPr lang="sv-SE"/>
           </a:p>
@@ -11479,7 +11305,7 @@
           <a:p>
             <a:fld id="{4D6B0352-3FAF-4997-A408-54821387E8C2}" type="datetime1">
               <a:rPr lang="sv-SE" smtClean="0"/>
-              <a:t>2020-05-18</a:t>
+              <a:t>2020-05-19</a:t>
             </a:fld>
             <a:endParaRPr lang="sv-SE"/>
           </a:p>
@@ -11715,7 +11541,7 @@
           <a:p>
             <a:fld id="{716563E9-3DC5-4469-9964-FF98F1612663}" type="datetime1">
               <a:rPr lang="sv-SE" smtClean="0"/>
-              <a:t>2020-05-18</a:t>
+              <a:t>2020-05-19</a:t>
             </a:fld>
             <a:endParaRPr lang="sv-SE"/>
           </a:p>
@@ -12086,7 +11912,7 @@
           <a:p>
             <a:fld id="{1CBF595A-354E-4185-8569-5903072BC314}" type="datetime1">
               <a:rPr lang="sv-SE" smtClean="0"/>
-              <a:t>2020-05-18</a:t>
+              <a:t>2020-05-19</a:t>
             </a:fld>
             <a:endParaRPr lang="sv-SE"/>
           </a:p>
@@ -12208,7 +12034,7 @@
           <a:p>
             <a:fld id="{BFCB468F-8F0C-4472-9C74-13DD7D928865}" type="datetime1">
               <a:rPr lang="sv-SE" smtClean="0"/>
-              <a:t>2020-05-18</a:t>
+              <a:t>2020-05-19</a:t>
             </a:fld>
             <a:endParaRPr lang="sv-SE"/>
           </a:p>
@@ -12307,7 +12133,7 @@
           <a:p>
             <a:fld id="{BC504758-5BE1-4D18-AD7B-70303133ACF8}" type="datetime1">
               <a:rPr lang="sv-SE" smtClean="0"/>
-              <a:t>2020-05-18</a:t>
+              <a:t>2020-05-19</a:t>
             </a:fld>
             <a:endParaRPr lang="sv-SE"/>
           </a:p>
@@ -12588,7 +12414,7 @@
           <a:p>
             <a:fld id="{250C9EB5-F68C-4689-94F6-49C30221888E}" type="datetime1">
               <a:rPr lang="sv-SE" smtClean="0"/>
-              <a:t>2020-05-18</a:t>
+              <a:t>2020-05-19</a:t>
             </a:fld>
             <a:endParaRPr lang="sv-SE"/>
           </a:p>
@@ -12849,7 +12675,7 @@
           <a:p>
             <a:fld id="{7DD110CA-AEED-4DF4-83DE-18633E56C29F}" type="datetime1">
               <a:rPr lang="sv-SE" smtClean="0"/>
-              <a:t>2020-05-18</a:t>
+              <a:t>2020-05-19</a:t>
             </a:fld>
             <a:endParaRPr lang="sv-SE"/>
           </a:p>
@@ -13023,7 +12849,7 @@
           <a:p>
             <a:fld id="{9B2AEE04-1216-4AB6-8CF8-50DAF2F9BED2}" type="datetime1">
               <a:rPr lang="sv-SE" smtClean="0"/>
-              <a:t>2020-05-18</a:t>
+              <a:t>2020-05-19</a:t>
             </a:fld>
             <a:endParaRPr lang="sv-SE"/>
           </a:p>
@@ -13207,7 +13033,7 @@
           <a:p>
             <a:fld id="{FA578C12-CAD3-4D2D-9DA2-12AF1DD8FC8B}" type="datetime1">
               <a:rPr lang="sv-SE" smtClean="0"/>
-              <a:t>2020-05-18</a:t>
+              <a:t>2020-05-19</a:t>
             </a:fld>
             <a:endParaRPr lang="sv-SE"/>
           </a:p>
@@ -13741,7 +13567,7 @@
                   <a:prstClr val="black"/>
                 </a:solidFill>
               </a:rPr>
-              <a:t>2020-05-18</a:t>
+              <a:t>2020-05-19</a:t>
             </a:fld>
             <a:endParaRPr lang="en-GB" dirty="0">
               <a:solidFill>
@@ -14161,7 +13987,7 @@
                   <a:prstClr val="black"/>
                 </a:solidFill>
               </a:rPr>
-              <a:t>2020-05-18</a:t>
+              <a:t>2020-05-19</a:t>
             </a:fld>
             <a:endParaRPr lang="en-GB" dirty="0">
               <a:solidFill>
@@ -14484,7 +14310,7 @@
                   <a:prstClr val="black"/>
                 </a:solidFill>
               </a:rPr>
-              <a:t>2020-05-18</a:t>
+              <a:t>2020-05-19</a:t>
             </a:fld>
             <a:endParaRPr lang="en-GB" dirty="0">
               <a:solidFill>
@@ -14784,7 +14610,7 @@
                   <a:prstClr val="black"/>
                 </a:solidFill>
               </a:rPr>
-              <a:t>2020-05-18</a:t>
+              <a:t>2020-05-19</a:t>
             </a:fld>
             <a:endParaRPr lang="en-GB" dirty="0">
               <a:solidFill>
@@ -15297,7 +15123,7 @@
                   <a:prstClr val="black"/>
                 </a:solidFill>
               </a:rPr>
-              <a:t>2020-05-18</a:t>
+              <a:t>2020-05-19</a:t>
             </a:fld>
             <a:endParaRPr lang="en-GB" dirty="0">
               <a:solidFill>
@@ -15534,7 +15360,7 @@
                   <a:prstClr val="black"/>
                 </a:solidFill>
               </a:rPr>
-              <a:t>2020-05-18</a:t>
+              <a:t>2020-05-19</a:t>
             </a:fld>
             <a:endParaRPr lang="en-GB" dirty="0">
               <a:solidFill>
@@ -16437,7 +16263,7 @@
           <a:p>
             <a:fld id="{B7BDDC76-5D53-4957-9832-0AD3879DA754}" type="datetime1">
               <a:rPr lang="sv-SE" smtClean="0"/>
-              <a:t>2020-05-18</a:t>
+              <a:t>2020-05-19</a:t>
             </a:fld>
             <a:endParaRPr lang="sv-SE"/>
           </a:p>
@@ -16992,6 +16818,147 @@
             <a:endParaRPr lang="sv-SE" dirty="0">
               <a:solidFill>
                 <a:prstClr val="black"/>
+              </a:solidFill>
+            </a:endParaRPr>
+          </a:p>
+        </p:txBody>
+      </p:sp>
+      <p:sp>
+        <p:nvSpPr>
+          <p:cNvPr id="6" name="TextBox 5"/>
+          <p:cNvSpPr txBox="1"/>
+          <p:nvPr/>
+        </p:nvSpPr>
+        <p:spPr>
+          <a:xfrm>
+            <a:off x="9826906" y="347241"/>
+            <a:ext cx="1666755" cy="497711"/>
+          </a:xfrm>
+          <a:prstGeom prst="rect">
+            <a:avLst/>
+          </a:prstGeom>
+        </p:spPr>
+        <p:txBody>
+          <a:bodyPr vert="horz" wrap="square" lIns="91440" tIns="0" rIns="91440" bIns="0" rtlCol="0" anchor="t">
+            <a:normAutofit/>
+          </a:bodyPr>
+          <a:lstStyle/>
+          <a:p>
+            <a:pPr marL="457200"/>
+            <a:r>
+              <a:rPr lang="sv-SE" sz="1600" b="1" spc="-150" dirty="0">
+                <a:solidFill>
+                  <a:srgbClr val="FF0000"/>
+                </a:solidFill>
+              </a:rPr>
+              <a:t>Logo </a:t>
+            </a:r>
+            <a:r>
+              <a:rPr lang="sv-SE" sz="1600" b="1" spc="-150" dirty="0" err="1">
+                <a:solidFill>
+                  <a:srgbClr val="FF0000"/>
+                </a:solidFill>
+              </a:rPr>
+              <a:t>OSeMOSYS</a:t>
+            </a:r>
+            <a:endParaRPr lang="sv-SE" sz="1600" b="1" spc="-150" dirty="0">
+              <a:solidFill>
+                <a:srgbClr val="FF0000"/>
+              </a:solidFill>
+            </a:endParaRPr>
+          </a:p>
+        </p:txBody>
+      </p:sp>
+      <p:sp>
+        <p:nvSpPr>
+          <p:cNvPr id="9" name="TextBox 8"/>
+          <p:cNvSpPr txBox="1"/>
+          <p:nvPr/>
+        </p:nvSpPr>
+        <p:spPr>
+          <a:xfrm>
+            <a:off x="10000527" y="914400"/>
+            <a:ext cx="1353273" cy="524055"/>
+          </a:xfrm>
+          <a:prstGeom prst="rect">
+            <a:avLst/>
+          </a:prstGeom>
+        </p:spPr>
+        <p:txBody>
+          <a:bodyPr vert="horz" wrap="square" lIns="91440" tIns="0" rIns="91440" bIns="0" rtlCol="0" anchor="t">
+            <a:normAutofit/>
+          </a:bodyPr>
+          <a:lstStyle/>
+          <a:p>
+            <a:pPr marL="457200" indent="0"/>
+            <a:r>
+              <a:rPr lang="sv-SE" sz="1600" b="1" spc="-150" dirty="0" smtClean="0">
+                <a:solidFill>
+                  <a:srgbClr val="FF0000"/>
+                </a:solidFill>
+                <a:latin typeface="+mn-lt"/>
+              </a:rPr>
+              <a:t>Logo </a:t>
+            </a:r>
+            <a:r>
+              <a:rPr lang="sv-SE" sz="1600" b="1" spc="-150" dirty="0" err="1" smtClean="0">
+                <a:solidFill>
+                  <a:srgbClr val="FF0000"/>
+                </a:solidFill>
+                <a:latin typeface="+mn-lt"/>
+              </a:rPr>
+              <a:t>optimus</a:t>
+            </a:r>
+            <a:endParaRPr lang="sv-SE" sz="3000" b="1" spc="-150" dirty="0" smtClean="0">
+              <a:solidFill>
+                <a:srgbClr val="FF0000"/>
+              </a:solidFill>
+              <a:latin typeface="+mn-lt"/>
+            </a:endParaRPr>
+          </a:p>
+        </p:txBody>
+      </p:sp>
+      <p:sp>
+        <p:nvSpPr>
+          <p:cNvPr id="10" name="TextBox 9"/>
+          <p:cNvSpPr txBox="1"/>
+          <p:nvPr/>
+        </p:nvSpPr>
+        <p:spPr>
+          <a:xfrm>
+            <a:off x="838200" y="347241"/>
+            <a:ext cx="1114425" cy="1091214"/>
+          </a:xfrm>
+          <a:prstGeom prst="rect">
+            <a:avLst/>
+          </a:prstGeom>
+        </p:spPr>
+        <p:txBody>
+          <a:bodyPr vert="horz" wrap="square" lIns="91440" tIns="0" rIns="91440" bIns="0" rtlCol="0" anchor="t">
+            <a:normAutofit/>
+          </a:bodyPr>
+          <a:lstStyle/>
+          <a:p>
+            <a:pPr marL="457200"/>
+            <a:r>
+              <a:rPr lang="sv-SE" sz="1600" b="1" spc="-150">
+                <a:solidFill>
+                  <a:srgbClr val="FF0000"/>
+                </a:solidFill>
+              </a:rPr>
+              <a:t>Logo </a:t>
+            </a:r>
+            <a:r>
+              <a:rPr lang="sv-SE" sz="1600" b="1" spc="-150" smtClean="0">
+                <a:solidFill>
+                  <a:srgbClr val="FF0000"/>
+                </a:solidFill>
+              </a:rPr>
+              <a:t>KTH</a:t>
+            </a:r>
+            <a:endParaRPr lang="sv-SE" sz="1600" b="1" spc="-150" dirty="0">
+              <a:solidFill>
+                <a:srgbClr val="FF0000"/>
               </a:solidFill>
             </a:endParaRPr>
           </a:p>
@@ -18355,7 +18322,9 @@
         </p:nvSpPr>
         <p:spPr/>
         <p:txBody>
-          <a:bodyPr/>
+          <a:bodyPr>
+            <a:normAutofit fontScale="92500" lnSpcReduction="10000"/>
+          </a:bodyPr>
           <a:lstStyle/>
           <a:p>
             <a:r>
@@ -18400,12 +18369,80 @@
           <a:p>
             <a:r>
               <a:rPr lang="it-IT" dirty="0" smtClean="0"/>
-              <a:t>u </a:t>
-            </a:r>
-            <a:r>
-              <a:rPr lang="it-IT" dirty="0"/>
-              <a:t>ü</a:t>
-            </a:r>
+              <a:t>u ü</a:t>
+            </a:r>
+          </a:p>
+          <a:p>
+            <a:r>
+              <a:rPr lang="it-IT" dirty="0" smtClean="0"/>
+              <a:t>Greek letters: </a:t>
+            </a:r>
+            <a:r>
+              <a:rPr lang="el-GR" dirty="0"/>
+              <a:t>: Α α, Β β, Γ γ, Δ δ, Ε ε, Ζ ζ, </a:t>
+            </a:r>
+            <a:r>
+              <a:rPr lang="el-GR" dirty="0" smtClean="0"/>
+              <a:t>Η</a:t>
+            </a:r>
+            <a:endParaRPr lang="sv-SE" dirty="0"/>
+          </a:p>
+          <a:p>
+            <a:r>
+              <a:rPr lang="sv-SE" dirty="0" err="1" smtClean="0"/>
+              <a:t>Disuguaglianze</a:t>
+            </a:r>
+            <a:r>
+              <a:rPr lang="sv-SE" dirty="0" smtClean="0"/>
+              <a:t>: &gt; = &lt; </a:t>
+            </a:r>
+          </a:p>
+          <a:p>
+            <a:r>
+              <a:rPr lang="sv-SE" dirty="0" err="1"/>
+              <a:t>Chinese</a:t>
+            </a:r>
+            <a:r>
+              <a:rPr lang="sv-SE" dirty="0"/>
+              <a:t> </a:t>
+            </a:r>
+            <a:r>
+              <a:rPr lang="sv-SE" dirty="0" err="1"/>
+              <a:t>Characters</a:t>
+            </a:r>
+            <a:r>
+              <a:rPr lang="sv-SE" dirty="0"/>
+              <a:t>: </a:t>
+            </a:r>
+            <a:r>
+              <a:rPr lang="ja-JP" altLang="sv-SE" dirty="0"/>
+              <a:t>會意</a:t>
+            </a:r>
+            <a:r>
+              <a:rPr lang="ja-JP" altLang="sv-SE" dirty="0"/>
+              <a:t>字</a:t>
+            </a:r>
+            <a:endParaRPr lang="sv-SE" altLang="ja-JP" dirty="0"/>
+          </a:p>
+          <a:p>
+            <a:r>
+              <a:rPr lang="sv-SE" altLang="ja-JP" dirty="0"/>
+              <a:t>Accents: </a:t>
+            </a:r>
+            <a:r>
+              <a:rPr lang="sv-SE" dirty="0"/>
+              <a:t>ä ö </a:t>
+            </a:r>
+            <a:r>
+              <a:rPr lang="sv-SE" dirty="0"/>
+              <a:t>ü à á å </a:t>
+            </a:r>
+            <a:endParaRPr lang="sv-SE" dirty="0"/>
+          </a:p>
+          <a:p>
+            <a:endParaRPr lang="sv-SE" altLang="ja-JP" dirty="0" smtClean="0"/>
+          </a:p>
+          <a:p>
             <a:endParaRPr lang="sv-SE" dirty="0"/>
           </a:p>
         </p:txBody>
@@ -18532,420 +18569,6 @@
       </p:grpSpPr>
       <p:sp>
         <p:nvSpPr>
-          <p:cNvPr id="2" name="Content Placeholder 1"/>
-          <p:cNvSpPr>
-            <a:spLocks noGrp="1"/>
-          </p:cNvSpPr>
-          <p:nvPr>
-            <p:ph idx="1"/>
-          </p:nvPr>
-        </p:nvSpPr>
-        <p:spPr/>
-        <p:txBody>
-          <a:bodyPr/>
-          <a:lstStyle/>
-          <a:p>
-            <a:pPr marL="457200" indent="-457200">
-              <a:buFont typeface="Arial" panose="020B0604020202020204" pitchFamily="34" charset="0"/>
-              <a:buChar char="•"/>
-            </a:pPr>
-            <a:r>
-              <a:rPr lang="en-US" dirty="0"/>
-              <a:t>The energy system is a complicated network of processes and flows</a:t>
-            </a:r>
-          </a:p>
-          <a:p>
-            <a:pPr marL="457200" indent="-457200">
-              <a:buFont typeface="Arial" panose="020B0604020202020204" pitchFamily="34" charset="0"/>
-              <a:buChar char="•"/>
-            </a:pPr>
-            <a:r>
-              <a:rPr lang="en-US" dirty="0"/>
-              <a:t>Models are a useful tool to understand the energy system and formulate sound energy policies</a:t>
-            </a:r>
-          </a:p>
-          <a:p>
-            <a:pPr marL="457200" indent="-457200">
-              <a:buFont typeface="Arial" panose="020B0604020202020204" pitchFamily="34" charset="0"/>
-              <a:buChar char="•"/>
-            </a:pPr>
-            <a:r>
-              <a:rPr lang="en-US" dirty="0"/>
-              <a:t>Energy models provide </a:t>
-            </a:r>
-            <a:r>
-              <a:rPr lang="en-US" b="1" dirty="0"/>
-              <a:t>insights for energy policies, not numbers</a:t>
-            </a:r>
-          </a:p>
-          <a:p>
-            <a:pPr marL="457200" indent="-457200">
-              <a:buFont typeface="Arial" panose="020B0604020202020204" pitchFamily="34" charset="0"/>
-              <a:buChar char="•"/>
-            </a:pPr>
-            <a:r>
-              <a:rPr lang="en-US" dirty="0"/>
-              <a:t>Modelling tools can be categorized into top-down and bottom-up. We will look at one type of bottom-up tools: </a:t>
-            </a:r>
-            <a:r>
-              <a:rPr lang="en-US" b="1" dirty="0"/>
-              <a:t>optimization tools</a:t>
-            </a:r>
-          </a:p>
-        </p:txBody>
-      </p:sp>
-      <p:sp>
-        <p:nvSpPr>
-          <p:cNvPr id="5" name="Slide Number Placeholder 4"/>
-          <p:cNvSpPr>
-            <a:spLocks noGrp="1"/>
-          </p:cNvSpPr>
-          <p:nvPr>
-            <p:ph type="sldNum" sz="quarter" idx="12"/>
-          </p:nvPr>
-        </p:nvSpPr>
-        <p:spPr/>
-        <p:txBody>
-          <a:bodyPr/>
-          <a:lstStyle/>
-          <a:p>
-            <a:fld id="{A0B7FA9A-6BCF-4CFA-8685-B7A43319A6CD}" type="slidenum">
-              <a:rPr lang="en-GB" smtClean="0"/>
-              <a:pPr/>
-              <a:t>15</a:t>
-            </a:fld>
-            <a:endParaRPr lang="en-GB" dirty="0"/>
-          </a:p>
-        </p:txBody>
-      </p:sp>
-      <p:sp>
-        <p:nvSpPr>
-          <p:cNvPr id="6" name="Title 5"/>
-          <p:cNvSpPr>
-            <a:spLocks noGrp="1"/>
-          </p:cNvSpPr>
-          <p:nvPr>
-            <p:ph type="title"/>
-          </p:nvPr>
-        </p:nvSpPr>
-        <p:spPr/>
-        <p:txBody>
-          <a:bodyPr/>
-          <a:lstStyle/>
-          <a:p>
-            <a:r>
-              <a:rPr lang="sv-SE" dirty="0" err="1"/>
-              <a:t>Key</a:t>
-            </a:r>
-            <a:r>
-              <a:rPr lang="sv-SE" dirty="0"/>
-              <a:t> </a:t>
-            </a:r>
-            <a:r>
-              <a:rPr lang="sv-SE" dirty="0" err="1"/>
-              <a:t>take</a:t>
-            </a:r>
-            <a:r>
-              <a:rPr lang="sv-SE" dirty="0"/>
-              <a:t> </a:t>
-            </a:r>
-            <a:r>
-              <a:rPr lang="sv-SE" dirty="0" err="1"/>
-              <a:t>away</a:t>
-            </a:r>
-            <a:r>
-              <a:rPr lang="sv-SE" dirty="0"/>
-              <a:t> </a:t>
-            </a:r>
-            <a:r>
-              <a:rPr lang="sv-SE" dirty="0" err="1"/>
-              <a:t>messages</a:t>
-            </a:r>
-            <a:endParaRPr lang="sv-SE" dirty="0"/>
-          </a:p>
-        </p:txBody>
-      </p:sp>
-      <p:sp>
-        <p:nvSpPr>
-          <p:cNvPr id="7" name="Footer Placeholder 4"/>
-          <p:cNvSpPr>
-            <a:spLocks noGrp="1"/>
-          </p:cNvSpPr>
-          <p:nvPr>
-            <p:ph type="ftr" sz="quarter" idx="11"/>
-          </p:nvPr>
-        </p:nvSpPr>
-        <p:spPr>
-          <a:xfrm>
-            <a:off x="4038600" y="6356350"/>
-            <a:ext cx="4114800" cy="365125"/>
-          </a:xfrm>
-        </p:spPr>
-        <p:txBody>
-          <a:bodyPr/>
-          <a:lstStyle/>
-          <a:p>
-            <a:r>
-              <a:rPr lang="en-GB" smtClean="0"/>
-              <a:t>MJ2380-2381 2020</a:t>
-            </a:r>
-            <a:endParaRPr lang="en-GB" dirty="0"/>
-          </a:p>
-        </p:txBody>
-      </p:sp>
-    </p:spTree>
-    <p:extLst>
-      <p:ext uri="{BB962C8B-B14F-4D97-AF65-F5344CB8AC3E}">
-        <p14:creationId xmlns:p14="http://schemas.microsoft.com/office/powerpoint/2010/main" val="2837304566"/>
-      </p:ext>
-    </p:extLst>
-  </p:cSld>
-  <p:clrMapOvr>
-    <a:masterClrMapping/>
-  </p:clrMapOvr>
-  <mc:AlternateContent xmlns:mc="http://schemas.openxmlformats.org/markup-compatibility/2006" xmlns:p14="http://schemas.microsoft.com/office/powerpoint/2010/main">
-    <mc:Choice Requires="p14">
-      <p:transition spd="med" p14:dur="700">
-        <p:fade/>
-      </p:transition>
-    </mc:Choice>
-    <mc:Fallback xmlns="">
-      <p:transition spd="med">
-        <p:fade/>
-      </p:transition>
-    </mc:Fallback>
-  </mc:AlternateContent>
-  <p:timing>
-    <p:tnLst>
-      <p:par>
-        <p:cTn id="1" dur="indefinite" restart="never" nodeType="tmRoot"/>
-      </p:par>
-    </p:tnLst>
-  </p:timing>
-</p:sld>
-</file>
-
-<file path=ppt/slides/slide16.xml><?xml version="1.0" encoding="utf-8"?>
-<p:sld xmlns:a="http://schemas.openxmlformats.org/drawingml/2006/main" xmlns:r="http://schemas.openxmlformats.org/officeDocument/2006/relationships" xmlns:p="http://schemas.openxmlformats.org/presentationml/2006/main">
-  <p:cSld>
-    <p:spTree>
-      <p:nvGrpSpPr>
-        <p:cNvPr id="1" name=""/>
-        <p:cNvGrpSpPr/>
-        <p:nvPr/>
-      </p:nvGrpSpPr>
-      <p:grpSpPr>
-        <a:xfrm>
-          <a:off x="0" y="0"/>
-          <a:ext cx="0" cy="0"/>
-          <a:chOff x="0" y="0"/>
-          <a:chExt cx="0" cy="0"/>
-        </a:xfrm>
-      </p:grpSpPr>
-      <p:sp>
-        <p:nvSpPr>
-          <p:cNvPr id="2" name="Content Placeholder 1"/>
-          <p:cNvSpPr>
-            <a:spLocks noGrp="1"/>
-          </p:cNvSpPr>
-          <p:nvPr>
-            <p:ph idx="1"/>
-          </p:nvPr>
-        </p:nvSpPr>
-        <p:spPr/>
-        <p:txBody>
-          <a:bodyPr/>
-          <a:lstStyle/>
-          <a:p>
-            <a:pPr marL="285750" lvl="1" indent="-285750">
-              <a:spcAft>
-                <a:spcPct val="50000"/>
-              </a:spcAft>
-            </a:pPr>
-            <a:r>
-              <a:rPr lang="sv-SE" dirty="0"/>
-              <a:t>Modelling for insights, not numbers - Huntington et al.  (1982): </a:t>
-            </a:r>
-            <a:r>
-              <a:rPr lang="sv-SE" dirty="0">
-                <a:hlinkClick r:id="rId3"/>
-              </a:rPr>
-              <a:t>https://www.sciencedirect.com/science/article/pii/0305048382900020</a:t>
-            </a:r>
-            <a:r>
-              <a:rPr lang="sv-SE" dirty="0"/>
-              <a:t> </a:t>
-            </a:r>
-          </a:p>
-          <a:p>
-            <a:pPr marL="285750" lvl="1" indent="-285750">
-              <a:spcAft>
-                <a:spcPct val="50000"/>
-              </a:spcAft>
-            </a:pPr>
-            <a:r>
-              <a:rPr lang="sv-SE" dirty="0"/>
-              <a:t>Categorisation of modelling tools – Herbst et al. (2012): </a:t>
-            </a:r>
-            <a:r>
-              <a:rPr lang="sv-SE" dirty="0">
-                <a:hlinkClick r:id="rId4"/>
-              </a:rPr>
-              <a:t>https://link.springer.com/content/pdf/10.1007%2FBF03399363.pdf</a:t>
-            </a:r>
-            <a:r>
-              <a:rPr lang="sv-SE" dirty="0"/>
-              <a:t> </a:t>
-            </a:r>
-          </a:p>
-          <a:p>
-            <a:pPr marL="285750" lvl="1" indent="-285750">
-              <a:spcAft>
-                <a:spcPct val="50000"/>
-              </a:spcAft>
-            </a:pPr>
-            <a:r>
-              <a:rPr lang="sv-SE" dirty="0"/>
-              <a:t>Review of different categorisation methods – Müller et al. (2018): </a:t>
-            </a:r>
-            <a:r>
-              <a:rPr lang="sv-SE" dirty="0">
-                <a:hlinkClick r:id="rId5"/>
-              </a:rPr>
-              <a:t>https://www.sciencedirect.com/science/article/pii/S2211467X18300154</a:t>
-            </a:r>
-            <a:r>
-              <a:rPr lang="sv-SE" dirty="0"/>
-              <a:t> </a:t>
-            </a:r>
-          </a:p>
-        </p:txBody>
-      </p:sp>
-      <p:sp>
-        <p:nvSpPr>
-          <p:cNvPr id="5" name="Slide Number Placeholder 4"/>
-          <p:cNvSpPr>
-            <a:spLocks noGrp="1"/>
-          </p:cNvSpPr>
-          <p:nvPr>
-            <p:ph type="sldNum" sz="quarter" idx="12"/>
-          </p:nvPr>
-        </p:nvSpPr>
-        <p:spPr/>
-        <p:txBody>
-          <a:bodyPr/>
-          <a:lstStyle/>
-          <a:p>
-            <a:fld id="{A0B7FA9A-6BCF-4CFA-8685-B7A43319A6CD}" type="slidenum">
-              <a:rPr lang="en-GB" smtClean="0"/>
-              <a:pPr/>
-              <a:t>16</a:t>
-            </a:fld>
-            <a:endParaRPr lang="en-GB" dirty="0"/>
-          </a:p>
-        </p:txBody>
-      </p:sp>
-      <p:sp>
-        <p:nvSpPr>
-          <p:cNvPr id="6" name="Title 5"/>
-          <p:cNvSpPr>
-            <a:spLocks noGrp="1"/>
-          </p:cNvSpPr>
-          <p:nvPr>
-            <p:ph type="title"/>
-          </p:nvPr>
-        </p:nvSpPr>
-        <p:spPr/>
-        <p:txBody>
-          <a:bodyPr/>
-          <a:lstStyle/>
-          <a:p>
-            <a:r>
-              <a:rPr lang="sv-SE" dirty="0"/>
-              <a:t>Reading material</a:t>
-            </a:r>
-          </a:p>
-        </p:txBody>
-      </p:sp>
-      <p:sp>
-        <p:nvSpPr>
-          <p:cNvPr id="7" name="Footer Placeholder 4"/>
-          <p:cNvSpPr>
-            <a:spLocks noGrp="1"/>
-          </p:cNvSpPr>
-          <p:nvPr>
-            <p:ph type="ftr" sz="quarter" idx="11"/>
-          </p:nvPr>
-        </p:nvSpPr>
-        <p:spPr>
-          <a:xfrm>
-            <a:off x="4038600" y="6356350"/>
-            <a:ext cx="4114800" cy="365125"/>
-          </a:xfrm>
-        </p:spPr>
-        <p:txBody>
-          <a:bodyPr/>
-          <a:lstStyle/>
-          <a:p>
-            <a:r>
-              <a:rPr lang="en-GB" smtClean="0"/>
-              <a:t>MJ2380-2381 2020</a:t>
-            </a:r>
-            <a:endParaRPr lang="en-GB" dirty="0"/>
-          </a:p>
-        </p:txBody>
-      </p:sp>
-    </p:spTree>
-    <p:extLst>
-      <p:ext uri="{BB962C8B-B14F-4D97-AF65-F5344CB8AC3E}">
-        <p14:creationId xmlns:p14="http://schemas.microsoft.com/office/powerpoint/2010/main" val="1208241015"/>
-      </p:ext>
-    </p:extLst>
-  </p:cSld>
-  <p:clrMapOvr>
-    <a:masterClrMapping/>
-  </p:clrMapOvr>
-  <mc:AlternateContent xmlns:mc="http://schemas.openxmlformats.org/markup-compatibility/2006" xmlns:p14="http://schemas.microsoft.com/office/powerpoint/2010/main">
-    <mc:Choice Requires="p14">
-      <p:transition spd="med" p14:dur="700">
-        <p:fade/>
-      </p:transition>
-    </mc:Choice>
-    <mc:Fallback xmlns="">
-      <p:transition spd="med">
-        <p:fade/>
-      </p:transition>
-    </mc:Fallback>
-  </mc:AlternateContent>
-  <p:timing>
-    <p:tnLst>
-      <p:par>
-        <p:cTn id="1" dur="indefinite" restart="never" nodeType="tmRoot"/>
-      </p:par>
-    </p:tnLst>
-  </p:timing>
-</p:sld>
-</file>
-
-<file path=ppt/slides/slide17.xml><?xml version="1.0" encoding="utf-8"?>
-<p:sld xmlns:a="http://schemas.openxmlformats.org/drawingml/2006/main" xmlns:r="http://schemas.openxmlformats.org/officeDocument/2006/relationships" xmlns:p="http://schemas.openxmlformats.org/presentationml/2006/main">
-  <p:cSld>
-    <p:spTree>
-      <p:nvGrpSpPr>
-        <p:cNvPr id="1" name=""/>
-        <p:cNvGrpSpPr/>
-        <p:nvPr/>
-      </p:nvGrpSpPr>
-      <p:grpSpPr>
-        <a:xfrm>
-          <a:off x="0" y="0"/>
-          <a:ext cx="0" cy="0"/>
-          <a:chOff x="0" y="0"/>
-          <a:chExt cx="0" cy="0"/>
-        </a:xfrm>
-      </p:grpSpPr>
-      <p:sp>
-        <p:nvSpPr>
           <p:cNvPr id="3" name="Title 2"/>
           <p:cNvSpPr>
             <a:spLocks noGrp="1"/>
@@ -19037,7 +18660,7 @@
                 </a:solidFill>
               </a:rPr>
               <a:pPr/>
-              <a:t>17</a:t>
+              <a:t>15</a:t>
             </a:fld>
             <a:endParaRPr lang="en-GB" sz="1400" dirty="0">
               <a:solidFill>
@@ -22925,7 +22548,7 @@
 </file>
 
 <file path=customXml/itemProps1.xml><?xml version="1.0" encoding="utf-8"?>
-<ds:datastoreItem xmlns:ds="http://schemas.openxmlformats.org/officeDocument/2006/customXml" ds:itemID="{C617D7A1-438A-4842-B3E3-9908A6EB6D2C}">
+<ds:datastoreItem xmlns:ds="http://schemas.openxmlformats.org/officeDocument/2006/customXml" ds:itemID="{C4C77668-3C09-4800-9078-32A63FDB8878}">
   <ds:schemaRefs>
     <ds:schemaRef ds:uri="http://schemas.microsoft.com/VisualStudio/2011/storyboarding/control"/>
   </ds:schemaRefs>
@@ -22933,7 +22556,7 @@
 </file>
 
 <file path=customXml/itemProps2.xml><?xml version="1.0" encoding="utf-8"?>
-<ds:datastoreItem xmlns:ds="http://schemas.openxmlformats.org/officeDocument/2006/customXml" ds:itemID="{C4C77668-3C09-4800-9078-32A63FDB8878}">
+<ds:datastoreItem xmlns:ds="http://schemas.openxmlformats.org/officeDocument/2006/customXml" ds:itemID="{C617D7A1-438A-4842-B3E3-9908A6EB6D2C}">
   <ds:schemaRefs>
     <ds:schemaRef ds:uri="http://schemas.microsoft.com/VisualStudio/2011/storyboarding/control"/>
   </ds:schemaRefs>
@@ -22949,7 +22572,7 @@
 </file>
 
 <file path=customXml/itemProps4.xml><?xml version="1.0" encoding="utf-8"?>
-<ds:datastoreItem xmlns:ds="http://schemas.openxmlformats.org/officeDocument/2006/customXml" ds:itemID="{1CFCFB3A-1124-4BB9-AF75-CF97631426FE}">
+<ds:datastoreItem xmlns:ds="http://schemas.openxmlformats.org/officeDocument/2006/customXml" ds:itemID="{834A27C6-F506-436C-BE80-EBD990020008}">
   <ds:schemaRefs>
     <ds:schemaRef ds:uri="http://schemas.microsoft.com/VisualStudio/2011/storyboarding/control"/>
   </ds:schemaRefs>
@@ -22957,7 +22580,7 @@
 </file>
 
 <file path=customXml/itemProps5.xml><?xml version="1.0" encoding="utf-8"?>
-<ds:datastoreItem xmlns:ds="http://schemas.openxmlformats.org/officeDocument/2006/customXml" ds:itemID="{834A27C6-F506-436C-BE80-EBD990020008}">
+<ds:datastoreItem xmlns:ds="http://schemas.openxmlformats.org/officeDocument/2006/customXml" ds:itemID="{1CFCFB3A-1124-4BB9-AF75-CF97631426FE}">
   <ds:schemaRefs>
     <ds:schemaRef ds:uri="http://schemas.microsoft.com/VisualStudio/2011/storyboarding/control"/>
   </ds:schemaRefs>
